--- a/docs/Modern Retrieval Evaluations.pptx
+++ b/docs/Modern Retrieval Evaluations.pptx
@@ -244,7 +244,7 @@
           <a:p>
             <a:fld id="{B4411AA0-CEDB-4C5B-840E-2322BB417AE9}" type="datetimeFigureOut">
               <a:rPr lang="en-US" smtClean="0"/>
-              <a:t>10/27/2014</a:t>
+              <a:t>10/19/2015</a:t>
             </a:fld>
             <a:endParaRPr lang="en-US"/>
           </a:p>
@@ -577,6 +577,90 @@
           <a:p>
             <a:fld id="{43FF3916-FB8C-4308-A6D1-1E57C7CEE7E3}" type="slidenum">
               <a:rPr lang="en-US" smtClean="0"/>
+              <a:t>1</a:t>
+            </a:fld>
+            <a:endParaRPr lang="en-US"/>
+          </a:p>
+        </p:txBody>
+      </p:sp>
+    </p:spTree>
+    <p:extLst>
+      <p:ext uri="{BB962C8B-B14F-4D97-AF65-F5344CB8AC3E}">
+        <p14:creationId xmlns:p14="http://schemas.microsoft.com/office/powerpoint/2010/main" val="1872783297"/>
+      </p:ext>
+    </p:extLst>
+  </p:cSld>
+  <p:clrMapOvr>
+    <a:masterClrMapping/>
+  </p:clrMapOvr>
+</p:notes>
+</file>
+
+<file path=ppt/notesSlides/notesSlide2.xml><?xml version="1.0" encoding="utf-8"?>
+<p:notes xmlns:a="http://schemas.openxmlformats.org/drawingml/2006/main" xmlns:r="http://schemas.openxmlformats.org/officeDocument/2006/relationships" xmlns:p="http://schemas.openxmlformats.org/presentationml/2006/main">
+  <p:cSld>
+    <p:spTree>
+      <p:nvGrpSpPr>
+        <p:cNvPr id="1" name=""/>
+        <p:cNvGrpSpPr/>
+        <p:nvPr/>
+      </p:nvGrpSpPr>
+      <p:grpSpPr>
+        <a:xfrm>
+          <a:off x="0" y="0"/>
+          <a:ext cx="0" cy="0"/>
+          <a:chOff x="0" y="0"/>
+          <a:chExt cx="0" cy="0"/>
+        </a:xfrm>
+      </p:grpSpPr>
+      <p:sp>
+        <p:nvSpPr>
+          <p:cNvPr id="2" name="Slide Image Placeholder 1"/>
+          <p:cNvSpPr>
+            <a:spLocks noGrp="1" noRot="1" noChangeAspect="1"/>
+          </p:cNvSpPr>
+          <p:nvPr>
+            <p:ph type="sldImg"/>
+          </p:nvPr>
+        </p:nvSpPr>
+        <p:spPr/>
+      </p:sp>
+      <p:sp>
+        <p:nvSpPr>
+          <p:cNvPr id="3" name="Notes Placeholder 2"/>
+          <p:cNvSpPr>
+            <a:spLocks noGrp="1"/>
+          </p:cNvSpPr>
+          <p:nvPr>
+            <p:ph type="body" idx="1"/>
+          </p:nvPr>
+        </p:nvSpPr>
+        <p:spPr/>
+        <p:txBody>
+          <a:bodyPr/>
+          <a:lstStyle/>
+          <a:p>
+            <a:endParaRPr lang="en-US"/>
+          </a:p>
+        </p:txBody>
+      </p:sp>
+      <p:sp>
+        <p:nvSpPr>
+          <p:cNvPr id="4" name="Slide Number Placeholder 3"/>
+          <p:cNvSpPr>
+            <a:spLocks noGrp="1"/>
+          </p:cNvSpPr>
+          <p:nvPr>
+            <p:ph type="sldNum" sz="quarter" idx="10"/>
+          </p:nvPr>
+        </p:nvSpPr>
+        <p:spPr/>
+        <p:txBody>
+          <a:bodyPr/>
+          <a:lstStyle/>
+          <a:p>
+            <a:fld id="{43FF3916-FB8C-4308-A6D1-1E57C7CEE7E3}" type="slidenum">
+              <a:rPr lang="en-US" smtClean="0"/>
               <a:t>3</a:t>
             </a:fld>
             <a:endParaRPr lang="en-US"/>
@@ -596,7 +680,91 @@
 </p:notes>
 </file>
 
-<file path=ppt/notesSlides/notesSlide2.xml><?xml version="1.0" encoding="utf-8"?>
+<file path=ppt/notesSlides/notesSlide3.xml><?xml version="1.0" encoding="utf-8"?>
+<p:notes xmlns:a="http://schemas.openxmlformats.org/drawingml/2006/main" xmlns:r="http://schemas.openxmlformats.org/officeDocument/2006/relationships" xmlns:p="http://schemas.openxmlformats.org/presentationml/2006/main">
+  <p:cSld>
+    <p:spTree>
+      <p:nvGrpSpPr>
+        <p:cNvPr id="1" name=""/>
+        <p:cNvGrpSpPr/>
+        <p:nvPr/>
+      </p:nvGrpSpPr>
+      <p:grpSpPr>
+        <a:xfrm>
+          <a:off x="0" y="0"/>
+          <a:ext cx="0" cy="0"/>
+          <a:chOff x="0" y="0"/>
+          <a:chExt cx="0" cy="0"/>
+        </a:xfrm>
+      </p:grpSpPr>
+      <p:sp>
+        <p:nvSpPr>
+          <p:cNvPr id="2" name="Slide Image Placeholder 1"/>
+          <p:cNvSpPr>
+            <a:spLocks noGrp="1" noRot="1" noChangeAspect="1"/>
+          </p:cNvSpPr>
+          <p:nvPr>
+            <p:ph type="sldImg"/>
+          </p:nvPr>
+        </p:nvSpPr>
+        <p:spPr/>
+      </p:sp>
+      <p:sp>
+        <p:nvSpPr>
+          <p:cNvPr id="3" name="Notes Placeholder 2"/>
+          <p:cNvSpPr>
+            <a:spLocks noGrp="1"/>
+          </p:cNvSpPr>
+          <p:nvPr>
+            <p:ph type="body" idx="1"/>
+          </p:nvPr>
+        </p:nvSpPr>
+        <p:spPr/>
+        <p:txBody>
+          <a:bodyPr/>
+          <a:lstStyle/>
+          <a:p>
+            <a:endParaRPr lang="en-US"/>
+          </a:p>
+        </p:txBody>
+      </p:sp>
+      <p:sp>
+        <p:nvSpPr>
+          <p:cNvPr id="4" name="Slide Number Placeholder 3"/>
+          <p:cNvSpPr>
+            <a:spLocks noGrp="1"/>
+          </p:cNvSpPr>
+          <p:nvPr>
+            <p:ph type="sldNum" sz="quarter" idx="10"/>
+          </p:nvPr>
+        </p:nvSpPr>
+        <p:spPr/>
+        <p:txBody>
+          <a:bodyPr/>
+          <a:lstStyle/>
+          <a:p>
+            <a:fld id="{43FF3916-FB8C-4308-A6D1-1E57C7CEE7E3}" type="slidenum">
+              <a:rPr lang="en-US" smtClean="0"/>
+              <a:t>12</a:t>
+            </a:fld>
+            <a:endParaRPr lang="en-US"/>
+          </a:p>
+        </p:txBody>
+      </p:sp>
+    </p:spTree>
+    <p:extLst>
+      <p:ext uri="{BB962C8B-B14F-4D97-AF65-F5344CB8AC3E}">
+        <p14:creationId xmlns:p14="http://schemas.microsoft.com/office/powerpoint/2010/main" val="3356283070"/>
+      </p:ext>
+    </p:extLst>
+  </p:cSld>
+  <p:clrMapOvr>
+    <a:masterClrMapping/>
+  </p:clrMapOvr>
+</p:notes>
+</file>
+
+<file path=ppt/notesSlides/notesSlide4.xml><?xml version="1.0" encoding="utf-8"?>
 <p:notes xmlns:a="http://schemas.openxmlformats.org/drawingml/2006/main" xmlns:r="http://schemas.openxmlformats.org/officeDocument/2006/relationships" xmlns:p="http://schemas.openxmlformats.org/presentationml/2006/main">
   <p:cSld>
     <p:spTree>
@@ -914,7 +1082,7 @@
           <a:p>
             <a:r>
               <a:rPr lang="en-US" smtClean="0"/>
-              <a:t>CS 6501: Information Retrieval</a:t>
+              <a:t>CS 4501: Information Retrieval</a:t>
             </a:r>
             <a:endParaRPr lang="en-US"/>
           </a:p>
@@ -1088,7 +1256,7 @@
           <a:p>
             <a:r>
               <a:rPr lang="en-US" smtClean="0"/>
-              <a:t>CS 6501: Information Retrieval</a:t>
+              <a:t>CS 4501: Information Retrieval</a:t>
             </a:r>
             <a:endParaRPr lang="en-US"/>
           </a:p>
@@ -1272,7 +1440,7 @@
           <a:p>
             <a:r>
               <a:rPr lang="en-US" smtClean="0"/>
-              <a:t>CS 6501: Information Retrieval</a:t>
+              <a:t>CS 4501: Information Retrieval</a:t>
             </a:r>
             <a:endParaRPr lang="en-US"/>
           </a:p>
@@ -1446,7 +1614,7 @@
           <a:p>
             <a:r>
               <a:rPr lang="en-US" smtClean="0"/>
-              <a:t>CS 6501: Information Retrieval</a:t>
+              <a:t>CS 4501: Information Retrieval</a:t>
             </a:r>
             <a:endParaRPr lang="en-US"/>
           </a:p>
@@ -1696,7 +1864,7 @@
           <a:p>
             <a:r>
               <a:rPr lang="en-US" smtClean="0"/>
-              <a:t>CS 6501: Information Retrieval</a:t>
+              <a:t>CS 4501: Information Retrieval</a:t>
             </a:r>
             <a:endParaRPr lang="en-US"/>
           </a:p>
@@ -1988,7 +2156,7 @@
           <a:p>
             <a:r>
               <a:rPr lang="en-US" smtClean="0"/>
-              <a:t>CS 6501: Information Retrieval</a:t>
+              <a:t>CS 4501: Information Retrieval</a:t>
             </a:r>
             <a:endParaRPr lang="en-US"/>
           </a:p>
@@ -2414,7 +2582,7 @@
           <a:p>
             <a:r>
               <a:rPr lang="en-US" smtClean="0"/>
-              <a:t>CS 6501: Information Retrieval</a:t>
+              <a:t>CS 4501: Information Retrieval</a:t>
             </a:r>
             <a:endParaRPr lang="en-US"/>
           </a:p>
@@ -2536,7 +2704,7 @@
           <a:p>
             <a:r>
               <a:rPr lang="en-US" smtClean="0"/>
-              <a:t>CS 6501: Information Retrieval</a:t>
+              <a:t>CS 4501: Information Retrieval</a:t>
             </a:r>
             <a:endParaRPr lang="en-US"/>
           </a:p>
@@ -2635,7 +2803,7 @@
           <a:p>
             <a:r>
               <a:rPr lang="en-US" smtClean="0"/>
-              <a:t>CS 6501: Information Retrieval</a:t>
+              <a:t>CS 4501: Information Retrieval</a:t>
             </a:r>
             <a:endParaRPr lang="en-US"/>
           </a:p>
@@ -2916,7 +3084,7 @@
           <a:p>
             <a:r>
               <a:rPr lang="en-US" smtClean="0"/>
-              <a:t>CS 6501: Information Retrieval</a:t>
+              <a:t>CS 4501: Information Retrieval</a:t>
             </a:r>
             <a:endParaRPr lang="en-US"/>
           </a:p>
@@ -3177,7 +3345,7 @@
           <a:p>
             <a:r>
               <a:rPr lang="en-US" smtClean="0"/>
-              <a:t>CS 6501: Information Retrieval</a:t>
+              <a:t>CS 4501: Information Retrieval</a:t>
             </a:r>
             <a:endParaRPr lang="en-US"/>
           </a:p>
@@ -3412,7 +3580,7 @@
           <a:p>
             <a:r>
               <a:rPr lang="en-US" smtClean="0"/>
-              <a:t>CS 6501: Information Retrieval</a:t>
+              <a:t>CS 4501: Information Retrieval</a:t>
             </a:r>
             <a:endParaRPr lang="en-US"/>
           </a:p>
@@ -3983,12 +4151,12 @@
       </p:sp>
       <p:sp>
         <p:nvSpPr>
-          <p:cNvPr id="5" name="Date Placeholder 4"/>
-          <p:cNvSpPr>
-            <a:spLocks noGrp="1"/>
-          </p:cNvSpPr>
-          <p:nvPr>
-            <p:ph type="dt" sz="half" idx="10"/>
+          <p:cNvPr id="7" name="Footer Placeholder 6"/>
+          <p:cNvSpPr>
+            <a:spLocks noGrp="1"/>
+          </p:cNvSpPr>
+          <p:nvPr>
+            <p:ph type="ftr" sz="quarter" idx="11"/>
           </p:nvPr>
         </p:nvSpPr>
         <p:spPr/>
@@ -3998,7 +4166,7 @@
           <a:p>
             <a:r>
               <a:rPr lang="en-US" smtClean="0"/>
-              <a:t>CS@UVa</a:t>
+              <a:t>CS 4501: Information Retrieval</a:t>
             </a:r>
             <a:endParaRPr lang="en-US"/>
           </a:p>
@@ -4006,12 +4174,12 @@
       </p:sp>
       <p:sp>
         <p:nvSpPr>
-          <p:cNvPr id="7" name="Footer Placeholder 6"/>
-          <p:cNvSpPr>
-            <a:spLocks noGrp="1"/>
-          </p:cNvSpPr>
-          <p:nvPr>
-            <p:ph type="ftr" sz="quarter" idx="11"/>
+          <p:cNvPr id="9" name="Date Placeholder 8"/>
+          <p:cNvSpPr>
+            <a:spLocks noGrp="1"/>
+          </p:cNvSpPr>
+          <p:nvPr>
+            <p:ph type="dt" sz="half" idx="10"/>
           </p:nvPr>
         </p:nvSpPr>
         <p:spPr/>
@@ -4021,7 +4189,7 @@
           <a:p>
             <a:r>
               <a:rPr lang="en-US" smtClean="0"/>
-              <a:t>CS 6501: Information Retrieval</a:t>
+              <a:t>CS@UVa</a:t>
             </a:r>
             <a:endParaRPr lang="en-US"/>
           </a:p>
@@ -4029,7 +4197,7 @@
       </p:sp>
       <p:sp>
         <p:nvSpPr>
-          <p:cNvPr id="8" name="Slide Number Placeholder 7"/>
+          <p:cNvPr id="10" name="Slide Number Placeholder 9"/>
           <p:cNvSpPr>
             <a:spLocks noGrp="1"/>
           </p:cNvSpPr>
@@ -4230,12 +4398,12 @@
       </p:sp>
       <p:sp>
         <p:nvSpPr>
-          <p:cNvPr id="4" name="Date Placeholder 3"/>
-          <p:cNvSpPr>
-            <a:spLocks noGrp="1"/>
-          </p:cNvSpPr>
-          <p:nvPr>
-            <p:ph type="dt" sz="half" idx="10"/>
+          <p:cNvPr id="5" name="Footer Placeholder 4"/>
+          <p:cNvSpPr>
+            <a:spLocks noGrp="1"/>
+          </p:cNvSpPr>
+          <p:nvPr>
+            <p:ph type="ftr" sz="quarter" idx="11"/>
           </p:nvPr>
         </p:nvSpPr>
         <p:spPr/>
@@ -4245,7 +4413,7 @@
           <a:p>
             <a:r>
               <a:rPr lang="en-US" smtClean="0"/>
-              <a:t>CS@UVa</a:t>
+              <a:t>CS 4501: Information Retrieval</a:t>
             </a:r>
             <a:endParaRPr lang="en-US"/>
           </a:p>
@@ -4253,12 +4421,12 @@
       </p:sp>
       <p:sp>
         <p:nvSpPr>
-          <p:cNvPr id="5" name="Footer Placeholder 4"/>
-          <p:cNvSpPr>
-            <a:spLocks noGrp="1"/>
-          </p:cNvSpPr>
-          <p:nvPr>
-            <p:ph type="ftr" sz="quarter" idx="11"/>
+          <p:cNvPr id="7" name="Date Placeholder 6"/>
+          <p:cNvSpPr>
+            <a:spLocks noGrp="1"/>
+          </p:cNvSpPr>
+          <p:nvPr>
+            <p:ph type="dt" sz="half" idx="10"/>
           </p:nvPr>
         </p:nvSpPr>
         <p:spPr/>
@@ -4268,7 +4436,7 @@
           <a:p>
             <a:r>
               <a:rPr lang="en-US" smtClean="0"/>
-              <a:t>CS 6501: Information Retrieval</a:t>
+              <a:t>CS@UVa</a:t>
             </a:r>
             <a:endParaRPr lang="en-US"/>
           </a:p>
@@ -4276,7 +4444,7 @@
       </p:sp>
       <p:sp>
         <p:nvSpPr>
-          <p:cNvPr id="6" name="Slide Number Placeholder 5"/>
+          <p:cNvPr id="8" name="Slide Number Placeholder 7"/>
           <p:cNvSpPr>
             <a:spLocks noGrp="1"/>
           </p:cNvSpPr>
@@ -4438,12 +4606,12 @@
       </p:sp>
       <p:sp>
         <p:nvSpPr>
-          <p:cNvPr id="4" name="Date Placeholder 3"/>
-          <p:cNvSpPr>
-            <a:spLocks noGrp="1"/>
-          </p:cNvSpPr>
-          <p:nvPr>
-            <p:ph type="dt" sz="half" idx="10"/>
+          <p:cNvPr id="5" name="Footer Placeholder 4"/>
+          <p:cNvSpPr>
+            <a:spLocks noGrp="1"/>
+          </p:cNvSpPr>
+          <p:nvPr>
+            <p:ph type="ftr" sz="quarter" idx="11"/>
           </p:nvPr>
         </p:nvSpPr>
         <p:spPr/>
@@ -4453,7 +4621,7 @@
           <a:p>
             <a:r>
               <a:rPr lang="en-US" smtClean="0"/>
-              <a:t>CS@UVa</a:t>
+              <a:t>CS 4501: Information Retrieval</a:t>
             </a:r>
             <a:endParaRPr lang="en-US"/>
           </a:p>
@@ -4461,12 +4629,12 @@
       </p:sp>
       <p:sp>
         <p:nvSpPr>
-          <p:cNvPr id="5" name="Footer Placeholder 4"/>
-          <p:cNvSpPr>
-            <a:spLocks noGrp="1"/>
-          </p:cNvSpPr>
-          <p:nvPr>
-            <p:ph type="ftr" sz="quarter" idx="11"/>
+          <p:cNvPr id="7" name="Date Placeholder 6"/>
+          <p:cNvSpPr>
+            <a:spLocks noGrp="1"/>
+          </p:cNvSpPr>
+          <p:nvPr>
+            <p:ph type="dt" sz="half" idx="10"/>
           </p:nvPr>
         </p:nvSpPr>
         <p:spPr/>
@@ -4476,7 +4644,7 @@
           <a:p>
             <a:r>
               <a:rPr lang="en-US" smtClean="0"/>
-              <a:t>CS 6501: Information Retrieval</a:t>
+              <a:t>CS@UVa</a:t>
             </a:r>
             <a:endParaRPr lang="en-US"/>
           </a:p>
@@ -4484,7 +4652,7 @@
       </p:sp>
       <p:sp>
         <p:nvSpPr>
-          <p:cNvPr id="6" name="Slide Number Placeholder 5"/>
+          <p:cNvPr id="8" name="Slide Number Placeholder 7"/>
           <p:cNvSpPr>
             <a:spLocks noGrp="1"/>
           </p:cNvSpPr>
@@ -4764,12 +4932,12 @@
       </p:sp>
       <p:sp>
         <p:nvSpPr>
-          <p:cNvPr id="4" name="Date Placeholder 3"/>
-          <p:cNvSpPr>
-            <a:spLocks noGrp="1"/>
-          </p:cNvSpPr>
-          <p:nvPr>
-            <p:ph type="dt" sz="half" idx="10"/>
+          <p:cNvPr id="5" name="Footer Placeholder 4"/>
+          <p:cNvSpPr>
+            <a:spLocks noGrp="1"/>
+          </p:cNvSpPr>
+          <p:nvPr>
+            <p:ph type="ftr" sz="quarter" idx="11"/>
           </p:nvPr>
         </p:nvSpPr>
         <p:spPr/>
@@ -4779,7 +4947,7 @@
           <a:p>
             <a:r>
               <a:rPr lang="en-US" smtClean="0"/>
-              <a:t>CS@UVa</a:t>
+              <a:t>CS 4501: Information Retrieval</a:t>
             </a:r>
             <a:endParaRPr lang="en-US"/>
           </a:p>
@@ -4787,12 +4955,12 @@
       </p:sp>
       <p:sp>
         <p:nvSpPr>
-          <p:cNvPr id="5" name="Footer Placeholder 4"/>
-          <p:cNvSpPr>
-            <a:spLocks noGrp="1"/>
-          </p:cNvSpPr>
-          <p:nvPr>
-            <p:ph type="ftr" sz="quarter" idx="11"/>
+          <p:cNvPr id="7" name="Date Placeholder 6"/>
+          <p:cNvSpPr>
+            <a:spLocks noGrp="1"/>
+          </p:cNvSpPr>
+          <p:nvPr>
+            <p:ph type="dt" sz="half" idx="10"/>
           </p:nvPr>
         </p:nvSpPr>
         <p:spPr/>
@@ -4802,7 +4970,7 @@
           <a:p>
             <a:r>
               <a:rPr lang="en-US" smtClean="0"/>
-              <a:t>CS 6501: Information Retrieval</a:t>
+              <a:t>CS@UVa</a:t>
             </a:r>
             <a:endParaRPr lang="en-US"/>
           </a:p>
@@ -4810,7 +4978,7 @@
       </p:sp>
       <p:sp>
         <p:nvSpPr>
-          <p:cNvPr id="6" name="Slide Number Placeholder 5"/>
+          <p:cNvPr id="8" name="Slide Number Placeholder 7"/>
           <p:cNvSpPr>
             <a:spLocks noGrp="1"/>
           </p:cNvSpPr>
@@ -5184,12 +5352,12 @@
       </p:sp>
       <p:sp>
         <p:nvSpPr>
-          <p:cNvPr id="4" name="Date Placeholder 3"/>
-          <p:cNvSpPr>
-            <a:spLocks noGrp="1"/>
-          </p:cNvSpPr>
-          <p:nvPr>
-            <p:ph type="dt" sz="half" idx="10"/>
+          <p:cNvPr id="5" name="Footer Placeholder 4"/>
+          <p:cNvSpPr>
+            <a:spLocks noGrp="1"/>
+          </p:cNvSpPr>
+          <p:nvPr>
+            <p:ph type="ftr" sz="quarter" idx="11"/>
           </p:nvPr>
         </p:nvSpPr>
         <p:spPr/>
@@ -5199,7 +5367,7 @@
           <a:p>
             <a:r>
               <a:rPr lang="en-US" smtClean="0"/>
-              <a:t>CS@UVa</a:t>
+              <a:t>CS 4501: Information Retrieval</a:t>
             </a:r>
             <a:endParaRPr lang="en-US"/>
           </a:p>
@@ -5207,12 +5375,12 @@
       </p:sp>
       <p:sp>
         <p:nvSpPr>
-          <p:cNvPr id="5" name="Footer Placeholder 4"/>
-          <p:cNvSpPr>
-            <a:spLocks noGrp="1"/>
-          </p:cNvSpPr>
-          <p:nvPr>
-            <p:ph type="ftr" sz="quarter" idx="11"/>
+          <p:cNvPr id="7" name="Date Placeholder 6"/>
+          <p:cNvSpPr>
+            <a:spLocks noGrp="1"/>
+          </p:cNvSpPr>
+          <p:nvPr>
+            <p:ph type="dt" sz="half" idx="10"/>
           </p:nvPr>
         </p:nvSpPr>
         <p:spPr/>
@@ -5222,7 +5390,7 @@
           <a:p>
             <a:r>
               <a:rPr lang="en-US" smtClean="0"/>
-              <a:t>CS 6501: Information Retrieval</a:t>
+              <a:t>CS@UVa</a:t>
             </a:r>
             <a:endParaRPr lang="en-US"/>
           </a:p>
@@ -5230,7 +5398,7 @@
       </p:sp>
       <p:sp>
         <p:nvSpPr>
-          <p:cNvPr id="6" name="Slide Number Placeholder 5"/>
+          <p:cNvPr id="8" name="Slide Number Placeholder 7"/>
           <p:cNvSpPr>
             <a:spLocks noGrp="1"/>
           </p:cNvSpPr>
@@ -5311,8 +5479,8 @@
           </a:p>
         </p:txBody>
       </p:sp>
-      <mc:AlternateContent xmlns:mc="http://schemas.openxmlformats.org/markup-compatibility/2006">
-        <mc:Choice xmlns:a14="http://schemas.microsoft.com/office/drawing/2010/main" Requires="a14">
+      <mc:AlternateContent xmlns:mc="http://schemas.openxmlformats.org/markup-compatibility/2006" xmlns:a14="http://schemas.microsoft.com/office/drawing/2010/main">
+        <mc:Choice Requires="a14">
           <p:sp>
             <p:nvSpPr>
               <p:cNvPr id="3" name="Content Placeholder 2"/>
@@ -5537,7 +5705,7 @@
             </p:txBody>
           </p:sp>
         </mc:Choice>
-        <mc:Fallback>
+        <mc:Fallback xmlns="">
           <p:sp>
             <p:nvSpPr>
               <p:cNvPr id="3" name="Content Placeholder 2"/>
@@ -5573,12 +5741,12 @@
       </mc:AlternateContent>
       <p:sp>
         <p:nvSpPr>
-          <p:cNvPr id="5" name="Date Placeholder 4"/>
-          <p:cNvSpPr>
-            <a:spLocks noGrp="1"/>
-          </p:cNvSpPr>
-          <p:nvPr>
-            <p:ph type="dt" sz="half" idx="10"/>
+          <p:cNvPr id="6" name="Footer Placeholder 5"/>
+          <p:cNvSpPr>
+            <a:spLocks noGrp="1"/>
+          </p:cNvSpPr>
+          <p:nvPr>
+            <p:ph type="ftr" sz="quarter" idx="11"/>
           </p:nvPr>
         </p:nvSpPr>
         <p:spPr/>
@@ -5588,7 +5756,7 @@
           <a:p>
             <a:r>
               <a:rPr lang="en-US" smtClean="0"/>
-              <a:t>CS@UVa</a:t>
+              <a:t>CS 4501: Information Retrieval</a:t>
             </a:r>
             <a:endParaRPr lang="en-US"/>
           </a:p>
@@ -5596,12 +5764,12 @@
       </p:sp>
       <p:sp>
         <p:nvSpPr>
-          <p:cNvPr id="6" name="Footer Placeholder 5"/>
-          <p:cNvSpPr>
-            <a:spLocks noGrp="1"/>
-          </p:cNvSpPr>
-          <p:nvPr>
-            <p:ph type="ftr" sz="quarter" idx="11"/>
+          <p:cNvPr id="4" name="Date Placeholder 3"/>
+          <p:cNvSpPr>
+            <a:spLocks noGrp="1"/>
+          </p:cNvSpPr>
+          <p:nvPr>
+            <p:ph type="dt" sz="half" idx="10"/>
           </p:nvPr>
         </p:nvSpPr>
         <p:spPr/>
@@ -5611,7 +5779,7 @@
           <a:p>
             <a:r>
               <a:rPr lang="en-US" smtClean="0"/>
-              <a:t>CS 6501: Information Retrieval</a:t>
+              <a:t>CS@UVa</a:t>
             </a:r>
             <a:endParaRPr lang="en-US"/>
           </a:p>
@@ -5619,7 +5787,7 @@
       </p:sp>
       <p:sp>
         <p:nvSpPr>
-          <p:cNvPr id="7" name="Slide Number Placeholder 6"/>
+          <p:cNvPr id="8" name="Slide Number Placeholder 7"/>
           <p:cNvSpPr>
             <a:spLocks noGrp="1"/>
           </p:cNvSpPr>
@@ -5702,12 +5870,12 @@
       </p:sp>
       <p:sp>
         <p:nvSpPr>
-          <p:cNvPr id="5" name="Date Placeholder 4"/>
-          <p:cNvSpPr>
-            <a:spLocks noGrp="1"/>
-          </p:cNvSpPr>
-          <p:nvPr>
-            <p:ph type="dt" sz="half" idx="10"/>
+          <p:cNvPr id="6" name="Footer Placeholder 5"/>
+          <p:cNvSpPr>
+            <a:spLocks noGrp="1"/>
+          </p:cNvSpPr>
+          <p:nvPr>
+            <p:ph type="ftr" sz="quarter" idx="11"/>
           </p:nvPr>
         </p:nvSpPr>
         <p:spPr/>
@@ -5717,54 +5885,8 @@
           <a:p>
             <a:r>
               <a:rPr lang="en-US" smtClean="0"/>
-              <a:t>CS@UVa</a:t>
-            </a:r>
-            <a:endParaRPr lang="en-US"/>
-          </a:p>
-        </p:txBody>
-      </p:sp>
-      <p:sp>
-        <p:nvSpPr>
-          <p:cNvPr id="6" name="Footer Placeholder 5"/>
-          <p:cNvSpPr>
-            <a:spLocks noGrp="1"/>
-          </p:cNvSpPr>
-          <p:nvPr>
-            <p:ph type="ftr" sz="quarter" idx="11"/>
-          </p:nvPr>
-        </p:nvSpPr>
-        <p:spPr/>
-        <p:txBody>
-          <a:bodyPr/>
-          <a:lstStyle/>
-          <a:p>
-            <a:r>
-              <a:rPr lang="en-US" smtClean="0"/>
-              <a:t>CS 6501: Information Retrieval</a:t>
-            </a:r>
-            <a:endParaRPr lang="en-US"/>
-          </a:p>
-        </p:txBody>
-      </p:sp>
-      <p:sp>
-        <p:nvSpPr>
-          <p:cNvPr id="7" name="Slide Number Placeholder 6"/>
-          <p:cNvSpPr>
-            <a:spLocks noGrp="1"/>
-          </p:cNvSpPr>
-          <p:nvPr>
-            <p:ph type="sldNum" sz="quarter" idx="12"/>
-          </p:nvPr>
-        </p:nvSpPr>
-        <p:spPr/>
-        <p:txBody>
-          <a:bodyPr/>
-          <a:lstStyle/>
-          <a:p>
-            <a:fld id="{B55C347D-741C-420F-98A9-980B958D5E13}" type="slidenum">
-              <a:rPr lang="en-US" smtClean="0"/>
-              <a:t>16</a:t>
-            </a:fld>
+              <a:t>CS 4501: Information Retrieval</a:t>
+            </a:r>
             <a:endParaRPr lang="en-US"/>
           </a:p>
         </p:txBody>
@@ -5793,6 +5915,52 @@
           </a:prstGeom>
         </p:spPr>
       </p:pic>
+      <p:sp>
+        <p:nvSpPr>
+          <p:cNvPr id="3" name="Date Placeholder 2"/>
+          <p:cNvSpPr>
+            <a:spLocks noGrp="1"/>
+          </p:cNvSpPr>
+          <p:nvPr>
+            <p:ph type="dt" sz="half" idx="10"/>
+          </p:nvPr>
+        </p:nvSpPr>
+        <p:spPr/>
+        <p:txBody>
+          <a:bodyPr/>
+          <a:lstStyle/>
+          <a:p>
+            <a:r>
+              <a:rPr lang="en-US" smtClean="0"/>
+              <a:t>CS@UVa</a:t>
+            </a:r>
+            <a:endParaRPr lang="en-US"/>
+          </a:p>
+        </p:txBody>
+      </p:sp>
+      <p:sp>
+        <p:nvSpPr>
+          <p:cNvPr id="8" name="Slide Number Placeholder 7"/>
+          <p:cNvSpPr>
+            <a:spLocks noGrp="1"/>
+          </p:cNvSpPr>
+          <p:nvPr>
+            <p:ph type="sldNum" sz="quarter" idx="12"/>
+          </p:nvPr>
+        </p:nvSpPr>
+        <p:spPr/>
+        <p:txBody>
+          <a:bodyPr/>
+          <a:lstStyle/>
+          <a:p>
+            <a:fld id="{B55C347D-741C-420F-98A9-980B958D5E13}" type="slidenum">
+              <a:rPr lang="en-US" smtClean="0"/>
+              <a:t>16</a:t>
+            </a:fld>
+            <a:endParaRPr lang="en-US"/>
+          </a:p>
+        </p:txBody>
+      </p:sp>
     </p:spTree>
     <p:extLst>
       <p:ext uri="{BB962C8B-B14F-4D97-AF65-F5344CB8AC3E}">
@@ -5970,12 +6138,12 @@
       </p:sp>
       <p:sp>
         <p:nvSpPr>
-          <p:cNvPr id="5" name="Date Placeholder 4"/>
-          <p:cNvSpPr>
-            <a:spLocks noGrp="1"/>
-          </p:cNvSpPr>
-          <p:nvPr>
-            <p:ph type="dt" sz="half" idx="10"/>
+          <p:cNvPr id="6" name="Footer Placeholder 5"/>
+          <p:cNvSpPr>
+            <a:spLocks noGrp="1"/>
+          </p:cNvSpPr>
+          <p:nvPr>
+            <p:ph type="ftr" sz="quarter" idx="11"/>
           </p:nvPr>
         </p:nvSpPr>
         <p:spPr/>
@@ -5985,7 +6153,7 @@
           <a:p>
             <a:r>
               <a:rPr lang="en-US" smtClean="0"/>
-              <a:t>CS@UVa</a:t>
+              <a:t>CS 4501: Information Retrieval</a:t>
             </a:r>
             <a:endParaRPr lang="en-US"/>
           </a:p>
@@ -5993,12 +6161,12 @@
       </p:sp>
       <p:sp>
         <p:nvSpPr>
-          <p:cNvPr id="6" name="Footer Placeholder 5"/>
-          <p:cNvSpPr>
-            <a:spLocks noGrp="1"/>
-          </p:cNvSpPr>
-          <p:nvPr>
-            <p:ph type="ftr" sz="quarter" idx="11"/>
+          <p:cNvPr id="8" name="Date Placeholder 7"/>
+          <p:cNvSpPr>
+            <a:spLocks noGrp="1"/>
+          </p:cNvSpPr>
+          <p:nvPr>
+            <p:ph type="dt" sz="half" idx="10"/>
           </p:nvPr>
         </p:nvSpPr>
         <p:spPr/>
@@ -6008,7 +6176,7 @@
           <a:p>
             <a:r>
               <a:rPr lang="en-US" smtClean="0"/>
-              <a:t>CS 6501: Information Retrieval</a:t>
+              <a:t>CS@UVa</a:t>
             </a:r>
             <a:endParaRPr lang="en-US"/>
           </a:p>
@@ -6016,7 +6184,7 @@
       </p:sp>
       <p:sp>
         <p:nvSpPr>
-          <p:cNvPr id="7" name="Slide Number Placeholder 6"/>
+          <p:cNvPr id="9" name="Slide Number Placeholder 8"/>
           <p:cNvSpPr>
             <a:spLocks noGrp="1"/>
           </p:cNvSpPr>
@@ -6237,23 +6405,7 @@
             <a:pPr lvl="1"/>
             <a:r>
               <a:rPr lang="en-US" dirty="0" smtClean="0"/>
-              <a:t>Swap2: randomly selects two documents from top 5 and swaps them with two random documents from rank </a:t>
-            </a:r>
-            <a:r>
-              <a:rPr lang="en-US" dirty="0" smtClean="0"/>
-              <a:t>6 </a:t>
-            </a:r>
-            <a:r>
-              <a:rPr lang="en-US" dirty="0" smtClean="0"/>
-              <a:t>through </a:t>
-            </a:r>
-            <a:r>
-              <a:rPr lang="en-US" dirty="0" smtClean="0"/>
-              <a:t>10 </a:t>
-            </a:r>
-            <a:r>
-              <a:rPr lang="en-US" dirty="0" smtClean="0"/>
-              <a:t>(the same for next page)</a:t>
+              <a:t>Swap2: randomly selects two documents from top 5 and swaps them with two random documents from rank 6 through 10 (the same for next page)</a:t>
             </a:r>
           </a:p>
           <a:p>
@@ -6282,12 +6434,12 @@
       </p:sp>
       <p:sp>
         <p:nvSpPr>
-          <p:cNvPr id="4" name="Date Placeholder 3"/>
-          <p:cNvSpPr>
-            <a:spLocks noGrp="1"/>
-          </p:cNvSpPr>
-          <p:nvPr>
-            <p:ph type="dt" sz="half" idx="10"/>
+          <p:cNvPr id="5" name="Footer Placeholder 4"/>
+          <p:cNvSpPr>
+            <a:spLocks noGrp="1"/>
+          </p:cNvSpPr>
+          <p:nvPr>
+            <p:ph type="ftr" sz="quarter" idx="11"/>
           </p:nvPr>
         </p:nvSpPr>
         <p:spPr/>
@@ -6297,7 +6449,7 @@
           <a:p>
             <a:r>
               <a:rPr lang="en-US" smtClean="0"/>
-              <a:t>CS@UVa</a:t>
+              <a:t>CS 4501: Information Retrieval</a:t>
             </a:r>
             <a:endParaRPr lang="en-US"/>
           </a:p>
@@ -6305,12 +6457,12 @@
       </p:sp>
       <p:sp>
         <p:nvSpPr>
-          <p:cNvPr id="5" name="Footer Placeholder 4"/>
-          <p:cNvSpPr>
-            <a:spLocks noGrp="1"/>
-          </p:cNvSpPr>
-          <p:nvPr>
-            <p:ph type="ftr" sz="quarter" idx="11"/>
+          <p:cNvPr id="7" name="Date Placeholder 6"/>
+          <p:cNvSpPr>
+            <a:spLocks noGrp="1"/>
+          </p:cNvSpPr>
+          <p:nvPr>
+            <p:ph type="dt" sz="half" idx="10"/>
           </p:nvPr>
         </p:nvSpPr>
         <p:spPr/>
@@ -6320,7 +6472,7 @@
           <a:p>
             <a:r>
               <a:rPr lang="en-US" smtClean="0"/>
-              <a:t>CS 6501: Information Retrieval</a:t>
+              <a:t>CS@UVa</a:t>
             </a:r>
             <a:endParaRPr lang="en-US"/>
           </a:p>
@@ -6328,7 +6480,7 @@
       </p:sp>
       <p:sp>
         <p:nvSpPr>
-          <p:cNvPr id="6" name="Slide Number Placeholder 5"/>
+          <p:cNvPr id="8" name="Slide Number Placeholder 7"/>
           <p:cNvSpPr>
             <a:spLocks noGrp="1"/>
           </p:cNvSpPr>
@@ -6684,12 +6836,12 @@
       </p:sp>
       <p:sp>
         <p:nvSpPr>
-          <p:cNvPr id="4" name="Date Placeholder 3"/>
-          <p:cNvSpPr>
-            <a:spLocks noGrp="1"/>
-          </p:cNvSpPr>
-          <p:nvPr>
-            <p:ph type="dt" sz="half" idx="10"/>
+          <p:cNvPr id="6" name="Footer Placeholder 5"/>
+          <p:cNvSpPr>
+            <a:spLocks noGrp="1"/>
+          </p:cNvSpPr>
+          <p:nvPr>
+            <p:ph type="ftr" sz="quarter" idx="11"/>
           </p:nvPr>
         </p:nvSpPr>
         <p:spPr/>
@@ -6699,7 +6851,7 @@
           <a:p>
             <a:r>
               <a:rPr lang="en-US" smtClean="0"/>
-              <a:t>CS@UVa</a:t>
+              <a:t>CS 4501: Information Retrieval</a:t>
             </a:r>
             <a:endParaRPr lang="en-US"/>
           </a:p>
@@ -6707,12 +6859,12 @@
       </p:sp>
       <p:sp>
         <p:nvSpPr>
-          <p:cNvPr id="6" name="Footer Placeholder 5"/>
-          <p:cNvSpPr>
-            <a:spLocks noGrp="1"/>
-          </p:cNvSpPr>
-          <p:nvPr>
-            <p:ph type="ftr" sz="quarter" idx="11"/>
+          <p:cNvPr id="10" name="Date Placeholder 9"/>
+          <p:cNvSpPr>
+            <a:spLocks noGrp="1"/>
+          </p:cNvSpPr>
+          <p:nvPr>
+            <p:ph type="dt" sz="half" idx="10"/>
           </p:nvPr>
         </p:nvSpPr>
         <p:spPr/>
@@ -6722,7 +6874,7 @@
           <a:p>
             <a:r>
               <a:rPr lang="en-US" smtClean="0"/>
-              <a:t>CS 6501: Information Retrieval</a:t>
+              <a:t>CS@UVa</a:t>
             </a:r>
             <a:endParaRPr lang="en-US"/>
           </a:p>
@@ -6730,7 +6882,7 @@
       </p:sp>
       <p:sp>
         <p:nvSpPr>
-          <p:cNvPr id="9" name="Slide Number Placeholder 8"/>
+          <p:cNvPr id="11" name="Slide Number Placeholder 10"/>
           <p:cNvSpPr>
             <a:spLocks noGrp="1"/>
           </p:cNvSpPr>
@@ -6918,15 +7070,15 @@
         <p:spPr/>
         <p:txBody>
           <a:bodyPr>
-            <a:normAutofit fontScale="90000"/>
+            <a:normAutofit/>
           </a:bodyPr>
           <a:lstStyle/>
           <a:p>
             <a:r>
-              <a:rPr lang="en-US" dirty="0" smtClean="0"/>
+              <a:rPr lang="en-US" sz="3600" dirty="0" smtClean="0"/>
               <a:t>What we have known about IR evaluations</a:t>
             </a:r>
-            <a:endParaRPr lang="en-US" dirty="0"/>
+            <a:endParaRPr lang="en-US" sz="3600" dirty="0"/>
           </a:p>
         </p:txBody>
       </p:sp>
@@ -7053,12 +7205,12 @@
       </p:sp>
       <p:sp>
         <p:nvSpPr>
-          <p:cNvPr id="4" name="Date Placeholder 3"/>
-          <p:cNvSpPr>
-            <a:spLocks noGrp="1"/>
-          </p:cNvSpPr>
-          <p:nvPr>
-            <p:ph type="dt" sz="half" idx="10"/>
+          <p:cNvPr id="5" name="Footer Placeholder 4"/>
+          <p:cNvSpPr>
+            <a:spLocks noGrp="1"/>
+          </p:cNvSpPr>
+          <p:nvPr>
+            <p:ph type="ftr" sz="quarter" idx="11"/>
           </p:nvPr>
         </p:nvSpPr>
         <p:spPr/>
@@ -7068,7 +7220,7 @@
           <a:p>
             <a:r>
               <a:rPr lang="en-US" smtClean="0"/>
-              <a:t>CS@UVa</a:t>
+              <a:t>CS 4501: Information Retrieval</a:t>
             </a:r>
             <a:endParaRPr lang="en-US"/>
           </a:p>
@@ -7076,12 +7228,12 @@
       </p:sp>
       <p:sp>
         <p:nvSpPr>
-          <p:cNvPr id="5" name="Footer Placeholder 4"/>
-          <p:cNvSpPr>
-            <a:spLocks noGrp="1"/>
-          </p:cNvSpPr>
-          <p:nvPr>
-            <p:ph type="ftr" sz="quarter" idx="11"/>
+          <p:cNvPr id="7" name="Date Placeholder 6"/>
+          <p:cNvSpPr>
+            <a:spLocks noGrp="1"/>
+          </p:cNvSpPr>
+          <p:nvPr>
+            <p:ph type="dt" sz="half" idx="10"/>
           </p:nvPr>
         </p:nvSpPr>
         <p:spPr/>
@@ -7091,7 +7243,7 @@
           <a:p>
             <a:r>
               <a:rPr lang="en-US" smtClean="0"/>
-              <a:t>CS 6501: Information Retrieval</a:t>
+              <a:t>CS@UVa</a:t>
             </a:r>
             <a:endParaRPr lang="en-US"/>
           </a:p>
@@ -7099,7 +7251,7 @@
       </p:sp>
       <p:sp>
         <p:nvSpPr>
-          <p:cNvPr id="6" name="Slide Number Placeholder 5"/>
+          <p:cNvPr id="8" name="Slide Number Placeholder 7"/>
           <p:cNvSpPr>
             <a:spLocks noGrp="1"/>
           </p:cNvSpPr>
@@ -7779,12 +7931,12 @@
       </p:sp>
       <p:sp>
         <p:nvSpPr>
-          <p:cNvPr id="5" name="Date Placeholder 4"/>
-          <p:cNvSpPr>
-            <a:spLocks noGrp="1"/>
-          </p:cNvSpPr>
-          <p:nvPr>
-            <p:ph type="dt" sz="half" idx="10"/>
+          <p:cNvPr id="7" name="Footer Placeholder 6"/>
+          <p:cNvSpPr>
+            <a:spLocks noGrp="1"/>
+          </p:cNvSpPr>
+          <p:nvPr>
+            <p:ph type="ftr" sz="quarter" idx="11"/>
           </p:nvPr>
         </p:nvSpPr>
         <p:spPr/>
@@ -7794,7 +7946,7 @@
           <a:p>
             <a:r>
               <a:rPr lang="en-US" smtClean="0"/>
-              <a:t>CS@UVa</a:t>
+              <a:t>CS 4501: Information Retrieval</a:t>
             </a:r>
             <a:endParaRPr lang="en-US"/>
           </a:p>
@@ -7802,12 +7954,12 @@
       </p:sp>
       <p:sp>
         <p:nvSpPr>
-          <p:cNvPr id="7" name="Footer Placeholder 6"/>
-          <p:cNvSpPr>
-            <a:spLocks noGrp="1"/>
-          </p:cNvSpPr>
-          <p:nvPr>
-            <p:ph type="ftr" sz="quarter" idx="11"/>
+          <p:cNvPr id="11" name="Date Placeholder 10"/>
+          <p:cNvSpPr>
+            <a:spLocks noGrp="1"/>
+          </p:cNvSpPr>
+          <p:nvPr>
+            <p:ph type="dt" sz="half" idx="10"/>
           </p:nvPr>
         </p:nvSpPr>
         <p:spPr/>
@@ -7817,7 +7969,7 @@
           <a:p>
             <a:r>
               <a:rPr lang="en-US" smtClean="0"/>
-              <a:t>CS 6501: Information Retrieval</a:t>
+              <a:t>CS@UVa</a:t>
             </a:r>
             <a:endParaRPr lang="en-US"/>
           </a:p>
@@ -7825,7 +7977,7 @@
       </p:sp>
       <p:sp>
         <p:nvSpPr>
-          <p:cNvPr id="10" name="Slide Number Placeholder 9"/>
+          <p:cNvPr id="12" name="Slide Number Placeholder 11"/>
           <p:cNvSpPr>
             <a:spLocks noGrp="1"/>
           </p:cNvSpPr>
@@ -8082,12 +8234,12 @@
       </p:pic>
       <p:sp>
         <p:nvSpPr>
-          <p:cNvPr id="4" name="Date Placeholder 3"/>
-          <p:cNvSpPr>
-            <a:spLocks noGrp="1"/>
-          </p:cNvSpPr>
-          <p:nvPr>
-            <p:ph type="dt" sz="half" idx="10"/>
+          <p:cNvPr id="6" name="Footer Placeholder 5"/>
+          <p:cNvSpPr>
+            <a:spLocks noGrp="1"/>
+          </p:cNvSpPr>
+          <p:nvPr>
+            <p:ph type="ftr" sz="quarter" idx="11"/>
           </p:nvPr>
         </p:nvSpPr>
         <p:spPr/>
@@ -8097,7 +8249,7 @@
           <a:p>
             <a:r>
               <a:rPr lang="en-US" smtClean="0"/>
-              <a:t>CS@UVa</a:t>
+              <a:t>CS 4501: Information Retrieval</a:t>
             </a:r>
             <a:endParaRPr lang="en-US"/>
           </a:p>
@@ -8105,12 +8257,12 @@
       </p:sp>
       <p:sp>
         <p:nvSpPr>
-          <p:cNvPr id="6" name="Footer Placeholder 5"/>
-          <p:cNvSpPr>
-            <a:spLocks noGrp="1"/>
-          </p:cNvSpPr>
-          <p:nvPr>
-            <p:ph type="ftr" sz="quarter" idx="11"/>
+          <p:cNvPr id="8" name="Date Placeholder 7"/>
+          <p:cNvSpPr>
+            <a:spLocks noGrp="1"/>
+          </p:cNvSpPr>
+          <p:nvPr>
+            <p:ph type="dt" sz="half" idx="10"/>
           </p:nvPr>
         </p:nvSpPr>
         <p:spPr/>
@@ -8120,7 +8272,7 @@
           <a:p>
             <a:r>
               <a:rPr lang="en-US" smtClean="0"/>
-              <a:t>CS 6501: Information Retrieval</a:t>
+              <a:t>CS@UVa</a:t>
             </a:r>
             <a:endParaRPr lang="en-US"/>
           </a:p>
@@ -8128,7 +8280,7 @@
       </p:sp>
       <p:sp>
         <p:nvSpPr>
-          <p:cNvPr id="7" name="Slide Number Placeholder 6"/>
+          <p:cNvPr id="9" name="Slide Number Placeholder 8"/>
           <p:cNvSpPr>
             <a:spLocks noGrp="1"/>
           </p:cNvSpPr>
@@ -8298,12 +8450,12 @@
       </p:sp>
       <p:sp>
         <p:nvSpPr>
-          <p:cNvPr id="4" name="Date Placeholder 3"/>
-          <p:cNvSpPr>
-            <a:spLocks noGrp="1"/>
-          </p:cNvSpPr>
-          <p:nvPr>
-            <p:ph type="dt" sz="half" idx="10"/>
+          <p:cNvPr id="5" name="Footer Placeholder 4"/>
+          <p:cNvSpPr>
+            <a:spLocks noGrp="1"/>
+          </p:cNvSpPr>
+          <p:nvPr>
+            <p:ph type="ftr" sz="quarter" idx="11"/>
           </p:nvPr>
         </p:nvSpPr>
         <p:spPr/>
@@ -8313,7 +8465,7 @@
           <a:p>
             <a:r>
               <a:rPr lang="en-US" smtClean="0"/>
-              <a:t>CS@UVa</a:t>
+              <a:t>CS 4501: Information Retrieval</a:t>
             </a:r>
             <a:endParaRPr lang="en-US"/>
           </a:p>
@@ -8321,12 +8473,12 @@
       </p:sp>
       <p:sp>
         <p:nvSpPr>
-          <p:cNvPr id="5" name="Footer Placeholder 4"/>
-          <p:cNvSpPr>
-            <a:spLocks noGrp="1"/>
-          </p:cNvSpPr>
-          <p:nvPr>
-            <p:ph type="ftr" sz="quarter" idx="11"/>
+          <p:cNvPr id="7" name="Date Placeholder 6"/>
+          <p:cNvSpPr>
+            <a:spLocks noGrp="1"/>
+          </p:cNvSpPr>
+          <p:nvPr>
+            <p:ph type="dt" sz="half" idx="10"/>
           </p:nvPr>
         </p:nvSpPr>
         <p:spPr/>
@@ -8336,7 +8488,7 @@
           <a:p>
             <a:r>
               <a:rPr lang="en-US" smtClean="0"/>
-              <a:t>CS 6501: Information Retrieval</a:t>
+              <a:t>CS@UVa</a:t>
             </a:r>
             <a:endParaRPr lang="en-US"/>
           </a:p>
@@ -8344,7 +8496,7 @@
       </p:sp>
       <p:sp>
         <p:nvSpPr>
-          <p:cNvPr id="6" name="Slide Number Placeholder 5"/>
+          <p:cNvPr id="8" name="Slide Number Placeholder 7"/>
           <p:cNvSpPr>
             <a:spLocks noGrp="1"/>
           </p:cNvSpPr>
@@ -8639,12 +8791,12 @@
       </p:pic>
       <p:sp>
         <p:nvSpPr>
-          <p:cNvPr id="5" name="Date Placeholder 4"/>
-          <p:cNvSpPr>
-            <a:spLocks noGrp="1"/>
-          </p:cNvSpPr>
-          <p:nvPr>
-            <p:ph type="dt" sz="half" idx="10"/>
+          <p:cNvPr id="6" name="Footer Placeholder 5"/>
+          <p:cNvSpPr>
+            <a:spLocks noGrp="1"/>
+          </p:cNvSpPr>
+          <p:nvPr>
+            <p:ph type="ftr" sz="quarter" idx="11"/>
           </p:nvPr>
         </p:nvSpPr>
         <p:spPr/>
@@ -8654,7 +8806,7 @@
           <a:p>
             <a:r>
               <a:rPr lang="en-US" smtClean="0"/>
-              <a:t>CS@UVa</a:t>
+              <a:t>CS 4501: Information Retrieval</a:t>
             </a:r>
             <a:endParaRPr lang="en-US"/>
           </a:p>
@@ -8662,12 +8814,12 @@
       </p:sp>
       <p:sp>
         <p:nvSpPr>
-          <p:cNvPr id="6" name="Footer Placeholder 5"/>
-          <p:cNvSpPr>
-            <a:spLocks noGrp="1"/>
-          </p:cNvSpPr>
-          <p:nvPr>
-            <p:ph type="ftr" sz="quarter" idx="11"/>
+          <p:cNvPr id="8" name="Date Placeholder 7"/>
+          <p:cNvSpPr>
+            <a:spLocks noGrp="1"/>
+          </p:cNvSpPr>
+          <p:nvPr>
+            <p:ph type="dt" sz="half" idx="10"/>
           </p:nvPr>
         </p:nvSpPr>
         <p:spPr/>
@@ -8677,7 +8829,7 @@
           <a:p>
             <a:r>
               <a:rPr lang="en-US" smtClean="0"/>
-              <a:t>CS 6501: Information Retrieval</a:t>
+              <a:t>CS@UVa</a:t>
             </a:r>
             <a:endParaRPr lang="en-US"/>
           </a:p>
@@ -8685,7 +8837,7 @@
       </p:sp>
       <p:sp>
         <p:nvSpPr>
-          <p:cNvPr id="7" name="Slide Number Placeholder 6"/>
+          <p:cNvPr id="9" name="Slide Number Placeholder 8"/>
           <p:cNvSpPr>
             <a:spLocks noGrp="1"/>
           </p:cNvSpPr>
@@ -12892,12 +13044,12 @@
       </p:cxnSp>
       <p:sp>
         <p:nvSpPr>
-          <p:cNvPr id="4" name="Date Placeholder 3"/>
-          <p:cNvSpPr>
-            <a:spLocks noGrp="1"/>
-          </p:cNvSpPr>
-          <p:nvPr>
-            <p:ph type="dt" sz="half" idx="10"/>
+          <p:cNvPr id="11" name="Footer Placeholder 10"/>
+          <p:cNvSpPr>
+            <a:spLocks noGrp="1"/>
+          </p:cNvSpPr>
+          <p:nvPr>
+            <p:ph type="ftr" sz="quarter" idx="11"/>
           </p:nvPr>
         </p:nvSpPr>
         <p:spPr/>
@@ -12907,7 +13059,7 @@
           <a:p>
             <a:r>
               <a:rPr lang="en-US" smtClean="0"/>
-              <a:t>CS@UVa</a:t>
+              <a:t>CS 4501: Information Retrieval</a:t>
             </a:r>
             <a:endParaRPr lang="en-US"/>
           </a:p>
@@ -12915,12 +13067,12 @@
       </p:sp>
       <p:sp>
         <p:nvSpPr>
-          <p:cNvPr id="11" name="Footer Placeholder 10"/>
-          <p:cNvSpPr>
-            <a:spLocks noGrp="1"/>
-          </p:cNvSpPr>
-          <p:nvPr>
-            <p:ph type="ftr" sz="quarter" idx="11"/>
+          <p:cNvPr id="48" name="Date Placeholder 47"/>
+          <p:cNvSpPr>
+            <a:spLocks noGrp="1"/>
+          </p:cNvSpPr>
+          <p:nvPr>
+            <p:ph type="dt" sz="half" idx="10"/>
           </p:nvPr>
         </p:nvSpPr>
         <p:spPr/>
@@ -12930,7 +13082,7 @@
           <a:p>
             <a:r>
               <a:rPr lang="en-US" smtClean="0"/>
-              <a:t>CS 6501: Information Retrieval</a:t>
+              <a:t>CS@UVa</a:t>
             </a:r>
             <a:endParaRPr lang="en-US"/>
           </a:p>
@@ -12938,7 +13090,7 @@
       </p:sp>
       <p:sp>
         <p:nvSpPr>
-          <p:cNvPr id="27" name="Slide Number Placeholder 26"/>
+          <p:cNvPr id="49" name="Slide Number Placeholder 48"/>
           <p:cNvSpPr>
             <a:spLocks noGrp="1"/>
           </p:cNvSpPr>
@@ -14440,12 +14592,12 @@
       </p:pic>
       <p:sp>
         <p:nvSpPr>
-          <p:cNvPr id="4" name="Date Placeholder 3"/>
-          <p:cNvSpPr>
-            <a:spLocks noGrp="1"/>
-          </p:cNvSpPr>
-          <p:nvPr>
-            <p:ph type="dt" sz="half" idx="10"/>
+          <p:cNvPr id="5" name="Footer Placeholder 4"/>
+          <p:cNvSpPr>
+            <a:spLocks noGrp="1"/>
+          </p:cNvSpPr>
+          <p:nvPr>
+            <p:ph type="ftr" sz="quarter" idx="11"/>
           </p:nvPr>
         </p:nvSpPr>
         <p:spPr/>
@@ -14455,7 +14607,7 @@
           <a:p>
             <a:r>
               <a:rPr lang="en-US" smtClean="0"/>
-              <a:t>CS@UVa</a:t>
+              <a:t>CS 4501: Information Retrieval</a:t>
             </a:r>
             <a:endParaRPr lang="en-US"/>
           </a:p>
@@ -14463,12 +14615,12 @@
       </p:sp>
       <p:sp>
         <p:nvSpPr>
-          <p:cNvPr id="5" name="Footer Placeholder 4"/>
-          <p:cNvSpPr>
-            <a:spLocks noGrp="1"/>
-          </p:cNvSpPr>
-          <p:nvPr>
-            <p:ph type="ftr" sz="quarter" idx="11"/>
+          <p:cNvPr id="8" name="Date Placeholder 7"/>
+          <p:cNvSpPr>
+            <a:spLocks noGrp="1"/>
+          </p:cNvSpPr>
+          <p:nvPr>
+            <p:ph type="dt" sz="half" idx="10"/>
           </p:nvPr>
         </p:nvSpPr>
         <p:spPr/>
@@ -14478,7 +14630,7 @@
           <a:p>
             <a:r>
               <a:rPr lang="en-US" smtClean="0"/>
-              <a:t>CS 6501: Information Retrieval</a:t>
+              <a:t>CS@UVa</a:t>
             </a:r>
             <a:endParaRPr lang="en-US"/>
           </a:p>
@@ -14486,7 +14638,7 @@
       </p:sp>
       <p:sp>
         <p:nvSpPr>
-          <p:cNvPr id="7" name="Slide Number Placeholder 6"/>
+          <p:cNvPr id="9" name="Slide Number Placeholder 8"/>
           <p:cNvSpPr>
             <a:spLocks noGrp="1"/>
           </p:cNvSpPr>
@@ -14626,12 +14778,12 @@
       </p:sp>
       <p:sp>
         <p:nvSpPr>
-          <p:cNvPr id="4" name="Date Placeholder 3"/>
-          <p:cNvSpPr>
-            <a:spLocks noGrp="1"/>
-          </p:cNvSpPr>
-          <p:nvPr>
-            <p:ph type="dt" sz="half" idx="10"/>
+          <p:cNvPr id="5" name="Footer Placeholder 4"/>
+          <p:cNvSpPr>
+            <a:spLocks noGrp="1"/>
+          </p:cNvSpPr>
+          <p:nvPr>
+            <p:ph type="ftr" sz="quarter" idx="11"/>
           </p:nvPr>
         </p:nvSpPr>
         <p:spPr/>
@@ -14641,7 +14793,7 @@
           <a:p>
             <a:r>
               <a:rPr lang="en-US" smtClean="0"/>
-              <a:t>CS@UVa</a:t>
+              <a:t>CS 4501: Information Retrieval</a:t>
             </a:r>
             <a:endParaRPr lang="en-US"/>
           </a:p>
@@ -14649,12 +14801,12 @@
       </p:sp>
       <p:sp>
         <p:nvSpPr>
-          <p:cNvPr id="5" name="Footer Placeholder 4"/>
-          <p:cNvSpPr>
-            <a:spLocks noGrp="1"/>
-          </p:cNvSpPr>
-          <p:nvPr>
-            <p:ph type="ftr" sz="quarter" idx="11"/>
+          <p:cNvPr id="7" name="Date Placeholder 6"/>
+          <p:cNvSpPr>
+            <a:spLocks noGrp="1"/>
+          </p:cNvSpPr>
+          <p:nvPr>
+            <p:ph type="dt" sz="half" idx="10"/>
           </p:nvPr>
         </p:nvSpPr>
         <p:spPr/>
@@ -14664,7 +14816,7 @@
           <a:p>
             <a:r>
               <a:rPr lang="en-US" smtClean="0"/>
-              <a:t>CS 6501: Information Retrieval</a:t>
+              <a:t>CS@UVa</a:t>
             </a:r>
             <a:endParaRPr lang="en-US"/>
           </a:p>
@@ -14672,7 +14824,7 @@
       </p:sp>
       <p:sp>
         <p:nvSpPr>
-          <p:cNvPr id="6" name="Slide Number Placeholder 5"/>
+          <p:cNvPr id="8" name="Slide Number Placeholder 7"/>
           <p:cNvSpPr>
             <a:spLocks noGrp="1"/>
           </p:cNvSpPr>
@@ -14948,12 +15100,12 @@
       </p:sp>
       <p:sp>
         <p:nvSpPr>
-          <p:cNvPr id="4" name="Date Placeholder 3"/>
-          <p:cNvSpPr>
-            <a:spLocks noGrp="1"/>
-          </p:cNvSpPr>
-          <p:nvPr>
-            <p:ph type="dt" sz="half" idx="10"/>
+          <p:cNvPr id="5" name="Footer Placeholder 4"/>
+          <p:cNvSpPr>
+            <a:spLocks noGrp="1"/>
+          </p:cNvSpPr>
+          <p:nvPr>
+            <p:ph type="ftr" sz="quarter" idx="11"/>
           </p:nvPr>
         </p:nvSpPr>
         <p:spPr/>
@@ -14963,7 +15115,7 @@
           <a:p>
             <a:r>
               <a:rPr lang="en-US" smtClean="0"/>
-              <a:t>CS@UVa</a:t>
+              <a:t>CS 4501: Information Retrieval</a:t>
             </a:r>
             <a:endParaRPr lang="en-US"/>
           </a:p>
@@ -14971,12 +15123,12 @@
       </p:sp>
       <p:sp>
         <p:nvSpPr>
-          <p:cNvPr id="5" name="Footer Placeholder 4"/>
-          <p:cNvSpPr>
-            <a:spLocks noGrp="1"/>
-          </p:cNvSpPr>
-          <p:nvPr>
-            <p:ph type="ftr" sz="quarter" idx="11"/>
+          <p:cNvPr id="7" name="Date Placeholder 6"/>
+          <p:cNvSpPr>
+            <a:spLocks noGrp="1"/>
+          </p:cNvSpPr>
+          <p:nvPr>
+            <p:ph type="dt" sz="half" idx="10"/>
           </p:nvPr>
         </p:nvSpPr>
         <p:spPr/>
@@ -14986,7 +15138,7 @@
           <a:p>
             <a:r>
               <a:rPr lang="en-US" smtClean="0"/>
-              <a:t>CS 6501: Information Retrieval</a:t>
+              <a:t>CS@UVa</a:t>
             </a:r>
             <a:endParaRPr lang="en-US"/>
           </a:p>
@@ -14994,7 +15146,7 @@
       </p:sp>
       <p:sp>
         <p:nvSpPr>
-          <p:cNvPr id="6" name="Slide Number Placeholder 5"/>
+          <p:cNvPr id="8" name="Slide Number Placeholder 7"/>
           <p:cNvSpPr>
             <a:spLocks noGrp="1"/>
           </p:cNvSpPr>
@@ -15141,12 +15293,12 @@
       </p:sp>
       <p:sp>
         <p:nvSpPr>
-          <p:cNvPr id="4" name="Date Placeholder 3"/>
-          <p:cNvSpPr>
-            <a:spLocks noGrp="1"/>
-          </p:cNvSpPr>
-          <p:nvPr>
-            <p:ph type="dt" sz="half" idx="10"/>
+          <p:cNvPr id="5" name="Footer Placeholder 4"/>
+          <p:cNvSpPr>
+            <a:spLocks noGrp="1"/>
+          </p:cNvSpPr>
+          <p:nvPr>
+            <p:ph type="ftr" sz="quarter" idx="11"/>
           </p:nvPr>
         </p:nvSpPr>
         <p:spPr/>
@@ -15156,7 +15308,7 @@
           <a:p>
             <a:r>
               <a:rPr lang="en-US" smtClean="0"/>
-              <a:t>CS@UVa</a:t>
+              <a:t>CS 4501: Information Retrieval</a:t>
             </a:r>
             <a:endParaRPr lang="en-US"/>
           </a:p>
@@ -15164,12 +15316,12 @@
       </p:sp>
       <p:sp>
         <p:nvSpPr>
-          <p:cNvPr id="5" name="Footer Placeholder 4"/>
-          <p:cNvSpPr>
-            <a:spLocks noGrp="1"/>
-          </p:cNvSpPr>
-          <p:nvPr>
-            <p:ph type="ftr" sz="quarter" idx="11"/>
+          <p:cNvPr id="7" name="Date Placeholder 6"/>
+          <p:cNvSpPr>
+            <a:spLocks noGrp="1"/>
+          </p:cNvSpPr>
+          <p:nvPr>
+            <p:ph type="dt" sz="half" idx="10"/>
           </p:nvPr>
         </p:nvSpPr>
         <p:spPr/>
@@ -15179,7 +15331,7 @@
           <a:p>
             <a:r>
               <a:rPr lang="en-US" smtClean="0"/>
-              <a:t>CS 6501: Information Retrieval</a:t>
+              <a:t>CS@UVa</a:t>
             </a:r>
             <a:endParaRPr lang="en-US"/>
           </a:p>
@@ -15187,7 +15339,7 @@
       </p:sp>
       <p:sp>
         <p:nvSpPr>
-          <p:cNvPr id="6" name="Slide Number Placeholder 5"/>
+          <p:cNvPr id="8" name="Slide Number Placeholder 7"/>
           <p:cNvSpPr>
             <a:spLocks noGrp="1"/>
           </p:cNvSpPr>
@@ -15560,12 +15712,12 @@
       </p:cxnSp>
       <p:sp>
         <p:nvSpPr>
-          <p:cNvPr id="3" name="Date Placeholder 2"/>
-          <p:cNvSpPr>
-            <a:spLocks noGrp="1"/>
-          </p:cNvSpPr>
-          <p:nvPr>
-            <p:ph type="dt" sz="half" idx="10"/>
+          <p:cNvPr id="6" name="Footer Placeholder 5"/>
+          <p:cNvSpPr>
+            <a:spLocks noGrp="1"/>
+          </p:cNvSpPr>
+          <p:nvPr>
+            <p:ph type="ftr" sz="quarter" idx="11"/>
           </p:nvPr>
         </p:nvSpPr>
         <p:spPr/>
@@ -15575,7 +15727,7 @@
           <a:p>
             <a:r>
               <a:rPr lang="en-US" smtClean="0"/>
-              <a:t>CS@UVa</a:t>
+              <a:t>CS 4501: Information Retrieval</a:t>
             </a:r>
             <a:endParaRPr lang="en-US"/>
           </a:p>
@@ -15583,12 +15735,12 @@
       </p:sp>
       <p:sp>
         <p:nvSpPr>
-          <p:cNvPr id="6" name="Footer Placeholder 5"/>
-          <p:cNvSpPr>
-            <a:spLocks noGrp="1"/>
-          </p:cNvSpPr>
-          <p:nvPr>
-            <p:ph type="ftr" sz="quarter" idx="11"/>
+          <p:cNvPr id="9" name="Date Placeholder 8"/>
+          <p:cNvSpPr>
+            <a:spLocks noGrp="1"/>
+          </p:cNvSpPr>
+          <p:nvPr>
+            <p:ph type="dt" sz="half" idx="10"/>
           </p:nvPr>
         </p:nvSpPr>
         <p:spPr/>
@@ -15598,7 +15750,7 @@
           <a:p>
             <a:r>
               <a:rPr lang="en-US" smtClean="0"/>
-              <a:t>CS 6501: Information Retrieval</a:t>
+              <a:t>CS@UVa</a:t>
             </a:r>
             <a:endParaRPr lang="en-US"/>
           </a:p>
@@ -15606,7 +15758,7 @@
       </p:sp>
       <p:sp>
         <p:nvSpPr>
-          <p:cNvPr id="8" name="Slide Number Placeholder 7"/>
+          <p:cNvPr id="13" name="Slide Number Placeholder 12"/>
           <p:cNvSpPr>
             <a:spLocks noGrp="1"/>
           </p:cNvSpPr>
@@ -15943,12 +16095,12 @@
       </p:sp>
       <p:sp>
         <p:nvSpPr>
-          <p:cNvPr id="4" name="Date Placeholder 3"/>
-          <p:cNvSpPr>
-            <a:spLocks noGrp="1"/>
-          </p:cNvSpPr>
-          <p:nvPr>
-            <p:ph type="dt" sz="half" idx="10"/>
+          <p:cNvPr id="5" name="Footer Placeholder 4"/>
+          <p:cNvSpPr>
+            <a:spLocks noGrp="1"/>
+          </p:cNvSpPr>
+          <p:nvPr>
+            <p:ph type="ftr" sz="quarter" idx="11"/>
           </p:nvPr>
         </p:nvSpPr>
         <p:spPr/>
@@ -15958,7 +16110,7 @@
           <a:p>
             <a:r>
               <a:rPr lang="en-US" smtClean="0"/>
-              <a:t>CS@UVa</a:t>
+              <a:t>CS 4501: Information Retrieval</a:t>
             </a:r>
             <a:endParaRPr lang="en-US"/>
           </a:p>
@@ -15966,12 +16118,12 @@
       </p:sp>
       <p:sp>
         <p:nvSpPr>
-          <p:cNvPr id="5" name="Footer Placeholder 4"/>
-          <p:cNvSpPr>
-            <a:spLocks noGrp="1"/>
-          </p:cNvSpPr>
-          <p:nvPr>
-            <p:ph type="ftr" sz="quarter" idx="11"/>
+          <p:cNvPr id="7" name="Date Placeholder 6"/>
+          <p:cNvSpPr>
+            <a:spLocks noGrp="1"/>
+          </p:cNvSpPr>
+          <p:nvPr>
+            <p:ph type="dt" sz="half" idx="10"/>
           </p:nvPr>
         </p:nvSpPr>
         <p:spPr/>
@@ -15981,7 +16133,7 @@
           <a:p>
             <a:r>
               <a:rPr lang="en-US" smtClean="0"/>
-              <a:t>CS 6501: Information Retrieval</a:t>
+              <a:t>CS@UVa</a:t>
             </a:r>
             <a:endParaRPr lang="en-US"/>
           </a:p>
@@ -15989,7 +16141,7 @@
       </p:sp>
       <p:sp>
         <p:nvSpPr>
-          <p:cNvPr id="6" name="Slide Number Placeholder 5"/>
+          <p:cNvPr id="8" name="Slide Number Placeholder 7"/>
           <p:cNvSpPr>
             <a:spLocks noGrp="1"/>
           </p:cNvSpPr>
@@ -16002,7 +16154,7 @@
           <a:bodyPr/>
           <a:lstStyle/>
           <a:p>
-            <a:fld id="{9CE97C17-00E4-4C2A-BCAF-F5B311E737FD}" type="slidenum">
+            <a:fld id="{B55C347D-741C-420F-98A9-980B958D5E13}" type="slidenum">
               <a:rPr lang="en-US" smtClean="0"/>
               <a:t>3</a:t>
             </a:fld>
@@ -16369,11 +16521,7 @@
           <a:p>
             <a:r>
               <a:rPr lang="en-US" dirty="0" smtClean="0"/>
-              <a:t>Sensitivity of </a:t>
-            </a:r>
-            <a:r>
-              <a:rPr lang="en-US" dirty="0" smtClean="0"/>
-              <a:t>P@5</a:t>
+              <a:t>Sensitivity of P@5</a:t>
             </a:r>
             <a:endParaRPr lang="en-US" dirty="0"/>
           </a:p>
@@ -16575,12 +16723,12 @@
       </p:cxnSp>
       <p:sp>
         <p:nvSpPr>
-          <p:cNvPr id="4" name="Date Placeholder 3"/>
-          <p:cNvSpPr>
-            <a:spLocks noGrp="1"/>
-          </p:cNvSpPr>
-          <p:nvPr>
-            <p:ph type="dt" sz="half" idx="10"/>
+          <p:cNvPr id="6" name="Footer Placeholder 5"/>
+          <p:cNvSpPr>
+            <a:spLocks noGrp="1"/>
+          </p:cNvSpPr>
+          <p:nvPr>
+            <p:ph type="ftr" sz="quarter" idx="11"/>
           </p:nvPr>
         </p:nvSpPr>
         <p:spPr/>
@@ -16590,7 +16738,7 @@
           <a:p>
             <a:r>
               <a:rPr lang="en-US" smtClean="0"/>
-              <a:t>CS@UVa</a:t>
+              <a:t>CS 4501: Information Retrieval</a:t>
             </a:r>
             <a:endParaRPr lang="en-US"/>
           </a:p>
@@ -16598,12 +16746,12 @@
       </p:sp>
       <p:sp>
         <p:nvSpPr>
-          <p:cNvPr id="6" name="Footer Placeholder 5"/>
-          <p:cNvSpPr>
-            <a:spLocks noGrp="1"/>
-          </p:cNvSpPr>
-          <p:nvPr>
-            <p:ph type="ftr" sz="quarter" idx="11"/>
+          <p:cNvPr id="9" name="Date Placeholder 8"/>
+          <p:cNvSpPr>
+            <a:spLocks noGrp="1"/>
+          </p:cNvSpPr>
+          <p:nvPr>
+            <p:ph type="dt" sz="half" idx="10"/>
           </p:nvPr>
         </p:nvSpPr>
         <p:spPr/>
@@ -16613,7 +16761,7 @@
           <a:p>
             <a:r>
               <a:rPr lang="en-US" smtClean="0"/>
-              <a:t>CS 6501: Information Retrieval</a:t>
+              <a:t>CS@UVa</a:t>
             </a:r>
             <a:endParaRPr lang="en-US"/>
           </a:p>
@@ -16621,7 +16769,7 @@
       </p:sp>
       <p:sp>
         <p:nvSpPr>
-          <p:cNvPr id="8" name="Slide Number Placeholder 7"/>
+          <p:cNvPr id="14" name="Slide Number Placeholder 13"/>
           <p:cNvSpPr>
             <a:spLocks noGrp="1"/>
           </p:cNvSpPr>
@@ -16947,12 +17095,12 @@
       </p:sp>
       <p:sp>
         <p:nvSpPr>
-          <p:cNvPr id="3" name="Date Placeholder 2"/>
-          <p:cNvSpPr>
-            <a:spLocks noGrp="1"/>
-          </p:cNvSpPr>
-          <p:nvPr>
-            <p:ph type="dt" sz="half" idx="10"/>
+          <p:cNvPr id="4" name="Footer Placeholder 3"/>
+          <p:cNvSpPr>
+            <a:spLocks noGrp="1"/>
+          </p:cNvSpPr>
+          <p:nvPr>
+            <p:ph type="ftr" sz="quarter" idx="11"/>
           </p:nvPr>
         </p:nvSpPr>
         <p:spPr/>
@@ -16962,54 +17110,8 @@
           <a:p>
             <a:r>
               <a:rPr lang="en-US" smtClean="0"/>
-              <a:t>CS@UVa</a:t>
-            </a:r>
-            <a:endParaRPr lang="en-US"/>
-          </a:p>
-        </p:txBody>
-      </p:sp>
-      <p:sp>
-        <p:nvSpPr>
-          <p:cNvPr id="4" name="Footer Placeholder 3"/>
-          <p:cNvSpPr>
-            <a:spLocks noGrp="1"/>
-          </p:cNvSpPr>
-          <p:nvPr>
-            <p:ph type="ftr" sz="quarter" idx="11"/>
-          </p:nvPr>
-        </p:nvSpPr>
-        <p:spPr/>
-        <p:txBody>
-          <a:bodyPr/>
-          <a:lstStyle/>
-          <a:p>
-            <a:r>
-              <a:rPr lang="en-US" smtClean="0"/>
-              <a:t>CS 6501: Information Retrieval</a:t>
-            </a:r>
-            <a:endParaRPr lang="en-US"/>
-          </a:p>
-        </p:txBody>
-      </p:sp>
-      <p:sp>
-        <p:nvSpPr>
-          <p:cNvPr id="5" name="Slide Number Placeholder 4"/>
-          <p:cNvSpPr>
-            <a:spLocks noGrp="1"/>
-          </p:cNvSpPr>
-          <p:nvPr>
-            <p:ph type="sldNum" sz="quarter" idx="12"/>
-          </p:nvPr>
-        </p:nvSpPr>
-        <p:spPr/>
-        <p:txBody>
-          <a:bodyPr/>
-          <a:lstStyle/>
-          <a:p>
-            <a:fld id="{B55C347D-741C-420F-98A9-980B958D5E13}" type="slidenum">
-              <a:rPr lang="en-US" smtClean="0"/>
-              <a:t>31</a:t>
-            </a:fld>
+              <a:t>CS 4501: Information Retrieval</a:t>
+            </a:r>
             <a:endParaRPr lang="en-US"/>
           </a:p>
         </p:txBody>
@@ -17162,6 +17264,52 @@
           </a:fontRef>
         </p:style>
       </p:cxnSp>
+      <p:sp>
+        <p:nvSpPr>
+          <p:cNvPr id="11" name="Date Placeholder 10"/>
+          <p:cNvSpPr>
+            <a:spLocks noGrp="1"/>
+          </p:cNvSpPr>
+          <p:nvPr>
+            <p:ph type="dt" sz="half" idx="10"/>
+          </p:nvPr>
+        </p:nvSpPr>
+        <p:spPr/>
+        <p:txBody>
+          <a:bodyPr/>
+          <a:lstStyle/>
+          <a:p>
+            <a:r>
+              <a:rPr lang="en-US" smtClean="0"/>
+              <a:t>CS@UVa</a:t>
+            </a:r>
+            <a:endParaRPr lang="en-US"/>
+          </a:p>
+        </p:txBody>
+      </p:sp>
+      <p:sp>
+        <p:nvSpPr>
+          <p:cNvPr id="12" name="Slide Number Placeholder 11"/>
+          <p:cNvSpPr>
+            <a:spLocks noGrp="1"/>
+          </p:cNvSpPr>
+          <p:nvPr>
+            <p:ph type="sldNum" sz="quarter" idx="12"/>
+          </p:nvPr>
+        </p:nvSpPr>
+        <p:spPr/>
+        <p:txBody>
+          <a:bodyPr/>
+          <a:lstStyle/>
+          <a:p>
+            <a:fld id="{B55C347D-741C-420F-98A9-980B958D5E13}" type="slidenum">
+              <a:rPr lang="en-US" smtClean="0"/>
+              <a:t>31</a:t>
+            </a:fld>
+            <a:endParaRPr lang="en-US"/>
+          </a:p>
+        </p:txBody>
+      </p:sp>
     </p:spTree>
     <p:extLst>
       <p:ext uri="{BB962C8B-B14F-4D97-AF65-F5344CB8AC3E}">
@@ -17459,12 +17607,12 @@
       </p:sp>
       <p:sp>
         <p:nvSpPr>
-          <p:cNvPr id="3" name="Date Placeholder 2"/>
-          <p:cNvSpPr>
-            <a:spLocks noGrp="1"/>
-          </p:cNvSpPr>
-          <p:nvPr>
-            <p:ph type="dt" sz="half" idx="10"/>
+          <p:cNvPr id="4" name="Footer Placeholder 3"/>
+          <p:cNvSpPr>
+            <a:spLocks noGrp="1"/>
+          </p:cNvSpPr>
+          <p:nvPr>
+            <p:ph type="ftr" sz="quarter" idx="11"/>
           </p:nvPr>
         </p:nvSpPr>
         <p:spPr/>
@@ -17474,54 +17622,8 @@
           <a:p>
             <a:r>
               <a:rPr lang="en-US" smtClean="0"/>
-              <a:t>CS@UVa</a:t>
-            </a:r>
-            <a:endParaRPr lang="en-US"/>
-          </a:p>
-        </p:txBody>
-      </p:sp>
-      <p:sp>
-        <p:nvSpPr>
-          <p:cNvPr id="4" name="Footer Placeholder 3"/>
-          <p:cNvSpPr>
-            <a:spLocks noGrp="1"/>
-          </p:cNvSpPr>
-          <p:nvPr>
-            <p:ph type="ftr" sz="quarter" idx="11"/>
-          </p:nvPr>
-        </p:nvSpPr>
-        <p:spPr/>
-        <p:txBody>
-          <a:bodyPr/>
-          <a:lstStyle/>
-          <a:p>
-            <a:r>
-              <a:rPr lang="en-US" smtClean="0"/>
-              <a:t>CS 6501: Information Retrieval</a:t>
-            </a:r>
-            <a:endParaRPr lang="en-US"/>
-          </a:p>
-        </p:txBody>
-      </p:sp>
-      <p:sp>
-        <p:nvSpPr>
-          <p:cNvPr id="5" name="Slide Number Placeholder 4"/>
-          <p:cNvSpPr>
-            <a:spLocks noGrp="1"/>
-          </p:cNvSpPr>
-          <p:nvPr>
-            <p:ph type="sldNum" sz="quarter" idx="12"/>
-          </p:nvPr>
-        </p:nvSpPr>
-        <p:spPr/>
-        <p:txBody>
-          <a:bodyPr/>
-          <a:lstStyle/>
-          <a:p>
-            <a:fld id="{B55C347D-741C-420F-98A9-980B958D5E13}" type="slidenum">
-              <a:rPr lang="en-US" smtClean="0"/>
-              <a:t>32</a:t>
-            </a:fld>
+              <a:t>CS 4501: Information Retrieval</a:t>
+            </a:r>
             <a:endParaRPr lang="en-US"/>
           </a:p>
         </p:txBody>
@@ -17550,6 +17652,52 @@
           </a:prstGeom>
         </p:spPr>
       </p:pic>
+      <p:sp>
+        <p:nvSpPr>
+          <p:cNvPr id="7" name="Date Placeholder 6"/>
+          <p:cNvSpPr>
+            <a:spLocks noGrp="1"/>
+          </p:cNvSpPr>
+          <p:nvPr>
+            <p:ph type="dt" sz="half" idx="10"/>
+          </p:nvPr>
+        </p:nvSpPr>
+        <p:spPr/>
+        <p:txBody>
+          <a:bodyPr/>
+          <a:lstStyle/>
+          <a:p>
+            <a:r>
+              <a:rPr lang="en-US" smtClean="0"/>
+              <a:t>CS@UVa</a:t>
+            </a:r>
+            <a:endParaRPr lang="en-US"/>
+          </a:p>
+        </p:txBody>
+      </p:sp>
+      <p:sp>
+        <p:nvSpPr>
+          <p:cNvPr id="8" name="Slide Number Placeholder 7"/>
+          <p:cNvSpPr>
+            <a:spLocks noGrp="1"/>
+          </p:cNvSpPr>
+          <p:nvPr>
+            <p:ph type="sldNum" sz="quarter" idx="12"/>
+          </p:nvPr>
+        </p:nvSpPr>
+        <p:spPr/>
+        <p:txBody>
+          <a:bodyPr/>
+          <a:lstStyle/>
+          <a:p>
+            <a:fld id="{B55C347D-741C-420F-98A9-980B958D5E13}" type="slidenum">
+              <a:rPr lang="en-US" smtClean="0"/>
+              <a:t>32</a:t>
+            </a:fld>
+            <a:endParaRPr lang="en-US"/>
+          </a:p>
+        </p:txBody>
+      </p:sp>
     </p:spTree>
     <p:extLst>
       <p:ext uri="{BB962C8B-B14F-4D97-AF65-F5344CB8AC3E}">
@@ -18124,12 +18272,12 @@
       </p:sp>
       <p:sp>
         <p:nvSpPr>
-          <p:cNvPr id="6" name="Date Placeholder 5"/>
-          <p:cNvSpPr>
-            <a:spLocks noGrp="1"/>
-          </p:cNvSpPr>
-          <p:nvPr>
-            <p:ph type="dt" sz="half" idx="10"/>
+          <p:cNvPr id="8" name="Footer Placeholder 7"/>
+          <p:cNvSpPr>
+            <a:spLocks noGrp="1"/>
+          </p:cNvSpPr>
+          <p:nvPr>
+            <p:ph type="ftr" sz="quarter" idx="11"/>
           </p:nvPr>
         </p:nvSpPr>
         <p:spPr/>
@@ -18139,7 +18287,7 @@
           <a:p>
             <a:r>
               <a:rPr lang="en-US" smtClean="0"/>
-              <a:t>CS@UVa</a:t>
+              <a:t>CS 4501: Information Retrieval</a:t>
             </a:r>
             <a:endParaRPr lang="en-US"/>
           </a:p>
@@ -18147,12 +18295,12 @@
       </p:sp>
       <p:sp>
         <p:nvSpPr>
-          <p:cNvPr id="8" name="Footer Placeholder 7"/>
-          <p:cNvSpPr>
-            <a:spLocks noGrp="1"/>
-          </p:cNvSpPr>
-          <p:nvPr>
-            <p:ph type="ftr" sz="quarter" idx="11"/>
+          <p:cNvPr id="16" name="Date Placeholder 15"/>
+          <p:cNvSpPr>
+            <a:spLocks noGrp="1"/>
+          </p:cNvSpPr>
+          <p:nvPr>
+            <p:ph type="dt" sz="half" idx="10"/>
           </p:nvPr>
         </p:nvSpPr>
         <p:spPr/>
@@ -18162,7 +18310,7 @@
           <a:p>
             <a:r>
               <a:rPr lang="en-US" smtClean="0"/>
-              <a:t>CS 6501: Information Retrieval</a:t>
+              <a:t>CS@UVa</a:t>
             </a:r>
             <a:endParaRPr lang="en-US"/>
           </a:p>
@@ -18170,7 +18318,7 @@
       </p:sp>
       <p:sp>
         <p:nvSpPr>
-          <p:cNvPr id="12" name="Slide Number Placeholder 11"/>
+          <p:cNvPr id="17" name="Slide Number Placeholder 16"/>
           <p:cNvSpPr>
             <a:spLocks noGrp="1"/>
           </p:cNvSpPr>
@@ -20311,12 +20459,12 @@
       </p:grpSp>
       <p:sp>
         <p:nvSpPr>
-          <p:cNvPr id="14" name="Date Placeholder 13"/>
-          <p:cNvSpPr>
-            <a:spLocks noGrp="1"/>
-          </p:cNvSpPr>
-          <p:nvPr>
-            <p:ph type="dt" sz="half" idx="10"/>
+          <p:cNvPr id="15" name="Footer Placeholder 14"/>
+          <p:cNvSpPr>
+            <a:spLocks noGrp="1"/>
+          </p:cNvSpPr>
+          <p:nvPr>
+            <p:ph type="ftr" sz="quarter" idx="11"/>
           </p:nvPr>
         </p:nvSpPr>
         <p:spPr/>
@@ -20326,7 +20474,7 @@
           <a:p>
             <a:r>
               <a:rPr lang="en-US" smtClean="0"/>
-              <a:t>CS@UVa</a:t>
+              <a:t>CS 4501: Information Retrieval</a:t>
             </a:r>
             <a:endParaRPr lang="en-US"/>
           </a:p>
@@ -20334,12 +20482,12 @@
       </p:sp>
       <p:sp>
         <p:nvSpPr>
-          <p:cNvPr id="15" name="Footer Placeholder 14"/>
-          <p:cNvSpPr>
-            <a:spLocks noGrp="1"/>
-          </p:cNvSpPr>
-          <p:nvPr>
-            <p:ph type="ftr" sz="quarter" idx="11"/>
+          <p:cNvPr id="17" name="Date Placeholder 16"/>
+          <p:cNvSpPr>
+            <a:spLocks noGrp="1"/>
+          </p:cNvSpPr>
+          <p:nvPr>
+            <p:ph type="dt" sz="half" idx="10"/>
           </p:nvPr>
         </p:nvSpPr>
         <p:spPr/>
@@ -20349,7 +20497,7 @@
           <a:p>
             <a:r>
               <a:rPr lang="en-US" smtClean="0"/>
-              <a:t>CS 6501: Information Retrieval</a:t>
+              <a:t>CS@UVa</a:t>
             </a:r>
             <a:endParaRPr lang="en-US"/>
           </a:p>
@@ -20357,7 +20505,7 @@
       </p:sp>
       <p:sp>
         <p:nvSpPr>
-          <p:cNvPr id="16" name="Slide Number Placeholder 15"/>
+          <p:cNvPr id="18" name="Slide Number Placeholder 17"/>
           <p:cNvSpPr>
             <a:spLocks noGrp="1"/>
           </p:cNvSpPr>
@@ -20790,12 +20938,12 @@
       </p:grpSp>
       <p:sp>
         <p:nvSpPr>
-          <p:cNvPr id="9" name="Date Placeholder 8"/>
-          <p:cNvSpPr>
-            <a:spLocks noGrp="1"/>
-          </p:cNvSpPr>
-          <p:nvPr>
-            <p:ph type="dt" sz="half" idx="10"/>
+          <p:cNvPr id="10" name="Footer Placeholder 9"/>
+          <p:cNvSpPr>
+            <a:spLocks noGrp="1"/>
+          </p:cNvSpPr>
+          <p:nvPr>
+            <p:ph type="ftr" sz="quarter" idx="11"/>
           </p:nvPr>
         </p:nvSpPr>
         <p:spPr/>
@@ -20805,7 +20953,7 @@
           <a:p>
             <a:r>
               <a:rPr lang="en-US" smtClean="0"/>
-              <a:t>CS@UVa</a:t>
+              <a:t>CS 4501: Information Retrieval</a:t>
             </a:r>
             <a:endParaRPr lang="en-US"/>
           </a:p>
@@ -20813,12 +20961,12 @@
       </p:sp>
       <p:sp>
         <p:nvSpPr>
-          <p:cNvPr id="10" name="Footer Placeholder 9"/>
-          <p:cNvSpPr>
-            <a:spLocks noGrp="1"/>
-          </p:cNvSpPr>
-          <p:nvPr>
-            <p:ph type="ftr" sz="quarter" idx="11"/>
+          <p:cNvPr id="12" name="Date Placeholder 11"/>
+          <p:cNvSpPr>
+            <a:spLocks noGrp="1"/>
+          </p:cNvSpPr>
+          <p:nvPr>
+            <p:ph type="dt" sz="half" idx="10"/>
           </p:nvPr>
         </p:nvSpPr>
         <p:spPr/>
@@ -20828,7 +20976,7 @@
           <a:p>
             <a:r>
               <a:rPr lang="en-US" smtClean="0"/>
-              <a:t>CS 6501: Information Retrieval</a:t>
+              <a:t>CS@UVa</a:t>
             </a:r>
             <a:endParaRPr lang="en-US"/>
           </a:p>
@@ -20836,7 +20984,7 @@
       </p:sp>
       <p:sp>
         <p:nvSpPr>
-          <p:cNvPr id="11" name="Slide Number Placeholder 10"/>
+          <p:cNvPr id="13" name="Slide Number Placeholder 12"/>
           <p:cNvSpPr>
             <a:spLocks noGrp="1"/>
           </p:cNvSpPr>
@@ -21503,12 +21651,12 @@
       </p:grpSp>
       <p:sp>
         <p:nvSpPr>
-          <p:cNvPr id="5" name="Date Placeholder 4"/>
-          <p:cNvSpPr>
-            <a:spLocks noGrp="1"/>
-          </p:cNvSpPr>
-          <p:nvPr>
-            <p:ph type="dt" sz="half" idx="10"/>
+          <p:cNvPr id="11" name="Footer Placeholder 10"/>
+          <p:cNvSpPr>
+            <a:spLocks noGrp="1"/>
+          </p:cNvSpPr>
+          <p:nvPr>
+            <p:ph type="ftr" sz="quarter" idx="11"/>
           </p:nvPr>
         </p:nvSpPr>
         <p:spPr/>
@@ -21518,7 +21666,7 @@
           <a:p>
             <a:r>
               <a:rPr lang="en-US" smtClean="0"/>
-              <a:t>CS@UVa</a:t>
+              <a:t>CS 4501: Information Retrieval</a:t>
             </a:r>
             <a:endParaRPr lang="en-US"/>
           </a:p>
@@ -21526,12 +21674,12 @@
       </p:sp>
       <p:sp>
         <p:nvSpPr>
-          <p:cNvPr id="11" name="Footer Placeholder 10"/>
-          <p:cNvSpPr>
-            <a:spLocks noGrp="1"/>
-          </p:cNvSpPr>
-          <p:nvPr>
-            <p:ph type="ftr" sz="quarter" idx="11"/>
+          <p:cNvPr id="16" name="Date Placeholder 15"/>
+          <p:cNvSpPr>
+            <a:spLocks noGrp="1"/>
+          </p:cNvSpPr>
+          <p:nvPr>
+            <p:ph type="dt" sz="half" idx="10"/>
           </p:nvPr>
         </p:nvSpPr>
         <p:spPr/>
@@ -21541,7 +21689,7 @@
           <a:p>
             <a:r>
               <a:rPr lang="en-US" smtClean="0"/>
-              <a:t>CS 6501: Information Retrieval</a:t>
+              <a:t>CS@UVa</a:t>
             </a:r>
             <a:endParaRPr lang="en-US"/>
           </a:p>
@@ -21549,7 +21697,7 @@
       </p:sp>
       <p:sp>
         <p:nvSpPr>
-          <p:cNvPr id="15" name="Slide Number Placeholder 14"/>
+          <p:cNvPr id="17" name="Slide Number Placeholder 16"/>
           <p:cNvSpPr>
             <a:spLocks noGrp="1"/>
           </p:cNvSpPr>
@@ -21839,12 +21987,12 @@
       </p:sp>
       <p:sp>
         <p:nvSpPr>
-          <p:cNvPr id="4" name="Date Placeholder 3"/>
-          <p:cNvSpPr>
-            <a:spLocks noGrp="1"/>
-          </p:cNvSpPr>
-          <p:nvPr>
-            <p:ph type="dt" sz="half" idx="10"/>
+          <p:cNvPr id="5" name="Footer Placeholder 4"/>
+          <p:cNvSpPr>
+            <a:spLocks noGrp="1"/>
+          </p:cNvSpPr>
+          <p:nvPr>
+            <p:ph type="ftr" sz="quarter" idx="11"/>
           </p:nvPr>
         </p:nvSpPr>
         <p:spPr/>
@@ -21854,7 +22002,7 @@
           <a:p>
             <a:r>
               <a:rPr lang="en-US" smtClean="0"/>
-              <a:t>CS@UVa</a:t>
+              <a:t>CS 4501: Information Retrieval</a:t>
             </a:r>
             <a:endParaRPr lang="en-US"/>
           </a:p>
@@ -21862,12 +22010,12 @@
       </p:sp>
       <p:sp>
         <p:nvSpPr>
-          <p:cNvPr id="5" name="Footer Placeholder 4"/>
-          <p:cNvSpPr>
-            <a:spLocks noGrp="1"/>
-          </p:cNvSpPr>
-          <p:nvPr>
-            <p:ph type="ftr" sz="quarter" idx="11"/>
+          <p:cNvPr id="7" name="Date Placeholder 6"/>
+          <p:cNvSpPr>
+            <a:spLocks noGrp="1"/>
+          </p:cNvSpPr>
+          <p:nvPr>
+            <p:ph type="dt" sz="half" idx="10"/>
           </p:nvPr>
         </p:nvSpPr>
         <p:spPr/>
@@ -21877,7 +22025,7 @@
           <a:p>
             <a:r>
               <a:rPr lang="en-US" smtClean="0"/>
-              <a:t>CS 6501: Information Retrieval</a:t>
+              <a:t>CS@UVa</a:t>
             </a:r>
             <a:endParaRPr lang="en-US"/>
           </a:p>
@@ -21885,7 +22033,7 @@
       </p:sp>
       <p:sp>
         <p:nvSpPr>
-          <p:cNvPr id="6" name="Slide Number Placeholder 5"/>
+          <p:cNvPr id="8" name="Slide Number Placeholder 7"/>
           <p:cNvSpPr>
             <a:spLocks noGrp="1"/>
           </p:cNvSpPr>
@@ -22062,12 +22210,12 @@
       </p:sp>
       <p:sp>
         <p:nvSpPr>
-          <p:cNvPr id="4" name="Date Placeholder 3"/>
-          <p:cNvSpPr>
-            <a:spLocks noGrp="1"/>
-          </p:cNvSpPr>
-          <p:nvPr>
-            <p:ph type="dt" sz="half" idx="10"/>
+          <p:cNvPr id="5" name="Footer Placeholder 4"/>
+          <p:cNvSpPr>
+            <a:spLocks noGrp="1"/>
+          </p:cNvSpPr>
+          <p:nvPr>
+            <p:ph type="ftr" sz="quarter" idx="11"/>
           </p:nvPr>
         </p:nvSpPr>
         <p:spPr/>
@@ -22077,7 +22225,7 @@
           <a:p>
             <a:r>
               <a:rPr lang="en-US" smtClean="0"/>
-              <a:t>CS@UVa</a:t>
+              <a:t>CS 4501: Information Retrieval</a:t>
             </a:r>
             <a:endParaRPr lang="en-US"/>
           </a:p>
@@ -22085,12 +22233,12 @@
       </p:sp>
       <p:sp>
         <p:nvSpPr>
-          <p:cNvPr id="5" name="Footer Placeholder 4"/>
-          <p:cNvSpPr>
-            <a:spLocks noGrp="1"/>
-          </p:cNvSpPr>
-          <p:nvPr>
-            <p:ph type="ftr" sz="quarter" idx="11"/>
+          <p:cNvPr id="7" name="Date Placeholder 6"/>
+          <p:cNvSpPr>
+            <a:spLocks noGrp="1"/>
+          </p:cNvSpPr>
+          <p:nvPr>
+            <p:ph type="dt" sz="half" idx="10"/>
           </p:nvPr>
         </p:nvSpPr>
         <p:spPr/>
@@ -22100,7 +22248,7 @@
           <a:p>
             <a:r>
               <a:rPr lang="en-US" smtClean="0"/>
-              <a:t>CS 6501: Information Retrieval</a:t>
+              <a:t>CS@UVa</a:t>
             </a:r>
             <a:endParaRPr lang="en-US"/>
           </a:p>
@@ -22108,7 +22256,7 @@
       </p:sp>
       <p:sp>
         <p:nvSpPr>
-          <p:cNvPr id="6" name="Slide Number Placeholder 5"/>
+          <p:cNvPr id="8" name="Slide Number Placeholder 7"/>
           <p:cNvSpPr>
             <a:spLocks noGrp="1"/>
           </p:cNvSpPr>
@@ -22285,12 +22433,12 @@
       </p:sp>
       <p:sp>
         <p:nvSpPr>
-          <p:cNvPr id="4" name="Date Placeholder 3"/>
-          <p:cNvSpPr>
-            <a:spLocks noGrp="1"/>
-          </p:cNvSpPr>
-          <p:nvPr>
-            <p:ph type="dt" sz="half" idx="10"/>
+          <p:cNvPr id="5" name="Footer Placeholder 4"/>
+          <p:cNvSpPr>
+            <a:spLocks noGrp="1"/>
+          </p:cNvSpPr>
+          <p:nvPr>
+            <p:ph type="ftr" sz="quarter" idx="11"/>
           </p:nvPr>
         </p:nvSpPr>
         <p:spPr/>
@@ -22300,7 +22448,7 @@
           <a:p>
             <a:r>
               <a:rPr lang="en-US" smtClean="0"/>
-              <a:t>CS@UVa</a:t>
+              <a:t>CS 4501: Information Retrieval</a:t>
             </a:r>
             <a:endParaRPr lang="en-US"/>
           </a:p>
@@ -22308,12 +22456,12 @@
       </p:sp>
       <p:sp>
         <p:nvSpPr>
-          <p:cNvPr id="5" name="Footer Placeholder 4"/>
-          <p:cNvSpPr>
-            <a:spLocks noGrp="1"/>
-          </p:cNvSpPr>
-          <p:nvPr>
-            <p:ph type="ftr" sz="quarter" idx="11"/>
+          <p:cNvPr id="7" name="Date Placeholder 6"/>
+          <p:cNvSpPr>
+            <a:spLocks noGrp="1"/>
+          </p:cNvSpPr>
+          <p:nvPr>
+            <p:ph type="dt" sz="half" idx="10"/>
           </p:nvPr>
         </p:nvSpPr>
         <p:spPr/>
@@ -22323,7 +22471,7 @@
           <a:p>
             <a:r>
               <a:rPr lang="en-US" smtClean="0"/>
-              <a:t>CS 6501: Information Retrieval</a:t>
+              <a:t>CS@UVa</a:t>
             </a:r>
             <a:endParaRPr lang="en-US"/>
           </a:p>
@@ -22331,7 +22479,7 @@
       </p:sp>
       <p:sp>
         <p:nvSpPr>
-          <p:cNvPr id="6" name="Slide Number Placeholder 5"/>
+          <p:cNvPr id="8" name="Slide Number Placeholder 7"/>
           <p:cNvSpPr>
             <a:spLocks noGrp="1"/>
           </p:cNvSpPr>
@@ -22790,12 +22938,12 @@
       </p:grpSp>
       <p:sp>
         <p:nvSpPr>
-          <p:cNvPr id="6" name="Date Placeholder 5"/>
-          <p:cNvSpPr>
-            <a:spLocks noGrp="1"/>
-          </p:cNvSpPr>
-          <p:nvPr>
-            <p:ph type="dt" sz="half" idx="10"/>
+          <p:cNvPr id="8" name="Footer Placeholder 7"/>
+          <p:cNvSpPr>
+            <a:spLocks noGrp="1"/>
+          </p:cNvSpPr>
+          <p:nvPr>
+            <p:ph type="ftr" sz="quarter" idx="11"/>
           </p:nvPr>
         </p:nvSpPr>
         <p:spPr/>
@@ -22805,7 +22953,7 @@
           <a:p>
             <a:r>
               <a:rPr lang="en-US" smtClean="0"/>
-              <a:t>CS@UVa</a:t>
+              <a:t>CS 4501: Information Retrieval</a:t>
             </a:r>
             <a:endParaRPr lang="en-US"/>
           </a:p>
@@ -22813,12 +22961,12 @@
       </p:sp>
       <p:sp>
         <p:nvSpPr>
-          <p:cNvPr id="8" name="Footer Placeholder 7"/>
-          <p:cNvSpPr>
-            <a:spLocks noGrp="1"/>
-          </p:cNvSpPr>
-          <p:nvPr>
-            <p:ph type="ftr" sz="quarter" idx="11"/>
+          <p:cNvPr id="10" name="Date Placeholder 9"/>
+          <p:cNvSpPr>
+            <a:spLocks noGrp="1"/>
+          </p:cNvSpPr>
+          <p:nvPr>
+            <p:ph type="dt" sz="half" idx="10"/>
           </p:nvPr>
         </p:nvSpPr>
         <p:spPr/>
@@ -22828,7 +22976,7 @@
           <a:p>
             <a:r>
               <a:rPr lang="en-US" smtClean="0"/>
-              <a:t>CS 6501: Information Retrieval</a:t>
+              <a:t>CS@UVa</a:t>
             </a:r>
             <a:endParaRPr lang="en-US"/>
           </a:p>
@@ -22836,7 +22984,7 @@
       </p:sp>
       <p:sp>
         <p:nvSpPr>
-          <p:cNvPr id="9" name="Slide Number Placeholder 8"/>
+          <p:cNvPr id="12" name="Slide Number Placeholder 11"/>
           <p:cNvSpPr>
             <a:spLocks noGrp="1"/>
           </p:cNvSpPr>
@@ -23058,12 +23206,12 @@
       </p:pic>
       <p:sp>
         <p:nvSpPr>
-          <p:cNvPr id="5" name="Date Placeholder 4"/>
-          <p:cNvSpPr>
-            <a:spLocks noGrp="1"/>
-          </p:cNvSpPr>
-          <p:nvPr>
-            <p:ph type="dt" sz="half" idx="10"/>
+          <p:cNvPr id="6" name="Footer Placeholder 5"/>
+          <p:cNvSpPr>
+            <a:spLocks noGrp="1"/>
+          </p:cNvSpPr>
+          <p:nvPr>
+            <p:ph type="ftr" sz="quarter" idx="11"/>
           </p:nvPr>
         </p:nvSpPr>
         <p:spPr/>
@@ -23073,7 +23221,7 @@
           <a:p>
             <a:r>
               <a:rPr lang="en-US" smtClean="0"/>
-              <a:t>CS@UVa</a:t>
+              <a:t>CS 4501: Information Retrieval</a:t>
             </a:r>
             <a:endParaRPr lang="en-US"/>
           </a:p>
@@ -23081,12 +23229,12 @@
       </p:sp>
       <p:sp>
         <p:nvSpPr>
-          <p:cNvPr id="6" name="Footer Placeholder 5"/>
-          <p:cNvSpPr>
-            <a:spLocks noGrp="1"/>
-          </p:cNvSpPr>
-          <p:nvPr>
-            <p:ph type="ftr" sz="quarter" idx="11"/>
+          <p:cNvPr id="8" name="Date Placeholder 7"/>
+          <p:cNvSpPr>
+            <a:spLocks noGrp="1"/>
+          </p:cNvSpPr>
+          <p:nvPr>
+            <p:ph type="dt" sz="half" idx="10"/>
           </p:nvPr>
         </p:nvSpPr>
         <p:spPr/>
@@ -23096,7 +23244,7 @@
           <a:p>
             <a:r>
               <a:rPr lang="en-US" smtClean="0"/>
-              <a:t>CS 6501: Information Retrieval</a:t>
+              <a:t>CS@UVa</a:t>
             </a:r>
             <a:endParaRPr lang="en-US"/>
           </a:p>
@@ -23104,7 +23252,7 @@
       </p:sp>
       <p:sp>
         <p:nvSpPr>
-          <p:cNvPr id="7" name="Slide Number Placeholder 6"/>
+          <p:cNvPr id="9" name="Slide Number Placeholder 8"/>
           <p:cNvSpPr>
             <a:spLocks noGrp="1"/>
           </p:cNvSpPr>
@@ -23272,12 +23420,12 @@
       </p:pic>
       <p:sp>
         <p:nvSpPr>
-          <p:cNvPr id="5" name="Date Placeholder 4"/>
-          <p:cNvSpPr>
-            <a:spLocks noGrp="1"/>
-          </p:cNvSpPr>
-          <p:nvPr>
-            <p:ph type="dt" sz="half" idx="10"/>
+          <p:cNvPr id="6" name="Footer Placeholder 5"/>
+          <p:cNvSpPr>
+            <a:spLocks noGrp="1"/>
+          </p:cNvSpPr>
+          <p:nvPr>
+            <p:ph type="ftr" sz="quarter" idx="11"/>
           </p:nvPr>
         </p:nvSpPr>
         <p:spPr/>
@@ -23287,54 +23435,8 @@
           <a:p>
             <a:r>
               <a:rPr lang="en-US" smtClean="0"/>
-              <a:t>CS@UVa</a:t>
-            </a:r>
-            <a:endParaRPr lang="en-US"/>
-          </a:p>
-        </p:txBody>
-      </p:sp>
-      <p:sp>
-        <p:nvSpPr>
-          <p:cNvPr id="6" name="Footer Placeholder 5"/>
-          <p:cNvSpPr>
-            <a:spLocks noGrp="1"/>
-          </p:cNvSpPr>
-          <p:nvPr>
-            <p:ph type="ftr" sz="quarter" idx="11"/>
-          </p:nvPr>
-        </p:nvSpPr>
-        <p:spPr/>
-        <p:txBody>
-          <a:bodyPr/>
-          <a:lstStyle/>
-          <a:p>
-            <a:r>
-              <a:rPr lang="en-US" smtClean="0"/>
-              <a:t>CS 6501: Information Retrieval</a:t>
-            </a:r>
-            <a:endParaRPr lang="en-US"/>
-          </a:p>
-        </p:txBody>
-      </p:sp>
-      <p:sp>
-        <p:nvSpPr>
-          <p:cNvPr id="7" name="Slide Number Placeholder 6"/>
-          <p:cNvSpPr>
-            <a:spLocks noGrp="1"/>
-          </p:cNvSpPr>
-          <p:nvPr>
-            <p:ph type="sldNum" sz="quarter" idx="12"/>
-          </p:nvPr>
-        </p:nvSpPr>
-        <p:spPr/>
-        <p:txBody>
-          <a:bodyPr/>
-          <a:lstStyle/>
-          <a:p>
-            <a:fld id="{B55C347D-741C-420F-98A9-980B958D5E13}" type="slidenum">
-              <a:rPr lang="en-US" smtClean="0"/>
-              <a:t>8</a:t>
-            </a:fld>
+              <a:t>CS 4501: Information Retrieval</a:t>
+            </a:r>
             <a:endParaRPr lang="en-US"/>
           </a:p>
         </p:txBody>
@@ -23464,6 +23566,52 @@
           </p:style>
         </p:cxnSp>
       </p:grpSp>
+      <p:sp>
+        <p:nvSpPr>
+          <p:cNvPr id="9" name="Date Placeholder 8"/>
+          <p:cNvSpPr>
+            <a:spLocks noGrp="1"/>
+          </p:cNvSpPr>
+          <p:nvPr>
+            <p:ph type="dt" sz="half" idx="10"/>
+          </p:nvPr>
+        </p:nvSpPr>
+        <p:spPr/>
+        <p:txBody>
+          <a:bodyPr/>
+          <a:lstStyle/>
+          <a:p>
+            <a:r>
+              <a:rPr lang="en-US" smtClean="0"/>
+              <a:t>CS@UVa</a:t>
+            </a:r>
+            <a:endParaRPr lang="en-US"/>
+          </a:p>
+        </p:txBody>
+      </p:sp>
+      <p:sp>
+        <p:nvSpPr>
+          <p:cNvPr id="12" name="Slide Number Placeholder 11"/>
+          <p:cNvSpPr>
+            <a:spLocks noGrp="1"/>
+          </p:cNvSpPr>
+          <p:nvPr>
+            <p:ph type="sldNum" sz="quarter" idx="12"/>
+          </p:nvPr>
+        </p:nvSpPr>
+        <p:spPr/>
+        <p:txBody>
+          <a:bodyPr/>
+          <a:lstStyle/>
+          <a:p>
+            <a:fld id="{B55C347D-741C-420F-98A9-980B958D5E13}" type="slidenum">
+              <a:rPr lang="en-US" smtClean="0"/>
+              <a:t>8</a:t>
+            </a:fld>
+            <a:endParaRPr lang="en-US"/>
+          </a:p>
+        </p:txBody>
+      </p:sp>
     </p:spTree>
     <p:extLst>
       <p:ext uri="{BB962C8B-B14F-4D97-AF65-F5344CB8AC3E}">
@@ -23665,12 +23813,12 @@
       </p:pic>
       <p:sp>
         <p:nvSpPr>
-          <p:cNvPr id="4" name="Date Placeholder 3"/>
-          <p:cNvSpPr>
-            <a:spLocks noGrp="1"/>
-          </p:cNvSpPr>
-          <p:nvPr>
-            <p:ph type="dt" sz="half" idx="10"/>
+          <p:cNvPr id="6" name="Footer Placeholder 5"/>
+          <p:cNvSpPr>
+            <a:spLocks noGrp="1"/>
+          </p:cNvSpPr>
+          <p:nvPr>
+            <p:ph type="ftr" sz="quarter" idx="11"/>
           </p:nvPr>
         </p:nvSpPr>
         <p:spPr/>
@@ -23680,7 +23828,7 @@
           <a:p>
             <a:r>
               <a:rPr lang="en-US" smtClean="0"/>
-              <a:t>CS@UVa</a:t>
+              <a:t>CS 4501: Information Retrieval</a:t>
             </a:r>
             <a:endParaRPr lang="en-US"/>
           </a:p>
@@ -23688,12 +23836,12 @@
       </p:sp>
       <p:sp>
         <p:nvSpPr>
-          <p:cNvPr id="6" name="Footer Placeholder 5"/>
-          <p:cNvSpPr>
-            <a:spLocks noGrp="1"/>
-          </p:cNvSpPr>
-          <p:nvPr>
-            <p:ph type="ftr" sz="quarter" idx="11"/>
+          <p:cNvPr id="8" name="Date Placeholder 7"/>
+          <p:cNvSpPr>
+            <a:spLocks noGrp="1"/>
+          </p:cNvSpPr>
+          <p:nvPr>
+            <p:ph type="dt" sz="half" idx="10"/>
           </p:nvPr>
         </p:nvSpPr>
         <p:spPr/>
@@ -23703,7 +23851,7 @@
           <a:p>
             <a:r>
               <a:rPr lang="en-US" smtClean="0"/>
-              <a:t>CS 6501: Information Retrieval</a:t>
+              <a:t>CS@UVa</a:t>
             </a:r>
             <a:endParaRPr lang="en-US"/>
           </a:p>
@@ -23711,7 +23859,7 @@
       </p:sp>
       <p:sp>
         <p:nvSpPr>
-          <p:cNvPr id="7" name="Slide Number Placeholder 6"/>
+          <p:cNvPr id="9" name="Slide Number Placeholder 8"/>
           <p:cNvSpPr>
             <a:spLocks noGrp="1"/>
           </p:cNvSpPr>

--- a/docs/Modern Retrieval Evaluations.pptx
+++ b/docs/Modern Retrieval Evaluations.pptx
@@ -244,7 +244,7 @@
           <a:p>
             <a:fld id="{B4411AA0-CEDB-4C5B-840E-2322BB417AE9}" type="datetimeFigureOut">
               <a:rPr lang="en-US" smtClean="0"/>
-              <a:t>10/19/2015</a:t>
+              <a:t>10/28/2015</a:t>
             </a:fld>
             <a:endParaRPr lang="en-US"/>
           </a:p>
@@ -5958,6 +5958,36 @@
               <a:t>16</a:t>
             </a:fld>
             <a:endParaRPr lang="en-US"/>
+          </a:p>
+        </p:txBody>
+      </p:sp>
+      <p:sp>
+        <p:nvSpPr>
+          <p:cNvPr id="5" name="TextBox 4"/>
+          <p:cNvSpPr txBox="1"/>
+          <p:nvPr/>
+        </p:nvSpPr>
+        <p:spPr>
+          <a:xfrm>
+            <a:off x="914399" y="1943100"/>
+            <a:ext cx="4935682" cy="461665"/>
+          </a:xfrm>
+          <a:prstGeom prst="rect">
+            <a:avLst/>
+          </a:prstGeom>
+          <a:noFill/>
+        </p:spPr>
+        <p:txBody>
+          <a:bodyPr wrap="square" rtlCol="0">
+            <a:spAutoFit/>
+          </a:bodyPr>
+          <a:lstStyle/>
+          <a:p>
+            <a:r>
+              <a:rPr lang="en-US" sz="2400" dirty="0" smtClean="0"/>
+              <a:t>When search results become worse:</a:t>
+            </a:r>
+            <a:endParaRPr lang="en-US" sz="2400" dirty="0"/>
           </a:p>
         </p:txBody>
       </p:sp>
@@ -22168,7 +22198,15 @@
             </a:r>
             <a:r>
               <a:rPr lang="en-US" dirty="0"/>
-              <a:t>such a predictive power exists, does the strength of prediction vary across different search tasks and topic types? </a:t>
+              <a:t>such </a:t>
+            </a:r>
+            <a:r>
+              <a:rPr lang="en-US" dirty="0" smtClean="0"/>
+              <a:t>predictive </a:t>
+            </a:r>
+            <a:r>
+              <a:rPr lang="en-US" dirty="0"/>
+              <a:t>power exists, does the strength of prediction vary across different search tasks and topic types? </a:t>
             </a:r>
             <a:endParaRPr lang="en-US" dirty="0" smtClean="0"/>
           </a:p>

--- a/docs/Modern Retrieval Evaluations.pptx
+++ b/docs/Modern Retrieval Evaluations.pptx
@@ -5,7 +5,7 @@
     <p:sldMasterId id="2147483660" r:id="rId1"/>
   </p:sldMasterIdLst>
   <p:notesMasterIdLst>
-    <p:notesMasterId r:id="rId39"/>
+    <p:notesMasterId r:id="rId49"/>
   </p:notesMasterIdLst>
   <p:sldIdLst>
     <p:sldId id="256" r:id="rId2"/>
@@ -21,30 +21,40 @@
     <p:sldId id="266" r:id="rId12"/>
     <p:sldId id="267" r:id="rId13"/>
     <p:sldId id="268" r:id="rId14"/>
-    <p:sldId id="271" r:id="rId15"/>
-    <p:sldId id="276" r:id="rId16"/>
-    <p:sldId id="293" r:id="rId17"/>
-    <p:sldId id="272" r:id="rId18"/>
-    <p:sldId id="273" r:id="rId19"/>
-    <p:sldId id="274" r:id="rId20"/>
-    <p:sldId id="275" r:id="rId21"/>
-    <p:sldId id="277" r:id="rId22"/>
-    <p:sldId id="289" r:id="rId23"/>
-    <p:sldId id="290" r:id="rId24"/>
-    <p:sldId id="291" r:id="rId25"/>
-    <p:sldId id="278" r:id="rId26"/>
-    <p:sldId id="279" r:id="rId27"/>
-    <p:sldId id="281" r:id="rId28"/>
-    <p:sldId id="282" r:id="rId29"/>
-    <p:sldId id="283" r:id="rId30"/>
-    <p:sldId id="284" r:id="rId31"/>
-    <p:sldId id="294" r:id="rId32"/>
-    <p:sldId id="295" r:id="rId33"/>
-    <p:sldId id="286" r:id="rId34"/>
-    <p:sldId id="285" r:id="rId35"/>
-    <p:sldId id="287" r:id="rId36"/>
-    <p:sldId id="288" r:id="rId37"/>
-    <p:sldId id="292" r:id="rId38"/>
+    <p:sldId id="297" r:id="rId15"/>
+    <p:sldId id="298" r:id="rId16"/>
+    <p:sldId id="299" r:id="rId17"/>
+    <p:sldId id="271" r:id="rId18"/>
+    <p:sldId id="276" r:id="rId19"/>
+    <p:sldId id="293" r:id="rId20"/>
+    <p:sldId id="272" r:id="rId21"/>
+    <p:sldId id="273" r:id="rId22"/>
+    <p:sldId id="274" r:id="rId23"/>
+    <p:sldId id="275" r:id="rId24"/>
+    <p:sldId id="277" r:id="rId25"/>
+    <p:sldId id="289" r:id="rId26"/>
+    <p:sldId id="300" r:id="rId27"/>
+    <p:sldId id="290" r:id="rId28"/>
+    <p:sldId id="291" r:id="rId29"/>
+    <p:sldId id="278" r:id="rId30"/>
+    <p:sldId id="279" r:id="rId31"/>
+    <p:sldId id="281" r:id="rId32"/>
+    <p:sldId id="282" r:id="rId33"/>
+    <p:sldId id="283" r:id="rId34"/>
+    <p:sldId id="284" r:id="rId35"/>
+    <p:sldId id="294" r:id="rId36"/>
+    <p:sldId id="295" r:id="rId37"/>
+    <p:sldId id="302" r:id="rId38"/>
+    <p:sldId id="303" r:id="rId39"/>
+    <p:sldId id="301" r:id="rId40"/>
+    <p:sldId id="304" r:id="rId41"/>
+    <p:sldId id="306" r:id="rId42"/>
+    <p:sldId id="305" r:id="rId43"/>
+    <p:sldId id="286" r:id="rId44"/>
+    <p:sldId id="285" r:id="rId45"/>
+    <p:sldId id="287" r:id="rId46"/>
+    <p:sldId id="288" r:id="rId47"/>
+    <p:sldId id="292" r:id="rId48"/>
   </p:sldIdLst>
   <p:sldSz cx="9144000" cy="6858000" type="screen4x3"/>
   <p:notesSz cx="6858000" cy="9144000"/>
@@ -244,7 +254,7 @@
           <a:p>
             <a:fld id="{B4411AA0-CEDB-4C5B-840E-2322BB417AE9}" type="datetimeFigureOut">
               <a:rPr lang="en-US" smtClean="0"/>
-              <a:t>10/28/2015</a:t>
+              <a:t>11/8/2015</a:t>
             </a:fld>
             <a:endParaRPr lang="en-US"/>
           </a:p>
@@ -859,7 +869,7 @@
           <a:p>
             <a:fld id="{EF728F7C-2563-4A2B-9523-7AF6FA33ACE2}" type="slidenum">
               <a:rPr lang="en-US" smtClean="0"/>
-              <a:t>33</a:t>
+              <a:t>43</a:t>
             </a:fld>
             <a:endParaRPr lang="en-US"/>
           </a:p>
@@ -5244,6 +5254,859 @@
         </p:nvSpPr>
         <p:spPr/>
         <p:txBody>
+          <a:bodyPr>
+            <a:normAutofit fontScale="90000"/>
+          </a:bodyPr>
+          <a:lstStyle/>
+          <a:p>
+            <a:r>
+              <a:rPr lang="en-US" dirty="0" smtClean="0"/>
+              <a:t>Recap: Do user preferences and evaluation measures line up? </a:t>
+            </a:r>
+            <a:endParaRPr lang="en-US" baseline="30000" dirty="0"/>
+          </a:p>
+        </p:txBody>
+      </p:sp>
+      <p:sp>
+        <p:nvSpPr>
+          <p:cNvPr id="3" name="Content Placeholder 2"/>
+          <p:cNvSpPr>
+            <a:spLocks noGrp="1"/>
+          </p:cNvSpPr>
+          <p:nvPr>
+            <p:ph idx="1"/>
+          </p:nvPr>
+        </p:nvSpPr>
+        <p:spPr/>
+        <p:txBody>
+          <a:bodyPr>
+            <a:normAutofit fontScale="92500" lnSpcReduction="10000"/>
+          </a:bodyPr>
+          <a:lstStyle/>
+          <a:p>
+            <a:r>
+              <a:rPr lang="en-US" dirty="0" smtClean="0"/>
+              <a:t>Research question</a:t>
+            </a:r>
+          </a:p>
+          <a:p>
+            <a:pPr marL="971550" lvl="1" indent="-514350">
+              <a:buFont typeface="+mj-lt"/>
+              <a:buAutoNum type="arabicPeriod"/>
+            </a:pPr>
+            <a:r>
+              <a:rPr lang="en-US" dirty="0" smtClean="0"/>
+              <a:t>Does </a:t>
+            </a:r>
+            <a:r>
+              <a:rPr lang="en-US" dirty="0"/>
+              <a:t>effectiveness measured on a test collection predict user preferences for one IR system over another? </a:t>
+            </a:r>
+            <a:endParaRPr lang="en-US" dirty="0" smtClean="0"/>
+          </a:p>
+          <a:p>
+            <a:pPr marL="971550" lvl="1" indent="-514350">
+              <a:buFont typeface="+mj-lt"/>
+              <a:buAutoNum type="arabicPeriod"/>
+            </a:pPr>
+            <a:r>
+              <a:rPr lang="en-US" dirty="0" smtClean="0"/>
+              <a:t>If </a:t>
+            </a:r>
+            <a:r>
+              <a:rPr lang="en-US" dirty="0"/>
+              <a:t>such </a:t>
+            </a:r>
+            <a:r>
+              <a:rPr lang="en-US" dirty="0" smtClean="0"/>
+              <a:t>predictive </a:t>
+            </a:r>
+            <a:r>
+              <a:rPr lang="en-US" dirty="0"/>
+              <a:t>power exists, does the strength of prediction vary across different search tasks and topic types? </a:t>
+            </a:r>
+            <a:endParaRPr lang="en-US" dirty="0" smtClean="0"/>
+          </a:p>
+          <a:p>
+            <a:pPr marL="971550" lvl="1" indent="-514350">
+              <a:buFont typeface="+mj-lt"/>
+              <a:buAutoNum type="arabicPeriod"/>
+            </a:pPr>
+            <a:r>
+              <a:rPr lang="en-US" dirty="0" smtClean="0"/>
+              <a:t>If </a:t>
+            </a:r>
+            <a:r>
+              <a:rPr lang="en-US" dirty="0"/>
+              <a:t>present, does the predictive power vary when different effectiveness measures are employed? </a:t>
+            </a:r>
+            <a:endParaRPr lang="en-US" dirty="0" smtClean="0"/>
+          </a:p>
+          <a:p>
+            <a:pPr marL="971550" lvl="1" indent="-514350">
+              <a:buFont typeface="+mj-lt"/>
+              <a:buAutoNum type="arabicPeriod"/>
+            </a:pPr>
+            <a:r>
+              <a:rPr lang="en-US" dirty="0" smtClean="0"/>
+              <a:t>When </a:t>
+            </a:r>
+            <a:r>
+              <a:rPr lang="en-US" dirty="0"/>
+              <a:t>choosing one system over another, what are the reasons given by users for their choice? </a:t>
+            </a:r>
+            <a:endParaRPr lang="en-US" dirty="0" smtClean="0"/>
+          </a:p>
+          <a:p>
+            <a:pPr lvl="1"/>
+            <a:endParaRPr lang="en-US" dirty="0"/>
+          </a:p>
+        </p:txBody>
+      </p:sp>
+      <p:sp>
+        <p:nvSpPr>
+          <p:cNvPr id="5" name="Footer Placeholder 4"/>
+          <p:cNvSpPr>
+            <a:spLocks noGrp="1"/>
+          </p:cNvSpPr>
+          <p:nvPr>
+            <p:ph type="ftr" sz="quarter" idx="11"/>
+          </p:nvPr>
+        </p:nvSpPr>
+        <p:spPr/>
+        <p:txBody>
+          <a:bodyPr/>
+          <a:lstStyle/>
+          <a:p>
+            <a:r>
+              <a:rPr lang="en-US" smtClean="0"/>
+              <a:t>CS 4501: Information Retrieval</a:t>
+            </a:r>
+            <a:endParaRPr lang="en-US"/>
+          </a:p>
+        </p:txBody>
+      </p:sp>
+      <p:sp>
+        <p:nvSpPr>
+          <p:cNvPr id="7" name="Date Placeholder 6"/>
+          <p:cNvSpPr>
+            <a:spLocks noGrp="1"/>
+          </p:cNvSpPr>
+          <p:nvPr>
+            <p:ph type="dt" sz="half" idx="10"/>
+          </p:nvPr>
+        </p:nvSpPr>
+        <p:spPr/>
+        <p:txBody>
+          <a:bodyPr/>
+          <a:lstStyle/>
+          <a:p>
+            <a:r>
+              <a:rPr lang="en-US" smtClean="0"/>
+              <a:t>CS@UVa</a:t>
+            </a:r>
+            <a:endParaRPr lang="en-US"/>
+          </a:p>
+        </p:txBody>
+      </p:sp>
+      <p:sp>
+        <p:nvSpPr>
+          <p:cNvPr id="8" name="Slide Number Placeholder 7"/>
+          <p:cNvSpPr>
+            <a:spLocks noGrp="1"/>
+          </p:cNvSpPr>
+          <p:nvPr>
+            <p:ph type="sldNum" sz="quarter" idx="12"/>
+          </p:nvPr>
+        </p:nvSpPr>
+        <p:spPr/>
+        <p:txBody>
+          <a:bodyPr/>
+          <a:lstStyle/>
+          <a:p>
+            <a:fld id="{B55C347D-741C-420F-98A9-980B958D5E13}" type="slidenum">
+              <a:rPr lang="en-US" smtClean="0"/>
+              <a:t>14</a:t>
+            </a:fld>
+            <a:endParaRPr lang="en-US"/>
+          </a:p>
+        </p:txBody>
+      </p:sp>
+    </p:spTree>
+    <p:extLst>
+      <p:ext uri="{BB962C8B-B14F-4D97-AF65-F5344CB8AC3E}">
+        <p14:creationId xmlns:p14="http://schemas.microsoft.com/office/powerpoint/2010/main" val="3124324730"/>
+      </p:ext>
+    </p:extLst>
+  </p:cSld>
+  <p:clrMapOvr>
+    <a:masterClrMapping/>
+  </p:clrMapOvr>
+  <p:timing>
+    <p:tnLst>
+      <p:par>
+        <p:cTn id="1" dur="indefinite" restart="never" nodeType="tmRoot"/>
+      </p:par>
+    </p:tnLst>
+  </p:timing>
+</p:sld>
+</file>
+
+<file path=ppt/slides/slide15.xml><?xml version="1.0" encoding="utf-8"?>
+<p:sld xmlns:a="http://schemas.openxmlformats.org/drawingml/2006/main" xmlns:r="http://schemas.openxmlformats.org/officeDocument/2006/relationships" xmlns:p="http://schemas.openxmlformats.org/presentationml/2006/main">
+  <p:cSld>
+    <p:spTree>
+      <p:nvGrpSpPr>
+        <p:cNvPr id="1" name=""/>
+        <p:cNvGrpSpPr/>
+        <p:nvPr/>
+      </p:nvGrpSpPr>
+      <p:grpSpPr>
+        <a:xfrm>
+          <a:off x="0" y="0"/>
+          <a:ext cx="0" cy="0"/>
+          <a:chOff x="0" y="0"/>
+          <a:chExt cx="0" cy="0"/>
+        </a:xfrm>
+      </p:grpSpPr>
+      <p:sp>
+        <p:nvSpPr>
+          <p:cNvPr id="2" name="Title 1"/>
+          <p:cNvSpPr>
+            <a:spLocks noGrp="1"/>
+          </p:cNvSpPr>
+          <p:nvPr>
+            <p:ph type="title"/>
+          </p:nvPr>
+        </p:nvSpPr>
+        <p:spPr/>
+        <p:txBody>
+          <a:bodyPr/>
+          <a:lstStyle/>
+          <a:p>
+            <a:r>
+              <a:rPr lang="en-US" dirty="0" smtClean="0"/>
+              <a:t>Recap: experiment settings</a:t>
+            </a:r>
+            <a:endParaRPr lang="en-US" dirty="0"/>
+          </a:p>
+        </p:txBody>
+      </p:sp>
+      <p:sp>
+        <p:nvSpPr>
+          <p:cNvPr id="3" name="Content Placeholder 2"/>
+          <p:cNvSpPr>
+            <a:spLocks noGrp="1"/>
+          </p:cNvSpPr>
+          <p:nvPr>
+            <p:ph idx="1"/>
+          </p:nvPr>
+        </p:nvSpPr>
+        <p:spPr>
+          <a:xfrm>
+            <a:off x="457200" y="1600202"/>
+            <a:ext cx="8229600" cy="4822369"/>
+          </a:xfrm>
+        </p:spPr>
+        <p:txBody>
+          <a:bodyPr>
+            <a:normAutofit lnSpcReduction="10000"/>
+          </a:bodyPr>
+          <a:lstStyle/>
+          <a:p>
+            <a:r>
+              <a:rPr lang="en-US" dirty="0" smtClean="0"/>
+              <a:t>User population</a:t>
+            </a:r>
+          </a:p>
+          <a:p>
+            <a:pPr lvl="1"/>
+            <a:r>
+              <a:rPr lang="en-US" dirty="0" smtClean="0"/>
+              <a:t>Crowd sourcing</a:t>
+            </a:r>
+          </a:p>
+          <a:p>
+            <a:pPr lvl="2"/>
+            <a:r>
+              <a:rPr lang="en-US" dirty="0" smtClean="0">
+                <a:hlinkClick r:id="rId2"/>
+              </a:rPr>
+              <a:t>Mechanical Turk</a:t>
+            </a:r>
+            <a:endParaRPr lang="en-US" dirty="0" smtClean="0"/>
+          </a:p>
+          <a:p>
+            <a:pPr lvl="2"/>
+            <a:r>
+              <a:rPr lang="en-US" dirty="0" smtClean="0"/>
+              <a:t>296 ordinary users</a:t>
+            </a:r>
+          </a:p>
+          <a:p>
+            <a:r>
+              <a:rPr lang="en-US" dirty="0" smtClean="0"/>
+              <a:t>Test collection</a:t>
+            </a:r>
+          </a:p>
+          <a:p>
+            <a:pPr lvl="1"/>
+            <a:r>
+              <a:rPr lang="en-US" dirty="0" smtClean="0"/>
+              <a:t>TREC’09 Web track</a:t>
+            </a:r>
+          </a:p>
+          <a:p>
+            <a:pPr lvl="2"/>
+            <a:r>
+              <a:rPr lang="en-US" dirty="0" smtClean="0"/>
+              <a:t>50 million documents from ClueWeb09</a:t>
+            </a:r>
+          </a:p>
+          <a:p>
+            <a:pPr lvl="1"/>
+            <a:r>
+              <a:rPr lang="en-US" dirty="0" smtClean="0"/>
+              <a:t>30 topics </a:t>
+            </a:r>
+          </a:p>
+          <a:p>
+            <a:pPr lvl="2"/>
+            <a:r>
+              <a:rPr lang="en-US" dirty="0" smtClean="0"/>
+              <a:t>Each included several sub-topics</a:t>
+            </a:r>
+          </a:p>
+          <a:p>
+            <a:pPr lvl="2"/>
+            <a:r>
+              <a:rPr lang="en-US" dirty="0" smtClean="0"/>
+              <a:t>Binary relevance judgment against the sub-topics</a:t>
+            </a:r>
+          </a:p>
+        </p:txBody>
+      </p:sp>
+      <p:sp>
+        <p:nvSpPr>
+          <p:cNvPr id="5" name="Footer Placeholder 4"/>
+          <p:cNvSpPr>
+            <a:spLocks noGrp="1"/>
+          </p:cNvSpPr>
+          <p:nvPr>
+            <p:ph type="ftr" sz="quarter" idx="11"/>
+          </p:nvPr>
+        </p:nvSpPr>
+        <p:spPr/>
+        <p:txBody>
+          <a:bodyPr/>
+          <a:lstStyle/>
+          <a:p>
+            <a:r>
+              <a:rPr lang="en-US" smtClean="0"/>
+              <a:t>CS 4501: Information Retrieval</a:t>
+            </a:r>
+            <a:endParaRPr lang="en-US"/>
+          </a:p>
+        </p:txBody>
+      </p:sp>
+      <p:sp>
+        <p:nvSpPr>
+          <p:cNvPr id="7" name="Date Placeholder 6"/>
+          <p:cNvSpPr>
+            <a:spLocks noGrp="1"/>
+          </p:cNvSpPr>
+          <p:nvPr>
+            <p:ph type="dt" sz="half" idx="10"/>
+          </p:nvPr>
+        </p:nvSpPr>
+        <p:spPr/>
+        <p:txBody>
+          <a:bodyPr/>
+          <a:lstStyle/>
+          <a:p>
+            <a:r>
+              <a:rPr lang="en-US" smtClean="0"/>
+              <a:t>CS@UVa</a:t>
+            </a:r>
+            <a:endParaRPr lang="en-US"/>
+          </a:p>
+        </p:txBody>
+      </p:sp>
+      <p:sp>
+        <p:nvSpPr>
+          <p:cNvPr id="8" name="Slide Number Placeholder 7"/>
+          <p:cNvSpPr>
+            <a:spLocks noGrp="1"/>
+          </p:cNvSpPr>
+          <p:nvPr>
+            <p:ph type="sldNum" sz="quarter" idx="12"/>
+          </p:nvPr>
+        </p:nvSpPr>
+        <p:spPr/>
+        <p:txBody>
+          <a:bodyPr/>
+          <a:lstStyle/>
+          <a:p>
+            <a:fld id="{B55C347D-741C-420F-98A9-980B958D5E13}" type="slidenum">
+              <a:rPr lang="en-US" smtClean="0"/>
+              <a:t>15</a:t>
+            </a:fld>
+            <a:endParaRPr lang="en-US"/>
+          </a:p>
+        </p:txBody>
+      </p:sp>
+    </p:spTree>
+    <p:extLst>
+      <p:ext uri="{BB962C8B-B14F-4D97-AF65-F5344CB8AC3E}">
+        <p14:creationId xmlns:p14="http://schemas.microsoft.com/office/powerpoint/2010/main" val="3139015296"/>
+      </p:ext>
+    </p:extLst>
+  </p:cSld>
+  <p:clrMapOvr>
+    <a:masterClrMapping/>
+  </p:clrMapOvr>
+  <p:timing>
+    <p:tnLst>
+      <p:par>
+        <p:cTn id="1" dur="indefinite" restart="never" nodeType="tmRoot">
+          <p:childTnLst>
+            <p:seq concurrent="1" nextAc="seek">
+              <p:cTn id="2" dur="indefinite" nodeType="mainSeq">
+                <p:childTnLst>
+                  <p:par>
+                    <p:cTn id="3" fill="hold">
+                      <p:stCondLst>
+                        <p:cond delay="indefinite"/>
+                      </p:stCondLst>
+                      <p:childTnLst>
+                        <p:par>
+                          <p:cTn id="4" fill="hold">
+                            <p:stCondLst>
+                              <p:cond delay="0"/>
+                            </p:stCondLst>
+                            <p:childTnLst>
+                              <p:par>
+                                <p:cTn id="5" presetID="1" presetClass="entr" presetSubtype="0" fill="hold" nodeType="clickEffect">
+                                  <p:stCondLst>
+                                    <p:cond delay="0"/>
+                                  </p:stCondLst>
+                                  <p:childTnLst>
+                                    <p:set>
+                                      <p:cBhvr>
+                                        <p:cTn id="6" dur="1" fill="hold">
+                                          <p:stCondLst>
+                                            <p:cond delay="0"/>
+                                          </p:stCondLst>
+                                        </p:cTn>
+                                        <p:tgtEl>
+                                          <p:spTgt spid="3">
+                                            <p:txEl>
+                                              <p:pRg st="4" end="4"/>
+                                            </p:txEl>
+                                          </p:spTgt>
+                                        </p:tgtEl>
+                                        <p:attrNameLst>
+                                          <p:attrName>style.visibility</p:attrName>
+                                        </p:attrNameLst>
+                                      </p:cBhvr>
+                                      <p:to>
+                                        <p:strVal val="visible"/>
+                                      </p:to>
+                                    </p:set>
+                                  </p:childTnLst>
+                                </p:cTn>
+                              </p:par>
+                              <p:par>
+                                <p:cTn id="7" presetID="1" presetClass="entr" presetSubtype="0" fill="hold" nodeType="withEffect">
+                                  <p:stCondLst>
+                                    <p:cond delay="0"/>
+                                  </p:stCondLst>
+                                  <p:childTnLst>
+                                    <p:set>
+                                      <p:cBhvr>
+                                        <p:cTn id="8" dur="1" fill="hold">
+                                          <p:stCondLst>
+                                            <p:cond delay="0"/>
+                                          </p:stCondLst>
+                                        </p:cTn>
+                                        <p:tgtEl>
+                                          <p:spTgt spid="3">
+                                            <p:txEl>
+                                              <p:pRg st="5" end="5"/>
+                                            </p:txEl>
+                                          </p:spTgt>
+                                        </p:tgtEl>
+                                        <p:attrNameLst>
+                                          <p:attrName>style.visibility</p:attrName>
+                                        </p:attrNameLst>
+                                      </p:cBhvr>
+                                      <p:to>
+                                        <p:strVal val="visible"/>
+                                      </p:to>
+                                    </p:set>
+                                  </p:childTnLst>
+                                </p:cTn>
+                              </p:par>
+                              <p:par>
+                                <p:cTn id="9" presetID="1" presetClass="entr" presetSubtype="0" fill="hold" nodeType="withEffect">
+                                  <p:stCondLst>
+                                    <p:cond delay="0"/>
+                                  </p:stCondLst>
+                                  <p:childTnLst>
+                                    <p:set>
+                                      <p:cBhvr>
+                                        <p:cTn id="10" dur="1" fill="hold">
+                                          <p:stCondLst>
+                                            <p:cond delay="0"/>
+                                          </p:stCondLst>
+                                        </p:cTn>
+                                        <p:tgtEl>
+                                          <p:spTgt spid="3">
+                                            <p:txEl>
+                                              <p:pRg st="6" end="6"/>
+                                            </p:txEl>
+                                          </p:spTgt>
+                                        </p:tgtEl>
+                                        <p:attrNameLst>
+                                          <p:attrName>style.visibility</p:attrName>
+                                        </p:attrNameLst>
+                                      </p:cBhvr>
+                                      <p:to>
+                                        <p:strVal val="visible"/>
+                                      </p:to>
+                                    </p:set>
+                                  </p:childTnLst>
+                                </p:cTn>
+                              </p:par>
+                              <p:par>
+                                <p:cTn id="11" presetID="1" presetClass="entr" presetSubtype="0" fill="hold" nodeType="withEffect">
+                                  <p:stCondLst>
+                                    <p:cond delay="0"/>
+                                  </p:stCondLst>
+                                  <p:childTnLst>
+                                    <p:set>
+                                      <p:cBhvr>
+                                        <p:cTn id="12" dur="1" fill="hold">
+                                          <p:stCondLst>
+                                            <p:cond delay="0"/>
+                                          </p:stCondLst>
+                                        </p:cTn>
+                                        <p:tgtEl>
+                                          <p:spTgt spid="3">
+                                            <p:txEl>
+                                              <p:pRg st="7" end="7"/>
+                                            </p:txEl>
+                                          </p:spTgt>
+                                        </p:tgtEl>
+                                        <p:attrNameLst>
+                                          <p:attrName>style.visibility</p:attrName>
+                                        </p:attrNameLst>
+                                      </p:cBhvr>
+                                      <p:to>
+                                        <p:strVal val="visible"/>
+                                      </p:to>
+                                    </p:set>
+                                  </p:childTnLst>
+                                </p:cTn>
+                              </p:par>
+                              <p:par>
+                                <p:cTn id="13" presetID="1" presetClass="entr" presetSubtype="0" fill="hold" nodeType="withEffect">
+                                  <p:stCondLst>
+                                    <p:cond delay="0"/>
+                                  </p:stCondLst>
+                                  <p:childTnLst>
+                                    <p:set>
+                                      <p:cBhvr>
+                                        <p:cTn id="14" dur="1" fill="hold">
+                                          <p:stCondLst>
+                                            <p:cond delay="0"/>
+                                          </p:stCondLst>
+                                        </p:cTn>
+                                        <p:tgtEl>
+                                          <p:spTgt spid="3">
+                                            <p:txEl>
+                                              <p:pRg st="8" end="8"/>
+                                            </p:txEl>
+                                          </p:spTgt>
+                                        </p:tgtEl>
+                                        <p:attrNameLst>
+                                          <p:attrName>style.visibility</p:attrName>
+                                        </p:attrNameLst>
+                                      </p:cBhvr>
+                                      <p:to>
+                                        <p:strVal val="visible"/>
+                                      </p:to>
+                                    </p:set>
+                                  </p:childTnLst>
+                                </p:cTn>
+                              </p:par>
+                              <p:par>
+                                <p:cTn id="15" presetID="1" presetClass="entr" presetSubtype="0" fill="hold" nodeType="withEffect">
+                                  <p:stCondLst>
+                                    <p:cond delay="0"/>
+                                  </p:stCondLst>
+                                  <p:childTnLst>
+                                    <p:set>
+                                      <p:cBhvr>
+                                        <p:cTn id="16" dur="1" fill="hold">
+                                          <p:stCondLst>
+                                            <p:cond delay="0"/>
+                                          </p:stCondLst>
+                                        </p:cTn>
+                                        <p:tgtEl>
+                                          <p:spTgt spid="3">
+                                            <p:txEl>
+                                              <p:pRg st="9" end="9"/>
+                                            </p:txEl>
+                                          </p:spTgt>
+                                        </p:tgtEl>
+                                        <p:attrNameLst>
+                                          <p:attrName>style.visibility</p:attrName>
+                                        </p:attrNameLst>
+                                      </p:cBhvr>
+                                      <p:to>
+                                        <p:strVal val="visible"/>
+                                      </p:to>
+                                    </p:set>
+                                  </p:childTnLst>
+                                </p:cTn>
+                              </p:par>
+                            </p:childTnLst>
+                          </p:cTn>
+                        </p:par>
+                      </p:childTnLst>
+                    </p:cTn>
+                  </p:par>
+                </p:childTnLst>
+              </p:cTn>
+              <p:prevCondLst>
+                <p:cond evt="onPrev" delay="0">
+                  <p:tgtEl>
+                    <p:sldTgt/>
+                  </p:tgtEl>
+                </p:cond>
+              </p:prevCondLst>
+              <p:nextCondLst>
+                <p:cond evt="onNext" delay="0">
+                  <p:tgtEl>
+                    <p:sldTgt/>
+                  </p:tgtEl>
+                </p:cond>
+              </p:nextCondLst>
+            </p:seq>
+          </p:childTnLst>
+        </p:cTn>
+      </p:par>
+    </p:tnLst>
+  </p:timing>
+</p:sld>
+</file>
+
+<file path=ppt/slides/slide16.xml><?xml version="1.0" encoding="utf-8"?>
+<p:sld xmlns:a="http://schemas.openxmlformats.org/drawingml/2006/main" xmlns:r="http://schemas.openxmlformats.org/officeDocument/2006/relationships" xmlns:p="http://schemas.openxmlformats.org/presentationml/2006/main">
+  <p:cSld>
+    <p:spTree>
+      <p:nvGrpSpPr>
+        <p:cNvPr id="1" name=""/>
+        <p:cNvGrpSpPr/>
+        <p:nvPr/>
+      </p:nvGrpSpPr>
+      <p:grpSpPr>
+        <a:xfrm>
+          <a:off x="0" y="0"/>
+          <a:ext cx="0" cy="0"/>
+          <a:chOff x="0" y="0"/>
+          <a:chExt cx="0" cy="0"/>
+        </a:xfrm>
+      </p:grpSpPr>
+      <p:sp>
+        <p:nvSpPr>
+          <p:cNvPr id="2" name="Title 1"/>
+          <p:cNvSpPr>
+            <a:spLocks noGrp="1"/>
+          </p:cNvSpPr>
+          <p:nvPr>
+            <p:ph type="title"/>
+          </p:nvPr>
+        </p:nvSpPr>
+        <p:spPr/>
+        <p:txBody>
+          <a:bodyPr/>
+          <a:lstStyle/>
+          <a:p>
+            <a:r>
+              <a:rPr lang="en-US" dirty="0" smtClean="0"/>
+              <a:t>Recap: conclusions of this study</a:t>
+            </a:r>
+            <a:endParaRPr lang="en-US" dirty="0"/>
+          </a:p>
+        </p:txBody>
+      </p:sp>
+      <p:sp>
+        <p:nvSpPr>
+          <p:cNvPr id="3" name="Content Placeholder 2"/>
+          <p:cNvSpPr>
+            <a:spLocks noGrp="1"/>
+          </p:cNvSpPr>
+          <p:nvPr>
+            <p:ph idx="1"/>
+          </p:nvPr>
+        </p:nvSpPr>
+        <p:spPr/>
+        <p:txBody>
+          <a:bodyPr/>
+          <a:lstStyle/>
+          <a:p>
+            <a:r>
+              <a:rPr lang="en-US" dirty="0" smtClean="0"/>
+              <a:t>IR evaluation metrics measured on a test collection predicted user preferences for one IR system over another</a:t>
+            </a:r>
+          </a:p>
+          <a:p>
+            <a:r>
+              <a:rPr lang="en-US" dirty="0" smtClean="0"/>
+              <a:t>The correlation is strong when the </a:t>
+            </a:r>
+            <a:r>
+              <a:rPr lang="en-US" dirty="0"/>
+              <a:t>performance difference </a:t>
+            </a:r>
+            <a:r>
+              <a:rPr lang="en-US" dirty="0" smtClean="0"/>
+              <a:t>is </a:t>
+            </a:r>
+            <a:r>
+              <a:rPr lang="en-US" u="sng" dirty="0" smtClean="0"/>
+              <a:t>large</a:t>
+            </a:r>
+          </a:p>
+          <a:p>
+            <a:r>
+              <a:rPr lang="en-US" dirty="0" smtClean="0"/>
+              <a:t>Effectiveness of different metrics vary</a:t>
+            </a:r>
+            <a:endParaRPr lang="en-US" dirty="0"/>
+          </a:p>
+        </p:txBody>
+      </p:sp>
+      <p:sp>
+        <p:nvSpPr>
+          <p:cNvPr id="5" name="Footer Placeholder 4"/>
+          <p:cNvSpPr>
+            <a:spLocks noGrp="1"/>
+          </p:cNvSpPr>
+          <p:nvPr>
+            <p:ph type="ftr" sz="quarter" idx="11"/>
+          </p:nvPr>
+        </p:nvSpPr>
+        <p:spPr/>
+        <p:txBody>
+          <a:bodyPr/>
+          <a:lstStyle/>
+          <a:p>
+            <a:r>
+              <a:rPr lang="en-US" smtClean="0"/>
+              <a:t>CS 4501: Information Retrieval</a:t>
+            </a:r>
+            <a:endParaRPr lang="en-US"/>
+          </a:p>
+        </p:txBody>
+      </p:sp>
+      <p:sp>
+        <p:nvSpPr>
+          <p:cNvPr id="7" name="Date Placeholder 6"/>
+          <p:cNvSpPr>
+            <a:spLocks noGrp="1"/>
+          </p:cNvSpPr>
+          <p:nvPr>
+            <p:ph type="dt" sz="half" idx="10"/>
+          </p:nvPr>
+        </p:nvSpPr>
+        <p:spPr/>
+        <p:txBody>
+          <a:bodyPr/>
+          <a:lstStyle/>
+          <a:p>
+            <a:r>
+              <a:rPr lang="en-US" smtClean="0"/>
+              <a:t>CS@UVa</a:t>
+            </a:r>
+            <a:endParaRPr lang="en-US"/>
+          </a:p>
+        </p:txBody>
+      </p:sp>
+      <p:sp>
+        <p:nvSpPr>
+          <p:cNvPr id="8" name="Slide Number Placeholder 7"/>
+          <p:cNvSpPr>
+            <a:spLocks noGrp="1"/>
+          </p:cNvSpPr>
+          <p:nvPr>
+            <p:ph type="sldNum" sz="quarter" idx="12"/>
+          </p:nvPr>
+        </p:nvSpPr>
+        <p:spPr/>
+        <p:txBody>
+          <a:bodyPr/>
+          <a:lstStyle/>
+          <a:p>
+            <a:fld id="{B55C347D-741C-420F-98A9-980B958D5E13}" type="slidenum">
+              <a:rPr lang="en-US" smtClean="0"/>
+              <a:t>16</a:t>
+            </a:fld>
+            <a:endParaRPr lang="en-US"/>
+          </a:p>
+        </p:txBody>
+      </p:sp>
+    </p:spTree>
+    <p:extLst>
+      <p:ext uri="{BB962C8B-B14F-4D97-AF65-F5344CB8AC3E}">
+        <p14:creationId xmlns:p14="http://schemas.microsoft.com/office/powerpoint/2010/main" val="173887327"/>
+      </p:ext>
+    </p:extLst>
+  </p:cSld>
+  <p:clrMapOvr>
+    <a:masterClrMapping/>
+  </p:clrMapOvr>
+  <p:timing>
+    <p:tnLst>
+      <p:par>
+        <p:cTn id="1" dur="indefinite" restart="never" nodeType="tmRoot"/>
+      </p:par>
+    </p:tnLst>
+  </p:timing>
+</p:sld>
+</file>
+
+<file path=ppt/slides/slide17.xml><?xml version="1.0" encoding="utf-8"?>
+<p:sld xmlns:a="http://schemas.openxmlformats.org/drawingml/2006/main" xmlns:r="http://schemas.openxmlformats.org/officeDocument/2006/relationships" xmlns:p="http://schemas.openxmlformats.org/presentationml/2006/main">
+  <p:cSld>
+    <p:spTree>
+      <p:nvGrpSpPr>
+        <p:cNvPr id="1" name=""/>
+        <p:cNvGrpSpPr/>
+        <p:nvPr/>
+      </p:nvGrpSpPr>
+      <p:grpSpPr>
+        <a:xfrm>
+          <a:off x="0" y="0"/>
+          <a:ext cx="0" cy="0"/>
+          <a:chOff x="0" y="0"/>
+          <a:chExt cx="0" cy="0"/>
+        </a:xfrm>
+      </p:grpSpPr>
+      <p:sp>
+        <p:nvSpPr>
+          <p:cNvPr id="2" name="Title 1"/>
+          <p:cNvSpPr>
+            <a:spLocks noGrp="1"/>
+          </p:cNvSpPr>
+          <p:nvPr>
+            <p:ph type="title"/>
+          </p:nvPr>
+        </p:nvSpPr>
+        <p:spPr/>
+        <p:txBody>
           <a:bodyPr/>
           <a:lstStyle/>
           <a:p>
@@ -5413,7 +6276,7 @@
           <a:p>
             <a:fld id="{B55C347D-741C-420F-98A9-980B958D5E13}" type="slidenum">
               <a:rPr lang="en-US" smtClean="0"/>
-              <a:t>14</a:t>
+              <a:t>17</a:t>
             </a:fld>
             <a:endParaRPr lang="en-US"/>
           </a:p>
@@ -5439,7 +6302,7 @@
 </p:sld>
 </file>
 
-<file path=ppt/slides/slide15.xml><?xml version="1.0" encoding="utf-8"?>
+<file path=ppt/slides/slide18.xml><?xml version="1.0" encoding="utf-8"?>
 <p:sld xmlns:a="http://schemas.openxmlformats.org/drawingml/2006/main" xmlns:r="http://schemas.openxmlformats.org/officeDocument/2006/relationships" xmlns:p="http://schemas.openxmlformats.org/presentationml/2006/main">
   <p:cSld>
     <p:spTree>
@@ -5802,7 +6665,7 @@
           <a:p>
             <a:fld id="{B55C347D-741C-420F-98A9-980B958D5E13}" type="slidenum">
               <a:rPr lang="en-US" smtClean="0"/>
-              <a:t>15</a:t>
+              <a:t>18</a:t>
             </a:fld>
             <a:endParaRPr lang="en-US"/>
           </a:p>
@@ -5828,7 +6691,7 @@
 </p:sld>
 </file>
 
-<file path=ppt/slides/slide16.xml><?xml version="1.0" encoding="utf-8"?>
+<file path=ppt/slides/slide19.xml><?xml version="1.0" encoding="utf-8"?>
 <p:sld xmlns:a="http://schemas.openxmlformats.org/drawingml/2006/main" xmlns:r="http://schemas.openxmlformats.org/officeDocument/2006/relationships" xmlns:p="http://schemas.openxmlformats.org/presentationml/2006/main">
   <p:cSld>
     <p:spTree>
@@ -5955,7 +6818,7 @@
           <a:p>
             <a:fld id="{B55C347D-741C-420F-98A9-980B958D5E13}" type="slidenum">
               <a:rPr lang="en-US" smtClean="0"/>
-              <a:t>16</a:t>
+              <a:t>19</a:t>
             </a:fld>
             <a:endParaRPr lang="en-US"/>
           </a:p>
@@ -6007,1065 +6870,6 @@
         <p:cTn id="1" dur="indefinite" restart="never" nodeType="tmRoot"/>
       </p:par>
     </p:tnLst>
-  </p:timing>
-</p:sld>
-</file>
-
-<file path=ppt/slides/slide17.xml><?xml version="1.0" encoding="utf-8"?>
-<p:sld xmlns:a="http://schemas.openxmlformats.org/drawingml/2006/main" xmlns:r="http://schemas.openxmlformats.org/officeDocument/2006/relationships" xmlns:p="http://schemas.openxmlformats.org/presentationml/2006/main">
-  <p:cSld>
-    <p:spTree>
-      <p:nvGrpSpPr>
-        <p:cNvPr id="1" name=""/>
-        <p:cNvGrpSpPr/>
-        <p:nvPr/>
-      </p:nvGrpSpPr>
-      <p:grpSpPr>
-        <a:xfrm>
-          <a:off x="0" y="0"/>
-          <a:ext cx="0" cy="0"/>
-          <a:chOff x="0" y="0"/>
-          <a:chExt cx="0" cy="0"/>
-        </a:xfrm>
-      </p:grpSpPr>
-      <p:sp>
-        <p:nvSpPr>
-          <p:cNvPr id="2" name="Title 1"/>
-          <p:cNvSpPr>
-            <a:spLocks noGrp="1"/>
-          </p:cNvSpPr>
-          <p:nvPr>
-            <p:ph type="title"/>
-          </p:nvPr>
-        </p:nvSpPr>
-        <p:spPr/>
-        <p:txBody>
-          <a:bodyPr/>
-          <a:lstStyle/>
-          <a:p>
-            <a:r>
-              <a:rPr lang="en-US" dirty="0" smtClean="0"/>
-              <a:t>Experiment setup</a:t>
-            </a:r>
-            <a:endParaRPr lang="en-US" dirty="0"/>
-          </a:p>
-        </p:txBody>
-      </p:sp>
-      <p:sp>
-        <p:nvSpPr>
-          <p:cNvPr id="3" name="Content Placeholder 2"/>
-          <p:cNvSpPr>
-            <a:spLocks noGrp="1"/>
-          </p:cNvSpPr>
-          <p:nvPr>
-            <p:ph idx="1"/>
-          </p:nvPr>
-        </p:nvSpPr>
-        <p:spPr/>
-        <p:txBody>
-          <a:bodyPr>
-            <a:normAutofit/>
-          </a:bodyPr>
-          <a:lstStyle/>
-          <a:p>
-            <a:r>
-              <a:rPr lang="en-US" dirty="0" smtClean="0"/>
-              <a:t>Philosophy</a:t>
-            </a:r>
-          </a:p>
-          <a:p>
-            <a:pPr lvl="1"/>
-            <a:r>
-              <a:rPr lang="en-US" dirty="0" smtClean="0"/>
-              <a:t>Given systems with known relative ranking performance</a:t>
-            </a:r>
-          </a:p>
-          <a:p>
-            <a:pPr lvl="1"/>
-            <a:r>
-              <a:rPr lang="en-US" dirty="0" smtClean="0"/>
-              <a:t>Test which metric can recognize such difference</a:t>
-            </a:r>
-          </a:p>
-          <a:p>
-            <a:pPr lvl="1"/>
-            <a:endParaRPr lang="en-US" dirty="0" smtClean="0"/>
-          </a:p>
-          <a:p>
-            <a:pPr lvl="1"/>
-            <a:endParaRPr lang="en-US" dirty="0" smtClean="0"/>
-          </a:p>
-          <a:p>
-            <a:endParaRPr lang="en-US" dirty="0"/>
-          </a:p>
-        </p:txBody>
-      </p:sp>
-      <p:sp>
-        <p:nvSpPr>
-          <p:cNvPr id="4" name="TextBox 3"/>
-          <p:cNvSpPr txBox="1"/>
-          <p:nvPr/>
-        </p:nvSpPr>
-        <p:spPr>
-          <a:xfrm>
-            <a:off x="1836661" y="3863183"/>
-            <a:ext cx="5470677" cy="1938992"/>
-          </a:xfrm>
-          <a:prstGeom prst="rect">
-            <a:avLst/>
-          </a:prstGeom>
-          <a:noFill/>
-        </p:spPr>
-        <p:txBody>
-          <a:bodyPr wrap="square" rtlCol="0">
-            <a:spAutoFit/>
-          </a:bodyPr>
-          <a:lstStyle/>
-          <a:p>
-            <a:r>
-              <a:rPr lang="en-US" sz="2400" b="1" i="1" dirty="0" smtClean="0">
-                <a:solidFill>
-                  <a:srgbClr val="FF0000"/>
-                </a:solidFill>
-              </a:rPr>
-              <a:t>Reverse thinking of hypothesis testing</a:t>
-            </a:r>
-          </a:p>
-          <a:p>
-            <a:pPr marL="342900" indent="-342900">
-              <a:buFont typeface="Arial" panose="020B0604020202020204" pitchFamily="34" charset="0"/>
-              <a:buChar char="•"/>
-            </a:pPr>
-            <a:r>
-              <a:rPr lang="en-US" sz="2400" dirty="0" smtClean="0">
-                <a:solidFill>
-                  <a:srgbClr val="FF0000"/>
-                </a:solidFill>
-              </a:rPr>
-              <a:t>In hypothesis testing, we choose system by test statistics</a:t>
-            </a:r>
-          </a:p>
-          <a:p>
-            <a:pPr marL="342900" indent="-342900">
-              <a:buFont typeface="Arial" panose="020B0604020202020204" pitchFamily="34" charset="0"/>
-              <a:buChar char="•"/>
-            </a:pPr>
-            <a:r>
-              <a:rPr lang="en-US" sz="2400" dirty="0" smtClean="0">
-                <a:solidFill>
-                  <a:srgbClr val="FF0000"/>
-                </a:solidFill>
-              </a:rPr>
-              <a:t>In this study, we choose test statistics by systems</a:t>
-            </a:r>
-            <a:endParaRPr lang="en-US" sz="2400" dirty="0">
-              <a:solidFill>
-                <a:srgbClr val="FF0000"/>
-              </a:solidFill>
-            </a:endParaRPr>
-          </a:p>
-        </p:txBody>
-      </p:sp>
-      <p:sp>
-        <p:nvSpPr>
-          <p:cNvPr id="6" name="Footer Placeholder 5"/>
-          <p:cNvSpPr>
-            <a:spLocks noGrp="1"/>
-          </p:cNvSpPr>
-          <p:nvPr>
-            <p:ph type="ftr" sz="quarter" idx="11"/>
-          </p:nvPr>
-        </p:nvSpPr>
-        <p:spPr/>
-        <p:txBody>
-          <a:bodyPr/>
-          <a:lstStyle/>
-          <a:p>
-            <a:r>
-              <a:rPr lang="en-US" smtClean="0"/>
-              <a:t>CS 4501: Information Retrieval</a:t>
-            </a:r>
-            <a:endParaRPr lang="en-US"/>
-          </a:p>
-        </p:txBody>
-      </p:sp>
-      <p:sp>
-        <p:nvSpPr>
-          <p:cNvPr id="8" name="Date Placeholder 7"/>
-          <p:cNvSpPr>
-            <a:spLocks noGrp="1"/>
-          </p:cNvSpPr>
-          <p:nvPr>
-            <p:ph type="dt" sz="half" idx="10"/>
-          </p:nvPr>
-        </p:nvSpPr>
-        <p:spPr/>
-        <p:txBody>
-          <a:bodyPr/>
-          <a:lstStyle/>
-          <a:p>
-            <a:r>
-              <a:rPr lang="en-US" smtClean="0"/>
-              <a:t>CS@UVa</a:t>
-            </a:r>
-            <a:endParaRPr lang="en-US"/>
-          </a:p>
-        </p:txBody>
-      </p:sp>
-      <p:sp>
-        <p:nvSpPr>
-          <p:cNvPr id="9" name="Slide Number Placeholder 8"/>
-          <p:cNvSpPr>
-            <a:spLocks noGrp="1"/>
-          </p:cNvSpPr>
-          <p:nvPr>
-            <p:ph type="sldNum" sz="quarter" idx="12"/>
-          </p:nvPr>
-        </p:nvSpPr>
-        <p:spPr/>
-        <p:txBody>
-          <a:bodyPr/>
-          <a:lstStyle/>
-          <a:p>
-            <a:fld id="{B55C347D-741C-420F-98A9-980B958D5E13}" type="slidenum">
-              <a:rPr lang="en-US" smtClean="0"/>
-              <a:t>17</a:t>
-            </a:fld>
-            <a:endParaRPr lang="en-US"/>
-          </a:p>
-        </p:txBody>
-      </p:sp>
-    </p:spTree>
-    <p:extLst>
-      <p:ext uri="{BB962C8B-B14F-4D97-AF65-F5344CB8AC3E}">
-        <p14:creationId xmlns:p14="http://schemas.microsoft.com/office/powerpoint/2010/main" val="494996058"/>
-      </p:ext>
-    </p:extLst>
-  </p:cSld>
-  <p:clrMapOvr>
-    <a:masterClrMapping/>
-  </p:clrMapOvr>
-  <p:timing>
-    <p:tnLst>
-      <p:par>
-        <p:cTn id="1" dur="indefinite" restart="never" nodeType="tmRoot">
-          <p:childTnLst>
-            <p:seq concurrent="1" nextAc="seek">
-              <p:cTn id="2" dur="indefinite" nodeType="mainSeq">
-                <p:childTnLst>
-                  <p:par>
-                    <p:cTn id="3" fill="hold">
-                      <p:stCondLst>
-                        <p:cond delay="indefinite"/>
-                      </p:stCondLst>
-                      <p:childTnLst>
-                        <p:par>
-                          <p:cTn id="4" fill="hold">
-                            <p:stCondLst>
-                              <p:cond delay="0"/>
-                            </p:stCondLst>
-                            <p:childTnLst>
-                              <p:par>
-                                <p:cTn id="5" presetID="1" presetClass="entr" presetSubtype="0" fill="hold" grpId="0" nodeType="clickEffect">
-                                  <p:stCondLst>
-                                    <p:cond delay="0"/>
-                                  </p:stCondLst>
-                                  <p:childTnLst>
-                                    <p:set>
-                                      <p:cBhvr>
-                                        <p:cTn id="6" dur="1" fill="hold">
-                                          <p:stCondLst>
-                                            <p:cond delay="0"/>
-                                          </p:stCondLst>
-                                        </p:cTn>
-                                        <p:tgtEl>
-                                          <p:spTgt spid="4"/>
-                                        </p:tgtEl>
-                                        <p:attrNameLst>
-                                          <p:attrName>style.visibility</p:attrName>
-                                        </p:attrNameLst>
-                                      </p:cBhvr>
-                                      <p:to>
-                                        <p:strVal val="visible"/>
-                                      </p:to>
-                                    </p:set>
-                                  </p:childTnLst>
-                                </p:cTn>
-                              </p:par>
-                            </p:childTnLst>
-                          </p:cTn>
-                        </p:par>
-                      </p:childTnLst>
-                    </p:cTn>
-                  </p:par>
-                </p:childTnLst>
-              </p:cTn>
-              <p:prevCondLst>
-                <p:cond evt="onPrev" delay="0">
-                  <p:tgtEl>
-                    <p:sldTgt/>
-                  </p:tgtEl>
-                </p:cond>
-              </p:prevCondLst>
-              <p:nextCondLst>
-                <p:cond evt="onNext" delay="0">
-                  <p:tgtEl>
-                    <p:sldTgt/>
-                  </p:tgtEl>
-                </p:cond>
-              </p:nextCondLst>
-            </p:seq>
-          </p:childTnLst>
-        </p:cTn>
-      </p:par>
-    </p:tnLst>
-    <p:bldLst>
-      <p:bldP spid="4" grpId="0"/>
-    </p:bldLst>
-  </p:timing>
-</p:sld>
-</file>
-
-<file path=ppt/slides/slide18.xml><?xml version="1.0" encoding="utf-8"?>
-<p:sld xmlns:a="http://schemas.openxmlformats.org/drawingml/2006/main" xmlns:r="http://schemas.openxmlformats.org/officeDocument/2006/relationships" xmlns:p="http://schemas.openxmlformats.org/presentationml/2006/main">
-  <p:cSld>
-    <p:spTree>
-      <p:nvGrpSpPr>
-        <p:cNvPr id="1" name=""/>
-        <p:cNvGrpSpPr/>
-        <p:nvPr/>
-      </p:nvGrpSpPr>
-      <p:grpSpPr>
-        <a:xfrm>
-          <a:off x="0" y="0"/>
-          <a:ext cx="0" cy="0"/>
-          <a:chOff x="0" y="0"/>
-          <a:chExt cx="0" cy="0"/>
-        </a:xfrm>
-      </p:grpSpPr>
-      <p:sp>
-        <p:nvSpPr>
-          <p:cNvPr id="2" name="Title 1"/>
-          <p:cNvSpPr>
-            <a:spLocks noGrp="1"/>
-          </p:cNvSpPr>
-          <p:nvPr>
-            <p:ph type="title"/>
-          </p:nvPr>
-        </p:nvSpPr>
-        <p:spPr/>
-        <p:txBody>
-          <a:bodyPr/>
-          <a:lstStyle/>
-          <a:p>
-            <a:r>
-              <a:rPr lang="en-US" dirty="0"/>
-              <a:t>Constructing comparison systems</a:t>
-            </a:r>
-          </a:p>
-        </p:txBody>
-      </p:sp>
-      <p:sp>
-        <p:nvSpPr>
-          <p:cNvPr id="3" name="Content Placeholder 2"/>
-          <p:cNvSpPr>
-            <a:spLocks noGrp="1"/>
-          </p:cNvSpPr>
-          <p:nvPr>
-            <p:ph idx="1"/>
-          </p:nvPr>
-        </p:nvSpPr>
-        <p:spPr>
-          <a:xfrm>
-            <a:off x="457200" y="1600202"/>
-            <a:ext cx="8229600" cy="4844141"/>
-          </a:xfrm>
-        </p:spPr>
-        <p:txBody>
-          <a:bodyPr>
-            <a:normAutofit fontScale="92500" lnSpcReduction="10000"/>
-          </a:bodyPr>
-          <a:lstStyle/>
-          <a:p>
-            <a:r>
-              <a:rPr lang="en-US" dirty="0" err="1" smtClean="0"/>
-              <a:t>Orig</a:t>
-            </a:r>
-            <a:r>
-              <a:rPr lang="en-US" dirty="0" smtClean="0"/>
-              <a:t> &gt; Flat &gt; Rand</a:t>
-            </a:r>
-          </a:p>
-          <a:p>
-            <a:pPr lvl="1"/>
-            <a:r>
-              <a:rPr lang="en-US" dirty="0" err="1" smtClean="0"/>
-              <a:t>Orig</a:t>
-            </a:r>
-            <a:r>
-              <a:rPr lang="en-US" dirty="0" smtClean="0"/>
-              <a:t>: original ranking algorithm from arXiv.org</a:t>
-            </a:r>
-          </a:p>
-          <a:p>
-            <a:pPr lvl="1"/>
-            <a:r>
-              <a:rPr lang="en-US" dirty="0" smtClean="0"/>
-              <a:t>Flat: remove structure features (known to be important) in original ranking algorithm </a:t>
-            </a:r>
-          </a:p>
-          <a:p>
-            <a:pPr lvl="1"/>
-            <a:r>
-              <a:rPr lang="en-US" dirty="0" smtClean="0"/>
-              <a:t>Rand: random shuffling of Flat’s results</a:t>
-            </a:r>
-          </a:p>
-          <a:p>
-            <a:r>
-              <a:rPr lang="en-US" dirty="0" err="1" smtClean="0"/>
-              <a:t>Orig</a:t>
-            </a:r>
-            <a:r>
-              <a:rPr lang="en-US" dirty="0" smtClean="0"/>
-              <a:t> &gt; Swap2 &gt; Swap4</a:t>
-            </a:r>
-          </a:p>
-          <a:p>
-            <a:pPr lvl="1"/>
-            <a:r>
-              <a:rPr lang="en-US" dirty="0" smtClean="0"/>
-              <a:t>Swap2: randomly selects two documents from top 5 and swaps them with two random documents from rank 6 through 10 (the same for next page)</a:t>
-            </a:r>
-          </a:p>
-          <a:p>
-            <a:pPr lvl="1"/>
-            <a:r>
-              <a:rPr lang="en-US" dirty="0" smtClean="0"/>
-              <a:t>Swap4: similar to Swap2, but select four documents for swap</a:t>
-            </a:r>
-          </a:p>
-          <a:p>
-            <a:pPr lvl="1"/>
-            <a:endParaRPr lang="en-US" dirty="0" smtClean="0"/>
-          </a:p>
-          <a:p>
-            <a:pPr lvl="1"/>
-            <a:endParaRPr lang="en-US" dirty="0" smtClean="0"/>
-          </a:p>
-          <a:p>
-            <a:pPr lvl="1"/>
-            <a:endParaRPr lang="en-US" dirty="0" smtClean="0"/>
-          </a:p>
-          <a:p>
-            <a:endParaRPr lang="en-US" dirty="0"/>
-          </a:p>
-        </p:txBody>
-      </p:sp>
-      <p:sp>
-        <p:nvSpPr>
-          <p:cNvPr id="5" name="Footer Placeholder 4"/>
-          <p:cNvSpPr>
-            <a:spLocks noGrp="1"/>
-          </p:cNvSpPr>
-          <p:nvPr>
-            <p:ph type="ftr" sz="quarter" idx="11"/>
-          </p:nvPr>
-        </p:nvSpPr>
-        <p:spPr/>
-        <p:txBody>
-          <a:bodyPr/>
-          <a:lstStyle/>
-          <a:p>
-            <a:r>
-              <a:rPr lang="en-US" smtClean="0"/>
-              <a:t>CS 4501: Information Retrieval</a:t>
-            </a:r>
-            <a:endParaRPr lang="en-US"/>
-          </a:p>
-        </p:txBody>
-      </p:sp>
-      <p:sp>
-        <p:nvSpPr>
-          <p:cNvPr id="7" name="Date Placeholder 6"/>
-          <p:cNvSpPr>
-            <a:spLocks noGrp="1"/>
-          </p:cNvSpPr>
-          <p:nvPr>
-            <p:ph type="dt" sz="half" idx="10"/>
-          </p:nvPr>
-        </p:nvSpPr>
-        <p:spPr/>
-        <p:txBody>
-          <a:bodyPr/>
-          <a:lstStyle/>
-          <a:p>
-            <a:r>
-              <a:rPr lang="en-US" smtClean="0"/>
-              <a:t>CS@UVa</a:t>
-            </a:r>
-            <a:endParaRPr lang="en-US"/>
-          </a:p>
-        </p:txBody>
-      </p:sp>
-      <p:sp>
-        <p:nvSpPr>
-          <p:cNvPr id="8" name="Slide Number Placeholder 7"/>
-          <p:cNvSpPr>
-            <a:spLocks noGrp="1"/>
-          </p:cNvSpPr>
-          <p:nvPr>
-            <p:ph type="sldNum" sz="quarter" idx="12"/>
-          </p:nvPr>
-        </p:nvSpPr>
-        <p:spPr/>
-        <p:txBody>
-          <a:bodyPr/>
-          <a:lstStyle/>
-          <a:p>
-            <a:fld id="{B55C347D-741C-420F-98A9-980B958D5E13}" type="slidenum">
-              <a:rPr lang="en-US" smtClean="0"/>
-              <a:t>18</a:t>
-            </a:fld>
-            <a:endParaRPr lang="en-US"/>
-          </a:p>
-        </p:txBody>
-      </p:sp>
-    </p:spTree>
-    <p:extLst>
-      <p:ext uri="{BB962C8B-B14F-4D97-AF65-F5344CB8AC3E}">
-        <p14:creationId xmlns:p14="http://schemas.microsoft.com/office/powerpoint/2010/main" val="2003269359"/>
-      </p:ext>
-    </p:extLst>
-  </p:cSld>
-  <p:clrMapOvr>
-    <a:masterClrMapping/>
-  </p:clrMapOvr>
-  <p:timing>
-    <p:tnLst>
-      <p:par>
-        <p:cTn id="1" dur="indefinite" restart="never" nodeType="tmRoot">
-          <p:childTnLst>
-            <p:seq concurrent="1" nextAc="seek">
-              <p:cTn id="2" dur="indefinite" nodeType="mainSeq">
-                <p:childTnLst>
-                  <p:par>
-                    <p:cTn id="3" fill="hold">
-                      <p:stCondLst>
-                        <p:cond delay="indefinite"/>
-                      </p:stCondLst>
-                      <p:childTnLst>
-                        <p:par>
-                          <p:cTn id="4" fill="hold">
-                            <p:stCondLst>
-                              <p:cond delay="0"/>
-                            </p:stCondLst>
-                            <p:childTnLst>
-                              <p:par>
-                                <p:cTn id="5" presetID="1" presetClass="entr" presetSubtype="0" fill="hold" nodeType="clickEffect">
-                                  <p:stCondLst>
-                                    <p:cond delay="0"/>
-                                  </p:stCondLst>
-                                  <p:childTnLst>
-                                    <p:set>
-                                      <p:cBhvr>
-                                        <p:cTn id="6" dur="1" fill="hold">
-                                          <p:stCondLst>
-                                            <p:cond delay="0"/>
-                                          </p:stCondLst>
-                                        </p:cTn>
-                                        <p:tgtEl>
-                                          <p:spTgt spid="3">
-                                            <p:txEl>
-                                              <p:pRg st="4" end="4"/>
-                                            </p:txEl>
-                                          </p:spTgt>
-                                        </p:tgtEl>
-                                        <p:attrNameLst>
-                                          <p:attrName>style.visibility</p:attrName>
-                                        </p:attrNameLst>
-                                      </p:cBhvr>
-                                      <p:to>
-                                        <p:strVal val="visible"/>
-                                      </p:to>
-                                    </p:set>
-                                  </p:childTnLst>
-                                </p:cTn>
-                              </p:par>
-                              <p:par>
-                                <p:cTn id="7" presetID="1" presetClass="entr" presetSubtype="0" fill="hold" nodeType="withEffect">
-                                  <p:stCondLst>
-                                    <p:cond delay="0"/>
-                                  </p:stCondLst>
-                                  <p:childTnLst>
-                                    <p:set>
-                                      <p:cBhvr>
-                                        <p:cTn id="8" dur="1" fill="hold">
-                                          <p:stCondLst>
-                                            <p:cond delay="0"/>
-                                          </p:stCondLst>
-                                        </p:cTn>
-                                        <p:tgtEl>
-                                          <p:spTgt spid="3">
-                                            <p:txEl>
-                                              <p:pRg st="5" end="5"/>
-                                            </p:txEl>
-                                          </p:spTgt>
-                                        </p:tgtEl>
-                                        <p:attrNameLst>
-                                          <p:attrName>style.visibility</p:attrName>
-                                        </p:attrNameLst>
-                                      </p:cBhvr>
-                                      <p:to>
-                                        <p:strVal val="visible"/>
-                                      </p:to>
-                                    </p:set>
-                                  </p:childTnLst>
-                                </p:cTn>
-                              </p:par>
-                              <p:par>
-                                <p:cTn id="9" presetID="1" presetClass="entr" presetSubtype="0" fill="hold" nodeType="withEffect">
-                                  <p:stCondLst>
-                                    <p:cond delay="0"/>
-                                  </p:stCondLst>
-                                  <p:childTnLst>
-                                    <p:set>
-                                      <p:cBhvr>
-                                        <p:cTn id="10" dur="1" fill="hold">
-                                          <p:stCondLst>
-                                            <p:cond delay="0"/>
-                                          </p:stCondLst>
-                                        </p:cTn>
-                                        <p:tgtEl>
-                                          <p:spTgt spid="3">
-                                            <p:txEl>
-                                              <p:pRg st="6" end="6"/>
-                                            </p:txEl>
-                                          </p:spTgt>
-                                        </p:tgtEl>
-                                        <p:attrNameLst>
-                                          <p:attrName>style.visibility</p:attrName>
-                                        </p:attrNameLst>
-                                      </p:cBhvr>
-                                      <p:to>
-                                        <p:strVal val="visible"/>
-                                      </p:to>
-                                    </p:set>
-                                  </p:childTnLst>
-                                </p:cTn>
-                              </p:par>
-                            </p:childTnLst>
-                          </p:cTn>
-                        </p:par>
-                      </p:childTnLst>
-                    </p:cTn>
-                  </p:par>
-                </p:childTnLst>
-              </p:cTn>
-              <p:prevCondLst>
-                <p:cond evt="onPrev" delay="0">
-                  <p:tgtEl>
-                    <p:sldTgt/>
-                  </p:tgtEl>
-                </p:cond>
-              </p:prevCondLst>
-              <p:nextCondLst>
-                <p:cond evt="onNext" delay="0">
-                  <p:tgtEl>
-                    <p:sldTgt/>
-                  </p:tgtEl>
-                </p:cond>
-              </p:nextCondLst>
-            </p:seq>
-          </p:childTnLst>
-        </p:cTn>
-      </p:par>
-    </p:tnLst>
-  </p:timing>
-</p:sld>
-</file>
-
-<file path=ppt/slides/slide19.xml><?xml version="1.0" encoding="utf-8"?>
-<p:sld xmlns:a="http://schemas.openxmlformats.org/drawingml/2006/main" xmlns:r="http://schemas.openxmlformats.org/officeDocument/2006/relationships" xmlns:p="http://schemas.openxmlformats.org/presentationml/2006/main">
-  <p:cSld>
-    <p:spTree>
-      <p:nvGrpSpPr>
-        <p:cNvPr id="1" name=""/>
-        <p:cNvGrpSpPr/>
-        <p:nvPr/>
-      </p:nvGrpSpPr>
-      <p:grpSpPr>
-        <a:xfrm>
-          <a:off x="0" y="0"/>
-          <a:ext cx="0" cy="0"/>
-          <a:chOff x="0" y="0"/>
-          <a:chExt cx="0" cy="0"/>
-        </a:xfrm>
-      </p:grpSpPr>
-      <p:sp>
-        <p:nvSpPr>
-          <p:cNvPr id="2" name="Title 1"/>
-          <p:cNvSpPr>
-            <a:spLocks noGrp="1"/>
-          </p:cNvSpPr>
-          <p:nvPr>
-            <p:ph type="title"/>
-          </p:nvPr>
-        </p:nvSpPr>
-        <p:spPr/>
-        <p:txBody>
-          <a:bodyPr/>
-          <a:lstStyle/>
-          <a:p>
-            <a:r>
-              <a:rPr lang="en-US" dirty="0" smtClean="0"/>
-              <a:t>Result for A/B test</a:t>
-            </a:r>
-            <a:endParaRPr lang="en-US" dirty="0"/>
-          </a:p>
-        </p:txBody>
-      </p:sp>
-      <p:sp>
-        <p:nvSpPr>
-          <p:cNvPr id="3" name="Content Placeholder 2"/>
-          <p:cNvSpPr>
-            <a:spLocks noGrp="1"/>
-          </p:cNvSpPr>
-          <p:nvPr>
-            <p:ph idx="1"/>
-          </p:nvPr>
-        </p:nvSpPr>
-        <p:spPr/>
-        <p:txBody>
-          <a:bodyPr/>
-          <a:lstStyle/>
-          <a:p>
-            <a:r>
-              <a:rPr lang="en-US" dirty="0" smtClean="0"/>
-              <a:t>1/6 users of arXiv.org are routed to each of the testing system in one month period</a:t>
-            </a:r>
-            <a:endParaRPr lang="en-US" dirty="0"/>
-          </a:p>
-        </p:txBody>
-      </p:sp>
-      <p:pic>
-        <p:nvPicPr>
-          <p:cNvPr id="5" name="Picture 4"/>
-          <p:cNvPicPr>
-            <a:picLocks noChangeAspect="1"/>
-          </p:cNvPicPr>
-          <p:nvPr/>
-        </p:nvPicPr>
-        <p:blipFill>
-          <a:blip r:embed="rId2"/>
-          <a:stretch>
-            <a:fillRect/>
-          </a:stretch>
-        </p:blipFill>
-        <p:spPr>
-          <a:xfrm>
-            <a:off x="457200" y="2863738"/>
-            <a:ext cx="8239125" cy="2695575"/>
-          </a:xfrm>
-          <a:prstGeom prst="rect">
-            <a:avLst/>
-          </a:prstGeom>
-        </p:spPr>
-      </p:pic>
-      <p:sp>
-        <p:nvSpPr>
-          <p:cNvPr id="7" name="Rectangle 6"/>
-          <p:cNvSpPr/>
-          <p:nvPr/>
-        </p:nvSpPr>
-        <p:spPr>
-          <a:xfrm>
-            <a:off x="4419600" y="4920343"/>
-            <a:ext cx="2579914" cy="381000"/>
-          </a:xfrm>
-          <a:prstGeom prst="rect">
-            <a:avLst/>
-          </a:prstGeom>
-          <a:noFill/>
-          <a:ln w="28575">
-            <a:solidFill>
-              <a:srgbClr val="FF0000"/>
-            </a:solidFill>
-          </a:ln>
-        </p:spPr>
-        <p:style>
-          <a:lnRef idx="2">
-            <a:schemeClr val="accent1">
-              <a:shade val="50000"/>
-            </a:schemeClr>
-          </a:lnRef>
-          <a:fillRef idx="1">
-            <a:schemeClr val="accent1"/>
-          </a:fillRef>
-          <a:effectRef idx="0">
-            <a:schemeClr val="accent1"/>
-          </a:effectRef>
-          <a:fontRef idx="minor">
-            <a:schemeClr val="lt1"/>
-          </a:fontRef>
-        </p:style>
-        <p:txBody>
-          <a:bodyPr rtlCol="0" anchor="ctr"/>
-          <a:lstStyle/>
-          <a:p>
-            <a:pPr algn="ctr"/>
-            <a:endParaRPr lang="en-US"/>
-          </a:p>
-        </p:txBody>
-      </p:sp>
-      <p:sp>
-        <p:nvSpPr>
-          <p:cNvPr id="8" name="Rectangle 7"/>
-          <p:cNvSpPr/>
-          <p:nvPr/>
-        </p:nvSpPr>
-        <p:spPr>
-          <a:xfrm>
-            <a:off x="5802086" y="5178313"/>
-            <a:ext cx="2677885" cy="381000"/>
-          </a:xfrm>
-          <a:prstGeom prst="rect">
-            <a:avLst/>
-          </a:prstGeom>
-          <a:noFill/>
-          <a:ln w="28575">
-            <a:solidFill>
-              <a:srgbClr val="FF0000"/>
-            </a:solidFill>
-          </a:ln>
-        </p:spPr>
-        <p:style>
-          <a:lnRef idx="2">
-            <a:schemeClr val="accent1">
-              <a:shade val="50000"/>
-            </a:schemeClr>
-          </a:lnRef>
-          <a:fillRef idx="1">
-            <a:schemeClr val="accent1"/>
-          </a:fillRef>
-          <a:effectRef idx="0">
-            <a:schemeClr val="accent1"/>
-          </a:effectRef>
-          <a:fontRef idx="minor">
-            <a:schemeClr val="lt1"/>
-          </a:fontRef>
-        </p:style>
-        <p:txBody>
-          <a:bodyPr rtlCol="0" anchor="ctr"/>
-          <a:lstStyle/>
-          <a:p>
-            <a:pPr algn="ctr"/>
-            <a:endParaRPr lang="en-US"/>
-          </a:p>
-        </p:txBody>
-      </p:sp>
-      <p:sp>
-        <p:nvSpPr>
-          <p:cNvPr id="6" name="Footer Placeholder 5"/>
-          <p:cNvSpPr>
-            <a:spLocks noGrp="1"/>
-          </p:cNvSpPr>
-          <p:nvPr>
-            <p:ph type="ftr" sz="quarter" idx="11"/>
-          </p:nvPr>
-        </p:nvSpPr>
-        <p:spPr/>
-        <p:txBody>
-          <a:bodyPr/>
-          <a:lstStyle/>
-          <a:p>
-            <a:r>
-              <a:rPr lang="en-US" smtClean="0"/>
-              <a:t>CS 4501: Information Retrieval</a:t>
-            </a:r>
-            <a:endParaRPr lang="en-US"/>
-          </a:p>
-        </p:txBody>
-      </p:sp>
-      <p:sp>
-        <p:nvSpPr>
-          <p:cNvPr id="10" name="Date Placeholder 9"/>
-          <p:cNvSpPr>
-            <a:spLocks noGrp="1"/>
-          </p:cNvSpPr>
-          <p:nvPr>
-            <p:ph type="dt" sz="half" idx="10"/>
-          </p:nvPr>
-        </p:nvSpPr>
-        <p:spPr/>
-        <p:txBody>
-          <a:bodyPr/>
-          <a:lstStyle/>
-          <a:p>
-            <a:r>
-              <a:rPr lang="en-US" smtClean="0"/>
-              <a:t>CS@UVa</a:t>
-            </a:r>
-            <a:endParaRPr lang="en-US"/>
-          </a:p>
-        </p:txBody>
-      </p:sp>
-      <p:sp>
-        <p:nvSpPr>
-          <p:cNvPr id="11" name="Slide Number Placeholder 10"/>
-          <p:cNvSpPr>
-            <a:spLocks noGrp="1"/>
-          </p:cNvSpPr>
-          <p:nvPr>
-            <p:ph type="sldNum" sz="quarter" idx="12"/>
-          </p:nvPr>
-        </p:nvSpPr>
-        <p:spPr/>
-        <p:txBody>
-          <a:bodyPr/>
-          <a:lstStyle/>
-          <a:p>
-            <a:fld id="{B55C347D-741C-420F-98A9-980B958D5E13}" type="slidenum">
-              <a:rPr lang="en-US" smtClean="0"/>
-              <a:t>19</a:t>
-            </a:fld>
-            <a:endParaRPr lang="en-US"/>
-          </a:p>
-        </p:txBody>
-      </p:sp>
-    </p:spTree>
-    <p:extLst>
-      <p:ext uri="{BB962C8B-B14F-4D97-AF65-F5344CB8AC3E}">
-        <p14:creationId xmlns:p14="http://schemas.microsoft.com/office/powerpoint/2010/main" val="1824286667"/>
-      </p:ext>
-    </p:extLst>
-  </p:cSld>
-  <p:clrMapOvr>
-    <a:masterClrMapping/>
-  </p:clrMapOvr>
-  <p:timing>
-    <p:tnLst>
-      <p:par>
-        <p:cTn id="1" dur="indefinite" restart="never" nodeType="tmRoot">
-          <p:childTnLst>
-            <p:seq concurrent="1" nextAc="seek">
-              <p:cTn id="2" dur="indefinite" nodeType="mainSeq">
-                <p:childTnLst>
-                  <p:par>
-                    <p:cTn id="3" fill="hold">
-                      <p:stCondLst>
-                        <p:cond delay="indefinite"/>
-                      </p:stCondLst>
-                      <p:childTnLst>
-                        <p:par>
-                          <p:cTn id="4" fill="hold">
-                            <p:stCondLst>
-                              <p:cond delay="0"/>
-                            </p:stCondLst>
-                            <p:childTnLst>
-                              <p:par>
-                                <p:cTn id="5" presetID="1" presetClass="entr" presetSubtype="0" fill="hold" grpId="0" nodeType="clickEffect">
-                                  <p:stCondLst>
-                                    <p:cond delay="0"/>
-                                  </p:stCondLst>
-                                  <p:childTnLst>
-                                    <p:set>
-                                      <p:cBhvr>
-                                        <p:cTn id="6" dur="1" fill="hold">
-                                          <p:stCondLst>
-                                            <p:cond delay="0"/>
-                                          </p:stCondLst>
-                                        </p:cTn>
-                                        <p:tgtEl>
-                                          <p:spTgt spid="7"/>
-                                        </p:tgtEl>
-                                        <p:attrNameLst>
-                                          <p:attrName>style.visibility</p:attrName>
-                                        </p:attrNameLst>
-                                      </p:cBhvr>
-                                      <p:to>
-                                        <p:strVal val="visible"/>
-                                      </p:to>
-                                    </p:set>
-                                  </p:childTnLst>
-                                </p:cTn>
-                              </p:par>
-                            </p:childTnLst>
-                          </p:cTn>
-                        </p:par>
-                      </p:childTnLst>
-                    </p:cTn>
-                  </p:par>
-                  <p:par>
-                    <p:cTn id="7" fill="hold">
-                      <p:stCondLst>
-                        <p:cond delay="indefinite"/>
-                      </p:stCondLst>
-                      <p:childTnLst>
-                        <p:par>
-                          <p:cTn id="8" fill="hold">
-                            <p:stCondLst>
-                              <p:cond delay="0"/>
-                            </p:stCondLst>
-                            <p:childTnLst>
-                              <p:par>
-                                <p:cTn id="9" presetID="1" presetClass="entr" presetSubtype="0" fill="hold" grpId="0" nodeType="clickEffect">
-                                  <p:stCondLst>
-                                    <p:cond delay="0"/>
-                                  </p:stCondLst>
-                                  <p:childTnLst>
-                                    <p:set>
-                                      <p:cBhvr>
-                                        <p:cTn id="10" dur="1" fill="hold">
-                                          <p:stCondLst>
-                                            <p:cond delay="0"/>
-                                          </p:stCondLst>
-                                        </p:cTn>
-                                        <p:tgtEl>
-                                          <p:spTgt spid="8"/>
-                                        </p:tgtEl>
-                                        <p:attrNameLst>
-                                          <p:attrName>style.visibility</p:attrName>
-                                        </p:attrNameLst>
-                                      </p:cBhvr>
-                                      <p:to>
-                                        <p:strVal val="visible"/>
-                                      </p:to>
-                                    </p:set>
-                                  </p:childTnLst>
-                                </p:cTn>
-                              </p:par>
-                            </p:childTnLst>
-                          </p:cTn>
-                        </p:par>
-                      </p:childTnLst>
-                    </p:cTn>
-                  </p:par>
-                </p:childTnLst>
-              </p:cTn>
-              <p:prevCondLst>
-                <p:cond evt="onPrev" delay="0">
-                  <p:tgtEl>
-                    <p:sldTgt/>
-                  </p:tgtEl>
-                </p:cond>
-              </p:prevCondLst>
-              <p:nextCondLst>
-                <p:cond evt="onNext" delay="0">
-                  <p:tgtEl>
-                    <p:sldTgt/>
-                  </p:tgtEl>
-                </p:cond>
-              </p:nextCondLst>
-            </p:seq>
-          </p:childTnLst>
-        </p:cTn>
-      </p:par>
-    </p:tnLst>
-    <p:bldLst>
-      <p:bldP spid="7" grpId="0" animBg="1"/>
-      <p:bldP spid="8" grpId="0" animBg="1"/>
-    </p:bldLst>
   </p:timing>
 </p:sld>
 </file>
@@ -7766,6 +7570,1065 @@
           <a:p>
             <a:r>
               <a:rPr lang="en-US" dirty="0" smtClean="0"/>
+              <a:t>Experiment setup</a:t>
+            </a:r>
+            <a:endParaRPr lang="en-US" dirty="0"/>
+          </a:p>
+        </p:txBody>
+      </p:sp>
+      <p:sp>
+        <p:nvSpPr>
+          <p:cNvPr id="3" name="Content Placeholder 2"/>
+          <p:cNvSpPr>
+            <a:spLocks noGrp="1"/>
+          </p:cNvSpPr>
+          <p:nvPr>
+            <p:ph idx="1"/>
+          </p:nvPr>
+        </p:nvSpPr>
+        <p:spPr/>
+        <p:txBody>
+          <a:bodyPr>
+            <a:normAutofit/>
+          </a:bodyPr>
+          <a:lstStyle/>
+          <a:p>
+            <a:r>
+              <a:rPr lang="en-US" dirty="0" smtClean="0"/>
+              <a:t>Philosophy</a:t>
+            </a:r>
+          </a:p>
+          <a:p>
+            <a:pPr lvl="1"/>
+            <a:r>
+              <a:rPr lang="en-US" dirty="0" smtClean="0"/>
+              <a:t>Given systems with known relative ranking performance</a:t>
+            </a:r>
+          </a:p>
+          <a:p>
+            <a:pPr lvl="1"/>
+            <a:r>
+              <a:rPr lang="en-US" dirty="0" smtClean="0"/>
+              <a:t>Test which metric can recognize such difference</a:t>
+            </a:r>
+          </a:p>
+          <a:p>
+            <a:pPr lvl="1"/>
+            <a:endParaRPr lang="en-US" dirty="0" smtClean="0"/>
+          </a:p>
+          <a:p>
+            <a:pPr lvl="1"/>
+            <a:endParaRPr lang="en-US" dirty="0" smtClean="0"/>
+          </a:p>
+          <a:p>
+            <a:endParaRPr lang="en-US" dirty="0"/>
+          </a:p>
+        </p:txBody>
+      </p:sp>
+      <p:sp>
+        <p:nvSpPr>
+          <p:cNvPr id="4" name="TextBox 3"/>
+          <p:cNvSpPr txBox="1"/>
+          <p:nvPr/>
+        </p:nvSpPr>
+        <p:spPr>
+          <a:xfrm>
+            <a:off x="1836661" y="3863183"/>
+            <a:ext cx="5470677" cy="1938992"/>
+          </a:xfrm>
+          <a:prstGeom prst="rect">
+            <a:avLst/>
+          </a:prstGeom>
+          <a:noFill/>
+        </p:spPr>
+        <p:txBody>
+          <a:bodyPr wrap="square" rtlCol="0">
+            <a:spAutoFit/>
+          </a:bodyPr>
+          <a:lstStyle/>
+          <a:p>
+            <a:r>
+              <a:rPr lang="en-US" sz="2400" b="1" i="1" dirty="0" smtClean="0">
+                <a:solidFill>
+                  <a:srgbClr val="FF0000"/>
+                </a:solidFill>
+              </a:rPr>
+              <a:t>Reverse thinking of hypothesis testing</a:t>
+            </a:r>
+          </a:p>
+          <a:p>
+            <a:pPr marL="342900" indent="-342900">
+              <a:buFont typeface="Arial" panose="020B0604020202020204" pitchFamily="34" charset="0"/>
+              <a:buChar char="•"/>
+            </a:pPr>
+            <a:r>
+              <a:rPr lang="en-US" sz="2400" dirty="0" smtClean="0">
+                <a:solidFill>
+                  <a:srgbClr val="FF0000"/>
+                </a:solidFill>
+              </a:rPr>
+              <a:t>In hypothesis testing, we choose system by test statistics</a:t>
+            </a:r>
+          </a:p>
+          <a:p>
+            <a:pPr marL="342900" indent="-342900">
+              <a:buFont typeface="Arial" panose="020B0604020202020204" pitchFamily="34" charset="0"/>
+              <a:buChar char="•"/>
+            </a:pPr>
+            <a:r>
+              <a:rPr lang="en-US" sz="2400" dirty="0" smtClean="0">
+                <a:solidFill>
+                  <a:srgbClr val="FF0000"/>
+                </a:solidFill>
+              </a:rPr>
+              <a:t>In this study, we choose test statistics by systems</a:t>
+            </a:r>
+            <a:endParaRPr lang="en-US" sz="2400" dirty="0">
+              <a:solidFill>
+                <a:srgbClr val="FF0000"/>
+              </a:solidFill>
+            </a:endParaRPr>
+          </a:p>
+        </p:txBody>
+      </p:sp>
+      <p:sp>
+        <p:nvSpPr>
+          <p:cNvPr id="6" name="Footer Placeholder 5"/>
+          <p:cNvSpPr>
+            <a:spLocks noGrp="1"/>
+          </p:cNvSpPr>
+          <p:nvPr>
+            <p:ph type="ftr" sz="quarter" idx="11"/>
+          </p:nvPr>
+        </p:nvSpPr>
+        <p:spPr/>
+        <p:txBody>
+          <a:bodyPr/>
+          <a:lstStyle/>
+          <a:p>
+            <a:r>
+              <a:rPr lang="en-US" smtClean="0"/>
+              <a:t>CS 4501: Information Retrieval</a:t>
+            </a:r>
+            <a:endParaRPr lang="en-US"/>
+          </a:p>
+        </p:txBody>
+      </p:sp>
+      <p:sp>
+        <p:nvSpPr>
+          <p:cNvPr id="8" name="Date Placeholder 7"/>
+          <p:cNvSpPr>
+            <a:spLocks noGrp="1"/>
+          </p:cNvSpPr>
+          <p:nvPr>
+            <p:ph type="dt" sz="half" idx="10"/>
+          </p:nvPr>
+        </p:nvSpPr>
+        <p:spPr/>
+        <p:txBody>
+          <a:bodyPr/>
+          <a:lstStyle/>
+          <a:p>
+            <a:r>
+              <a:rPr lang="en-US" smtClean="0"/>
+              <a:t>CS@UVa</a:t>
+            </a:r>
+            <a:endParaRPr lang="en-US"/>
+          </a:p>
+        </p:txBody>
+      </p:sp>
+      <p:sp>
+        <p:nvSpPr>
+          <p:cNvPr id="9" name="Slide Number Placeholder 8"/>
+          <p:cNvSpPr>
+            <a:spLocks noGrp="1"/>
+          </p:cNvSpPr>
+          <p:nvPr>
+            <p:ph type="sldNum" sz="quarter" idx="12"/>
+          </p:nvPr>
+        </p:nvSpPr>
+        <p:spPr/>
+        <p:txBody>
+          <a:bodyPr/>
+          <a:lstStyle/>
+          <a:p>
+            <a:fld id="{B55C347D-741C-420F-98A9-980B958D5E13}" type="slidenum">
+              <a:rPr lang="en-US" smtClean="0"/>
+              <a:t>20</a:t>
+            </a:fld>
+            <a:endParaRPr lang="en-US"/>
+          </a:p>
+        </p:txBody>
+      </p:sp>
+    </p:spTree>
+    <p:extLst>
+      <p:ext uri="{BB962C8B-B14F-4D97-AF65-F5344CB8AC3E}">
+        <p14:creationId xmlns:p14="http://schemas.microsoft.com/office/powerpoint/2010/main" val="494996058"/>
+      </p:ext>
+    </p:extLst>
+  </p:cSld>
+  <p:clrMapOvr>
+    <a:masterClrMapping/>
+  </p:clrMapOvr>
+  <p:timing>
+    <p:tnLst>
+      <p:par>
+        <p:cTn id="1" dur="indefinite" restart="never" nodeType="tmRoot">
+          <p:childTnLst>
+            <p:seq concurrent="1" nextAc="seek">
+              <p:cTn id="2" dur="indefinite" nodeType="mainSeq">
+                <p:childTnLst>
+                  <p:par>
+                    <p:cTn id="3" fill="hold">
+                      <p:stCondLst>
+                        <p:cond delay="indefinite"/>
+                      </p:stCondLst>
+                      <p:childTnLst>
+                        <p:par>
+                          <p:cTn id="4" fill="hold">
+                            <p:stCondLst>
+                              <p:cond delay="0"/>
+                            </p:stCondLst>
+                            <p:childTnLst>
+                              <p:par>
+                                <p:cTn id="5" presetID="1" presetClass="entr" presetSubtype="0" fill="hold" grpId="0" nodeType="clickEffect">
+                                  <p:stCondLst>
+                                    <p:cond delay="0"/>
+                                  </p:stCondLst>
+                                  <p:childTnLst>
+                                    <p:set>
+                                      <p:cBhvr>
+                                        <p:cTn id="6" dur="1" fill="hold">
+                                          <p:stCondLst>
+                                            <p:cond delay="0"/>
+                                          </p:stCondLst>
+                                        </p:cTn>
+                                        <p:tgtEl>
+                                          <p:spTgt spid="4"/>
+                                        </p:tgtEl>
+                                        <p:attrNameLst>
+                                          <p:attrName>style.visibility</p:attrName>
+                                        </p:attrNameLst>
+                                      </p:cBhvr>
+                                      <p:to>
+                                        <p:strVal val="visible"/>
+                                      </p:to>
+                                    </p:set>
+                                  </p:childTnLst>
+                                </p:cTn>
+                              </p:par>
+                            </p:childTnLst>
+                          </p:cTn>
+                        </p:par>
+                      </p:childTnLst>
+                    </p:cTn>
+                  </p:par>
+                </p:childTnLst>
+              </p:cTn>
+              <p:prevCondLst>
+                <p:cond evt="onPrev" delay="0">
+                  <p:tgtEl>
+                    <p:sldTgt/>
+                  </p:tgtEl>
+                </p:cond>
+              </p:prevCondLst>
+              <p:nextCondLst>
+                <p:cond evt="onNext" delay="0">
+                  <p:tgtEl>
+                    <p:sldTgt/>
+                  </p:tgtEl>
+                </p:cond>
+              </p:nextCondLst>
+            </p:seq>
+          </p:childTnLst>
+        </p:cTn>
+      </p:par>
+    </p:tnLst>
+    <p:bldLst>
+      <p:bldP spid="4" grpId="0"/>
+    </p:bldLst>
+  </p:timing>
+</p:sld>
+</file>
+
+<file path=ppt/slides/slide21.xml><?xml version="1.0" encoding="utf-8"?>
+<p:sld xmlns:a="http://schemas.openxmlformats.org/drawingml/2006/main" xmlns:r="http://schemas.openxmlformats.org/officeDocument/2006/relationships" xmlns:p="http://schemas.openxmlformats.org/presentationml/2006/main">
+  <p:cSld>
+    <p:spTree>
+      <p:nvGrpSpPr>
+        <p:cNvPr id="1" name=""/>
+        <p:cNvGrpSpPr/>
+        <p:nvPr/>
+      </p:nvGrpSpPr>
+      <p:grpSpPr>
+        <a:xfrm>
+          <a:off x="0" y="0"/>
+          <a:ext cx="0" cy="0"/>
+          <a:chOff x="0" y="0"/>
+          <a:chExt cx="0" cy="0"/>
+        </a:xfrm>
+      </p:grpSpPr>
+      <p:sp>
+        <p:nvSpPr>
+          <p:cNvPr id="2" name="Title 1"/>
+          <p:cNvSpPr>
+            <a:spLocks noGrp="1"/>
+          </p:cNvSpPr>
+          <p:nvPr>
+            <p:ph type="title"/>
+          </p:nvPr>
+        </p:nvSpPr>
+        <p:spPr/>
+        <p:txBody>
+          <a:bodyPr/>
+          <a:lstStyle/>
+          <a:p>
+            <a:r>
+              <a:rPr lang="en-US" dirty="0"/>
+              <a:t>Constructing comparison systems</a:t>
+            </a:r>
+          </a:p>
+        </p:txBody>
+      </p:sp>
+      <p:sp>
+        <p:nvSpPr>
+          <p:cNvPr id="3" name="Content Placeholder 2"/>
+          <p:cNvSpPr>
+            <a:spLocks noGrp="1"/>
+          </p:cNvSpPr>
+          <p:nvPr>
+            <p:ph idx="1"/>
+          </p:nvPr>
+        </p:nvSpPr>
+        <p:spPr>
+          <a:xfrm>
+            <a:off x="457200" y="1600202"/>
+            <a:ext cx="8229600" cy="4844141"/>
+          </a:xfrm>
+        </p:spPr>
+        <p:txBody>
+          <a:bodyPr>
+            <a:normAutofit fontScale="92500" lnSpcReduction="10000"/>
+          </a:bodyPr>
+          <a:lstStyle/>
+          <a:p>
+            <a:r>
+              <a:rPr lang="en-US" dirty="0" err="1" smtClean="0"/>
+              <a:t>Orig</a:t>
+            </a:r>
+            <a:r>
+              <a:rPr lang="en-US" dirty="0" smtClean="0"/>
+              <a:t> &gt; Flat &gt; Rand</a:t>
+            </a:r>
+          </a:p>
+          <a:p>
+            <a:pPr lvl="1"/>
+            <a:r>
+              <a:rPr lang="en-US" dirty="0" err="1" smtClean="0"/>
+              <a:t>Orig</a:t>
+            </a:r>
+            <a:r>
+              <a:rPr lang="en-US" dirty="0" smtClean="0"/>
+              <a:t>: original ranking algorithm from arXiv.org</a:t>
+            </a:r>
+          </a:p>
+          <a:p>
+            <a:pPr lvl="1"/>
+            <a:r>
+              <a:rPr lang="en-US" dirty="0" smtClean="0"/>
+              <a:t>Flat: remove structure features (known to be important) in original ranking algorithm </a:t>
+            </a:r>
+          </a:p>
+          <a:p>
+            <a:pPr lvl="1"/>
+            <a:r>
+              <a:rPr lang="en-US" dirty="0" smtClean="0"/>
+              <a:t>Rand: random shuffling of Flat’s results</a:t>
+            </a:r>
+          </a:p>
+          <a:p>
+            <a:r>
+              <a:rPr lang="en-US" dirty="0" err="1" smtClean="0"/>
+              <a:t>Orig</a:t>
+            </a:r>
+            <a:r>
+              <a:rPr lang="en-US" dirty="0" smtClean="0"/>
+              <a:t> &gt; Swap2 &gt; Swap4</a:t>
+            </a:r>
+          </a:p>
+          <a:p>
+            <a:pPr lvl="1"/>
+            <a:r>
+              <a:rPr lang="en-US" dirty="0" smtClean="0"/>
+              <a:t>Swap2: randomly selects two documents from top 5 and swaps them with two random documents from rank 6 through 10 (the same for next page)</a:t>
+            </a:r>
+          </a:p>
+          <a:p>
+            <a:pPr lvl="1"/>
+            <a:r>
+              <a:rPr lang="en-US" dirty="0" smtClean="0"/>
+              <a:t>Swap4: similar to Swap2, but select four documents for swap</a:t>
+            </a:r>
+          </a:p>
+          <a:p>
+            <a:pPr lvl="1"/>
+            <a:endParaRPr lang="en-US" dirty="0" smtClean="0"/>
+          </a:p>
+          <a:p>
+            <a:pPr lvl="1"/>
+            <a:endParaRPr lang="en-US" dirty="0" smtClean="0"/>
+          </a:p>
+          <a:p>
+            <a:pPr lvl="1"/>
+            <a:endParaRPr lang="en-US" dirty="0" smtClean="0"/>
+          </a:p>
+          <a:p>
+            <a:endParaRPr lang="en-US" dirty="0"/>
+          </a:p>
+        </p:txBody>
+      </p:sp>
+      <p:sp>
+        <p:nvSpPr>
+          <p:cNvPr id="5" name="Footer Placeholder 4"/>
+          <p:cNvSpPr>
+            <a:spLocks noGrp="1"/>
+          </p:cNvSpPr>
+          <p:nvPr>
+            <p:ph type="ftr" sz="quarter" idx="11"/>
+          </p:nvPr>
+        </p:nvSpPr>
+        <p:spPr/>
+        <p:txBody>
+          <a:bodyPr/>
+          <a:lstStyle/>
+          <a:p>
+            <a:r>
+              <a:rPr lang="en-US" smtClean="0"/>
+              <a:t>CS 4501: Information Retrieval</a:t>
+            </a:r>
+            <a:endParaRPr lang="en-US"/>
+          </a:p>
+        </p:txBody>
+      </p:sp>
+      <p:sp>
+        <p:nvSpPr>
+          <p:cNvPr id="7" name="Date Placeholder 6"/>
+          <p:cNvSpPr>
+            <a:spLocks noGrp="1"/>
+          </p:cNvSpPr>
+          <p:nvPr>
+            <p:ph type="dt" sz="half" idx="10"/>
+          </p:nvPr>
+        </p:nvSpPr>
+        <p:spPr/>
+        <p:txBody>
+          <a:bodyPr/>
+          <a:lstStyle/>
+          <a:p>
+            <a:r>
+              <a:rPr lang="en-US" smtClean="0"/>
+              <a:t>CS@UVa</a:t>
+            </a:r>
+            <a:endParaRPr lang="en-US"/>
+          </a:p>
+        </p:txBody>
+      </p:sp>
+      <p:sp>
+        <p:nvSpPr>
+          <p:cNvPr id="8" name="Slide Number Placeholder 7"/>
+          <p:cNvSpPr>
+            <a:spLocks noGrp="1"/>
+          </p:cNvSpPr>
+          <p:nvPr>
+            <p:ph type="sldNum" sz="quarter" idx="12"/>
+          </p:nvPr>
+        </p:nvSpPr>
+        <p:spPr/>
+        <p:txBody>
+          <a:bodyPr/>
+          <a:lstStyle/>
+          <a:p>
+            <a:fld id="{B55C347D-741C-420F-98A9-980B958D5E13}" type="slidenum">
+              <a:rPr lang="en-US" smtClean="0"/>
+              <a:t>21</a:t>
+            </a:fld>
+            <a:endParaRPr lang="en-US"/>
+          </a:p>
+        </p:txBody>
+      </p:sp>
+    </p:spTree>
+    <p:extLst>
+      <p:ext uri="{BB962C8B-B14F-4D97-AF65-F5344CB8AC3E}">
+        <p14:creationId xmlns:p14="http://schemas.microsoft.com/office/powerpoint/2010/main" val="2003269359"/>
+      </p:ext>
+    </p:extLst>
+  </p:cSld>
+  <p:clrMapOvr>
+    <a:masterClrMapping/>
+  </p:clrMapOvr>
+  <p:timing>
+    <p:tnLst>
+      <p:par>
+        <p:cTn id="1" dur="indefinite" restart="never" nodeType="tmRoot">
+          <p:childTnLst>
+            <p:seq concurrent="1" nextAc="seek">
+              <p:cTn id="2" dur="indefinite" nodeType="mainSeq">
+                <p:childTnLst>
+                  <p:par>
+                    <p:cTn id="3" fill="hold">
+                      <p:stCondLst>
+                        <p:cond delay="indefinite"/>
+                      </p:stCondLst>
+                      <p:childTnLst>
+                        <p:par>
+                          <p:cTn id="4" fill="hold">
+                            <p:stCondLst>
+                              <p:cond delay="0"/>
+                            </p:stCondLst>
+                            <p:childTnLst>
+                              <p:par>
+                                <p:cTn id="5" presetID="1" presetClass="entr" presetSubtype="0" fill="hold" nodeType="clickEffect">
+                                  <p:stCondLst>
+                                    <p:cond delay="0"/>
+                                  </p:stCondLst>
+                                  <p:childTnLst>
+                                    <p:set>
+                                      <p:cBhvr>
+                                        <p:cTn id="6" dur="1" fill="hold">
+                                          <p:stCondLst>
+                                            <p:cond delay="0"/>
+                                          </p:stCondLst>
+                                        </p:cTn>
+                                        <p:tgtEl>
+                                          <p:spTgt spid="3">
+                                            <p:txEl>
+                                              <p:pRg st="4" end="4"/>
+                                            </p:txEl>
+                                          </p:spTgt>
+                                        </p:tgtEl>
+                                        <p:attrNameLst>
+                                          <p:attrName>style.visibility</p:attrName>
+                                        </p:attrNameLst>
+                                      </p:cBhvr>
+                                      <p:to>
+                                        <p:strVal val="visible"/>
+                                      </p:to>
+                                    </p:set>
+                                  </p:childTnLst>
+                                </p:cTn>
+                              </p:par>
+                              <p:par>
+                                <p:cTn id="7" presetID="1" presetClass="entr" presetSubtype="0" fill="hold" nodeType="withEffect">
+                                  <p:stCondLst>
+                                    <p:cond delay="0"/>
+                                  </p:stCondLst>
+                                  <p:childTnLst>
+                                    <p:set>
+                                      <p:cBhvr>
+                                        <p:cTn id="8" dur="1" fill="hold">
+                                          <p:stCondLst>
+                                            <p:cond delay="0"/>
+                                          </p:stCondLst>
+                                        </p:cTn>
+                                        <p:tgtEl>
+                                          <p:spTgt spid="3">
+                                            <p:txEl>
+                                              <p:pRg st="5" end="5"/>
+                                            </p:txEl>
+                                          </p:spTgt>
+                                        </p:tgtEl>
+                                        <p:attrNameLst>
+                                          <p:attrName>style.visibility</p:attrName>
+                                        </p:attrNameLst>
+                                      </p:cBhvr>
+                                      <p:to>
+                                        <p:strVal val="visible"/>
+                                      </p:to>
+                                    </p:set>
+                                  </p:childTnLst>
+                                </p:cTn>
+                              </p:par>
+                              <p:par>
+                                <p:cTn id="9" presetID="1" presetClass="entr" presetSubtype="0" fill="hold" nodeType="withEffect">
+                                  <p:stCondLst>
+                                    <p:cond delay="0"/>
+                                  </p:stCondLst>
+                                  <p:childTnLst>
+                                    <p:set>
+                                      <p:cBhvr>
+                                        <p:cTn id="10" dur="1" fill="hold">
+                                          <p:stCondLst>
+                                            <p:cond delay="0"/>
+                                          </p:stCondLst>
+                                        </p:cTn>
+                                        <p:tgtEl>
+                                          <p:spTgt spid="3">
+                                            <p:txEl>
+                                              <p:pRg st="6" end="6"/>
+                                            </p:txEl>
+                                          </p:spTgt>
+                                        </p:tgtEl>
+                                        <p:attrNameLst>
+                                          <p:attrName>style.visibility</p:attrName>
+                                        </p:attrNameLst>
+                                      </p:cBhvr>
+                                      <p:to>
+                                        <p:strVal val="visible"/>
+                                      </p:to>
+                                    </p:set>
+                                  </p:childTnLst>
+                                </p:cTn>
+                              </p:par>
+                            </p:childTnLst>
+                          </p:cTn>
+                        </p:par>
+                      </p:childTnLst>
+                    </p:cTn>
+                  </p:par>
+                </p:childTnLst>
+              </p:cTn>
+              <p:prevCondLst>
+                <p:cond evt="onPrev" delay="0">
+                  <p:tgtEl>
+                    <p:sldTgt/>
+                  </p:tgtEl>
+                </p:cond>
+              </p:prevCondLst>
+              <p:nextCondLst>
+                <p:cond evt="onNext" delay="0">
+                  <p:tgtEl>
+                    <p:sldTgt/>
+                  </p:tgtEl>
+                </p:cond>
+              </p:nextCondLst>
+            </p:seq>
+          </p:childTnLst>
+        </p:cTn>
+      </p:par>
+    </p:tnLst>
+  </p:timing>
+</p:sld>
+</file>
+
+<file path=ppt/slides/slide22.xml><?xml version="1.0" encoding="utf-8"?>
+<p:sld xmlns:a="http://schemas.openxmlformats.org/drawingml/2006/main" xmlns:r="http://schemas.openxmlformats.org/officeDocument/2006/relationships" xmlns:p="http://schemas.openxmlformats.org/presentationml/2006/main">
+  <p:cSld>
+    <p:spTree>
+      <p:nvGrpSpPr>
+        <p:cNvPr id="1" name=""/>
+        <p:cNvGrpSpPr/>
+        <p:nvPr/>
+      </p:nvGrpSpPr>
+      <p:grpSpPr>
+        <a:xfrm>
+          <a:off x="0" y="0"/>
+          <a:ext cx="0" cy="0"/>
+          <a:chOff x="0" y="0"/>
+          <a:chExt cx="0" cy="0"/>
+        </a:xfrm>
+      </p:grpSpPr>
+      <p:sp>
+        <p:nvSpPr>
+          <p:cNvPr id="2" name="Title 1"/>
+          <p:cNvSpPr>
+            <a:spLocks noGrp="1"/>
+          </p:cNvSpPr>
+          <p:nvPr>
+            <p:ph type="title"/>
+          </p:nvPr>
+        </p:nvSpPr>
+        <p:spPr/>
+        <p:txBody>
+          <a:bodyPr/>
+          <a:lstStyle/>
+          <a:p>
+            <a:r>
+              <a:rPr lang="en-US" dirty="0" smtClean="0"/>
+              <a:t>Result for A/B test</a:t>
+            </a:r>
+            <a:endParaRPr lang="en-US" dirty="0"/>
+          </a:p>
+        </p:txBody>
+      </p:sp>
+      <p:sp>
+        <p:nvSpPr>
+          <p:cNvPr id="3" name="Content Placeholder 2"/>
+          <p:cNvSpPr>
+            <a:spLocks noGrp="1"/>
+          </p:cNvSpPr>
+          <p:nvPr>
+            <p:ph idx="1"/>
+          </p:nvPr>
+        </p:nvSpPr>
+        <p:spPr/>
+        <p:txBody>
+          <a:bodyPr/>
+          <a:lstStyle/>
+          <a:p>
+            <a:r>
+              <a:rPr lang="en-US" dirty="0" smtClean="0"/>
+              <a:t>1/6 users of arXiv.org are routed to each of the testing system in one month period</a:t>
+            </a:r>
+            <a:endParaRPr lang="en-US" dirty="0"/>
+          </a:p>
+        </p:txBody>
+      </p:sp>
+      <p:pic>
+        <p:nvPicPr>
+          <p:cNvPr id="5" name="Picture 4"/>
+          <p:cNvPicPr>
+            <a:picLocks noChangeAspect="1"/>
+          </p:cNvPicPr>
+          <p:nvPr/>
+        </p:nvPicPr>
+        <p:blipFill>
+          <a:blip r:embed="rId2"/>
+          <a:stretch>
+            <a:fillRect/>
+          </a:stretch>
+        </p:blipFill>
+        <p:spPr>
+          <a:xfrm>
+            <a:off x="457200" y="2863738"/>
+            <a:ext cx="8239125" cy="2695575"/>
+          </a:xfrm>
+          <a:prstGeom prst="rect">
+            <a:avLst/>
+          </a:prstGeom>
+        </p:spPr>
+      </p:pic>
+      <p:sp>
+        <p:nvSpPr>
+          <p:cNvPr id="7" name="Rectangle 6"/>
+          <p:cNvSpPr/>
+          <p:nvPr/>
+        </p:nvSpPr>
+        <p:spPr>
+          <a:xfrm>
+            <a:off x="4419600" y="4920343"/>
+            <a:ext cx="2579914" cy="381000"/>
+          </a:xfrm>
+          <a:prstGeom prst="rect">
+            <a:avLst/>
+          </a:prstGeom>
+          <a:noFill/>
+          <a:ln w="28575">
+            <a:solidFill>
+              <a:srgbClr val="FF0000"/>
+            </a:solidFill>
+          </a:ln>
+        </p:spPr>
+        <p:style>
+          <a:lnRef idx="2">
+            <a:schemeClr val="accent1">
+              <a:shade val="50000"/>
+            </a:schemeClr>
+          </a:lnRef>
+          <a:fillRef idx="1">
+            <a:schemeClr val="accent1"/>
+          </a:fillRef>
+          <a:effectRef idx="0">
+            <a:schemeClr val="accent1"/>
+          </a:effectRef>
+          <a:fontRef idx="minor">
+            <a:schemeClr val="lt1"/>
+          </a:fontRef>
+        </p:style>
+        <p:txBody>
+          <a:bodyPr rtlCol="0" anchor="ctr"/>
+          <a:lstStyle/>
+          <a:p>
+            <a:pPr algn="ctr"/>
+            <a:endParaRPr lang="en-US"/>
+          </a:p>
+        </p:txBody>
+      </p:sp>
+      <p:sp>
+        <p:nvSpPr>
+          <p:cNvPr id="8" name="Rectangle 7"/>
+          <p:cNvSpPr/>
+          <p:nvPr/>
+        </p:nvSpPr>
+        <p:spPr>
+          <a:xfrm>
+            <a:off x="5802086" y="5178313"/>
+            <a:ext cx="2677885" cy="381000"/>
+          </a:xfrm>
+          <a:prstGeom prst="rect">
+            <a:avLst/>
+          </a:prstGeom>
+          <a:noFill/>
+          <a:ln w="28575">
+            <a:solidFill>
+              <a:srgbClr val="FF0000"/>
+            </a:solidFill>
+          </a:ln>
+        </p:spPr>
+        <p:style>
+          <a:lnRef idx="2">
+            <a:schemeClr val="accent1">
+              <a:shade val="50000"/>
+            </a:schemeClr>
+          </a:lnRef>
+          <a:fillRef idx="1">
+            <a:schemeClr val="accent1"/>
+          </a:fillRef>
+          <a:effectRef idx="0">
+            <a:schemeClr val="accent1"/>
+          </a:effectRef>
+          <a:fontRef idx="minor">
+            <a:schemeClr val="lt1"/>
+          </a:fontRef>
+        </p:style>
+        <p:txBody>
+          <a:bodyPr rtlCol="0" anchor="ctr"/>
+          <a:lstStyle/>
+          <a:p>
+            <a:pPr algn="ctr"/>
+            <a:endParaRPr lang="en-US"/>
+          </a:p>
+        </p:txBody>
+      </p:sp>
+      <p:sp>
+        <p:nvSpPr>
+          <p:cNvPr id="6" name="Footer Placeholder 5"/>
+          <p:cNvSpPr>
+            <a:spLocks noGrp="1"/>
+          </p:cNvSpPr>
+          <p:nvPr>
+            <p:ph type="ftr" sz="quarter" idx="11"/>
+          </p:nvPr>
+        </p:nvSpPr>
+        <p:spPr/>
+        <p:txBody>
+          <a:bodyPr/>
+          <a:lstStyle/>
+          <a:p>
+            <a:r>
+              <a:rPr lang="en-US" smtClean="0"/>
+              <a:t>CS 4501: Information Retrieval</a:t>
+            </a:r>
+            <a:endParaRPr lang="en-US"/>
+          </a:p>
+        </p:txBody>
+      </p:sp>
+      <p:sp>
+        <p:nvSpPr>
+          <p:cNvPr id="10" name="Date Placeholder 9"/>
+          <p:cNvSpPr>
+            <a:spLocks noGrp="1"/>
+          </p:cNvSpPr>
+          <p:nvPr>
+            <p:ph type="dt" sz="half" idx="10"/>
+          </p:nvPr>
+        </p:nvSpPr>
+        <p:spPr/>
+        <p:txBody>
+          <a:bodyPr/>
+          <a:lstStyle/>
+          <a:p>
+            <a:r>
+              <a:rPr lang="en-US" smtClean="0"/>
+              <a:t>CS@UVa</a:t>
+            </a:r>
+            <a:endParaRPr lang="en-US"/>
+          </a:p>
+        </p:txBody>
+      </p:sp>
+      <p:sp>
+        <p:nvSpPr>
+          <p:cNvPr id="11" name="Slide Number Placeholder 10"/>
+          <p:cNvSpPr>
+            <a:spLocks noGrp="1"/>
+          </p:cNvSpPr>
+          <p:nvPr>
+            <p:ph type="sldNum" sz="quarter" idx="12"/>
+          </p:nvPr>
+        </p:nvSpPr>
+        <p:spPr/>
+        <p:txBody>
+          <a:bodyPr/>
+          <a:lstStyle/>
+          <a:p>
+            <a:fld id="{B55C347D-741C-420F-98A9-980B958D5E13}" type="slidenum">
+              <a:rPr lang="en-US" smtClean="0"/>
+              <a:t>22</a:t>
+            </a:fld>
+            <a:endParaRPr lang="en-US"/>
+          </a:p>
+        </p:txBody>
+      </p:sp>
+    </p:spTree>
+    <p:extLst>
+      <p:ext uri="{BB962C8B-B14F-4D97-AF65-F5344CB8AC3E}">
+        <p14:creationId xmlns:p14="http://schemas.microsoft.com/office/powerpoint/2010/main" val="1824286667"/>
+      </p:ext>
+    </p:extLst>
+  </p:cSld>
+  <p:clrMapOvr>
+    <a:masterClrMapping/>
+  </p:clrMapOvr>
+  <p:timing>
+    <p:tnLst>
+      <p:par>
+        <p:cTn id="1" dur="indefinite" restart="never" nodeType="tmRoot">
+          <p:childTnLst>
+            <p:seq concurrent="1" nextAc="seek">
+              <p:cTn id="2" dur="indefinite" nodeType="mainSeq">
+                <p:childTnLst>
+                  <p:par>
+                    <p:cTn id="3" fill="hold">
+                      <p:stCondLst>
+                        <p:cond delay="indefinite"/>
+                      </p:stCondLst>
+                      <p:childTnLst>
+                        <p:par>
+                          <p:cTn id="4" fill="hold">
+                            <p:stCondLst>
+                              <p:cond delay="0"/>
+                            </p:stCondLst>
+                            <p:childTnLst>
+                              <p:par>
+                                <p:cTn id="5" presetID="1" presetClass="entr" presetSubtype="0" fill="hold" grpId="0" nodeType="clickEffect">
+                                  <p:stCondLst>
+                                    <p:cond delay="0"/>
+                                  </p:stCondLst>
+                                  <p:childTnLst>
+                                    <p:set>
+                                      <p:cBhvr>
+                                        <p:cTn id="6" dur="1" fill="hold">
+                                          <p:stCondLst>
+                                            <p:cond delay="0"/>
+                                          </p:stCondLst>
+                                        </p:cTn>
+                                        <p:tgtEl>
+                                          <p:spTgt spid="7"/>
+                                        </p:tgtEl>
+                                        <p:attrNameLst>
+                                          <p:attrName>style.visibility</p:attrName>
+                                        </p:attrNameLst>
+                                      </p:cBhvr>
+                                      <p:to>
+                                        <p:strVal val="visible"/>
+                                      </p:to>
+                                    </p:set>
+                                  </p:childTnLst>
+                                </p:cTn>
+                              </p:par>
+                            </p:childTnLst>
+                          </p:cTn>
+                        </p:par>
+                      </p:childTnLst>
+                    </p:cTn>
+                  </p:par>
+                  <p:par>
+                    <p:cTn id="7" fill="hold">
+                      <p:stCondLst>
+                        <p:cond delay="indefinite"/>
+                      </p:stCondLst>
+                      <p:childTnLst>
+                        <p:par>
+                          <p:cTn id="8" fill="hold">
+                            <p:stCondLst>
+                              <p:cond delay="0"/>
+                            </p:stCondLst>
+                            <p:childTnLst>
+                              <p:par>
+                                <p:cTn id="9" presetID="1" presetClass="entr" presetSubtype="0" fill="hold" grpId="0" nodeType="clickEffect">
+                                  <p:stCondLst>
+                                    <p:cond delay="0"/>
+                                  </p:stCondLst>
+                                  <p:childTnLst>
+                                    <p:set>
+                                      <p:cBhvr>
+                                        <p:cTn id="10" dur="1" fill="hold">
+                                          <p:stCondLst>
+                                            <p:cond delay="0"/>
+                                          </p:stCondLst>
+                                        </p:cTn>
+                                        <p:tgtEl>
+                                          <p:spTgt spid="8"/>
+                                        </p:tgtEl>
+                                        <p:attrNameLst>
+                                          <p:attrName>style.visibility</p:attrName>
+                                        </p:attrNameLst>
+                                      </p:cBhvr>
+                                      <p:to>
+                                        <p:strVal val="visible"/>
+                                      </p:to>
+                                    </p:set>
+                                  </p:childTnLst>
+                                </p:cTn>
+                              </p:par>
+                            </p:childTnLst>
+                          </p:cTn>
+                        </p:par>
+                      </p:childTnLst>
+                    </p:cTn>
+                  </p:par>
+                </p:childTnLst>
+              </p:cTn>
+              <p:prevCondLst>
+                <p:cond evt="onPrev" delay="0">
+                  <p:tgtEl>
+                    <p:sldTgt/>
+                  </p:tgtEl>
+                </p:cond>
+              </p:prevCondLst>
+              <p:nextCondLst>
+                <p:cond evt="onNext" delay="0">
+                  <p:tgtEl>
+                    <p:sldTgt/>
+                  </p:tgtEl>
+                </p:cond>
+              </p:nextCondLst>
+            </p:seq>
+          </p:childTnLst>
+        </p:cTn>
+      </p:par>
+    </p:tnLst>
+    <p:bldLst>
+      <p:bldP spid="7" grpId="0" animBg="1"/>
+      <p:bldP spid="8" grpId="0" animBg="1"/>
+    </p:bldLst>
+  </p:timing>
+</p:sld>
+</file>
+
+<file path=ppt/slides/slide23.xml><?xml version="1.0" encoding="utf-8"?>
+<p:sld xmlns:a="http://schemas.openxmlformats.org/drawingml/2006/main" xmlns:r="http://schemas.openxmlformats.org/officeDocument/2006/relationships" xmlns:p="http://schemas.openxmlformats.org/presentationml/2006/main">
+  <p:cSld>
+    <p:spTree>
+      <p:nvGrpSpPr>
+        <p:cNvPr id="1" name=""/>
+        <p:cNvGrpSpPr/>
+        <p:nvPr/>
+      </p:nvGrpSpPr>
+      <p:grpSpPr>
+        <a:xfrm>
+          <a:off x="0" y="0"/>
+          <a:ext cx="0" cy="0"/>
+          <a:chOff x="0" y="0"/>
+          <a:chExt cx="0" cy="0"/>
+        </a:xfrm>
+      </p:grpSpPr>
+      <p:sp>
+        <p:nvSpPr>
+          <p:cNvPr id="2" name="Title 1"/>
+          <p:cNvSpPr>
+            <a:spLocks noGrp="1"/>
+          </p:cNvSpPr>
+          <p:nvPr>
+            <p:ph type="title"/>
+          </p:nvPr>
+        </p:nvSpPr>
+        <p:spPr/>
+        <p:txBody>
+          <a:bodyPr/>
+          <a:lstStyle/>
+          <a:p>
+            <a:r>
+              <a:rPr lang="en-US" dirty="0" smtClean="0"/>
               <a:t>Result for A/B test</a:t>
             </a:r>
             <a:endParaRPr lang="en-US" dirty="0"/>
@@ -8022,7 +8885,7 @@
           <a:p>
             <a:fld id="{B55C347D-741C-420F-98A9-980B958D5E13}" type="slidenum">
               <a:rPr lang="en-US" smtClean="0"/>
-              <a:t>20</a:t>
+              <a:t>23</a:t>
             </a:fld>
             <a:endParaRPr lang="en-US"/>
           </a:p>
@@ -8175,7 +9038,7 @@
 </p:sld>
 </file>
 
-<file path=ppt/slides/slide21.xml><?xml version="1.0" encoding="utf-8"?>
+<file path=ppt/slides/slide24.xml><?xml version="1.0" encoding="utf-8"?>
 <p:sld xmlns:a="http://schemas.openxmlformats.org/drawingml/2006/main" xmlns:r="http://schemas.openxmlformats.org/officeDocument/2006/relationships" xmlns:p="http://schemas.openxmlformats.org/presentationml/2006/main">
   <p:cSld>
     <p:spTree>
@@ -8325,7 +9188,7 @@
           <a:p>
             <a:fld id="{B55C347D-741C-420F-98A9-980B958D5E13}" type="slidenum">
               <a:rPr lang="en-US" smtClean="0"/>
-              <a:t>21</a:t>
+              <a:t>24</a:t>
             </a:fld>
             <a:endParaRPr lang="en-US"/>
           </a:p>
@@ -8351,7 +9214,7 @@
 </p:sld>
 </file>
 
-<file path=ppt/slides/slide22.xml><?xml version="1.0" encoding="utf-8"?>
+<file path=ppt/slides/slide25.xml><?xml version="1.0" encoding="utf-8"?>
 <p:sld xmlns:a="http://schemas.openxmlformats.org/drawingml/2006/main" xmlns:r="http://schemas.openxmlformats.org/officeDocument/2006/relationships" xmlns:p="http://schemas.openxmlformats.org/presentationml/2006/main">
   <p:cSld>
     <p:spTree>
@@ -8541,7 +9404,7 @@
           <a:p>
             <a:fld id="{B55C347D-741C-420F-98A9-980B958D5E13}" type="slidenum">
               <a:rPr lang="en-US" smtClean="0"/>
-              <a:t>22</a:t>
+              <a:t>25</a:t>
             </a:fld>
             <a:endParaRPr lang="en-US"/>
           </a:p>
@@ -8732,7 +9595,219 @@
 </p:sld>
 </file>
 
-<file path=ppt/slides/slide23.xml><?xml version="1.0" encoding="utf-8"?>
+<file path=ppt/slides/slide26.xml><?xml version="1.0" encoding="utf-8"?>
+<p:sld xmlns:a="http://schemas.openxmlformats.org/drawingml/2006/main" xmlns:r="http://schemas.openxmlformats.org/officeDocument/2006/relationships" xmlns:p="http://schemas.openxmlformats.org/presentationml/2006/main">
+  <p:cSld>
+    <p:spTree>
+      <p:nvGrpSpPr>
+        <p:cNvPr id="1" name=""/>
+        <p:cNvGrpSpPr/>
+        <p:nvPr/>
+      </p:nvGrpSpPr>
+      <p:grpSpPr>
+        <a:xfrm>
+          <a:off x="0" y="0"/>
+          <a:ext cx="0" cy="0"/>
+          <a:chOff x="0" y="0"/>
+          <a:chExt cx="0" cy="0"/>
+        </a:xfrm>
+      </p:grpSpPr>
+      <p:sp>
+        <p:nvSpPr>
+          <p:cNvPr id="2" name="Title 1"/>
+          <p:cNvSpPr>
+            <a:spLocks noGrp="1"/>
+          </p:cNvSpPr>
+          <p:nvPr>
+            <p:ph type="title"/>
+          </p:nvPr>
+        </p:nvSpPr>
+        <p:spPr/>
+        <p:txBody>
+          <a:bodyPr/>
+          <a:lstStyle/>
+          <a:p>
+            <a:r>
+              <a:rPr lang="en-US" dirty="0" smtClean="0"/>
+              <a:t>Coke </a:t>
+            </a:r>
+            <a:r>
+              <a:rPr lang="en-US" dirty="0" err="1" smtClean="0"/>
+              <a:t>v.s</a:t>
+            </a:r>
+            <a:r>
+              <a:rPr lang="en-US" dirty="0" smtClean="0"/>
+              <a:t>. Pepsi</a:t>
+            </a:r>
+            <a:endParaRPr lang="en-US" dirty="0"/>
+          </a:p>
+        </p:txBody>
+      </p:sp>
+      <p:sp>
+        <p:nvSpPr>
+          <p:cNvPr id="3" name="Content Placeholder 2"/>
+          <p:cNvSpPr>
+            <a:spLocks noGrp="1"/>
+          </p:cNvSpPr>
+          <p:nvPr>
+            <p:ph idx="1"/>
+          </p:nvPr>
+        </p:nvSpPr>
+        <p:spPr/>
+        <p:txBody>
+          <a:bodyPr/>
+          <a:lstStyle/>
+          <a:p>
+            <a:r>
+              <a:rPr lang="en-US" dirty="0" smtClean="0"/>
+              <a:t>Market research</a:t>
+            </a:r>
+          </a:p>
+          <a:p>
+            <a:pPr lvl="1"/>
+            <a:r>
+              <a:rPr lang="en-US" dirty="0" smtClean="0"/>
+              <a:t>Do customers prefer coke over </a:t>
+            </a:r>
+            <a:r>
+              <a:rPr lang="en-US" dirty="0" err="1" smtClean="0"/>
+              <a:t>pepsi</a:t>
+            </a:r>
+            <a:r>
+              <a:rPr lang="en-US" dirty="0" smtClean="0"/>
+              <a:t>, or they do not have any preference</a:t>
+            </a:r>
+          </a:p>
+          <a:p>
+            <a:pPr lvl="1"/>
+            <a:r>
+              <a:rPr lang="en-US" dirty="0" smtClean="0"/>
+              <a:t>Option 1: A/B Testing</a:t>
+            </a:r>
+          </a:p>
+          <a:p>
+            <a:pPr lvl="2"/>
+            <a:r>
+              <a:rPr lang="en-US" dirty="0" smtClean="0"/>
+              <a:t>Randomly find two groups of customers and give coke to one group and </a:t>
+            </a:r>
+            <a:r>
+              <a:rPr lang="en-US" dirty="0" err="1" smtClean="0"/>
+              <a:t>pepsi</a:t>
+            </a:r>
+            <a:r>
+              <a:rPr lang="en-US" dirty="0" smtClean="0"/>
+              <a:t> to another, and ask them if they like the given beverage</a:t>
+            </a:r>
+          </a:p>
+          <a:p>
+            <a:pPr lvl="2"/>
+            <a:r>
+              <a:rPr lang="en-US" dirty="0" smtClean="0"/>
+              <a:t>Randomly find a group of users and give them both coke and </a:t>
+            </a:r>
+            <a:r>
+              <a:rPr lang="en-US" dirty="0" err="1" smtClean="0"/>
+              <a:t>pepsi</a:t>
+            </a:r>
+            <a:r>
+              <a:rPr lang="en-US" dirty="0" smtClean="0"/>
+              <a:t>, and ask them which one they prefer</a:t>
+            </a:r>
+            <a:endParaRPr lang="en-US" dirty="0"/>
+          </a:p>
+        </p:txBody>
+      </p:sp>
+      <p:sp>
+        <p:nvSpPr>
+          <p:cNvPr id="4" name="Date Placeholder 3"/>
+          <p:cNvSpPr>
+            <a:spLocks noGrp="1"/>
+          </p:cNvSpPr>
+          <p:nvPr>
+            <p:ph type="dt" sz="half" idx="10"/>
+          </p:nvPr>
+        </p:nvSpPr>
+        <p:spPr/>
+        <p:txBody>
+          <a:bodyPr/>
+          <a:lstStyle/>
+          <a:p>
+            <a:r>
+              <a:rPr lang="en-US" smtClean="0"/>
+              <a:t>CS@UVa</a:t>
+            </a:r>
+            <a:endParaRPr lang="en-US"/>
+          </a:p>
+        </p:txBody>
+      </p:sp>
+      <p:sp>
+        <p:nvSpPr>
+          <p:cNvPr id="5" name="Footer Placeholder 4"/>
+          <p:cNvSpPr>
+            <a:spLocks noGrp="1"/>
+          </p:cNvSpPr>
+          <p:nvPr>
+            <p:ph type="ftr" sz="quarter" idx="11"/>
+          </p:nvPr>
+        </p:nvSpPr>
+        <p:spPr/>
+        <p:txBody>
+          <a:bodyPr/>
+          <a:lstStyle/>
+          <a:p>
+            <a:r>
+              <a:rPr lang="en-US" smtClean="0"/>
+              <a:t>CS 4501: Information Retrieval</a:t>
+            </a:r>
+            <a:endParaRPr lang="en-US"/>
+          </a:p>
+        </p:txBody>
+      </p:sp>
+      <p:sp>
+        <p:nvSpPr>
+          <p:cNvPr id="6" name="Slide Number Placeholder 5"/>
+          <p:cNvSpPr>
+            <a:spLocks noGrp="1"/>
+          </p:cNvSpPr>
+          <p:nvPr>
+            <p:ph type="sldNum" sz="quarter" idx="12"/>
+          </p:nvPr>
+        </p:nvSpPr>
+        <p:spPr/>
+        <p:txBody>
+          <a:bodyPr/>
+          <a:lstStyle/>
+          <a:p>
+            <a:fld id="{B55C347D-741C-420F-98A9-980B958D5E13}" type="slidenum">
+              <a:rPr lang="en-US" smtClean="0"/>
+              <a:t>26</a:t>
+            </a:fld>
+            <a:endParaRPr lang="en-US"/>
+          </a:p>
+        </p:txBody>
+      </p:sp>
+    </p:spTree>
+    <p:extLst>
+      <p:ext uri="{BB962C8B-B14F-4D97-AF65-F5344CB8AC3E}">
+        <p14:creationId xmlns:p14="http://schemas.microsoft.com/office/powerpoint/2010/main" val="2327485106"/>
+      </p:ext>
+    </p:extLst>
+  </p:cSld>
+  <p:clrMapOvr>
+    <a:masterClrMapping/>
+  </p:clrMapOvr>
+  <p:timing>
+    <p:tnLst>
+      <p:par>
+        <p:cTn id="1" dur="indefinite" restart="never" nodeType="tmRoot"/>
+      </p:par>
+    </p:tnLst>
+  </p:timing>
+</p:sld>
+</file>
+
+<file path=ppt/slides/slide27.xml><?xml version="1.0" encoding="utf-8"?>
 <p:sld xmlns:a="http://schemas.openxmlformats.org/drawingml/2006/main" xmlns:r="http://schemas.openxmlformats.org/officeDocument/2006/relationships" xmlns:p="http://schemas.openxmlformats.org/presentationml/2006/main">
   <p:cSld>
     <p:spTree>
@@ -8882,7 +9957,7 @@
           <a:p>
             <a:fld id="{B55C347D-741C-420F-98A9-980B958D5E13}" type="slidenum">
               <a:rPr lang="en-US" smtClean="0"/>
-              <a:t>23</a:t>
+              <a:t>27</a:t>
             </a:fld>
             <a:endParaRPr lang="en-US"/>
           </a:p>
@@ -8908,7 +9983,7 @@
 </p:sld>
 </file>
 
-<file path=ppt/slides/slide24.xml><?xml version="1.0" encoding="utf-8"?>
+<file path=ppt/slides/slide28.xml><?xml version="1.0" encoding="utf-8"?>
 <p:sld xmlns:a="http://schemas.openxmlformats.org/drawingml/2006/main" xmlns:r="http://schemas.openxmlformats.org/officeDocument/2006/relationships" xmlns:p="http://schemas.openxmlformats.org/presentationml/2006/main">
   <p:cSld>
     <p:spTree>
@@ -13135,7 +14210,7 @@
           <a:p>
             <a:fld id="{B55C347D-741C-420F-98A9-980B958D5E13}" type="slidenum">
               <a:rPr lang="en-US" smtClean="0"/>
-              <a:t>24</a:t>
+              <a:t>28</a:t>
             </a:fld>
             <a:endParaRPr lang="en-US"/>
           </a:p>
@@ -14521,7 +15596,7 @@
 </p:sld>
 </file>
 
-<file path=ppt/slides/slide25.xml><?xml version="1.0" encoding="utf-8"?>
+<file path=ppt/slides/slide29.xml><?xml version="1.0" encoding="utf-8"?>
 <p:sld xmlns:a="http://schemas.openxmlformats.org/drawingml/2006/main" xmlns:r="http://schemas.openxmlformats.org/officeDocument/2006/relationships" xmlns:p="http://schemas.openxmlformats.org/presentationml/2006/main">
   <p:cSld>
     <p:spTree>
@@ -14683,7 +15758,7 @@
           <a:p>
             <a:fld id="{B55C347D-741C-420F-98A9-980B958D5E13}" type="slidenum">
               <a:rPr lang="en-US" smtClean="0"/>
-              <a:t>25</a:t>
+              <a:t>29</a:t>
             </a:fld>
             <a:endParaRPr lang="en-US"/>
           </a:p>
@@ -14703,1311 +15778,6 @@
     <p:tnLst>
       <p:par>
         <p:cTn id="1" dur="indefinite" restart="never" nodeType="tmRoot"/>
-      </p:par>
-    </p:tnLst>
-  </p:timing>
-</p:sld>
-</file>
-
-<file path=ppt/slides/slide26.xml><?xml version="1.0" encoding="utf-8"?>
-<p:sld xmlns:a="http://schemas.openxmlformats.org/drawingml/2006/main" xmlns:r="http://schemas.openxmlformats.org/officeDocument/2006/relationships" xmlns:p="http://schemas.openxmlformats.org/presentationml/2006/main">
-  <p:cSld>
-    <p:spTree>
-      <p:nvGrpSpPr>
-        <p:cNvPr id="1" name=""/>
-        <p:cNvGrpSpPr/>
-        <p:nvPr/>
-      </p:nvGrpSpPr>
-      <p:grpSpPr>
-        <a:xfrm>
-          <a:off x="0" y="0"/>
-          <a:ext cx="0" cy="0"/>
-          <a:chOff x="0" y="0"/>
-          <a:chExt cx="0" cy="0"/>
-        </a:xfrm>
-      </p:grpSpPr>
-      <p:sp>
-        <p:nvSpPr>
-          <p:cNvPr id="2" name="Title 1"/>
-          <p:cNvSpPr>
-            <a:spLocks noGrp="1"/>
-          </p:cNvSpPr>
-          <p:nvPr>
-            <p:ph type="title"/>
-          </p:nvPr>
-        </p:nvSpPr>
-        <p:spPr/>
-        <p:txBody>
-          <a:bodyPr/>
-          <a:lstStyle/>
-          <a:p>
-            <a:r>
-              <a:rPr lang="en-US" dirty="0" smtClean="0"/>
-              <a:t>Conclusions</a:t>
-            </a:r>
-            <a:endParaRPr lang="en-US" dirty="0"/>
-          </a:p>
-        </p:txBody>
-      </p:sp>
-      <p:sp>
-        <p:nvSpPr>
-          <p:cNvPr id="3" name="Content Placeholder 2"/>
-          <p:cNvSpPr>
-            <a:spLocks noGrp="1"/>
-          </p:cNvSpPr>
-          <p:nvPr>
-            <p:ph idx="1"/>
-          </p:nvPr>
-        </p:nvSpPr>
-        <p:spPr/>
-        <p:txBody>
-          <a:bodyPr/>
-          <a:lstStyle/>
-          <a:p>
-            <a:r>
-              <a:rPr lang="en-US" dirty="0" smtClean="0"/>
-              <a:t>Interleaved test is more accurate and sensitive</a:t>
-            </a:r>
-          </a:p>
-          <a:p>
-            <a:pPr lvl="1"/>
-            <a:r>
-              <a:rPr lang="en-US" dirty="0" smtClean="0"/>
-              <a:t>4 out of 6 experiments follows our expectation</a:t>
-            </a:r>
-          </a:p>
-          <a:p>
-            <a:r>
-              <a:rPr lang="en-US" dirty="0" smtClean="0"/>
-              <a:t>Only click count is utilized in this interleaved test</a:t>
-            </a:r>
-          </a:p>
-          <a:p>
-            <a:pPr lvl="1"/>
-            <a:r>
-              <a:rPr lang="en-US" dirty="0" smtClean="0"/>
-              <a:t>More aspects can be evaluated</a:t>
-            </a:r>
-          </a:p>
-          <a:p>
-            <a:pPr lvl="2"/>
-            <a:r>
-              <a:rPr lang="en-US" dirty="0" smtClean="0"/>
-              <a:t>E.g., dwell-time, reciprocal rank, if leads to download, is last click, is first click</a:t>
-            </a:r>
-          </a:p>
-          <a:p>
-            <a:pPr lvl="1"/>
-            <a:endParaRPr lang="en-US" dirty="0" smtClean="0"/>
-          </a:p>
-          <a:p>
-            <a:pPr lvl="1"/>
-            <a:endParaRPr lang="en-US" dirty="0"/>
-          </a:p>
-        </p:txBody>
-      </p:sp>
-      <p:sp>
-        <p:nvSpPr>
-          <p:cNvPr id="5" name="Footer Placeholder 4"/>
-          <p:cNvSpPr>
-            <a:spLocks noGrp="1"/>
-          </p:cNvSpPr>
-          <p:nvPr>
-            <p:ph type="ftr" sz="quarter" idx="11"/>
-          </p:nvPr>
-        </p:nvSpPr>
-        <p:spPr/>
-        <p:txBody>
-          <a:bodyPr/>
-          <a:lstStyle/>
-          <a:p>
-            <a:r>
-              <a:rPr lang="en-US" smtClean="0"/>
-              <a:t>CS 4501: Information Retrieval</a:t>
-            </a:r>
-            <a:endParaRPr lang="en-US"/>
-          </a:p>
-        </p:txBody>
-      </p:sp>
-      <p:sp>
-        <p:nvSpPr>
-          <p:cNvPr id="7" name="Date Placeholder 6"/>
-          <p:cNvSpPr>
-            <a:spLocks noGrp="1"/>
-          </p:cNvSpPr>
-          <p:nvPr>
-            <p:ph type="dt" sz="half" idx="10"/>
-          </p:nvPr>
-        </p:nvSpPr>
-        <p:spPr/>
-        <p:txBody>
-          <a:bodyPr/>
-          <a:lstStyle/>
-          <a:p>
-            <a:r>
-              <a:rPr lang="en-US" smtClean="0"/>
-              <a:t>CS@UVa</a:t>
-            </a:r>
-            <a:endParaRPr lang="en-US"/>
-          </a:p>
-        </p:txBody>
-      </p:sp>
-      <p:sp>
-        <p:nvSpPr>
-          <p:cNvPr id="8" name="Slide Number Placeholder 7"/>
-          <p:cNvSpPr>
-            <a:spLocks noGrp="1"/>
-          </p:cNvSpPr>
-          <p:nvPr>
-            <p:ph type="sldNum" sz="quarter" idx="12"/>
-          </p:nvPr>
-        </p:nvSpPr>
-        <p:spPr/>
-        <p:txBody>
-          <a:bodyPr/>
-          <a:lstStyle/>
-          <a:p>
-            <a:fld id="{B55C347D-741C-420F-98A9-980B958D5E13}" type="slidenum">
-              <a:rPr lang="en-US" smtClean="0"/>
-              <a:t>26</a:t>
-            </a:fld>
-            <a:endParaRPr lang="en-US"/>
-          </a:p>
-        </p:txBody>
-      </p:sp>
-    </p:spTree>
-    <p:extLst>
-      <p:ext uri="{BB962C8B-B14F-4D97-AF65-F5344CB8AC3E}">
-        <p14:creationId xmlns:p14="http://schemas.microsoft.com/office/powerpoint/2010/main" val="1062989674"/>
-      </p:ext>
-    </p:extLst>
-  </p:cSld>
-  <p:clrMapOvr>
-    <a:masterClrMapping/>
-  </p:clrMapOvr>
-  <p:timing>
-    <p:tnLst>
-      <p:par>
-        <p:cTn id="1" dur="indefinite" restart="never" nodeType="tmRoot">
-          <p:childTnLst>
-            <p:seq concurrent="1" nextAc="seek">
-              <p:cTn id="2" dur="indefinite" nodeType="mainSeq">
-                <p:childTnLst>
-                  <p:par>
-                    <p:cTn id="3" fill="hold">
-                      <p:stCondLst>
-                        <p:cond delay="indefinite"/>
-                      </p:stCondLst>
-                      <p:childTnLst>
-                        <p:par>
-                          <p:cTn id="4" fill="hold">
-                            <p:stCondLst>
-                              <p:cond delay="0"/>
-                            </p:stCondLst>
-                            <p:childTnLst>
-                              <p:par>
-                                <p:cTn id="5" presetID="1" presetClass="entr" presetSubtype="0" fill="hold" nodeType="clickEffect">
-                                  <p:stCondLst>
-                                    <p:cond delay="0"/>
-                                  </p:stCondLst>
-                                  <p:childTnLst>
-                                    <p:set>
-                                      <p:cBhvr>
-                                        <p:cTn id="6" dur="1" fill="hold">
-                                          <p:stCondLst>
-                                            <p:cond delay="0"/>
-                                          </p:stCondLst>
-                                        </p:cTn>
-                                        <p:tgtEl>
-                                          <p:spTgt spid="3">
-                                            <p:txEl>
-                                              <p:pRg st="2" end="2"/>
-                                            </p:txEl>
-                                          </p:spTgt>
-                                        </p:tgtEl>
-                                        <p:attrNameLst>
-                                          <p:attrName>style.visibility</p:attrName>
-                                        </p:attrNameLst>
-                                      </p:cBhvr>
-                                      <p:to>
-                                        <p:strVal val="visible"/>
-                                      </p:to>
-                                    </p:set>
-                                  </p:childTnLst>
-                                </p:cTn>
-                              </p:par>
-                              <p:par>
-                                <p:cTn id="7" presetID="1" presetClass="entr" presetSubtype="0" fill="hold" nodeType="withEffect">
-                                  <p:stCondLst>
-                                    <p:cond delay="0"/>
-                                  </p:stCondLst>
-                                  <p:childTnLst>
-                                    <p:set>
-                                      <p:cBhvr>
-                                        <p:cTn id="8" dur="1" fill="hold">
-                                          <p:stCondLst>
-                                            <p:cond delay="0"/>
-                                          </p:stCondLst>
-                                        </p:cTn>
-                                        <p:tgtEl>
-                                          <p:spTgt spid="3">
-                                            <p:txEl>
-                                              <p:pRg st="3" end="3"/>
-                                            </p:txEl>
-                                          </p:spTgt>
-                                        </p:tgtEl>
-                                        <p:attrNameLst>
-                                          <p:attrName>style.visibility</p:attrName>
-                                        </p:attrNameLst>
-                                      </p:cBhvr>
-                                      <p:to>
-                                        <p:strVal val="visible"/>
-                                      </p:to>
-                                    </p:set>
-                                  </p:childTnLst>
-                                </p:cTn>
-                              </p:par>
-                              <p:par>
-                                <p:cTn id="9" presetID="1" presetClass="entr" presetSubtype="0" fill="hold" nodeType="withEffect">
-                                  <p:stCondLst>
-                                    <p:cond delay="0"/>
-                                  </p:stCondLst>
-                                  <p:childTnLst>
-                                    <p:set>
-                                      <p:cBhvr>
-                                        <p:cTn id="10" dur="1" fill="hold">
-                                          <p:stCondLst>
-                                            <p:cond delay="0"/>
-                                          </p:stCondLst>
-                                        </p:cTn>
-                                        <p:tgtEl>
-                                          <p:spTgt spid="3">
-                                            <p:txEl>
-                                              <p:pRg st="4" end="4"/>
-                                            </p:txEl>
-                                          </p:spTgt>
-                                        </p:tgtEl>
-                                        <p:attrNameLst>
-                                          <p:attrName>style.visibility</p:attrName>
-                                        </p:attrNameLst>
-                                      </p:cBhvr>
-                                      <p:to>
-                                        <p:strVal val="visible"/>
-                                      </p:to>
-                                    </p:set>
-                                  </p:childTnLst>
-                                </p:cTn>
-                              </p:par>
-                            </p:childTnLst>
-                          </p:cTn>
-                        </p:par>
-                      </p:childTnLst>
-                    </p:cTn>
-                  </p:par>
-                </p:childTnLst>
-              </p:cTn>
-              <p:prevCondLst>
-                <p:cond evt="onPrev" delay="0">
-                  <p:tgtEl>
-                    <p:sldTgt/>
-                  </p:tgtEl>
-                </p:cond>
-              </p:prevCondLst>
-              <p:nextCondLst>
-                <p:cond evt="onNext" delay="0">
-                  <p:tgtEl>
-                    <p:sldTgt/>
-                  </p:tgtEl>
-                </p:cond>
-              </p:nextCondLst>
-            </p:seq>
-          </p:childTnLst>
-        </p:cTn>
-      </p:par>
-    </p:tnLst>
-  </p:timing>
-</p:sld>
-</file>
-
-<file path=ppt/slides/slide27.xml><?xml version="1.0" encoding="utf-8"?>
-<p:sld xmlns:a="http://schemas.openxmlformats.org/drawingml/2006/main" xmlns:r="http://schemas.openxmlformats.org/officeDocument/2006/relationships" xmlns:p="http://schemas.openxmlformats.org/presentationml/2006/main">
-  <p:cSld>
-    <p:spTree>
-      <p:nvGrpSpPr>
-        <p:cNvPr id="1" name=""/>
-        <p:cNvGrpSpPr/>
-        <p:nvPr/>
-      </p:nvGrpSpPr>
-      <p:grpSpPr>
-        <a:xfrm>
-          <a:off x="0" y="0"/>
-          <a:ext cx="0" cy="0"/>
-          <a:chOff x="0" y="0"/>
-          <a:chExt cx="0" cy="0"/>
-        </a:xfrm>
-      </p:grpSpPr>
-      <p:sp>
-        <p:nvSpPr>
-          <p:cNvPr id="2" name="Title 1"/>
-          <p:cNvSpPr>
-            <a:spLocks noGrp="1"/>
-          </p:cNvSpPr>
-          <p:nvPr>
-            <p:ph type="title"/>
-          </p:nvPr>
-        </p:nvSpPr>
-        <p:spPr/>
-        <p:txBody>
-          <a:bodyPr>
-            <a:noAutofit/>
-          </a:bodyPr>
-          <a:lstStyle/>
-          <a:p>
-            <a:r>
-              <a:rPr lang="en-US" sz="3800" dirty="0" smtClean="0"/>
-              <a:t>Comparing the sensitivity of information retrieval metrics </a:t>
-            </a:r>
-            <a:r>
-              <a:rPr lang="en-US" sz="3800" baseline="30000" dirty="0" smtClean="0"/>
-              <a:t>[</a:t>
-            </a:r>
-            <a:r>
-              <a:rPr lang="en-US" sz="3800" baseline="30000" dirty="0" err="1" smtClean="0"/>
-              <a:t>Radlinski</a:t>
-            </a:r>
-            <a:r>
-              <a:rPr lang="en-US" sz="3800" baseline="30000" dirty="0" smtClean="0"/>
-              <a:t> &amp; </a:t>
-            </a:r>
-            <a:r>
-              <a:rPr lang="en-US" sz="3800" baseline="30000" dirty="0" err="1" smtClean="0"/>
-              <a:t>Craswell</a:t>
-            </a:r>
-            <a:r>
-              <a:rPr lang="en-US" sz="3800" baseline="30000" dirty="0" smtClean="0"/>
-              <a:t>, SIGIR’10]</a:t>
-            </a:r>
-            <a:endParaRPr lang="en-US" sz="3800" baseline="30000" dirty="0"/>
-          </a:p>
-        </p:txBody>
-      </p:sp>
-      <p:sp>
-        <p:nvSpPr>
-          <p:cNvPr id="3" name="Content Placeholder 2"/>
-          <p:cNvSpPr>
-            <a:spLocks noGrp="1"/>
-          </p:cNvSpPr>
-          <p:nvPr>
-            <p:ph idx="1"/>
-          </p:nvPr>
-        </p:nvSpPr>
-        <p:spPr/>
-        <p:txBody>
-          <a:bodyPr/>
-          <a:lstStyle/>
-          <a:p>
-            <a:r>
-              <a:rPr lang="en-US" dirty="0" smtClean="0"/>
-              <a:t>How sensitive are those IR evaluation metrics?</a:t>
-            </a:r>
-          </a:p>
-          <a:p>
-            <a:pPr lvl="1"/>
-            <a:r>
-              <a:rPr lang="en-US" dirty="0" smtClean="0"/>
-              <a:t>How many queries do we need to get a confident comparison result?</a:t>
-            </a:r>
-          </a:p>
-          <a:p>
-            <a:pPr lvl="1"/>
-            <a:r>
-              <a:rPr lang="en-US" dirty="0" smtClean="0"/>
-              <a:t>How quickly it can recognize the difference between different IR systems?</a:t>
-            </a:r>
-            <a:endParaRPr lang="en-US" dirty="0"/>
-          </a:p>
-        </p:txBody>
-      </p:sp>
-      <p:sp>
-        <p:nvSpPr>
-          <p:cNvPr id="5" name="Footer Placeholder 4"/>
-          <p:cNvSpPr>
-            <a:spLocks noGrp="1"/>
-          </p:cNvSpPr>
-          <p:nvPr>
-            <p:ph type="ftr" sz="quarter" idx="11"/>
-          </p:nvPr>
-        </p:nvSpPr>
-        <p:spPr/>
-        <p:txBody>
-          <a:bodyPr/>
-          <a:lstStyle/>
-          <a:p>
-            <a:r>
-              <a:rPr lang="en-US" smtClean="0"/>
-              <a:t>CS 4501: Information Retrieval</a:t>
-            </a:r>
-            <a:endParaRPr lang="en-US"/>
-          </a:p>
-        </p:txBody>
-      </p:sp>
-      <p:sp>
-        <p:nvSpPr>
-          <p:cNvPr id="7" name="Date Placeholder 6"/>
-          <p:cNvSpPr>
-            <a:spLocks noGrp="1"/>
-          </p:cNvSpPr>
-          <p:nvPr>
-            <p:ph type="dt" sz="half" idx="10"/>
-          </p:nvPr>
-        </p:nvSpPr>
-        <p:spPr/>
-        <p:txBody>
-          <a:bodyPr/>
-          <a:lstStyle/>
-          <a:p>
-            <a:r>
-              <a:rPr lang="en-US" smtClean="0"/>
-              <a:t>CS@UVa</a:t>
-            </a:r>
-            <a:endParaRPr lang="en-US"/>
-          </a:p>
-        </p:txBody>
-      </p:sp>
-      <p:sp>
-        <p:nvSpPr>
-          <p:cNvPr id="8" name="Slide Number Placeholder 7"/>
-          <p:cNvSpPr>
-            <a:spLocks noGrp="1"/>
-          </p:cNvSpPr>
-          <p:nvPr>
-            <p:ph type="sldNum" sz="quarter" idx="12"/>
-          </p:nvPr>
-        </p:nvSpPr>
-        <p:spPr/>
-        <p:txBody>
-          <a:bodyPr/>
-          <a:lstStyle/>
-          <a:p>
-            <a:fld id="{B55C347D-741C-420F-98A9-980B958D5E13}" type="slidenum">
-              <a:rPr lang="en-US" smtClean="0"/>
-              <a:t>27</a:t>
-            </a:fld>
-            <a:endParaRPr lang="en-US"/>
-          </a:p>
-        </p:txBody>
-      </p:sp>
-    </p:spTree>
-    <p:extLst>
-      <p:ext uri="{BB962C8B-B14F-4D97-AF65-F5344CB8AC3E}">
-        <p14:creationId xmlns:p14="http://schemas.microsoft.com/office/powerpoint/2010/main" val="60689954"/>
-      </p:ext>
-    </p:extLst>
-  </p:cSld>
-  <p:clrMapOvr>
-    <a:masterClrMapping/>
-  </p:clrMapOvr>
-  <p:timing>
-    <p:tnLst>
-      <p:par>
-        <p:cTn id="1" dur="indefinite" restart="never" nodeType="tmRoot"/>
-      </p:par>
-    </p:tnLst>
-  </p:timing>
-</p:sld>
-</file>
-
-<file path=ppt/slides/slide28.xml><?xml version="1.0" encoding="utf-8"?>
-<p:sld xmlns:a="http://schemas.openxmlformats.org/drawingml/2006/main" xmlns:r="http://schemas.openxmlformats.org/officeDocument/2006/relationships" xmlns:p="http://schemas.openxmlformats.org/presentationml/2006/main">
-  <p:cSld>
-    <p:spTree>
-      <p:nvGrpSpPr>
-        <p:cNvPr id="1" name=""/>
-        <p:cNvGrpSpPr/>
-        <p:nvPr/>
-      </p:nvGrpSpPr>
-      <p:grpSpPr>
-        <a:xfrm>
-          <a:off x="0" y="0"/>
-          <a:ext cx="0" cy="0"/>
-          <a:chOff x="0" y="0"/>
-          <a:chExt cx="0" cy="0"/>
-        </a:xfrm>
-      </p:grpSpPr>
-      <p:sp>
-        <p:nvSpPr>
-          <p:cNvPr id="2" name="Title 1"/>
-          <p:cNvSpPr>
-            <a:spLocks noGrp="1"/>
-          </p:cNvSpPr>
-          <p:nvPr>
-            <p:ph type="title"/>
-          </p:nvPr>
-        </p:nvSpPr>
-        <p:spPr/>
-        <p:txBody>
-          <a:bodyPr/>
-          <a:lstStyle/>
-          <a:p>
-            <a:r>
-              <a:rPr lang="en-US" dirty="0" smtClean="0"/>
-              <a:t>Experiment setup</a:t>
-            </a:r>
-            <a:endParaRPr lang="en-US" dirty="0"/>
-          </a:p>
-        </p:txBody>
-      </p:sp>
-      <p:sp>
-        <p:nvSpPr>
-          <p:cNvPr id="3" name="Content Placeholder 2"/>
-          <p:cNvSpPr>
-            <a:spLocks noGrp="1"/>
-          </p:cNvSpPr>
-          <p:nvPr>
-            <p:ph idx="1"/>
-          </p:nvPr>
-        </p:nvSpPr>
-        <p:spPr/>
-        <p:txBody>
-          <a:bodyPr>
-            <a:normAutofit fontScale="92500"/>
-          </a:bodyPr>
-          <a:lstStyle/>
-          <a:p>
-            <a:r>
-              <a:rPr lang="en-US" dirty="0" smtClean="0"/>
-              <a:t>IR systems with known search effectiveness</a:t>
-            </a:r>
-          </a:p>
-          <a:p>
-            <a:r>
-              <a:rPr lang="en-US" dirty="0" smtClean="0"/>
-              <a:t>Large set of annotated corpus </a:t>
-            </a:r>
-          </a:p>
-          <a:p>
-            <a:pPr lvl="1"/>
-            <a:r>
-              <a:rPr lang="en-US" dirty="0" smtClean="0"/>
-              <a:t>12k queries</a:t>
-            </a:r>
-          </a:p>
-          <a:p>
-            <a:pPr lvl="1"/>
-            <a:r>
-              <a:rPr lang="en-US" dirty="0" smtClean="0"/>
-              <a:t>Each retrieved document is labeled into 5-grade level</a:t>
-            </a:r>
-          </a:p>
-          <a:p>
-            <a:r>
-              <a:rPr lang="en-US" dirty="0" smtClean="0"/>
-              <a:t>Large collection of real users’ clicks from a major commercial search engine</a:t>
-            </a:r>
-          </a:p>
-          <a:p>
-            <a:r>
-              <a:rPr lang="en-US" dirty="0" smtClean="0"/>
-              <a:t>Approach</a:t>
-            </a:r>
-          </a:p>
-          <a:p>
-            <a:pPr lvl="1"/>
-            <a:r>
-              <a:rPr lang="en-US" dirty="0" smtClean="0"/>
-              <a:t>Gradually increase evaluation query size to investigate the conclusion of metrics</a:t>
-            </a:r>
-            <a:endParaRPr lang="en-US" dirty="0"/>
-          </a:p>
-        </p:txBody>
-      </p:sp>
-      <p:sp>
-        <p:nvSpPr>
-          <p:cNvPr id="5" name="Footer Placeholder 4"/>
-          <p:cNvSpPr>
-            <a:spLocks noGrp="1"/>
-          </p:cNvSpPr>
-          <p:nvPr>
-            <p:ph type="ftr" sz="quarter" idx="11"/>
-          </p:nvPr>
-        </p:nvSpPr>
-        <p:spPr/>
-        <p:txBody>
-          <a:bodyPr/>
-          <a:lstStyle/>
-          <a:p>
-            <a:r>
-              <a:rPr lang="en-US" smtClean="0"/>
-              <a:t>CS 4501: Information Retrieval</a:t>
-            </a:r>
-            <a:endParaRPr lang="en-US"/>
-          </a:p>
-        </p:txBody>
-      </p:sp>
-      <p:sp>
-        <p:nvSpPr>
-          <p:cNvPr id="7" name="Date Placeholder 6"/>
-          <p:cNvSpPr>
-            <a:spLocks noGrp="1"/>
-          </p:cNvSpPr>
-          <p:nvPr>
-            <p:ph type="dt" sz="half" idx="10"/>
-          </p:nvPr>
-        </p:nvSpPr>
-        <p:spPr/>
-        <p:txBody>
-          <a:bodyPr/>
-          <a:lstStyle/>
-          <a:p>
-            <a:r>
-              <a:rPr lang="en-US" smtClean="0"/>
-              <a:t>CS@UVa</a:t>
-            </a:r>
-            <a:endParaRPr lang="en-US"/>
-          </a:p>
-        </p:txBody>
-      </p:sp>
-      <p:sp>
-        <p:nvSpPr>
-          <p:cNvPr id="8" name="Slide Number Placeholder 7"/>
-          <p:cNvSpPr>
-            <a:spLocks noGrp="1"/>
-          </p:cNvSpPr>
-          <p:nvPr>
-            <p:ph type="sldNum" sz="quarter" idx="12"/>
-          </p:nvPr>
-        </p:nvSpPr>
-        <p:spPr/>
-        <p:txBody>
-          <a:bodyPr/>
-          <a:lstStyle/>
-          <a:p>
-            <a:fld id="{B55C347D-741C-420F-98A9-980B958D5E13}" type="slidenum">
-              <a:rPr lang="en-US" smtClean="0"/>
-              <a:t>28</a:t>
-            </a:fld>
-            <a:endParaRPr lang="en-US"/>
-          </a:p>
-        </p:txBody>
-      </p:sp>
-    </p:spTree>
-    <p:extLst>
-      <p:ext uri="{BB962C8B-B14F-4D97-AF65-F5344CB8AC3E}">
-        <p14:creationId xmlns:p14="http://schemas.microsoft.com/office/powerpoint/2010/main" val="3641632585"/>
-      </p:ext>
-    </p:extLst>
-  </p:cSld>
-  <p:clrMapOvr>
-    <a:masterClrMapping/>
-  </p:clrMapOvr>
-  <p:timing>
-    <p:tnLst>
-      <p:par>
-        <p:cTn id="1" dur="indefinite" restart="never" nodeType="tmRoot">
-          <p:childTnLst>
-            <p:seq concurrent="1" nextAc="seek">
-              <p:cTn id="2" dur="indefinite" nodeType="mainSeq">
-                <p:childTnLst>
-                  <p:par>
-                    <p:cTn id="3" fill="hold">
-                      <p:stCondLst>
-                        <p:cond delay="indefinite"/>
-                      </p:stCondLst>
-                      <p:childTnLst>
-                        <p:par>
-                          <p:cTn id="4" fill="hold">
-                            <p:stCondLst>
-                              <p:cond delay="0"/>
-                            </p:stCondLst>
-                            <p:childTnLst>
-                              <p:par>
-                                <p:cTn id="5" presetID="1" presetClass="entr" presetSubtype="0" fill="hold" nodeType="clickEffect">
-                                  <p:stCondLst>
-                                    <p:cond delay="0"/>
-                                  </p:stCondLst>
-                                  <p:childTnLst>
-                                    <p:set>
-                                      <p:cBhvr>
-                                        <p:cTn id="6" dur="1" fill="hold">
-                                          <p:stCondLst>
-                                            <p:cond delay="0"/>
-                                          </p:stCondLst>
-                                        </p:cTn>
-                                        <p:tgtEl>
-                                          <p:spTgt spid="3">
-                                            <p:txEl>
-                                              <p:pRg st="5" end="5"/>
-                                            </p:txEl>
-                                          </p:spTgt>
-                                        </p:tgtEl>
-                                        <p:attrNameLst>
-                                          <p:attrName>style.visibility</p:attrName>
-                                        </p:attrNameLst>
-                                      </p:cBhvr>
-                                      <p:to>
-                                        <p:strVal val="visible"/>
-                                      </p:to>
-                                    </p:set>
-                                  </p:childTnLst>
-                                </p:cTn>
-                              </p:par>
-                              <p:par>
-                                <p:cTn id="7" presetID="1" presetClass="entr" presetSubtype="0" fill="hold" nodeType="withEffect">
-                                  <p:stCondLst>
-                                    <p:cond delay="0"/>
-                                  </p:stCondLst>
-                                  <p:childTnLst>
-                                    <p:set>
-                                      <p:cBhvr>
-                                        <p:cTn id="8" dur="1" fill="hold">
-                                          <p:stCondLst>
-                                            <p:cond delay="0"/>
-                                          </p:stCondLst>
-                                        </p:cTn>
-                                        <p:tgtEl>
-                                          <p:spTgt spid="3">
-                                            <p:txEl>
-                                              <p:pRg st="6" end="6"/>
-                                            </p:txEl>
-                                          </p:spTgt>
-                                        </p:tgtEl>
-                                        <p:attrNameLst>
-                                          <p:attrName>style.visibility</p:attrName>
-                                        </p:attrNameLst>
-                                      </p:cBhvr>
-                                      <p:to>
-                                        <p:strVal val="visible"/>
-                                      </p:to>
-                                    </p:set>
-                                  </p:childTnLst>
-                                </p:cTn>
-                              </p:par>
-                            </p:childTnLst>
-                          </p:cTn>
-                        </p:par>
-                      </p:childTnLst>
-                    </p:cTn>
-                  </p:par>
-                </p:childTnLst>
-              </p:cTn>
-              <p:prevCondLst>
-                <p:cond evt="onPrev" delay="0">
-                  <p:tgtEl>
-                    <p:sldTgt/>
-                  </p:tgtEl>
-                </p:cond>
-              </p:prevCondLst>
-              <p:nextCondLst>
-                <p:cond evt="onNext" delay="0">
-                  <p:tgtEl>
-                    <p:sldTgt/>
-                  </p:tgtEl>
-                </p:cond>
-              </p:nextCondLst>
-            </p:seq>
-          </p:childTnLst>
-        </p:cTn>
-      </p:par>
-    </p:tnLst>
-  </p:timing>
-</p:sld>
-</file>
-
-<file path=ppt/slides/slide29.xml><?xml version="1.0" encoding="utf-8"?>
-<p:sld xmlns:a="http://schemas.openxmlformats.org/drawingml/2006/main" xmlns:r="http://schemas.openxmlformats.org/officeDocument/2006/relationships" xmlns:p="http://schemas.openxmlformats.org/presentationml/2006/main">
-  <p:cSld>
-    <p:spTree>
-      <p:nvGrpSpPr>
-        <p:cNvPr id="1" name=""/>
-        <p:cNvGrpSpPr/>
-        <p:nvPr/>
-      </p:nvGrpSpPr>
-      <p:grpSpPr>
-        <a:xfrm>
-          <a:off x="0" y="0"/>
-          <a:ext cx="0" cy="0"/>
-          <a:chOff x="0" y="0"/>
-          <a:chExt cx="0" cy="0"/>
-        </a:xfrm>
-      </p:grpSpPr>
-      <p:sp>
-        <p:nvSpPr>
-          <p:cNvPr id="2" name="Title 1"/>
-          <p:cNvSpPr>
-            <a:spLocks noGrp="1"/>
-          </p:cNvSpPr>
-          <p:nvPr>
-            <p:ph type="title"/>
-          </p:nvPr>
-        </p:nvSpPr>
-        <p:spPr/>
-        <p:txBody>
-          <a:bodyPr/>
-          <a:lstStyle/>
-          <a:p>
-            <a:r>
-              <a:rPr lang="en-US" dirty="0" smtClean="0"/>
-              <a:t>Sensitivity of NDCG@5</a:t>
-            </a:r>
-            <a:endParaRPr lang="en-US" dirty="0"/>
-          </a:p>
-        </p:txBody>
-      </p:sp>
-      <p:pic>
-        <p:nvPicPr>
-          <p:cNvPr id="4" name="Picture 3"/>
-          <p:cNvPicPr>
-            <a:picLocks noChangeAspect="1"/>
-          </p:cNvPicPr>
-          <p:nvPr/>
-        </p:nvPicPr>
-        <p:blipFill>
-          <a:blip r:embed="rId2"/>
-          <a:stretch>
-            <a:fillRect/>
-          </a:stretch>
-        </p:blipFill>
-        <p:spPr>
-          <a:xfrm>
-            <a:off x="1110191" y="1635978"/>
-            <a:ext cx="6923617" cy="4099129"/>
-          </a:xfrm>
-          <a:prstGeom prst="rect">
-            <a:avLst/>
-          </a:prstGeom>
-        </p:spPr>
-      </p:pic>
-      <p:sp>
-        <p:nvSpPr>
-          <p:cNvPr id="5" name="TextBox 4"/>
-          <p:cNvSpPr txBox="1"/>
-          <p:nvPr/>
-        </p:nvSpPr>
-        <p:spPr>
-          <a:xfrm>
-            <a:off x="2252132" y="5953447"/>
-            <a:ext cx="4639733" cy="400110"/>
-          </a:xfrm>
-          <a:prstGeom prst="rect">
-            <a:avLst/>
-          </a:prstGeom>
-          <a:noFill/>
-        </p:spPr>
-        <p:txBody>
-          <a:bodyPr wrap="square" rtlCol="0">
-            <a:spAutoFit/>
-          </a:bodyPr>
-          <a:lstStyle/>
-          <a:p>
-            <a:pPr algn="ctr"/>
-            <a:r>
-              <a:rPr lang="en-US" sz="2000" b="1" dirty="0" smtClean="0">
-                <a:solidFill>
-                  <a:srgbClr val="FF0000"/>
-                </a:solidFill>
-              </a:rPr>
-              <a:t>System effectiveness: A&gt;B&gt;C</a:t>
-            </a:r>
-            <a:endParaRPr lang="en-US" sz="2000" b="1" dirty="0">
-              <a:solidFill>
-                <a:srgbClr val="FF0000"/>
-              </a:solidFill>
-            </a:endParaRPr>
-          </a:p>
-        </p:txBody>
-      </p:sp>
-      <p:cxnSp>
-        <p:nvCxnSpPr>
-          <p:cNvPr id="7" name="Straight Connector 6"/>
-          <p:cNvCxnSpPr/>
-          <p:nvPr/>
-        </p:nvCxnSpPr>
-        <p:spPr>
-          <a:xfrm>
-            <a:off x="626533" y="3014133"/>
-            <a:ext cx="8170333" cy="0"/>
-          </a:xfrm>
-          <a:prstGeom prst="line">
-            <a:avLst/>
-          </a:prstGeom>
-          <a:ln w="19050"/>
-        </p:spPr>
-        <p:style>
-          <a:lnRef idx="1">
-            <a:schemeClr val="accent1"/>
-          </a:lnRef>
-          <a:fillRef idx="0">
-            <a:schemeClr val="accent1"/>
-          </a:fillRef>
-          <a:effectRef idx="0">
-            <a:schemeClr val="accent1"/>
-          </a:effectRef>
-          <a:fontRef idx="minor">
-            <a:schemeClr val="tx1"/>
-          </a:fontRef>
-        </p:style>
-      </p:cxnSp>
-      <p:cxnSp>
-        <p:nvCxnSpPr>
-          <p:cNvPr id="10" name="Straight Connector 9"/>
-          <p:cNvCxnSpPr/>
-          <p:nvPr/>
-        </p:nvCxnSpPr>
-        <p:spPr>
-          <a:xfrm>
-            <a:off x="4438650" y="1490133"/>
-            <a:ext cx="0" cy="4326467"/>
-          </a:xfrm>
-          <a:prstGeom prst="line">
-            <a:avLst/>
-          </a:prstGeom>
-          <a:ln w="19050"/>
-        </p:spPr>
-        <p:style>
-          <a:lnRef idx="1">
-            <a:schemeClr val="accent1"/>
-          </a:lnRef>
-          <a:fillRef idx="0">
-            <a:schemeClr val="accent1"/>
-          </a:fillRef>
-          <a:effectRef idx="0">
-            <a:schemeClr val="accent1"/>
-          </a:effectRef>
-          <a:fontRef idx="minor">
-            <a:schemeClr val="tx1"/>
-          </a:fontRef>
-        </p:style>
-      </p:cxnSp>
-      <p:cxnSp>
-        <p:nvCxnSpPr>
-          <p:cNvPr id="11" name="Straight Connector 10"/>
-          <p:cNvCxnSpPr/>
-          <p:nvPr/>
-        </p:nvCxnSpPr>
-        <p:spPr>
-          <a:xfrm>
-            <a:off x="4876800" y="1522308"/>
-            <a:ext cx="0" cy="4326467"/>
-          </a:xfrm>
-          <a:prstGeom prst="line">
-            <a:avLst/>
-          </a:prstGeom>
-          <a:ln w="19050"/>
-        </p:spPr>
-        <p:style>
-          <a:lnRef idx="1">
-            <a:schemeClr val="accent1"/>
-          </a:lnRef>
-          <a:fillRef idx="0">
-            <a:schemeClr val="accent1"/>
-          </a:fillRef>
-          <a:effectRef idx="0">
-            <a:schemeClr val="accent1"/>
-          </a:effectRef>
-          <a:fontRef idx="minor">
-            <a:schemeClr val="tx1"/>
-          </a:fontRef>
-        </p:style>
-      </p:cxnSp>
-      <p:cxnSp>
-        <p:nvCxnSpPr>
-          <p:cNvPr id="12" name="Straight Connector 11"/>
-          <p:cNvCxnSpPr/>
-          <p:nvPr/>
-        </p:nvCxnSpPr>
-        <p:spPr>
-          <a:xfrm>
-            <a:off x="5448300" y="1522308"/>
-            <a:ext cx="0" cy="4326467"/>
-          </a:xfrm>
-          <a:prstGeom prst="line">
-            <a:avLst/>
-          </a:prstGeom>
-          <a:ln w="19050"/>
-        </p:spPr>
-        <p:style>
-          <a:lnRef idx="1">
-            <a:schemeClr val="accent1"/>
-          </a:lnRef>
-          <a:fillRef idx="0">
-            <a:schemeClr val="accent1"/>
-          </a:fillRef>
-          <a:effectRef idx="0">
-            <a:schemeClr val="accent1"/>
-          </a:effectRef>
-          <a:fontRef idx="minor">
-            <a:schemeClr val="tx1"/>
-          </a:fontRef>
-        </p:style>
-      </p:cxnSp>
-      <p:sp>
-        <p:nvSpPr>
-          <p:cNvPr id="6" name="Footer Placeholder 5"/>
-          <p:cNvSpPr>
-            <a:spLocks noGrp="1"/>
-          </p:cNvSpPr>
-          <p:nvPr>
-            <p:ph type="ftr" sz="quarter" idx="11"/>
-          </p:nvPr>
-        </p:nvSpPr>
-        <p:spPr/>
-        <p:txBody>
-          <a:bodyPr/>
-          <a:lstStyle/>
-          <a:p>
-            <a:r>
-              <a:rPr lang="en-US" smtClean="0"/>
-              <a:t>CS 4501: Information Retrieval</a:t>
-            </a:r>
-            <a:endParaRPr lang="en-US"/>
-          </a:p>
-        </p:txBody>
-      </p:sp>
-      <p:sp>
-        <p:nvSpPr>
-          <p:cNvPr id="9" name="Date Placeholder 8"/>
-          <p:cNvSpPr>
-            <a:spLocks noGrp="1"/>
-          </p:cNvSpPr>
-          <p:nvPr>
-            <p:ph type="dt" sz="half" idx="10"/>
-          </p:nvPr>
-        </p:nvSpPr>
-        <p:spPr/>
-        <p:txBody>
-          <a:bodyPr/>
-          <a:lstStyle/>
-          <a:p>
-            <a:r>
-              <a:rPr lang="en-US" smtClean="0"/>
-              <a:t>CS@UVa</a:t>
-            </a:r>
-            <a:endParaRPr lang="en-US"/>
-          </a:p>
-        </p:txBody>
-      </p:sp>
-      <p:sp>
-        <p:nvSpPr>
-          <p:cNvPr id="13" name="Slide Number Placeholder 12"/>
-          <p:cNvSpPr>
-            <a:spLocks noGrp="1"/>
-          </p:cNvSpPr>
-          <p:nvPr>
-            <p:ph type="sldNum" sz="quarter" idx="12"/>
-          </p:nvPr>
-        </p:nvSpPr>
-        <p:spPr/>
-        <p:txBody>
-          <a:bodyPr/>
-          <a:lstStyle/>
-          <a:p>
-            <a:fld id="{B55C347D-741C-420F-98A9-980B958D5E13}" type="slidenum">
-              <a:rPr lang="en-US" smtClean="0"/>
-              <a:t>29</a:t>
-            </a:fld>
-            <a:endParaRPr lang="en-US"/>
-          </a:p>
-        </p:txBody>
-      </p:sp>
-    </p:spTree>
-    <p:extLst>
-      <p:ext uri="{BB962C8B-B14F-4D97-AF65-F5344CB8AC3E}">
-        <p14:creationId xmlns:p14="http://schemas.microsoft.com/office/powerpoint/2010/main" val="2266422314"/>
-      </p:ext>
-    </p:extLst>
-  </p:cSld>
-  <p:clrMapOvr>
-    <a:masterClrMapping/>
-  </p:clrMapOvr>
-  <p:timing>
-    <p:tnLst>
-      <p:par>
-        <p:cTn id="1" dur="indefinite" restart="never" nodeType="tmRoot">
-          <p:childTnLst>
-            <p:seq concurrent="1" nextAc="seek">
-              <p:cTn id="2" dur="indefinite" nodeType="mainSeq">
-                <p:childTnLst>
-                  <p:par>
-                    <p:cTn id="3" fill="hold">
-                      <p:stCondLst>
-                        <p:cond delay="indefinite"/>
-                      </p:stCondLst>
-                      <p:childTnLst>
-                        <p:par>
-                          <p:cTn id="4" fill="hold">
-                            <p:stCondLst>
-                              <p:cond delay="0"/>
-                            </p:stCondLst>
-                            <p:childTnLst>
-                              <p:par>
-                                <p:cTn id="5" presetID="1" presetClass="entr" presetSubtype="0" fill="hold" nodeType="clickEffect">
-                                  <p:stCondLst>
-                                    <p:cond delay="0"/>
-                                  </p:stCondLst>
-                                  <p:childTnLst>
-                                    <p:set>
-                                      <p:cBhvr>
-                                        <p:cTn id="6" dur="1" fill="hold">
-                                          <p:stCondLst>
-                                            <p:cond delay="0"/>
-                                          </p:stCondLst>
-                                        </p:cTn>
-                                        <p:tgtEl>
-                                          <p:spTgt spid="11"/>
-                                        </p:tgtEl>
-                                        <p:attrNameLst>
-                                          <p:attrName>style.visibility</p:attrName>
-                                        </p:attrNameLst>
-                                      </p:cBhvr>
-                                      <p:to>
-                                        <p:strVal val="visible"/>
-                                      </p:to>
-                                    </p:set>
-                                  </p:childTnLst>
-                                </p:cTn>
-                              </p:par>
-                            </p:childTnLst>
-                          </p:cTn>
-                        </p:par>
-                      </p:childTnLst>
-                    </p:cTn>
-                  </p:par>
-                  <p:par>
-                    <p:cTn id="7" fill="hold">
-                      <p:stCondLst>
-                        <p:cond delay="indefinite"/>
-                      </p:stCondLst>
-                      <p:childTnLst>
-                        <p:par>
-                          <p:cTn id="8" fill="hold">
-                            <p:stCondLst>
-                              <p:cond delay="0"/>
-                            </p:stCondLst>
-                            <p:childTnLst>
-                              <p:par>
-                                <p:cTn id="9" presetID="1" presetClass="entr" presetSubtype="0" fill="hold" nodeType="clickEffect">
-                                  <p:stCondLst>
-                                    <p:cond delay="0"/>
-                                  </p:stCondLst>
-                                  <p:childTnLst>
-                                    <p:set>
-                                      <p:cBhvr>
-                                        <p:cTn id="10" dur="1" fill="hold">
-                                          <p:stCondLst>
-                                            <p:cond delay="0"/>
-                                          </p:stCondLst>
-                                        </p:cTn>
-                                        <p:tgtEl>
-                                          <p:spTgt spid="7"/>
-                                        </p:tgtEl>
-                                        <p:attrNameLst>
-                                          <p:attrName>style.visibility</p:attrName>
-                                        </p:attrNameLst>
-                                      </p:cBhvr>
-                                      <p:to>
-                                        <p:strVal val="visible"/>
-                                      </p:to>
-                                    </p:set>
-                                  </p:childTnLst>
-                                </p:cTn>
-                              </p:par>
-                            </p:childTnLst>
-                          </p:cTn>
-                        </p:par>
-                      </p:childTnLst>
-                    </p:cTn>
-                  </p:par>
-                  <p:par>
-                    <p:cTn id="11" fill="hold">
-                      <p:stCondLst>
-                        <p:cond delay="indefinite"/>
-                      </p:stCondLst>
-                      <p:childTnLst>
-                        <p:par>
-                          <p:cTn id="12" fill="hold">
-                            <p:stCondLst>
-                              <p:cond delay="0"/>
-                            </p:stCondLst>
-                            <p:childTnLst>
-                              <p:par>
-                                <p:cTn id="13" presetID="1" presetClass="entr" presetSubtype="0" fill="hold" nodeType="clickEffect">
-                                  <p:stCondLst>
-                                    <p:cond delay="0"/>
-                                  </p:stCondLst>
-                                  <p:childTnLst>
-                                    <p:set>
-                                      <p:cBhvr>
-                                        <p:cTn id="14" dur="1" fill="hold">
-                                          <p:stCondLst>
-                                            <p:cond delay="0"/>
-                                          </p:stCondLst>
-                                        </p:cTn>
-                                        <p:tgtEl>
-                                          <p:spTgt spid="10"/>
-                                        </p:tgtEl>
-                                        <p:attrNameLst>
-                                          <p:attrName>style.visibility</p:attrName>
-                                        </p:attrNameLst>
-                                      </p:cBhvr>
-                                      <p:to>
-                                        <p:strVal val="visible"/>
-                                      </p:to>
-                                    </p:set>
-                                  </p:childTnLst>
-                                </p:cTn>
-                              </p:par>
-                              <p:par>
-                                <p:cTn id="15" presetID="1" presetClass="entr" presetSubtype="0" fill="hold" nodeType="withEffect">
-                                  <p:stCondLst>
-                                    <p:cond delay="0"/>
-                                  </p:stCondLst>
-                                  <p:childTnLst>
-                                    <p:set>
-                                      <p:cBhvr>
-                                        <p:cTn id="16" dur="1" fill="hold">
-                                          <p:stCondLst>
-                                            <p:cond delay="0"/>
-                                          </p:stCondLst>
-                                        </p:cTn>
-                                        <p:tgtEl>
-                                          <p:spTgt spid="12"/>
-                                        </p:tgtEl>
-                                        <p:attrNameLst>
-                                          <p:attrName>style.visibility</p:attrName>
-                                        </p:attrNameLst>
-                                      </p:cBhvr>
-                                      <p:to>
-                                        <p:strVal val="visible"/>
-                                      </p:to>
-                                    </p:set>
-                                  </p:childTnLst>
-                                </p:cTn>
-                              </p:par>
-                            </p:childTnLst>
-                          </p:cTn>
-                        </p:par>
-                      </p:childTnLst>
-                    </p:cTn>
-                  </p:par>
-                </p:childTnLst>
-              </p:cTn>
-              <p:prevCondLst>
-                <p:cond evt="onPrev" delay="0">
-                  <p:tgtEl>
-                    <p:sldTgt/>
-                  </p:tgtEl>
-                </p:cond>
-              </p:prevCondLst>
-              <p:nextCondLst>
-                <p:cond evt="onNext" delay="0">
-                  <p:tgtEl>
-                    <p:sldTgt/>
-                  </p:tgtEl>
-                </p:cond>
-              </p:nextCondLst>
-            </p:seq>
-          </p:childTnLst>
-        </p:cTn>
       </p:par>
     </p:tnLst>
   </p:timing>
@@ -16510,6 +16280,1311 @@
           <a:chExt cx="0" cy="0"/>
         </a:xfrm>
       </p:grpSpPr>
+      <p:sp>
+        <p:nvSpPr>
+          <p:cNvPr id="2" name="Title 1"/>
+          <p:cNvSpPr>
+            <a:spLocks noGrp="1"/>
+          </p:cNvSpPr>
+          <p:nvPr>
+            <p:ph type="title"/>
+          </p:nvPr>
+        </p:nvSpPr>
+        <p:spPr/>
+        <p:txBody>
+          <a:bodyPr/>
+          <a:lstStyle/>
+          <a:p>
+            <a:r>
+              <a:rPr lang="en-US" dirty="0" smtClean="0"/>
+              <a:t>Conclusions</a:t>
+            </a:r>
+            <a:endParaRPr lang="en-US" dirty="0"/>
+          </a:p>
+        </p:txBody>
+      </p:sp>
+      <p:sp>
+        <p:nvSpPr>
+          <p:cNvPr id="3" name="Content Placeholder 2"/>
+          <p:cNvSpPr>
+            <a:spLocks noGrp="1"/>
+          </p:cNvSpPr>
+          <p:nvPr>
+            <p:ph idx="1"/>
+          </p:nvPr>
+        </p:nvSpPr>
+        <p:spPr/>
+        <p:txBody>
+          <a:bodyPr/>
+          <a:lstStyle/>
+          <a:p>
+            <a:r>
+              <a:rPr lang="en-US" dirty="0" smtClean="0"/>
+              <a:t>Interleaved test is more accurate and sensitive</a:t>
+            </a:r>
+          </a:p>
+          <a:p>
+            <a:pPr lvl="1"/>
+            <a:r>
+              <a:rPr lang="en-US" dirty="0" smtClean="0"/>
+              <a:t>4 out of 6 experiments follows our expectation</a:t>
+            </a:r>
+          </a:p>
+          <a:p>
+            <a:r>
+              <a:rPr lang="en-US" dirty="0" smtClean="0"/>
+              <a:t>Only click count is utilized in this interleaved test</a:t>
+            </a:r>
+          </a:p>
+          <a:p>
+            <a:pPr lvl="1"/>
+            <a:r>
+              <a:rPr lang="en-US" dirty="0" smtClean="0"/>
+              <a:t>More aspects can be evaluated</a:t>
+            </a:r>
+          </a:p>
+          <a:p>
+            <a:pPr lvl="2"/>
+            <a:r>
+              <a:rPr lang="en-US" dirty="0" smtClean="0"/>
+              <a:t>E.g., dwell-time, reciprocal rank, if leads to download, is last click, is first click</a:t>
+            </a:r>
+          </a:p>
+          <a:p>
+            <a:pPr lvl="1"/>
+            <a:endParaRPr lang="en-US" dirty="0" smtClean="0"/>
+          </a:p>
+          <a:p>
+            <a:pPr lvl="1"/>
+            <a:endParaRPr lang="en-US" dirty="0"/>
+          </a:p>
+        </p:txBody>
+      </p:sp>
+      <p:sp>
+        <p:nvSpPr>
+          <p:cNvPr id="5" name="Footer Placeholder 4"/>
+          <p:cNvSpPr>
+            <a:spLocks noGrp="1"/>
+          </p:cNvSpPr>
+          <p:nvPr>
+            <p:ph type="ftr" sz="quarter" idx="11"/>
+          </p:nvPr>
+        </p:nvSpPr>
+        <p:spPr/>
+        <p:txBody>
+          <a:bodyPr/>
+          <a:lstStyle/>
+          <a:p>
+            <a:r>
+              <a:rPr lang="en-US" smtClean="0"/>
+              <a:t>CS 4501: Information Retrieval</a:t>
+            </a:r>
+            <a:endParaRPr lang="en-US"/>
+          </a:p>
+        </p:txBody>
+      </p:sp>
+      <p:sp>
+        <p:nvSpPr>
+          <p:cNvPr id="7" name="Date Placeholder 6"/>
+          <p:cNvSpPr>
+            <a:spLocks noGrp="1"/>
+          </p:cNvSpPr>
+          <p:nvPr>
+            <p:ph type="dt" sz="half" idx="10"/>
+          </p:nvPr>
+        </p:nvSpPr>
+        <p:spPr/>
+        <p:txBody>
+          <a:bodyPr/>
+          <a:lstStyle/>
+          <a:p>
+            <a:r>
+              <a:rPr lang="en-US" smtClean="0"/>
+              <a:t>CS@UVa</a:t>
+            </a:r>
+            <a:endParaRPr lang="en-US"/>
+          </a:p>
+        </p:txBody>
+      </p:sp>
+      <p:sp>
+        <p:nvSpPr>
+          <p:cNvPr id="8" name="Slide Number Placeholder 7"/>
+          <p:cNvSpPr>
+            <a:spLocks noGrp="1"/>
+          </p:cNvSpPr>
+          <p:nvPr>
+            <p:ph type="sldNum" sz="quarter" idx="12"/>
+          </p:nvPr>
+        </p:nvSpPr>
+        <p:spPr/>
+        <p:txBody>
+          <a:bodyPr/>
+          <a:lstStyle/>
+          <a:p>
+            <a:fld id="{B55C347D-741C-420F-98A9-980B958D5E13}" type="slidenum">
+              <a:rPr lang="en-US" smtClean="0"/>
+              <a:t>30</a:t>
+            </a:fld>
+            <a:endParaRPr lang="en-US"/>
+          </a:p>
+        </p:txBody>
+      </p:sp>
+    </p:spTree>
+    <p:extLst>
+      <p:ext uri="{BB962C8B-B14F-4D97-AF65-F5344CB8AC3E}">
+        <p14:creationId xmlns:p14="http://schemas.microsoft.com/office/powerpoint/2010/main" val="1062989674"/>
+      </p:ext>
+    </p:extLst>
+  </p:cSld>
+  <p:clrMapOvr>
+    <a:masterClrMapping/>
+  </p:clrMapOvr>
+  <p:timing>
+    <p:tnLst>
+      <p:par>
+        <p:cTn id="1" dur="indefinite" restart="never" nodeType="tmRoot">
+          <p:childTnLst>
+            <p:seq concurrent="1" nextAc="seek">
+              <p:cTn id="2" dur="indefinite" nodeType="mainSeq">
+                <p:childTnLst>
+                  <p:par>
+                    <p:cTn id="3" fill="hold">
+                      <p:stCondLst>
+                        <p:cond delay="indefinite"/>
+                      </p:stCondLst>
+                      <p:childTnLst>
+                        <p:par>
+                          <p:cTn id="4" fill="hold">
+                            <p:stCondLst>
+                              <p:cond delay="0"/>
+                            </p:stCondLst>
+                            <p:childTnLst>
+                              <p:par>
+                                <p:cTn id="5" presetID="1" presetClass="entr" presetSubtype="0" fill="hold" nodeType="clickEffect">
+                                  <p:stCondLst>
+                                    <p:cond delay="0"/>
+                                  </p:stCondLst>
+                                  <p:childTnLst>
+                                    <p:set>
+                                      <p:cBhvr>
+                                        <p:cTn id="6" dur="1" fill="hold">
+                                          <p:stCondLst>
+                                            <p:cond delay="0"/>
+                                          </p:stCondLst>
+                                        </p:cTn>
+                                        <p:tgtEl>
+                                          <p:spTgt spid="3">
+                                            <p:txEl>
+                                              <p:pRg st="2" end="2"/>
+                                            </p:txEl>
+                                          </p:spTgt>
+                                        </p:tgtEl>
+                                        <p:attrNameLst>
+                                          <p:attrName>style.visibility</p:attrName>
+                                        </p:attrNameLst>
+                                      </p:cBhvr>
+                                      <p:to>
+                                        <p:strVal val="visible"/>
+                                      </p:to>
+                                    </p:set>
+                                  </p:childTnLst>
+                                </p:cTn>
+                              </p:par>
+                              <p:par>
+                                <p:cTn id="7" presetID="1" presetClass="entr" presetSubtype="0" fill="hold" nodeType="withEffect">
+                                  <p:stCondLst>
+                                    <p:cond delay="0"/>
+                                  </p:stCondLst>
+                                  <p:childTnLst>
+                                    <p:set>
+                                      <p:cBhvr>
+                                        <p:cTn id="8" dur="1" fill="hold">
+                                          <p:stCondLst>
+                                            <p:cond delay="0"/>
+                                          </p:stCondLst>
+                                        </p:cTn>
+                                        <p:tgtEl>
+                                          <p:spTgt spid="3">
+                                            <p:txEl>
+                                              <p:pRg st="3" end="3"/>
+                                            </p:txEl>
+                                          </p:spTgt>
+                                        </p:tgtEl>
+                                        <p:attrNameLst>
+                                          <p:attrName>style.visibility</p:attrName>
+                                        </p:attrNameLst>
+                                      </p:cBhvr>
+                                      <p:to>
+                                        <p:strVal val="visible"/>
+                                      </p:to>
+                                    </p:set>
+                                  </p:childTnLst>
+                                </p:cTn>
+                              </p:par>
+                              <p:par>
+                                <p:cTn id="9" presetID="1" presetClass="entr" presetSubtype="0" fill="hold" nodeType="withEffect">
+                                  <p:stCondLst>
+                                    <p:cond delay="0"/>
+                                  </p:stCondLst>
+                                  <p:childTnLst>
+                                    <p:set>
+                                      <p:cBhvr>
+                                        <p:cTn id="10" dur="1" fill="hold">
+                                          <p:stCondLst>
+                                            <p:cond delay="0"/>
+                                          </p:stCondLst>
+                                        </p:cTn>
+                                        <p:tgtEl>
+                                          <p:spTgt spid="3">
+                                            <p:txEl>
+                                              <p:pRg st="4" end="4"/>
+                                            </p:txEl>
+                                          </p:spTgt>
+                                        </p:tgtEl>
+                                        <p:attrNameLst>
+                                          <p:attrName>style.visibility</p:attrName>
+                                        </p:attrNameLst>
+                                      </p:cBhvr>
+                                      <p:to>
+                                        <p:strVal val="visible"/>
+                                      </p:to>
+                                    </p:set>
+                                  </p:childTnLst>
+                                </p:cTn>
+                              </p:par>
+                            </p:childTnLst>
+                          </p:cTn>
+                        </p:par>
+                      </p:childTnLst>
+                    </p:cTn>
+                  </p:par>
+                </p:childTnLst>
+              </p:cTn>
+              <p:prevCondLst>
+                <p:cond evt="onPrev" delay="0">
+                  <p:tgtEl>
+                    <p:sldTgt/>
+                  </p:tgtEl>
+                </p:cond>
+              </p:prevCondLst>
+              <p:nextCondLst>
+                <p:cond evt="onNext" delay="0">
+                  <p:tgtEl>
+                    <p:sldTgt/>
+                  </p:tgtEl>
+                </p:cond>
+              </p:nextCondLst>
+            </p:seq>
+          </p:childTnLst>
+        </p:cTn>
+      </p:par>
+    </p:tnLst>
+  </p:timing>
+</p:sld>
+</file>
+
+<file path=ppt/slides/slide31.xml><?xml version="1.0" encoding="utf-8"?>
+<p:sld xmlns:a="http://schemas.openxmlformats.org/drawingml/2006/main" xmlns:r="http://schemas.openxmlformats.org/officeDocument/2006/relationships" xmlns:p="http://schemas.openxmlformats.org/presentationml/2006/main">
+  <p:cSld>
+    <p:spTree>
+      <p:nvGrpSpPr>
+        <p:cNvPr id="1" name=""/>
+        <p:cNvGrpSpPr/>
+        <p:nvPr/>
+      </p:nvGrpSpPr>
+      <p:grpSpPr>
+        <a:xfrm>
+          <a:off x="0" y="0"/>
+          <a:ext cx="0" cy="0"/>
+          <a:chOff x="0" y="0"/>
+          <a:chExt cx="0" cy="0"/>
+        </a:xfrm>
+      </p:grpSpPr>
+      <p:sp>
+        <p:nvSpPr>
+          <p:cNvPr id="2" name="Title 1"/>
+          <p:cNvSpPr>
+            <a:spLocks noGrp="1"/>
+          </p:cNvSpPr>
+          <p:nvPr>
+            <p:ph type="title"/>
+          </p:nvPr>
+        </p:nvSpPr>
+        <p:spPr/>
+        <p:txBody>
+          <a:bodyPr>
+            <a:noAutofit/>
+          </a:bodyPr>
+          <a:lstStyle/>
+          <a:p>
+            <a:r>
+              <a:rPr lang="en-US" sz="3800" dirty="0" smtClean="0"/>
+              <a:t>Comparing the sensitivity of information retrieval metrics </a:t>
+            </a:r>
+            <a:r>
+              <a:rPr lang="en-US" sz="3800" baseline="30000" dirty="0" smtClean="0"/>
+              <a:t>[</a:t>
+            </a:r>
+            <a:r>
+              <a:rPr lang="en-US" sz="3800" baseline="30000" dirty="0" err="1" smtClean="0"/>
+              <a:t>Radlinski</a:t>
+            </a:r>
+            <a:r>
+              <a:rPr lang="en-US" sz="3800" baseline="30000" dirty="0" smtClean="0"/>
+              <a:t> &amp; </a:t>
+            </a:r>
+            <a:r>
+              <a:rPr lang="en-US" sz="3800" baseline="30000" dirty="0" err="1" smtClean="0"/>
+              <a:t>Craswell</a:t>
+            </a:r>
+            <a:r>
+              <a:rPr lang="en-US" sz="3800" baseline="30000" dirty="0" smtClean="0"/>
+              <a:t>, SIGIR’10]</a:t>
+            </a:r>
+            <a:endParaRPr lang="en-US" sz="3800" baseline="30000" dirty="0"/>
+          </a:p>
+        </p:txBody>
+      </p:sp>
+      <p:sp>
+        <p:nvSpPr>
+          <p:cNvPr id="3" name="Content Placeholder 2"/>
+          <p:cNvSpPr>
+            <a:spLocks noGrp="1"/>
+          </p:cNvSpPr>
+          <p:nvPr>
+            <p:ph idx="1"/>
+          </p:nvPr>
+        </p:nvSpPr>
+        <p:spPr/>
+        <p:txBody>
+          <a:bodyPr/>
+          <a:lstStyle/>
+          <a:p>
+            <a:r>
+              <a:rPr lang="en-US" dirty="0" smtClean="0"/>
+              <a:t>How sensitive are those IR evaluation metrics?</a:t>
+            </a:r>
+          </a:p>
+          <a:p>
+            <a:pPr lvl="1"/>
+            <a:r>
+              <a:rPr lang="en-US" dirty="0" smtClean="0"/>
+              <a:t>How many queries do we need to get a confident comparison result?</a:t>
+            </a:r>
+          </a:p>
+          <a:p>
+            <a:pPr lvl="1"/>
+            <a:r>
+              <a:rPr lang="en-US" dirty="0" smtClean="0"/>
+              <a:t>How quickly it can recognize the difference between different IR systems?</a:t>
+            </a:r>
+            <a:endParaRPr lang="en-US" dirty="0"/>
+          </a:p>
+        </p:txBody>
+      </p:sp>
+      <p:sp>
+        <p:nvSpPr>
+          <p:cNvPr id="5" name="Footer Placeholder 4"/>
+          <p:cNvSpPr>
+            <a:spLocks noGrp="1"/>
+          </p:cNvSpPr>
+          <p:nvPr>
+            <p:ph type="ftr" sz="quarter" idx="11"/>
+          </p:nvPr>
+        </p:nvSpPr>
+        <p:spPr/>
+        <p:txBody>
+          <a:bodyPr/>
+          <a:lstStyle/>
+          <a:p>
+            <a:r>
+              <a:rPr lang="en-US" smtClean="0"/>
+              <a:t>CS 4501: Information Retrieval</a:t>
+            </a:r>
+            <a:endParaRPr lang="en-US"/>
+          </a:p>
+        </p:txBody>
+      </p:sp>
+      <p:sp>
+        <p:nvSpPr>
+          <p:cNvPr id="7" name="Date Placeholder 6"/>
+          <p:cNvSpPr>
+            <a:spLocks noGrp="1"/>
+          </p:cNvSpPr>
+          <p:nvPr>
+            <p:ph type="dt" sz="half" idx="10"/>
+          </p:nvPr>
+        </p:nvSpPr>
+        <p:spPr/>
+        <p:txBody>
+          <a:bodyPr/>
+          <a:lstStyle/>
+          <a:p>
+            <a:r>
+              <a:rPr lang="en-US" smtClean="0"/>
+              <a:t>CS@UVa</a:t>
+            </a:r>
+            <a:endParaRPr lang="en-US"/>
+          </a:p>
+        </p:txBody>
+      </p:sp>
+      <p:sp>
+        <p:nvSpPr>
+          <p:cNvPr id="8" name="Slide Number Placeholder 7"/>
+          <p:cNvSpPr>
+            <a:spLocks noGrp="1"/>
+          </p:cNvSpPr>
+          <p:nvPr>
+            <p:ph type="sldNum" sz="quarter" idx="12"/>
+          </p:nvPr>
+        </p:nvSpPr>
+        <p:spPr/>
+        <p:txBody>
+          <a:bodyPr/>
+          <a:lstStyle/>
+          <a:p>
+            <a:fld id="{B55C347D-741C-420F-98A9-980B958D5E13}" type="slidenum">
+              <a:rPr lang="en-US" smtClean="0"/>
+              <a:t>31</a:t>
+            </a:fld>
+            <a:endParaRPr lang="en-US"/>
+          </a:p>
+        </p:txBody>
+      </p:sp>
+    </p:spTree>
+    <p:extLst>
+      <p:ext uri="{BB962C8B-B14F-4D97-AF65-F5344CB8AC3E}">
+        <p14:creationId xmlns:p14="http://schemas.microsoft.com/office/powerpoint/2010/main" val="60689954"/>
+      </p:ext>
+    </p:extLst>
+  </p:cSld>
+  <p:clrMapOvr>
+    <a:masterClrMapping/>
+  </p:clrMapOvr>
+  <p:timing>
+    <p:tnLst>
+      <p:par>
+        <p:cTn id="1" dur="indefinite" restart="never" nodeType="tmRoot"/>
+      </p:par>
+    </p:tnLst>
+  </p:timing>
+</p:sld>
+</file>
+
+<file path=ppt/slides/slide32.xml><?xml version="1.0" encoding="utf-8"?>
+<p:sld xmlns:a="http://schemas.openxmlformats.org/drawingml/2006/main" xmlns:r="http://schemas.openxmlformats.org/officeDocument/2006/relationships" xmlns:p="http://schemas.openxmlformats.org/presentationml/2006/main">
+  <p:cSld>
+    <p:spTree>
+      <p:nvGrpSpPr>
+        <p:cNvPr id="1" name=""/>
+        <p:cNvGrpSpPr/>
+        <p:nvPr/>
+      </p:nvGrpSpPr>
+      <p:grpSpPr>
+        <a:xfrm>
+          <a:off x="0" y="0"/>
+          <a:ext cx="0" cy="0"/>
+          <a:chOff x="0" y="0"/>
+          <a:chExt cx="0" cy="0"/>
+        </a:xfrm>
+      </p:grpSpPr>
+      <p:sp>
+        <p:nvSpPr>
+          <p:cNvPr id="2" name="Title 1"/>
+          <p:cNvSpPr>
+            <a:spLocks noGrp="1"/>
+          </p:cNvSpPr>
+          <p:nvPr>
+            <p:ph type="title"/>
+          </p:nvPr>
+        </p:nvSpPr>
+        <p:spPr/>
+        <p:txBody>
+          <a:bodyPr/>
+          <a:lstStyle/>
+          <a:p>
+            <a:r>
+              <a:rPr lang="en-US" dirty="0" smtClean="0"/>
+              <a:t>Experiment setup</a:t>
+            </a:r>
+            <a:endParaRPr lang="en-US" dirty="0"/>
+          </a:p>
+        </p:txBody>
+      </p:sp>
+      <p:sp>
+        <p:nvSpPr>
+          <p:cNvPr id="3" name="Content Placeholder 2"/>
+          <p:cNvSpPr>
+            <a:spLocks noGrp="1"/>
+          </p:cNvSpPr>
+          <p:nvPr>
+            <p:ph idx="1"/>
+          </p:nvPr>
+        </p:nvSpPr>
+        <p:spPr/>
+        <p:txBody>
+          <a:bodyPr>
+            <a:normAutofit fontScale="92500"/>
+          </a:bodyPr>
+          <a:lstStyle/>
+          <a:p>
+            <a:r>
+              <a:rPr lang="en-US" dirty="0" smtClean="0"/>
+              <a:t>IR systems with known search effectiveness</a:t>
+            </a:r>
+          </a:p>
+          <a:p>
+            <a:r>
+              <a:rPr lang="en-US" dirty="0" smtClean="0"/>
+              <a:t>Large set of annotated corpus </a:t>
+            </a:r>
+          </a:p>
+          <a:p>
+            <a:pPr lvl="1"/>
+            <a:r>
+              <a:rPr lang="en-US" dirty="0" smtClean="0"/>
+              <a:t>12k queries</a:t>
+            </a:r>
+          </a:p>
+          <a:p>
+            <a:pPr lvl="1"/>
+            <a:r>
+              <a:rPr lang="en-US" dirty="0" smtClean="0"/>
+              <a:t>Each retrieved document is labeled into 5-grade level</a:t>
+            </a:r>
+          </a:p>
+          <a:p>
+            <a:r>
+              <a:rPr lang="en-US" dirty="0" smtClean="0"/>
+              <a:t>Large collection of real users’ clicks from a major commercial search engine</a:t>
+            </a:r>
+          </a:p>
+          <a:p>
+            <a:r>
+              <a:rPr lang="en-US" dirty="0" smtClean="0"/>
+              <a:t>Approach</a:t>
+            </a:r>
+          </a:p>
+          <a:p>
+            <a:pPr lvl="1"/>
+            <a:r>
+              <a:rPr lang="en-US" dirty="0" smtClean="0"/>
+              <a:t>Gradually increase evaluation query size to investigate the conclusion of metrics</a:t>
+            </a:r>
+            <a:endParaRPr lang="en-US" dirty="0"/>
+          </a:p>
+        </p:txBody>
+      </p:sp>
+      <p:sp>
+        <p:nvSpPr>
+          <p:cNvPr id="5" name="Footer Placeholder 4"/>
+          <p:cNvSpPr>
+            <a:spLocks noGrp="1"/>
+          </p:cNvSpPr>
+          <p:nvPr>
+            <p:ph type="ftr" sz="quarter" idx="11"/>
+          </p:nvPr>
+        </p:nvSpPr>
+        <p:spPr/>
+        <p:txBody>
+          <a:bodyPr/>
+          <a:lstStyle/>
+          <a:p>
+            <a:r>
+              <a:rPr lang="en-US" smtClean="0"/>
+              <a:t>CS 4501: Information Retrieval</a:t>
+            </a:r>
+            <a:endParaRPr lang="en-US"/>
+          </a:p>
+        </p:txBody>
+      </p:sp>
+      <p:sp>
+        <p:nvSpPr>
+          <p:cNvPr id="7" name="Date Placeholder 6"/>
+          <p:cNvSpPr>
+            <a:spLocks noGrp="1"/>
+          </p:cNvSpPr>
+          <p:nvPr>
+            <p:ph type="dt" sz="half" idx="10"/>
+          </p:nvPr>
+        </p:nvSpPr>
+        <p:spPr/>
+        <p:txBody>
+          <a:bodyPr/>
+          <a:lstStyle/>
+          <a:p>
+            <a:r>
+              <a:rPr lang="en-US" smtClean="0"/>
+              <a:t>CS@UVa</a:t>
+            </a:r>
+            <a:endParaRPr lang="en-US"/>
+          </a:p>
+        </p:txBody>
+      </p:sp>
+      <p:sp>
+        <p:nvSpPr>
+          <p:cNvPr id="8" name="Slide Number Placeholder 7"/>
+          <p:cNvSpPr>
+            <a:spLocks noGrp="1"/>
+          </p:cNvSpPr>
+          <p:nvPr>
+            <p:ph type="sldNum" sz="quarter" idx="12"/>
+          </p:nvPr>
+        </p:nvSpPr>
+        <p:spPr/>
+        <p:txBody>
+          <a:bodyPr/>
+          <a:lstStyle/>
+          <a:p>
+            <a:fld id="{B55C347D-741C-420F-98A9-980B958D5E13}" type="slidenum">
+              <a:rPr lang="en-US" smtClean="0"/>
+              <a:t>32</a:t>
+            </a:fld>
+            <a:endParaRPr lang="en-US"/>
+          </a:p>
+        </p:txBody>
+      </p:sp>
+    </p:spTree>
+    <p:extLst>
+      <p:ext uri="{BB962C8B-B14F-4D97-AF65-F5344CB8AC3E}">
+        <p14:creationId xmlns:p14="http://schemas.microsoft.com/office/powerpoint/2010/main" val="3641632585"/>
+      </p:ext>
+    </p:extLst>
+  </p:cSld>
+  <p:clrMapOvr>
+    <a:masterClrMapping/>
+  </p:clrMapOvr>
+  <p:timing>
+    <p:tnLst>
+      <p:par>
+        <p:cTn id="1" dur="indefinite" restart="never" nodeType="tmRoot">
+          <p:childTnLst>
+            <p:seq concurrent="1" nextAc="seek">
+              <p:cTn id="2" dur="indefinite" nodeType="mainSeq">
+                <p:childTnLst>
+                  <p:par>
+                    <p:cTn id="3" fill="hold">
+                      <p:stCondLst>
+                        <p:cond delay="indefinite"/>
+                      </p:stCondLst>
+                      <p:childTnLst>
+                        <p:par>
+                          <p:cTn id="4" fill="hold">
+                            <p:stCondLst>
+                              <p:cond delay="0"/>
+                            </p:stCondLst>
+                            <p:childTnLst>
+                              <p:par>
+                                <p:cTn id="5" presetID="1" presetClass="entr" presetSubtype="0" fill="hold" nodeType="clickEffect">
+                                  <p:stCondLst>
+                                    <p:cond delay="0"/>
+                                  </p:stCondLst>
+                                  <p:childTnLst>
+                                    <p:set>
+                                      <p:cBhvr>
+                                        <p:cTn id="6" dur="1" fill="hold">
+                                          <p:stCondLst>
+                                            <p:cond delay="0"/>
+                                          </p:stCondLst>
+                                        </p:cTn>
+                                        <p:tgtEl>
+                                          <p:spTgt spid="3">
+                                            <p:txEl>
+                                              <p:pRg st="5" end="5"/>
+                                            </p:txEl>
+                                          </p:spTgt>
+                                        </p:tgtEl>
+                                        <p:attrNameLst>
+                                          <p:attrName>style.visibility</p:attrName>
+                                        </p:attrNameLst>
+                                      </p:cBhvr>
+                                      <p:to>
+                                        <p:strVal val="visible"/>
+                                      </p:to>
+                                    </p:set>
+                                  </p:childTnLst>
+                                </p:cTn>
+                              </p:par>
+                              <p:par>
+                                <p:cTn id="7" presetID="1" presetClass="entr" presetSubtype="0" fill="hold" nodeType="withEffect">
+                                  <p:stCondLst>
+                                    <p:cond delay="0"/>
+                                  </p:stCondLst>
+                                  <p:childTnLst>
+                                    <p:set>
+                                      <p:cBhvr>
+                                        <p:cTn id="8" dur="1" fill="hold">
+                                          <p:stCondLst>
+                                            <p:cond delay="0"/>
+                                          </p:stCondLst>
+                                        </p:cTn>
+                                        <p:tgtEl>
+                                          <p:spTgt spid="3">
+                                            <p:txEl>
+                                              <p:pRg st="6" end="6"/>
+                                            </p:txEl>
+                                          </p:spTgt>
+                                        </p:tgtEl>
+                                        <p:attrNameLst>
+                                          <p:attrName>style.visibility</p:attrName>
+                                        </p:attrNameLst>
+                                      </p:cBhvr>
+                                      <p:to>
+                                        <p:strVal val="visible"/>
+                                      </p:to>
+                                    </p:set>
+                                  </p:childTnLst>
+                                </p:cTn>
+                              </p:par>
+                            </p:childTnLst>
+                          </p:cTn>
+                        </p:par>
+                      </p:childTnLst>
+                    </p:cTn>
+                  </p:par>
+                </p:childTnLst>
+              </p:cTn>
+              <p:prevCondLst>
+                <p:cond evt="onPrev" delay="0">
+                  <p:tgtEl>
+                    <p:sldTgt/>
+                  </p:tgtEl>
+                </p:cond>
+              </p:prevCondLst>
+              <p:nextCondLst>
+                <p:cond evt="onNext" delay="0">
+                  <p:tgtEl>
+                    <p:sldTgt/>
+                  </p:tgtEl>
+                </p:cond>
+              </p:nextCondLst>
+            </p:seq>
+          </p:childTnLst>
+        </p:cTn>
+      </p:par>
+    </p:tnLst>
+  </p:timing>
+</p:sld>
+</file>
+
+<file path=ppt/slides/slide33.xml><?xml version="1.0" encoding="utf-8"?>
+<p:sld xmlns:a="http://schemas.openxmlformats.org/drawingml/2006/main" xmlns:r="http://schemas.openxmlformats.org/officeDocument/2006/relationships" xmlns:p="http://schemas.openxmlformats.org/presentationml/2006/main">
+  <p:cSld>
+    <p:spTree>
+      <p:nvGrpSpPr>
+        <p:cNvPr id="1" name=""/>
+        <p:cNvGrpSpPr/>
+        <p:nvPr/>
+      </p:nvGrpSpPr>
+      <p:grpSpPr>
+        <a:xfrm>
+          <a:off x="0" y="0"/>
+          <a:ext cx="0" cy="0"/>
+          <a:chOff x="0" y="0"/>
+          <a:chExt cx="0" cy="0"/>
+        </a:xfrm>
+      </p:grpSpPr>
+      <p:sp>
+        <p:nvSpPr>
+          <p:cNvPr id="2" name="Title 1"/>
+          <p:cNvSpPr>
+            <a:spLocks noGrp="1"/>
+          </p:cNvSpPr>
+          <p:nvPr>
+            <p:ph type="title"/>
+          </p:nvPr>
+        </p:nvSpPr>
+        <p:spPr/>
+        <p:txBody>
+          <a:bodyPr/>
+          <a:lstStyle/>
+          <a:p>
+            <a:r>
+              <a:rPr lang="en-US" dirty="0" smtClean="0"/>
+              <a:t>Sensitivity of NDCG@5</a:t>
+            </a:r>
+            <a:endParaRPr lang="en-US" dirty="0"/>
+          </a:p>
+        </p:txBody>
+      </p:sp>
+      <p:pic>
+        <p:nvPicPr>
+          <p:cNvPr id="4" name="Picture 3"/>
+          <p:cNvPicPr>
+            <a:picLocks noChangeAspect="1"/>
+          </p:cNvPicPr>
+          <p:nvPr/>
+        </p:nvPicPr>
+        <p:blipFill>
+          <a:blip r:embed="rId2"/>
+          <a:stretch>
+            <a:fillRect/>
+          </a:stretch>
+        </p:blipFill>
+        <p:spPr>
+          <a:xfrm>
+            <a:off x="1110191" y="1635978"/>
+            <a:ext cx="6923617" cy="4099129"/>
+          </a:xfrm>
+          <a:prstGeom prst="rect">
+            <a:avLst/>
+          </a:prstGeom>
+        </p:spPr>
+      </p:pic>
+      <p:sp>
+        <p:nvSpPr>
+          <p:cNvPr id="5" name="TextBox 4"/>
+          <p:cNvSpPr txBox="1"/>
+          <p:nvPr/>
+        </p:nvSpPr>
+        <p:spPr>
+          <a:xfrm>
+            <a:off x="2252132" y="5953447"/>
+            <a:ext cx="4639733" cy="400110"/>
+          </a:xfrm>
+          <a:prstGeom prst="rect">
+            <a:avLst/>
+          </a:prstGeom>
+          <a:noFill/>
+        </p:spPr>
+        <p:txBody>
+          <a:bodyPr wrap="square" rtlCol="0">
+            <a:spAutoFit/>
+          </a:bodyPr>
+          <a:lstStyle/>
+          <a:p>
+            <a:pPr algn="ctr"/>
+            <a:r>
+              <a:rPr lang="en-US" sz="2000" b="1" dirty="0" smtClean="0">
+                <a:solidFill>
+                  <a:srgbClr val="FF0000"/>
+                </a:solidFill>
+              </a:rPr>
+              <a:t>System effectiveness: A&gt;B&gt;C</a:t>
+            </a:r>
+            <a:endParaRPr lang="en-US" sz="2000" b="1" dirty="0">
+              <a:solidFill>
+                <a:srgbClr val="FF0000"/>
+              </a:solidFill>
+            </a:endParaRPr>
+          </a:p>
+        </p:txBody>
+      </p:sp>
+      <p:cxnSp>
+        <p:nvCxnSpPr>
+          <p:cNvPr id="7" name="Straight Connector 6"/>
+          <p:cNvCxnSpPr/>
+          <p:nvPr/>
+        </p:nvCxnSpPr>
+        <p:spPr>
+          <a:xfrm>
+            <a:off x="626533" y="3014133"/>
+            <a:ext cx="8170333" cy="0"/>
+          </a:xfrm>
+          <a:prstGeom prst="line">
+            <a:avLst/>
+          </a:prstGeom>
+          <a:ln w="19050"/>
+        </p:spPr>
+        <p:style>
+          <a:lnRef idx="1">
+            <a:schemeClr val="accent1"/>
+          </a:lnRef>
+          <a:fillRef idx="0">
+            <a:schemeClr val="accent1"/>
+          </a:fillRef>
+          <a:effectRef idx="0">
+            <a:schemeClr val="accent1"/>
+          </a:effectRef>
+          <a:fontRef idx="minor">
+            <a:schemeClr val="tx1"/>
+          </a:fontRef>
+        </p:style>
+      </p:cxnSp>
+      <p:cxnSp>
+        <p:nvCxnSpPr>
+          <p:cNvPr id="10" name="Straight Connector 9"/>
+          <p:cNvCxnSpPr/>
+          <p:nvPr/>
+        </p:nvCxnSpPr>
+        <p:spPr>
+          <a:xfrm>
+            <a:off x="4438650" y="1490133"/>
+            <a:ext cx="0" cy="4326467"/>
+          </a:xfrm>
+          <a:prstGeom prst="line">
+            <a:avLst/>
+          </a:prstGeom>
+          <a:ln w="19050"/>
+        </p:spPr>
+        <p:style>
+          <a:lnRef idx="1">
+            <a:schemeClr val="accent1"/>
+          </a:lnRef>
+          <a:fillRef idx="0">
+            <a:schemeClr val="accent1"/>
+          </a:fillRef>
+          <a:effectRef idx="0">
+            <a:schemeClr val="accent1"/>
+          </a:effectRef>
+          <a:fontRef idx="minor">
+            <a:schemeClr val="tx1"/>
+          </a:fontRef>
+        </p:style>
+      </p:cxnSp>
+      <p:cxnSp>
+        <p:nvCxnSpPr>
+          <p:cNvPr id="11" name="Straight Connector 10"/>
+          <p:cNvCxnSpPr/>
+          <p:nvPr/>
+        </p:nvCxnSpPr>
+        <p:spPr>
+          <a:xfrm>
+            <a:off x="4876800" y="1522308"/>
+            <a:ext cx="0" cy="4326467"/>
+          </a:xfrm>
+          <a:prstGeom prst="line">
+            <a:avLst/>
+          </a:prstGeom>
+          <a:ln w="19050"/>
+        </p:spPr>
+        <p:style>
+          <a:lnRef idx="1">
+            <a:schemeClr val="accent1"/>
+          </a:lnRef>
+          <a:fillRef idx="0">
+            <a:schemeClr val="accent1"/>
+          </a:fillRef>
+          <a:effectRef idx="0">
+            <a:schemeClr val="accent1"/>
+          </a:effectRef>
+          <a:fontRef idx="minor">
+            <a:schemeClr val="tx1"/>
+          </a:fontRef>
+        </p:style>
+      </p:cxnSp>
+      <p:cxnSp>
+        <p:nvCxnSpPr>
+          <p:cNvPr id="12" name="Straight Connector 11"/>
+          <p:cNvCxnSpPr/>
+          <p:nvPr/>
+        </p:nvCxnSpPr>
+        <p:spPr>
+          <a:xfrm>
+            <a:off x="5448300" y="1522308"/>
+            <a:ext cx="0" cy="4326467"/>
+          </a:xfrm>
+          <a:prstGeom prst="line">
+            <a:avLst/>
+          </a:prstGeom>
+          <a:ln w="19050"/>
+        </p:spPr>
+        <p:style>
+          <a:lnRef idx="1">
+            <a:schemeClr val="accent1"/>
+          </a:lnRef>
+          <a:fillRef idx="0">
+            <a:schemeClr val="accent1"/>
+          </a:fillRef>
+          <a:effectRef idx="0">
+            <a:schemeClr val="accent1"/>
+          </a:effectRef>
+          <a:fontRef idx="minor">
+            <a:schemeClr val="tx1"/>
+          </a:fontRef>
+        </p:style>
+      </p:cxnSp>
+      <p:sp>
+        <p:nvSpPr>
+          <p:cNvPr id="6" name="Footer Placeholder 5"/>
+          <p:cNvSpPr>
+            <a:spLocks noGrp="1"/>
+          </p:cNvSpPr>
+          <p:nvPr>
+            <p:ph type="ftr" sz="quarter" idx="11"/>
+          </p:nvPr>
+        </p:nvSpPr>
+        <p:spPr/>
+        <p:txBody>
+          <a:bodyPr/>
+          <a:lstStyle/>
+          <a:p>
+            <a:r>
+              <a:rPr lang="en-US" smtClean="0"/>
+              <a:t>CS 4501: Information Retrieval</a:t>
+            </a:r>
+            <a:endParaRPr lang="en-US"/>
+          </a:p>
+        </p:txBody>
+      </p:sp>
+      <p:sp>
+        <p:nvSpPr>
+          <p:cNvPr id="9" name="Date Placeholder 8"/>
+          <p:cNvSpPr>
+            <a:spLocks noGrp="1"/>
+          </p:cNvSpPr>
+          <p:nvPr>
+            <p:ph type="dt" sz="half" idx="10"/>
+          </p:nvPr>
+        </p:nvSpPr>
+        <p:spPr/>
+        <p:txBody>
+          <a:bodyPr/>
+          <a:lstStyle/>
+          <a:p>
+            <a:r>
+              <a:rPr lang="en-US" smtClean="0"/>
+              <a:t>CS@UVa</a:t>
+            </a:r>
+            <a:endParaRPr lang="en-US"/>
+          </a:p>
+        </p:txBody>
+      </p:sp>
+      <p:sp>
+        <p:nvSpPr>
+          <p:cNvPr id="13" name="Slide Number Placeholder 12"/>
+          <p:cNvSpPr>
+            <a:spLocks noGrp="1"/>
+          </p:cNvSpPr>
+          <p:nvPr>
+            <p:ph type="sldNum" sz="quarter" idx="12"/>
+          </p:nvPr>
+        </p:nvSpPr>
+        <p:spPr/>
+        <p:txBody>
+          <a:bodyPr/>
+          <a:lstStyle/>
+          <a:p>
+            <a:fld id="{B55C347D-741C-420F-98A9-980B958D5E13}" type="slidenum">
+              <a:rPr lang="en-US" smtClean="0"/>
+              <a:t>33</a:t>
+            </a:fld>
+            <a:endParaRPr lang="en-US"/>
+          </a:p>
+        </p:txBody>
+      </p:sp>
+    </p:spTree>
+    <p:extLst>
+      <p:ext uri="{BB962C8B-B14F-4D97-AF65-F5344CB8AC3E}">
+        <p14:creationId xmlns:p14="http://schemas.microsoft.com/office/powerpoint/2010/main" val="2266422314"/>
+      </p:ext>
+    </p:extLst>
+  </p:cSld>
+  <p:clrMapOvr>
+    <a:masterClrMapping/>
+  </p:clrMapOvr>
+  <p:timing>
+    <p:tnLst>
+      <p:par>
+        <p:cTn id="1" dur="indefinite" restart="never" nodeType="tmRoot">
+          <p:childTnLst>
+            <p:seq concurrent="1" nextAc="seek">
+              <p:cTn id="2" dur="indefinite" nodeType="mainSeq">
+                <p:childTnLst>
+                  <p:par>
+                    <p:cTn id="3" fill="hold">
+                      <p:stCondLst>
+                        <p:cond delay="indefinite"/>
+                      </p:stCondLst>
+                      <p:childTnLst>
+                        <p:par>
+                          <p:cTn id="4" fill="hold">
+                            <p:stCondLst>
+                              <p:cond delay="0"/>
+                            </p:stCondLst>
+                            <p:childTnLst>
+                              <p:par>
+                                <p:cTn id="5" presetID="1" presetClass="entr" presetSubtype="0" fill="hold" nodeType="clickEffect">
+                                  <p:stCondLst>
+                                    <p:cond delay="0"/>
+                                  </p:stCondLst>
+                                  <p:childTnLst>
+                                    <p:set>
+                                      <p:cBhvr>
+                                        <p:cTn id="6" dur="1" fill="hold">
+                                          <p:stCondLst>
+                                            <p:cond delay="0"/>
+                                          </p:stCondLst>
+                                        </p:cTn>
+                                        <p:tgtEl>
+                                          <p:spTgt spid="11"/>
+                                        </p:tgtEl>
+                                        <p:attrNameLst>
+                                          <p:attrName>style.visibility</p:attrName>
+                                        </p:attrNameLst>
+                                      </p:cBhvr>
+                                      <p:to>
+                                        <p:strVal val="visible"/>
+                                      </p:to>
+                                    </p:set>
+                                  </p:childTnLst>
+                                </p:cTn>
+                              </p:par>
+                            </p:childTnLst>
+                          </p:cTn>
+                        </p:par>
+                      </p:childTnLst>
+                    </p:cTn>
+                  </p:par>
+                  <p:par>
+                    <p:cTn id="7" fill="hold">
+                      <p:stCondLst>
+                        <p:cond delay="indefinite"/>
+                      </p:stCondLst>
+                      <p:childTnLst>
+                        <p:par>
+                          <p:cTn id="8" fill="hold">
+                            <p:stCondLst>
+                              <p:cond delay="0"/>
+                            </p:stCondLst>
+                            <p:childTnLst>
+                              <p:par>
+                                <p:cTn id="9" presetID="1" presetClass="entr" presetSubtype="0" fill="hold" nodeType="clickEffect">
+                                  <p:stCondLst>
+                                    <p:cond delay="0"/>
+                                  </p:stCondLst>
+                                  <p:childTnLst>
+                                    <p:set>
+                                      <p:cBhvr>
+                                        <p:cTn id="10" dur="1" fill="hold">
+                                          <p:stCondLst>
+                                            <p:cond delay="0"/>
+                                          </p:stCondLst>
+                                        </p:cTn>
+                                        <p:tgtEl>
+                                          <p:spTgt spid="7"/>
+                                        </p:tgtEl>
+                                        <p:attrNameLst>
+                                          <p:attrName>style.visibility</p:attrName>
+                                        </p:attrNameLst>
+                                      </p:cBhvr>
+                                      <p:to>
+                                        <p:strVal val="visible"/>
+                                      </p:to>
+                                    </p:set>
+                                  </p:childTnLst>
+                                </p:cTn>
+                              </p:par>
+                            </p:childTnLst>
+                          </p:cTn>
+                        </p:par>
+                      </p:childTnLst>
+                    </p:cTn>
+                  </p:par>
+                  <p:par>
+                    <p:cTn id="11" fill="hold">
+                      <p:stCondLst>
+                        <p:cond delay="indefinite"/>
+                      </p:stCondLst>
+                      <p:childTnLst>
+                        <p:par>
+                          <p:cTn id="12" fill="hold">
+                            <p:stCondLst>
+                              <p:cond delay="0"/>
+                            </p:stCondLst>
+                            <p:childTnLst>
+                              <p:par>
+                                <p:cTn id="13" presetID="1" presetClass="entr" presetSubtype="0" fill="hold" nodeType="clickEffect">
+                                  <p:stCondLst>
+                                    <p:cond delay="0"/>
+                                  </p:stCondLst>
+                                  <p:childTnLst>
+                                    <p:set>
+                                      <p:cBhvr>
+                                        <p:cTn id="14" dur="1" fill="hold">
+                                          <p:stCondLst>
+                                            <p:cond delay="0"/>
+                                          </p:stCondLst>
+                                        </p:cTn>
+                                        <p:tgtEl>
+                                          <p:spTgt spid="10"/>
+                                        </p:tgtEl>
+                                        <p:attrNameLst>
+                                          <p:attrName>style.visibility</p:attrName>
+                                        </p:attrNameLst>
+                                      </p:cBhvr>
+                                      <p:to>
+                                        <p:strVal val="visible"/>
+                                      </p:to>
+                                    </p:set>
+                                  </p:childTnLst>
+                                </p:cTn>
+                              </p:par>
+                              <p:par>
+                                <p:cTn id="15" presetID="1" presetClass="entr" presetSubtype="0" fill="hold" nodeType="withEffect">
+                                  <p:stCondLst>
+                                    <p:cond delay="0"/>
+                                  </p:stCondLst>
+                                  <p:childTnLst>
+                                    <p:set>
+                                      <p:cBhvr>
+                                        <p:cTn id="16" dur="1" fill="hold">
+                                          <p:stCondLst>
+                                            <p:cond delay="0"/>
+                                          </p:stCondLst>
+                                        </p:cTn>
+                                        <p:tgtEl>
+                                          <p:spTgt spid="12"/>
+                                        </p:tgtEl>
+                                        <p:attrNameLst>
+                                          <p:attrName>style.visibility</p:attrName>
+                                        </p:attrNameLst>
+                                      </p:cBhvr>
+                                      <p:to>
+                                        <p:strVal val="visible"/>
+                                      </p:to>
+                                    </p:set>
+                                  </p:childTnLst>
+                                </p:cTn>
+                              </p:par>
+                            </p:childTnLst>
+                          </p:cTn>
+                        </p:par>
+                      </p:childTnLst>
+                    </p:cTn>
+                  </p:par>
+                </p:childTnLst>
+              </p:cTn>
+              <p:prevCondLst>
+                <p:cond evt="onPrev" delay="0">
+                  <p:tgtEl>
+                    <p:sldTgt/>
+                  </p:tgtEl>
+                </p:cond>
+              </p:prevCondLst>
+              <p:nextCondLst>
+                <p:cond evt="onNext" delay="0">
+                  <p:tgtEl>
+                    <p:sldTgt/>
+                  </p:tgtEl>
+                </p:cond>
+              </p:nextCondLst>
+            </p:seq>
+          </p:childTnLst>
+        </p:cTn>
+      </p:par>
+    </p:tnLst>
+  </p:timing>
+</p:sld>
+</file>
+
+<file path=ppt/slides/slide34.xml><?xml version="1.0" encoding="utf-8"?>
+<p:sld xmlns:a="http://schemas.openxmlformats.org/drawingml/2006/main" xmlns:r="http://schemas.openxmlformats.org/officeDocument/2006/relationships" xmlns:p="http://schemas.openxmlformats.org/presentationml/2006/main">
+  <p:cSld>
+    <p:spTree>
+      <p:nvGrpSpPr>
+        <p:cNvPr id="1" name=""/>
+        <p:cNvGrpSpPr/>
+        <p:nvPr/>
+      </p:nvGrpSpPr>
+      <p:grpSpPr>
+        <a:xfrm>
+          <a:off x="0" y="0"/>
+          <a:ext cx="0" cy="0"/>
+          <a:chOff x="0" y="0"/>
+          <a:chExt cx="0" cy="0"/>
+        </a:xfrm>
+      </p:grpSpPr>
       <p:pic>
         <p:nvPicPr>
           <p:cNvPr id="3" name="Picture 2"/>
@@ -16814,7 +17889,7 @@
           <a:p>
             <a:fld id="{B55C347D-741C-420F-98A9-980B958D5E13}" type="slidenum">
               <a:rPr lang="en-US" smtClean="0"/>
-              <a:t>30</a:t>
+              <a:t>34</a:t>
             </a:fld>
             <a:endParaRPr lang="en-US"/>
           </a:p>
@@ -17079,7 +18154,7 @@
 </p:sld>
 </file>
 
-<file path=ppt/slides/slide31.xml><?xml version="1.0" encoding="utf-8"?>
+<file path=ppt/slides/slide35.xml><?xml version="1.0" encoding="utf-8"?>
 <p:sld xmlns:a="http://schemas.openxmlformats.org/drawingml/2006/main" xmlns:r="http://schemas.openxmlformats.org/officeDocument/2006/relationships" xmlns:p="http://schemas.openxmlformats.org/presentationml/2006/main">
   <p:cSld>
     <p:spTree>
@@ -17334,7 +18409,7 @@
           <a:p>
             <a:fld id="{B55C347D-741C-420F-98A9-980B958D5E13}" type="slidenum">
               <a:rPr lang="en-US" smtClean="0"/>
-              <a:t>31</a:t>
+              <a:t>35</a:t>
             </a:fld>
             <a:endParaRPr lang="en-US"/>
           </a:p>
@@ -17593,7 +18668,7 @@
 </p:sld>
 </file>
 
-<file path=ppt/slides/slide32.xml><?xml version="1.0" encoding="utf-8"?>
+<file path=ppt/slides/slide36.xml><?xml version="1.0" encoding="utf-8"?>
 <p:sld xmlns:a="http://schemas.openxmlformats.org/drawingml/2006/main" xmlns:r="http://schemas.openxmlformats.org/officeDocument/2006/relationships" xmlns:p="http://schemas.openxmlformats.org/presentationml/2006/main">
   <p:cSld>
     <p:spTree>
@@ -17722,7 +18797,7 @@
           <a:p>
             <a:fld id="{B55C347D-741C-420F-98A9-980B958D5E13}" type="slidenum">
               <a:rPr lang="en-US" smtClean="0"/>
-              <a:t>32</a:t>
+              <a:t>36</a:t>
             </a:fld>
             <a:endParaRPr lang="en-US"/>
           </a:p>
@@ -17748,7 +18823,2086 @@
 </p:sld>
 </file>
 
-<file path=ppt/slides/slide33.xml><?xml version="1.0" encoding="utf-8"?>
+<file path=ppt/slides/slide37.xml><?xml version="1.0" encoding="utf-8"?>
+<p:sld xmlns:a="http://schemas.openxmlformats.org/drawingml/2006/main" xmlns:r="http://schemas.openxmlformats.org/officeDocument/2006/relationships" xmlns:p="http://schemas.openxmlformats.org/presentationml/2006/main">
+  <p:cSld>
+    <p:spTree>
+      <p:nvGrpSpPr>
+        <p:cNvPr id="1" name=""/>
+        <p:cNvGrpSpPr/>
+        <p:nvPr/>
+      </p:nvGrpSpPr>
+      <p:grpSpPr>
+        <a:xfrm>
+          <a:off x="0" y="0"/>
+          <a:ext cx="0" cy="0"/>
+          <a:chOff x="0" y="0"/>
+          <a:chExt cx="0" cy="0"/>
+        </a:xfrm>
+      </p:grpSpPr>
+      <p:sp>
+        <p:nvSpPr>
+          <p:cNvPr id="2" name="Title 1"/>
+          <p:cNvSpPr>
+            <a:spLocks noGrp="1"/>
+          </p:cNvSpPr>
+          <p:nvPr>
+            <p:ph type="title"/>
+          </p:nvPr>
+        </p:nvSpPr>
+        <p:spPr/>
+        <p:txBody>
+          <a:bodyPr/>
+          <a:lstStyle/>
+          <a:p>
+            <a:r>
+              <a:rPr lang="en-US" dirty="0" smtClean="0"/>
+              <a:t>Recap: A/B </a:t>
+            </a:r>
+            <a:r>
+              <a:rPr lang="en-US" dirty="0" smtClean="0"/>
+              <a:t>test</a:t>
+            </a:r>
+            <a:endParaRPr lang="en-US" dirty="0"/>
+          </a:p>
+        </p:txBody>
+      </p:sp>
+      <p:sp>
+        <p:nvSpPr>
+          <p:cNvPr id="3" name="Content Placeholder 2"/>
+          <p:cNvSpPr>
+            <a:spLocks noGrp="1"/>
+          </p:cNvSpPr>
+          <p:nvPr>
+            <p:ph idx="1"/>
+          </p:nvPr>
+        </p:nvSpPr>
+        <p:spPr>
+          <a:xfrm>
+            <a:off x="457200" y="1600202"/>
+            <a:ext cx="8229600" cy="4887684"/>
+          </a:xfrm>
+        </p:spPr>
+        <p:txBody>
+          <a:bodyPr>
+            <a:normAutofit/>
+          </a:bodyPr>
+          <a:lstStyle/>
+          <a:p>
+            <a:r>
+              <a:rPr lang="en-US" dirty="0"/>
+              <a:t>Two-sample hypothesis </a:t>
+            </a:r>
+            <a:r>
+              <a:rPr lang="en-US" dirty="0" smtClean="0"/>
+              <a:t>testing</a:t>
+            </a:r>
+          </a:p>
+          <a:p>
+            <a:pPr lvl="1"/>
+            <a:r>
+              <a:rPr lang="en-US" dirty="0" smtClean="0"/>
+              <a:t>Two </a:t>
+            </a:r>
+            <a:r>
+              <a:rPr lang="en-US" dirty="0"/>
+              <a:t>versions (A and B) are compared, which are identical except for one variation that might affect a user's </a:t>
+            </a:r>
+            <a:r>
+              <a:rPr lang="en-US" dirty="0" smtClean="0"/>
+              <a:t>behavior</a:t>
+            </a:r>
+          </a:p>
+          <a:p>
+            <a:pPr lvl="2"/>
+            <a:r>
+              <a:rPr lang="en-US" dirty="0" smtClean="0"/>
+              <a:t>E.g., BM25 with different parameter settings</a:t>
+            </a:r>
+          </a:p>
+          <a:p>
+            <a:pPr lvl="1"/>
+            <a:r>
+              <a:rPr lang="en-US" dirty="0" smtClean="0"/>
+              <a:t>Randomized experiment</a:t>
+            </a:r>
+          </a:p>
+          <a:p>
+            <a:pPr lvl="2"/>
+            <a:r>
+              <a:rPr lang="en-US" dirty="0" smtClean="0"/>
+              <a:t>Separate the population into equal size groups</a:t>
+            </a:r>
+          </a:p>
+          <a:p>
+            <a:pPr lvl="3"/>
+            <a:r>
+              <a:rPr lang="en-US" dirty="0" smtClean="0"/>
+              <a:t>10% random users for system A and 10% random users for system B</a:t>
+            </a:r>
+          </a:p>
+          <a:p>
+            <a:pPr lvl="2"/>
+            <a:r>
+              <a:rPr lang="en-US" dirty="0" smtClean="0"/>
+              <a:t>Null hypothesis: no difference between system A and B</a:t>
+            </a:r>
+          </a:p>
+          <a:p>
+            <a:pPr lvl="3"/>
+            <a:r>
+              <a:rPr lang="en-US" dirty="0" smtClean="0"/>
+              <a:t>Z-test, t-test</a:t>
+            </a:r>
+          </a:p>
+          <a:p>
+            <a:pPr lvl="1"/>
+            <a:endParaRPr lang="en-US" dirty="0"/>
+          </a:p>
+        </p:txBody>
+      </p:sp>
+      <p:sp>
+        <p:nvSpPr>
+          <p:cNvPr id="5" name="Footer Placeholder 4"/>
+          <p:cNvSpPr>
+            <a:spLocks noGrp="1"/>
+          </p:cNvSpPr>
+          <p:nvPr>
+            <p:ph type="ftr" sz="quarter" idx="11"/>
+          </p:nvPr>
+        </p:nvSpPr>
+        <p:spPr/>
+        <p:txBody>
+          <a:bodyPr/>
+          <a:lstStyle/>
+          <a:p>
+            <a:r>
+              <a:rPr lang="en-US" smtClean="0"/>
+              <a:t>CS 4501: Information Retrieval</a:t>
+            </a:r>
+            <a:endParaRPr lang="en-US"/>
+          </a:p>
+        </p:txBody>
+      </p:sp>
+      <p:sp>
+        <p:nvSpPr>
+          <p:cNvPr id="7" name="Date Placeholder 6"/>
+          <p:cNvSpPr>
+            <a:spLocks noGrp="1"/>
+          </p:cNvSpPr>
+          <p:nvPr>
+            <p:ph type="dt" sz="half" idx="10"/>
+          </p:nvPr>
+        </p:nvSpPr>
+        <p:spPr/>
+        <p:txBody>
+          <a:bodyPr/>
+          <a:lstStyle/>
+          <a:p>
+            <a:r>
+              <a:rPr lang="en-US" smtClean="0"/>
+              <a:t>CS@UVa</a:t>
+            </a:r>
+            <a:endParaRPr lang="en-US"/>
+          </a:p>
+        </p:txBody>
+      </p:sp>
+      <p:sp>
+        <p:nvSpPr>
+          <p:cNvPr id="8" name="Slide Number Placeholder 7"/>
+          <p:cNvSpPr>
+            <a:spLocks noGrp="1"/>
+          </p:cNvSpPr>
+          <p:nvPr>
+            <p:ph type="sldNum" sz="quarter" idx="12"/>
+          </p:nvPr>
+        </p:nvSpPr>
+        <p:spPr/>
+        <p:txBody>
+          <a:bodyPr/>
+          <a:lstStyle/>
+          <a:p>
+            <a:fld id="{B55C347D-741C-420F-98A9-980B958D5E13}" type="slidenum">
+              <a:rPr lang="en-US" smtClean="0"/>
+              <a:t>37</a:t>
+            </a:fld>
+            <a:endParaRPr lang="en-US"/>
+          </a:p>
+        </p:txBody>
+      </p:sp>
+    </p:spTree>
+    <p:extLst>
+      <p:ext uri="{BB962C8B-B14F-4D97-AF65-F5344CB8AC3E}">
+        <p14:creationId xmlns:p14="http://schemas.microsoft.com/office/powerpoint/2010/main" val="556881275"/>
+      </p:ext>
+    </p:extLst>
+  </p:cSld>
+  <p:clrMapOvr>
+    <a:masterClrMapping/>
+  </p:clrMapOvr>
+  <p:timing>
+    <p:tnLst>
+      <p:par>
+        <p:cTn id="1" dur="indefinite" restart="never" nodeType="tmRoot">
+          <p:childTnLst>
+            <p:seq concurrent="1" nextAc="seek">
+              <p:cTn id="2" dur="indefinite" nodeType="mainSeq">
+                <p:childTnLst>
+                  <p:par>
+                    <p:cTn id="3" fill="hold">
+                      <p:stCondLst>
+                        <p:cond delay="indefinite"/>
+                      </p:stCondLst>
+                      <p:childTnLst>
+                        <p:par>
+                          <p:cTn id="4" fill="hold">
+                            <p:stCondLst>
+                              <p:cond delay="0"/>
+                            </p:stCondLst>
+                            <p:childTnLst>
+                              <p:par>
+                                <p:cTn id="5" presetID="1" presetClass="entr" presetSubtype="0" fill="hold" nodeType="clickEffect">
+                                  <p:stCondLst>
+                                    <p:cond delay="0"/>
+                                  </p:stCondLst>
+                                  <p:childTnLst>
+                                    <p:set>
+                                      <p:cBhvr>
+                                        <p:cTn id="6" dur="1" fill="hold">
+                                          <p:stCondLst>
+                                            <p:cond delay="0"/>
+                                          </p:stCondLst>
+                                        </p:cTn>
+                                        <p:tgtEl>
+                                          <p:spTgt spid="3">
+                                            <p:txEl>
+                                              <p:pRg st="3" end="3"/>
+                                            </p:txEl>
+                                          </p:spTgt>
+                                        </p:tgtEl>
+                                        <p:attrNameLst>
+                                          <p:attrName>style.visibility</p:attrName>
+                                        </p:attrNameLst>
+                                      </p:cBhvr>
+                                      <p:to>
+                                        <p:strVal val="visible"/>
+                                      </p:to>
+                                    </p:set>
+                                  </p:childTnLst>
+                                </p:cTn>
+                              </p:par>
+                              <p:par>
+                                <p:cTn id="7" presetID="1" presetClass="entr" presetSubtype="0" fill="hold" nodeType="withEffect">
+                                  <p:stCondLst>
+                                    <p:cond delay="0"/>
+                                  </p:stCondLst>
+                                  <p:childTnLst>
+                                    <p:set>
+                                      <p:cBhvr>
+                                        <p:cTn id="8" dur="1" fill="hold">
+                                          <p:stCondLst>
+                                            <p:cond delay="0"/>
+                                          </p:stCondLst>
+                                        </p:cTn>
+                                        <p:tgtEl>
+                                          <p:spTgt spid="3">
+                                            <p:txEl>
+                                              <p:pRg st="4" end="4"/>
+                                            </p:txEl>
+                                          </p:spTgt>
+                                        </p:tgtEl>
+                                        <p:attrNameLst>
+                                          <p:attrName>style.visibility</p:attrName>
+                                        </p:attrNameLst>
+                                      </p:cBhvr>
+                                      <p:to>
+                                        <p:strVal val="visible"/>
+                                      </p:to>
+                                    </p:set>
+                                  </p:childTnLst>
+                                </p:cTn>
+                              </p:par>
+                              <p:par>
+                                <p:cTn id="9" presetID="1" presetClass="entr" presetSubtype="0" fill="hold" nodeType="withEffect">
+                                  <p:stCondLst>
+                                    <p:cond delay="0"/>
+                                  </p:stCondLst>
+                                  <p:childTnLst>
+                                    <p:set>
+                                      <p:cBhvr>
+                                        <p:cTn id="10" dur="1" fill="hold">
+                                          <p:stCondLst>
+                                            <p:cond delay="0"/>
+                                          </p:stCondLst>
+                                        </p:cTn>
+                                        <p:tgtEl>
+                                          <p:spTgt spid="3">
+                                            <p:txEl>
+                                              <p:pRg st="5" end="5"/>
+                                            </p:txEl>
+                                          </p:spTgt>
+                                        </p:tgtEl>
+                                        <p:attrNameLst>
+                                          <p:attrName>style.visibility</p:attrName>
+                                        </p:attrNameLst>
+                                      </p:cBhvr>
+                                      <p:to>
+                                        <p:strVal val="visible"/>
+                                      </p:to>
+                                    </p:set>
+                                  </p:childTnLst>
+                                </p:cTn>
+                              </p:par>
+                              <p:par>
+                                <p:cTn id="11" presetID="1" presetClass="entr" presetSubtype="0" fill="hold" nodeType="withEffect">
+                                  <p:stCondLst>
+                                    <p:cond delay="0"/>
+                                  </p:stCondLst>
+                                  <p:childTnLst>
+                                    <p:set>
+                                      <p:cBhvr>
+                                        <p:cTn id="12" dur="1" fill="hold">
+                                          <p:stCondLst>
+                                            <p:cond delay="0"/>
+                                          </p:stCondLst>
+                                        </p:cTn>
+                                        <p:tgtEl>
+                                          <p:spTgt spid="3">
+                                            <p:txEl>
+                                              <p:pRg st="6" end="6"/>
+                                            </p:txEl>
+                                          </p:spTgt>
+                                        </p:tgtEl>
+                                        <p:attrNameLst>
+                                          <p:attrName>style.visibility</p:attrName>
+                                        </p:attrNameLst>
+                                      </p:cBhvr>
+                                      <p:to>
+                                        <p:strVal val="visible"/>
+                                      </p:to>
+                                    </p:set>
+                                  </p:childTnLst>
+                                </p:cTn>
+                              </p:par>
+                              <p:par>
+                                <p:cTn id="13" presetID="1" presetClass="entr" presetSubtype="0" fill="hold" nodeType="withEffect">
+                                  <p:stCondLst>
+                                    <p:cond delay="0"/>
+                                  </p:stCondLst>
+                                  <p:childTnLst>
+                                    <p:set>
+                                      <p:cBhvr>
+                                        <p:cTn id="14" dur="1" fill="hold">
+                                          <p:stCondLst>
+                                            <p:cond delay="0"/>
+                                          </p:stCondLst>
+                                        </p:cTn>
+                                        <p:tgtEl>
+                                          <p:spTgt spid="3">
+                                            <p:txEl>
+                                              <p:pRg st="7" end="7"/>
+                                            </p:txEl>
+                                          </p:spTgt>
+                                        </p:tgtEl>
+                                        <p:attrNameLst>
+                                          <p:attrName>style.visibility</p:attrName>
+                                        </p:attrNameLst>
+                                      </p:cBhvr>
+                                      <p:to>
+                                        <p:strVal val="visible"/>
+                                      </p:to>
+                                    </p:set>
+                                  </p:childTnLst>
+                                </p:cTn>
+                              </p:par>
+                            </p:childTnLst>
+                          </p:cTn>
+                        </p:par>
+                      </p:childTnLst>
+                    </p:cTn>
+                  </p:par>
+                </p:childTnLst>
+              </p:cTn>
+              <p:prevCondLst>
+                <p:cond evt="onPrev" delay="0">
+                  <p:tgtEl>
+                    <p:sldTgt/>
+                  </p:tgtEl>
+                </p:cond>
+              </p:prevCondLst>
+              <p:nextCondLst>
+                <p:cond evt="onNext" delay="0">
+                  <p:tgtEl>
+                    <p:sldTgt/>
+                  </p:tgtEl>
+                </p:cond>
+              </p:nextCondLst>
+            </p:seq>
+          </p:childTnLst>
+        </p:cTn>
+      </p:par>
+    </p:tnLst>
+  </p:timing>
+</p:sld>
+</file>
+
+<file path=ppt/slides/slide38.xml><?xml version="1.0" encoding="utf-8"?>
+<p:sld xmlns:a="http://schemas.openxmlformats.org/drawingml/2006/main" xmlns:r="http://schemas.openxmlformats.org/officeDocument/2006/relationships" xmlns:p="http://schemas.openxmlformats.org/presentationml/2006/main">
+  <p:cSld>
+    <p:spTree>
+      <p:nvGrpSpPr>
+        <p:cNvPr id="1" name=""/>
+        <p:cNvGrpSpPr/>
+        <p:nvPr/>
+      </p:nvGrpSpPr>
+      <p:grpSpPr>
+        <a:xfrm>
+          <a:off x="0" y="0"/>
+          <a:ext cx="0" cy="0"/>
+          <a:chOff x="0" y="0"/>
+          <a:chExt cx="0" cy="0"/>
+        </a:xfrm>
+      </p:grpSpPr>
+      <p:sp>
+        <p:nvSpPr>
+          <p:cNvPr id="2" name="Title 1"/>
+          <p:cNvSpPr>
+            <a:spLocks noGrp="1"/>
+          </p:cNvSpPr>
+          <p:nvPr>
+            <p:ph type="title"/>
+          </p:nvPr>
+        </p:nvSpPr>
+        <p:spPr/>
+        <p:txBody>
+          <a:bodyPr/>
+          <a:lstStyle/>
+          <a:p>
+            <a:r>
+              <a:rPr lang="en-US" dirty="0" smtClean="0"/>
+              <a:t>Recap: result </a:t>
+            </a:r>
+            <a:r>
+              <a:rPr lang="en-US" dirty="0" smtClean="0"/>
+              <a:t>for A/B test</a:t>
+            </a:r>
+            <a:endParaRPr lang="en-US" dirty="0"/>
+          </a:p>
+        </p:txBody>
+      </p:sp>
+      <p:sp>
+        <p:nvSpPr>
+          <p:cNvPr id="3" name="Content Placeholder 2"/>
+          <p:cNvSpPr>
+            <a:spLocks noGrp="1"/>
+          </p:cNvSpPr>
+          <p:nvPr>
+            <p:ph idx="1"/>
+          </p:nvPr>
+        </p:nvSpPr>
+        <p:spPr/>
+        <p:txBody>
+          <a:bodyPr/>
+          <a:lstStyle/>
+          <a:p>
+            <a:r>
+              <a:rPr lang="en-US" dirty="0" smtClean="0"/>
+              <a:t>Few of such comparisons are significant</a:t>
+            </a:r>
+            <a:endParaRPr lang="en-US" dirty="0"/>
+          </a:p>
+        </p:txBody>
+      </p:sp>
+      <p:pic>
+        <p:nvPicPr>
+          <p:cNvPr id="5" name="Picture 4"/>
+          <p:cNvPicPr>
+            <a:picLocks noChangeAspect="1"/>
+          </p:cNvPicPr>
+          <p:nvPr/>
+        </p:nvPicPr>
+        <p:blipFill>
+          <a:blip r:embed="rId2"/>
+          <a:stretch>
+            <a:fillRect/>
+          </a:stretch>
+        </p:blipFill>
+        <p:spPr>
+          <a:xfrm>
+            <a:off x="1519408" y="2557024"/>
+            <a:ext cx="6105184" cy="3199026"/>
+          </a:xfrm>
+          <a:prstGeom prst="rect">
+            <a:avLst/>
+          </a:prstGeom>
+        </p:spPr>
+      </p:pic>
+      <p:sp>
+        <p:nvSpPr>
+          <p:cNvPr id="6" name="Footer Placeholder 5"/>
+          <p:cNvSpPr>
+            <a:spLocks noGrp="1"/>
+          </p:cNvSpPr>
+          <p:nvPr>
+            <p:ph type="ftr" sz="quarter" idx="11"/>
+          </p:nvPr>
+        </p:nvSpPr>
+        <p:spPr/>
+        <p:txBody>
+          <a:bodyPr/>
+          <a:lstStyle/>
+          <a:p>
+            <a:r>
+              <a:rPr lang="en-US" smtClean="0"/>
+              <a:t>CS 4501: Information Retrieval</a:t>
+            </a:r>
+            <a:endParaRPr lang="en-US"/>
+          </a:p>
+        </p:txBody>
+      </p:sp>
+      <p:sp>
+        <p:nvSpPr>
+          <p:cNvPr id="8" name="Date Placeholder 7"/>
+          <p:cNvSpPr>
+            <a:spLocks noGrp="1"/>
+          </p:cNvSpPr>
+          <p:nvPr>
+            <p:ph type="dt" sz="half" idx="10"/>
+          </p:nvPr>
+        </p:nvSpPr>
+        <p:spPr/>
+        <p:txBody>
+          <a:bodyPr/>
+          <a:lstStyle/>
+          <a:p>
+            <a:r>
+              <a:rPr lang="en-US" smtClean="0"/>
+              <a:t>CS@UVa</a:t>
+            </a:r>
+            <a:endParaRPr lang="en-US"/>
+          </a:p>
+        </p:txBody>
+      </p:sp>
+      <p:sp>
+        <p:nvSpPr>
+          <p:cNvPr id="9" name="Slide Number Placeholder 8"/>
+          <p:cNvSpPr>
+            <a:spLocks noGrp="1"/>
+          </p:cNvSpPr>
+          <p:nvPr>
+            <p:ph type="sldNum" sz="quarter" idx="12"/>
+          </p:nvPr>
+        </p:nvSpPr>
+        <p:spPr/>
+        <p:txBody>
+          <a:bodyPr/>
+          <a:lstStyle/>
+          <a:p>
+            <a:fld id="{B55C347D-741C-420F-98A9-980B958D5E13}" type="slidenum">
+              <a:rPr lang="en-US" smtClean="0"/>
+              <a:t>38</a:t>
+            </a:fld>
+            <a:endParaRPr lang="en-US"/>
+          </a:p>
+        </p:txBody>
+      </p:sp>
+    </p:spTree>
+    <p:extLst>
+      <p:ext uri="{BB962C8B-B14F-4D97-AF65-F5344CB8AC3E}">
+        <p14:creationId xmlns:p14="http://schemas.microsoft.com/office/powerpoint/2010/main" val="1922206389"/>
+      </p:ext>
+    </p:extLst>
+  </p:cSld>
+  <p:clrMapOvr>
+    <a:masterClrMapping/>
+  </p:clrMapOvr>
+  <p:timing>
+    <p:tnLst>
+      <p:par>
+        <p:cTn id="1" dur="indefinite" restart="never" nodeType="tmRoot"/>
+      </p:par>
+    </p:tnLst>
+  </p:timing>
+</p:sld>
+</file>
+
+<file path=ppt/slides/slide39.xml><?xml version="1.0" encoding="utf-8"?>
+<p:sld xmlns:a="http://schemas.openxmlformats.org/drawingml/2006/main" xmlns:r="http://schemas.openxmlformats.org/officeDocument/2006/relationships" xmlns:p="http://schemas.openxmlformats.org/presentationml/2006/main">
+  <p:cSld>
+    <p:spTree>
+      <p:nvGrpSpPr>
+        <p:cNvPr id="1" name=""/>
+        <p:cNvGrpSpPr/>
+        <p:nvPr/>
+      </p:nvGrpSpPr>
+      <p:grpSpPr>
+        <a:xfrm>
+          <a:off x="0" y="0"/>
+          <a:ext cx="0" cy="0"/>
+          <a:chOff x="0" y="0"/>
+          <a:chExt cx="0" cy="0"/>
+        </a:xfrm>
+      </p:grpSpPr>
+      <p:sp>
+        <p:nvSpPr>
+          <p:cNvPr id="2" name="Title 1"/>
+          <p:cNvSpPr>
+            <a:spLocks noGrp="1"/>
+          </p:cNvSpPr>
+          <p:nvPr>
+            <p:ph type="title"/>
+          </p:nvPr>
+        </p:nvSpPr>
+        <p:spPr/>
+        <p:txBody>
+          <a:bodyPr/>
+          <a:lstStyle/>
+          <a:p>
+            <a:r>
+              <a:rPr lang="en-US" altLang="zh-CN" dirty="0" smtClean="0"/>
+              <a:t>Recap: </a:t>
+            </a:r>
+            <a:r>
+              <a:rPr lang="en-US" dirty="0" smtClean="0"/>
+              <a:t>interleave </a:t>
+            </a:r>
+            <a:r>
+              <a:rPr lang="en-US" dirty="0" smtClean="0"/>
+              <a:t>test</a:t>
+            </a:r>
+            <a:endParaRPr lang="en-US" dirty="0"/>
+          </a:p>
+        </p:txBody>
+      </p:sp>
+      <p:sp>
+        <p:nvSpPr>
+          <p:cNvPr id="3" name="Content Placeholder 2"/>
+          <p:cNvSpPr>
+            <a:spLocks noGrp="1"/>
+          </p:cNvSpPr>
+          <p:nvPr>
+            <p:ph idx="1"/>
+          </p:nvPr>
+        </p:nvSpPr>
+        <p:spPr>
+          <a:xfrm>
+            <a:off x="457200" y="1600202"/>
+            <a:ext cx="8229600" cy="4887684"/>
+          </a:xfrm>
+        </p:spPr>
+        <p:txBody>
+          <a:bodyPr>
+            <a:normAutofit/>
+          </a:bodyPr>
+          <a:lstStyle/>
+          <a:p>
+            <a:r>
+              <a:rPr lang="en-US" dirty="0" smtClean="0"/>
+              <a:t>Design principle from sensory analysis</a:t>
+            </a:r>
+          </a:p>
+          <a:p>
+            <a:pPr lvl="1"/>
+            <a:r>
+              <a:rPr lang="en-US" dirty="0" smtClean="0"/>
+              <a:t>Instead of giving absolute ratings, ask for relative comparison between alternatives</a:t>
+            </a:r>
+          </a:p>
+          <a:p>
+            <a:pPr lvl="2"/>
+            <a:r>
+              <a:rPr lang="en-US" dirty="0" smtClean="0"/>
+              <a:t>E.g., is A better than B?</a:t>
+            </a:r>
+          </a:p>
+          <a:p>
+            <a:pPr lvl="1"/>
+            <a:r>
+              <a:rPr lang="en-US" dirty="0" smtClean="0"/>
+              <a:t>Randomized experiment</a:t>
+            </a:r>
+          </a:p>
+          <a:p>
+            <a:pPr lvl="2"/>
+            <a:r>
+              <a:rPr lang="en-US" u="sng" dirty="0" smtClean="0"/>
+              <a:t>Interleave</a:t>
+            </a:r>
+            <a:r>
+              <a:rPr lang="en-US" dirty="0" smtClean="0"/>
+              <a:t> results from both A and B</a:t>
+            </a:r>
+          </a:p>
+          <a:p>
+            <a:pPr lvl="2"/>
+            <a:r>
+              <a:rPr lang="en-US" dirty="0" smtClean="0"/>
+              <a:t>Giving interleaved results to the same population and ask for their preference</a:t>
+            </a:r>
+          </a:p>
+          <a:p>
+            <a:pPr lvl="2"/>
+            <a:r>
+              <a:rPr lang="en-US" dirty="0" smtClean="0"/>
+              <a:t>Hypothesis test over preference votes</a:t>
+            </a:r>
+          </a:p>
+          <a:p>
+            <a:pPr lvl="3"/>
+            <a:endParaRPr lang="en-US" dirty="0" smtClean="0"/>
+          </a:p>
+          <a:p>
+            <a:pPr lvl="2"/>
+            <a:endParaRPr lang="en-US" dirty="0" smtClean="0"/>
+          </a:p>
+          <a:p>
+            <a:pPr lvl="1"/>
+            <a:endParaRPr lang="en-US" dirty="0"/>
+          </a:p>
+        </p:txBody>
+      </p:sp>
+      <p:sp>
+        <p:nvSpPr>
+          <p:cNvPr id="5" name="Footer Placeholder 4"/>
+          <p:cNvSpPr>
+            <a:spLocks noGrp="1"/>
+          </p:cNvSpPr>
+          <p:nvPr>
+            <p:ph type="ftr" sz="quarter" idx="11"/>
+          </p:nvPr>
+        </p:nvSpPr>
+        <p:spPr/>
+        <p:txBody>
+          <a:bodyPr/>
+          <a:lstStyle/>
+          <a:p>
+            <a:r>
+              <a:rPr lang="en-US" smtClean="0"/>
+              <a:t>CS 4501: Information Retrieval</a:t>
+            </a:r>
+            <a:endParaRPr lang="en-US"/>
+          </a:p>
+        </p:txBody>
+      </p:sp>
+      <p:sp>
+        <p:nvSpPr>
+          <p:cNvPr id="7" name="Date Placeholder 6"/>
+          <p:cNvSpPr>
+            <a:spLocks noGrp="1"/>
+          </p:cNvSpPr>
+          <p:nvPr>
+            <p:ph type="dt" sz="half" idx="10"/>
+          </p:nvPr>
+        </p:nvSpPr>
+        <p:spPr/>
+        <p:txBody>
+          <a:bodyPr/>
+          <a:lstStyle/>
+          <a:p>
+            <a:r>
+              <a:rPr lang="en-US" smtClean="0"/>
+              <a:t>CS@UVa</a:t>
+            </a:r>
+            <a:endParaRPr lang="en-US"/>
+          </a:p>
+        </p:txBody>
+      </p:sp>
+      <p:sp>
+        <p:nvSpPr>
+          <p:cNvPr id="8" name="Slide Number Placeholder 7"/>
+          <p:cNvSpPr>
+            <a:spLocks noGrp="1"/>
+          </p:cNvSpPr>
+          <p:nvPr>
+            <p:ph type="sldNum" sz="quarter" idx="12"/>
+          </p:nvPr>
+        </p:nvSpPr>
+        <p:spPr/>
+        <p:txBody>
+          <a:bodyPr/>
+          <a:lstStyle/>
+          <a:p>
+            <a:fld id="{B55C347D-741C-420F-98A9-980B958D5E13}" type="slidenum">
+              <a:rPr lang="en-US" smtClean="0"/>
+              <a:t>39</a:t>
+            </a:fld>
+            <a:endParaRPr lang="en-US"/>
+          </a:p>
+        </p:txBody>
+      </p:sp>
+    </p:spTree>
+    <p:extLst>
+      <p:ext uri="{BB962C8B-B14F-4D97-AF65-F5344CB8AC3E}">
+        <p14:creationId xmlns:p14="http://schemas.microsoft.com/office/powerpoint/2010/main" val="1613299478"/>
+      </p:ext>
+    </p:extLst>
+  </p:cSld>
+  <p:clrMapOvr>
+    <a:masterClrMapping/>
+  </p:clrMapOvr>
+  <p:timing>
+    <p:tnLst>
+      <p:par>
+        <p:cTn id="1" dur="indefinite" restart="never" nodeType="tmRoot">
+          <p:childTnLst>
+            <p:seq concurrent="1" nextAc="seek">
+              <p:cTn id="2" dur="indefinite" nodeType="mainSeq">
+                <p:childTnLst>
+                  <p:par>
+                    <p:cTn id="3" fill="hold">
+                      <p:stCondLst>
+                        <p:cond delay="indefinite"/>
+                      </p:stCondLst>
+                      <p:childTnLst>
+                        <p:par>
+                          <p:cTn id="4" fill="hold">
+                            <p:stCondLst>
+                              <p:cond delay="0"/>
+                            </p:stCondLst>
+                            <p:childTnLst>
+                              <p:par>
+                                <p:cTn id="5" presetID="1" presetClass="entr" presetSubtype="0" fill="hold" nodeType="clickEffect">
+                                  <p:stCondLst>
+                                    <p:cond delay="0"/>
+                                  </p:stCondLst>
+                                  <p:childTnLst>
+                                    <p:set>
+                                      <p:cBhvr>
+                                        <p:cTn id="6" dur="1" fill="hold">
+                                          <p:stCondLst>
+                                            <p:cond delay="0"/>
+                                          </p:stCondLst>
+                                        </p:cTn>
+                                        <p:tgtEl>
+                                          <p:spTgt spid="3">
+                                            <p:txEl>
+                                              <p:pRg st="3" end="3"/>
+                                            </p:txEl>
+                                          </p:spTgt>
+                                        </p:tgtEl>
+                                        <p:attrNameLst>
+                                          <p:attrName>style.visibility</p:attrName>
+                                        </p:attrNameLst>
+                                      </p:cBhvr>
+                                      <p:to>
+                                        <p:strVal val="visible"/>
+                                      </p:to>
+                                    </p:set>
+                                  </p:childTnLst>
+                                </p:cTn>
+                              </p:par>
+                              <p:par>
+                                <p:cTn id="7" presetID="1" presetClass="entr" presetSubtype="0" fill="hold" nodeType="withEffect">
+                                  <p:stCondLst>
+                                    <p:cond delay="0"/>
+                                  </p:stCondLst>
+                                  <p:childTnLst>
+                                    <p:set>
+                                      <p:cBhvr>
+                                        <p:cTn id="8" dur="1" fill="hold">
+                                          <p:stCondLst>
+                                            <p:cond delay="0"/>
+                                          </p:stCondLst>
+                                        </p:cTn>
+                                        <p:tgtEl>
+                                          <p:spTgt spid="3">
+                                            <p:txEl>
+                                              <p:pRg st="4" end="4"/>
+                                            </p:txEl>
+                                          </p:spTgt>
+                                        </p:tgtEl>
+                                        <p:attrNameLst>
+                                          <p:attrName>style.visibility</p:attrName>
+                                        </p:attrNameLst>
+                                      </p:cBhvr>
+                                      <p:to>
+                                        <p:strVal val="visible"/>
+                                      </p:to>
+                                    </p:set>
+                                  </p:childTnLst>
+                                </p:cTn>
+                              </p:par>
+                              <p:par>
+                                <p:cTn id="9" presetID="1" presetClass="entr" presetSubtype="0" fill="hold" nodeType="withEffect">
+                                  <p:stCondLst>
+                                    <p:cond delay="0"/>
+                                  </p:stCondLst>
+                                  <p:childTnLst>
+                                    <p:set>
+                                      <p:cBhvr>
+                                        <p:cTn id="10" dur="1" fill="hold">
+                                          <p:stCondLst>
+                                            <p:cond delay="0"/>
+                                          </p:stCondLst>
+                                        </p:cTn>
+                                        <p:tgtEl>
+                                          <p:spTgt spid="3">
+                                            <p:txEl>
+                                              <p:pRg st="5" end="5"/>
+                                            </p:txEl>
+                                          </p:spTgt>
+                                        </p:tgtEl>
+                                        <p:attrNameLst>
+                                          <p:attrName>style.visibility</p:attrName>
+                                        </p:attrNameLst>
+                                      </p:cBhvr>
+                                      <p:to>
+                                        <p:strVal val="visible"/>
+                                      </p:to>
+                                    </p:set>
+                                  </p:childTnLst>
+                                </p:cTn>
+                              </p:par>
+                              <p:par>
+                                <p:cTn id="11" presetID="1" presetClass="entr" presetSubtype="0" fill="hold" nodeType="withEffect">
+                                  <p:stCondLst>
+                                    <p:cond delay="0"/>
+                                  </p:stCondLst>
+                                  <p:childTnLst>
+                                    <p:set>
+                                      <p:cBhvr>
+                                        <p:cTn id="12" dur="1" fill="hold">
+                                          <p:stCondLst>
+                                            <p:cond delay="0"/>
+                                          </p:stCondLst>
+                                        </p:cTn>
+                                        <p:tgtEl>
+                                          <p:spTgt spid="3">
+                                            <p:txEl>
+                                              <p:pRg st="6" end="6"/>
+                                            </p:txEl>
+                                          </p:spTgt>
+                                        </p:tgtEl>
+                                        <p:attrNameLst>
+                                          <p:attrName>style.visibility</p:attrName>
+                                        </p:attrNameLst>
+                                      </p:cBhvr>
+                                      <p:to>
+                                        <p:strVal val="visible"/>
+                                      </p:to>
+                                    </p:set>
+                                  </p:childTnLst>
+                                </p:cTn>
+                              </p:par>
+                            </p:childTnLst>
+                          </p:cTn>
+                        </p:par>
+                      </p:childTnLst>
+                    </p:cTn>
+                  </p:par>
+                </p:childTnLst>
+              </p:cTn>
+              <p:prevCondLst>
+                <p:cond evt="onPrev" delay="0">
+                  <p:tgtEl>
+                    <p:sldTgt/>
+                  </p:tgtEl>
+                </p:cond>
+              </p:prevCondLst>
+              <p:nextCondLst>
+                <p:cond evt="onNext" delay="0">
+                  <p:tgtEl>
+                    <p:sldTgt/>
+                  </p:tgtEl>
+                </p:cond>
+              </p:nextCondLst>
+            </p:seq>
+          </p:childTnLst>
+        </p:cTn>
+      </p:par>
+    </p:tnLst>
+  </p:timing>
+</p:sld>
+</file>
+
+<file path=ppt/slides/slide4.xml><?xml version="1.0" encoding="utf-8"?>
+<p:sld xmlns:a="http://schemas.openxmlformats.org/drawingml/2006/main" xmlns:r="http://schemas.openxmlformats.org/officeDocument/2006/relationships" xmlns:p="http://schemas.openxmlformats.org/presentationml/2006/main">
+  <p:cSld>
+    <p:spTree>
+      <p:nvGrpSpPr>
+        <p:cNvPr id="1" name=""/>
+        <p:cNvGrpSpPr/>
+        <p:nvPr/>
+      </p:nvGrpSpPr>
+      <p:grpSpPr>
+        <a:xfrm>
+          <a:off x="0" y="0"/>
+          <a:ext cx="0" cy="0"/>
+          <a:chOff x="0" y="0"/>
+          <a:chExt cx="0" cy="0"/>
+        </a:xfrm>
+      </p:grpSpPr>
+      <p:sp>
+        <p:nvSpPr>
+          <p:cNvPr id="2" name="Title 1"/>
+          <p:cNvSpPr>
+            <a:spLocks noGrp="1"/>
+          </p:cNvSpPr>
+          <p:nvPr>
+            <p:ph type="title"/>
+          </p:nvPr>
+        </p:nvSpPr>
+        <p:spPr/>
+        <p:txBody>
+          <a:bodyPr>
+            <a:normAutofit fontScale="90000"/>
+          </a:bodyPr>
+          <a:lstStyle/>
+          <a:p>
+            <a:r>
+              <a:rPr lang="en-US" dirty="0" smtClean="0"/>
+              <a:t>Do user preferences and evaluation measures line up? </a:t>
+            </a:r>
+            <a:r>
+              <a:rPr lang="en-US" baseline="30000" dirty="0" smtClean="0"/>
+              <a:t>[Sanderson et al. SIGIR’10]</a:t>
+            </a:r>
+            <a:endParaRPr lang="en-US" baseline="30000" dirty="0"/>
+          </a:p>
+        </p:txBody>
+      </p:sp>
+      <p:sp>
+        <p:nvSpPr>
+          <p:cNvPr id="3" name="Content Placeholder 2"/>
+          <p:cNvSpPr>
+            <a:spLocks noGrp="1"/>
+          </p:cNvSpPr>
+          <p:nvPr>
+            <p:ph idx="1"/>
+          </p:nvPr>
+        </p:nvSpPr>
+        <p:spPr/>
+        <p:txBody>
+          <a:bodyPr>
+            <a:normAutofit fontScale="92500" lnSpcReduction="10000"/>
+          </a:bodyPr>
+          <a:lstStyle/>
+          <a:p>
+            <a:r>
+              <a:rPr lang="en-US" dirty="0" smtClean="0"/>
+              <a:t>Research question</a:t>
+            </a:r>
+          </a:p>
+          <a:p>
+            <a:pPr marL="971550" lvl="1" indent="-514350">
+              <a:buFont typeface="+mj-lt"/>
+              <a:buAutoNum type="arabicPeriod"/>
+            </a:pPr>
+            <a:r>
+              <a:rPr lang="en-US" dirty="0" smtClean="0"/>
+              <a:t>Does </a:t>
+            </a:r>
+            <a:r>
+              <a:rPr lang="en-US" dirty="0"/>
+              <a:t>effectiveness measured on a test collection predict user preferences for one IR system over another? </a:t>
+            </a:r>
+            <a:endParaRPr lang="en-US" dirty="0" smtClean="0"/>
+          </a:p>
+          <a:p>
+            <a:pPr marL="971550" lvl="1" indent="-514350">
+              <a:buFont typeface="+mj-lt"/>
+              <a:buAutoNum type="arabicPeriod"/>
+            </a:pPr>
+            <a:r>
+              <a:rPr lang="en-US" dirty="0" smtClean="0"/>
+              <a:t>If </a:t>
+            </a:r>
+            <a:r>
+              <a:rPr lang="en-US" dirty="0"/>
+              <a:t>such </a:t>
+            </a:r>
+            <a:r>
+              <a:rPr lang="en-US" dirty="0" smtClean="0"/>
+              <a:t>predictive </a:t>
+            </a:r>
+            <a:r>
+              <a:rPr lang="en-US" dirty="0"/>
+              <a:t>power exists, does the strength of prediction vary across different search tasks and topic types? </a:t>
+            </a:r>
+            <a:endParaRPr lang="en-US" dirty="0" smtClean="0"/>
+          </a:p>
+          <a:p>
+            <a:pPr marL="971550" lvl="1" indent="-514350">
+              <a:buFont typeface="+mj-lt"/>
+              <a:buAutoNum type="arabicPeriod"/>
+            </a:pPr>
+            <a:r>
+              <a:rPr lang="en-US" dirty="0" smtClean="0"/>
+              <a:t>If </a:t>
+            </a:r>
+            <a:r>
+              <a:rPr lang="en-US" dirty="0"/>
+              <a:t>present, does the predictive power vary when different effectiveness measures are employed? </a:t>
+            </a:r>
+            <a:endParaRPr lang="en-US" dirty="0" smtClean="0"/>
+          </a:p>
+          <a:p>
+            <a:pPr marL="971550" lvl="1" indent="-514350">
+              <a:buFont typeface="+mj-lt"/>
+              <a:buAutoNum type="arabicPeriod"/>
+            </a:pPr>
+            <a:r>
+              <a:rPr lang="en-US" dirty="0" smtClean="0"/>
+              <a:t>When </a:t>
+            </a:r>
+            <a:r>
+              <a:rPr lang="en-US" dirty="0"/>
+              <a:t>choosing one system over another, what are the reasons given by users for their choice? </a:t>
+            </a:r>
+            <a:endParaRPr lang="en-US" dirty="0" smtClean="0"/>
+          </a:p>
+          <a:p>
+            <a:pPr lvl="1"/>
+            <a:endParaRPr lang="en-US" dirty="0"/>
+          </a:p>
+        </p:txBody>
+      </p:sp>
+      <p:sp>
+        <p:nvSpPr>
+          <p:cNvPr id="5" name="Footer Placeholder 4"/>
+          <p:cNvSpPr>
+            <a:spLocks noGrp="1"/>
+          </p:cNvSpPr>
+          <p:nvPr>
+            <p:ph type="ftr" sz="quarter" idx="11"/>
+          </p:nvPr>
+        </p:nvSpPr>
+        <p:spPr/>
+        <p:txBody>
+          <a:bodyPr/>
+          <a:lstStyle/>
+          <a:p>
+            <a:r>
+              <a:rPr lang="en-US" smtClean="0"/>
+              <a:t>CS 4501: Information Retrieval</a:t>
+            </a:r>
+            <a:endParaRPr lang="en-US"/>
+          </a:p>
+        </p:txBody>
+      </p:sp>
+      <p:sp>
+        <p:nvSpPr>
+          <p:cNvPr id="7" name="Date Placeholder 6"/>
+          <p:cNvSpPr>
+            <a:spLocks noGrp="1"/>
+          </p:cNvSpPr>
+          <p:nvPr>
+            <p:ph type="dt" sz="half" idx="10"/>
+          </p:nvPr>
+        </p:nvSpPr>
+        <p:spPr/>
+        <p:txBody>
+          <a:bodyPr/>
+          <a:lstStyle/>
+          <a:p>
+            <a:r>
+              <a:rPr lang="en-US" smtClean="0"/>
+              <a:t>CS@UVa</a:t>
+            </a:r>
+            <a:endParaRPr lang="en-US"/>
+          </a:p>
+        </p:txBody>
+      </p:sp>
+      <p:sp>
+        <p:nvSpPr>
+          <p:cNvPr id="8" name="Slide Number Placeholder 7"/>
+          <p:cNvSpPr>
+            <a:spLocks noGrp="1"/>
+          </p:cNvSpPr>
+          <p:nvPr>
+            <p:ph type="sldNum" sz="quarter" idx="12"/>
+          </p:nvPr>
+        </p:nvSpPr>
+        <p:spPr/>
+        <p:txBody>
+          <a:bodyPr/>
+          <a:lstStyle/>
+          <a:p>
+            <a:fld id="{B55C347D-741C-420F-98A9-980B958D5E13}" type="slidenum">
+              <a:rPr lang="en-US" smtClean="0"/>
+              <a:t>4</a:t>
+            </a:fld>
+            <a:endParaRPr lang="en-US"/>
+          </a:p>
+        </p:txBody>
+      </p:sp>
+    </p:spTree>
+    <p:extLst>
+      <p:ext uri="{BB962C8B-B14F-4D97-AF65-F5344CB8AC3E}">
+        <p14:creationId xmlns:p14="http://schemas.microsoft.com/office/powerpoint/2010/main" val="1685902850"/>
+      </p:ext>
+    </p:extLst>
+  </p:cSld>
+  <p:clrMapOvr>
+    <a:masterClrMapping/>
+  </p:clrMapOvr>
+  <p:timing>
+    <p:tnLst>
+      <p:par>
+        <p:cTn id="1" dur="indefinite" restart="never" nodeType="tmRoot"/>
+      </p:par>
+    </p:tnLst>
+  </p:timing>
+</p:sld>
+</file>
+
+<file path=ppt/slides/slide40.xml><?xml version="1.0" encoding="utf-8"?>
+<p:sld xmlns:a="http://schemas.openxmlformats.org/drawingml/2006/main" xmlns:r="http://schemas.openxmlformats.org/officeDocument/2006/relationships" xmlns:p="http://schemas.openxmlformats.org/presentationml/2006/main">
+  <p:cSld>
+    <p:spTree>
+      <p:nvGrpSpPr>
+        <p:cNvPr id="1" name=""/>
+        <p:cNvGrpSpPr/>
+        <p:nvPr/>
+      </p:nvGrpSpPr>
+      <p:grpSpPr>
+        <a:xfrm>
+          <a:off x="0" y="0"/>
+          <a:ext cx="0" cy="0"/>
+          <a:chOff x="0" y="0"/>
+          <a:chExt cx="0" cy="0"/>
+        </a:xfrm>
+      </p:grpSpPr>
+      <p:sp>
+        <p:nvSpPr>
+          <p:cNvPr id="2" name="Title 1"/>
+          <p:cNvSpPr>
+            <a:spLocks noGrp="1"/>
+          </p:cNvSpPr>
+          <p:nvPr>
+            <p:ph type="title"/>
+          </p:nvPr>
+        </p:nvSpPr>
+        <p:spPr/>
+        <p:txBody>
+          <a:bodyPr/>
+          <a:lstStyle/>
+          <a:p>
+            <a:r>
+              <a:rPr lang="en-US" dirty="0" smtClean="0"/>
+              <a:t>Recap: result </a:t>
+            </a:r>
+            <a:r>
+              <a:rPr lang="en-US" dirty="0" smtClean="0"/>
+              <a:t>for interleaved test</a:t>
+            </a:r>
+            <a:endParaRPr lang="en-US" dirty="0"/>
+          </a:p>
+        </p:txBody>
+      </p:sp>
+      <p:sp>
+        <p:nvSpPr>
+          <p:cNvPr id="3" name="Content Placeholder 2"/>
+          <p:cNvSpPr>
+            <a:spLocks noGrp="1"/>
+          </p:cNvSpPr>
+          <p:nvPr>
+            <p:ph idx="1"/>
+          </p:nvPr>
+        </p:nvSpPr>
+        <p:spPr/>
+        <p:txBody>
+          <a:bodyPr/>
+          <a:lstStyle/>
+          <a:p>
+            <a:r>
+              <a:rPr lang="en-US" dirty="0"/>
+              <a:t>1/6 users of arXiv.org are routed to each of the testing system in one month </a:t>
+            </a:r>
+            <a:r>
+              <a:rPr lang="en-US" dirty="0" smtClean="0"/>
+              <a:t>period</a:t>
+            </a:r>
+            <a:endParaRPr lang="en-US" dirty="0"/>
+          </a:p>
+          <a:p>
+            <a:pPr lvl="1"/>
+            <a:r>
+              <a:rPr lang="en-US" dirty="0" smtClean="0"/>
+              <a:t>Test which group receives more clicks</a:t>
+            </a:r>
+            <a:endParaRPr lang="en-US" dirty="0"/>
+          </a:p>
+        </p:txBody>
+      </p:sp>
+      <p:pic>
+        <p:nvPicPr>
+          <p:cNvPr id="6" name="Picture 5"/>
+          <p:cNvPicPr>
+            <a:picLocks noChangeAspect="1"/>
+          </p:cNvPicPr>
+          <p:nvPr/>
+        </p:nvPicPr>
+        <p:blipFill>
+          <a:blip r:embed="rId2"/>
+          <a:stretch>
+            <a:fillRect/>
+          </a:stretch>
+        </p:blipFill>
+        <p:spPr>
+          <a:xfrm>
+            <a:off x="533400" y="3429000"/>
+            <a:ext cx="8436429" cy="2198443"/>
+          </a:xfrm>
+          <a:prstGeom prst="rect">
+            <a:avLst/>
+          </a:prstGeom>
+        </p:spPr>
+      </p:pic>
+      <p:sp>
+        <p:nvSpPr>
+          <p:cNvPr id="5" name="Footer Placeholder 4"/>
+          <p:cNvSpPr>
+            <a:spLocks noGrp="1"/>
+          </p:cNvSpPr>
+          <p:nvPr>
+            <p:ph type="ftr" sz="quarter" idx="11"/>
+          </p:nvPr>
+        </p:nvSpPr>
+        <p:spPr/>
+        <p:txBody>
+          <a:bodyPr/>
+          <a:lstStyle/>
+          <a:p>
+            <a:r>
+              <a:rPr lang="en-US" smtClean="0"/>
+              <a:t>CS 4501: Information Retrieval</a:t>
+            </a:r>
+            <a:endParaRPr lang="en-US"/>
+          </a:p>
+        </p:txBody>
+      </p:sp>
+      <p:sp>
+        <p:nvSpPr>
+          <p:cNvPr id="8" name="Date Placeholder 7"/>
+          <p:cNvSpPr>
+            <a:spLocks noGrp="1"/>
+          </p:cNvSpPr>
+          <p:nvPr>
+            <p:ph type="dt" sz="half" idx="10"/>
+          </p:nvPr>
+        </p:nvSpPr>
+        <p:spPr/>
+        <p:txBody>
+          <a:bodyPr/>
+          <a:lstStyle/>
+          <a:p>
+            <a:r>
+              <a:rPr lang="en-US" smtClean="0"/>
+              <a:t>CS@UVa</a:t>
+            </a:r>
+            <a:endParaRPr lang="en-US"/>
+          </a:p>
+        </p:txBody>
+      </p:sp>
+      <p:sp>
+        <p:nvSpPr>
+          <p:cNvPr id="9" name="Slide Number Placeholder 8"/>
+          <p:cNvSpPr>
+            <a:spLocks noGrp="1"/>
+          </p:cNvSpPr>
+          <p:nvPr>
+            <p:ph type="sldNum" sz="quarter" idx="12"/>
+          </p:nvPr>
+        </p:nvSpPr>
+        <p:spPr/>
+        <p:txBody>
+          <a:bodyPr/>
+          <a:lstStyle/>
+          <a:p>
+            <a:fld id="{B55C347D-741C-420F-98A9-980B958D5E13}" type="slidenum">
+              <a:rPr lang="en-US" smtClean="0"/>
+              <a:t>40</a:t>
+            </a:fld>
+            <a:endParaRPr lang="en-US"/>
+          </a:p>
+        </p:txBody>
+      </p:sp>
+    </p:spTree>
+    <p:extLst>
+      <p:ext uri="{BB962C8B-B14F-4D97-AF65-F5344CB8AC3E}">
+        <p14:creationId xmlns:p14="http://schemas.microsoft.com/office/powerpoint/2010/main" val="3537721559"/>
+      </p:ext>
+    </p:extLst>
+  </p:cSld>
+  <p:clrMapOvr>
+    <a:masterClrMapping/>
+  </p:clrMapOvr>
+  <p:timing>
+    <p:tnLst>
+      <p:par>
+        <p:cTn id="1" dur="indefinite" restart="never" nodeType="tmRoot"/>
+      </p:par>
+    </p:tnLst>
+  </p:timing>
+</p:sld>
+</file>
+
+<file path=ppt/slides/slide41.xml><?xml version="1.0" encoding="utf-8"?>
+<p:sld xmlns:a="http://schemas.openxmlformats.org/drawingml/2006/main" xmlns:r="http://schemas.openxmlformats.org/officeDocument/2006/relationships" xmlns:p="http://schemas.openxmlformats.org/presentationml/2006/main">
+  <p:cSld>
+    <p:spTree>
+      <p:nvGrpSpPr>
+        <p:cNvPr id="1" name=""/>
+        <p:cNvGrpSpPr/>
+        <p:nvPr/>
+      </p:nvGrpSpPr>
+      <p:grpSpPr>
+        <a:xfrm>
+          <a:off x="0" y="0"/>
+          <a:ext cx="0" cy="0"/>
+          <a:chOff x="0" y="0"/>
+          <a:chExt cx="0" cy="0"/>
+        </a:xfrm>
+      </p:grpSpPr>
+      <p:sp>
+        <p:nvSpPr>
+          <p:cNvPr id="2" name="Title 1"/>
+          <p:cNvSpPr>
+            <a:spLocks noGrp="1"/>
+          </p:cNvSpPr>
+          <p:nvPr>
+            <p:ph type="title"/>
+          </p:nvPr>
+        </p:nvSpPr>
+        <p:spPr/>
+        <p:txBody>
+          <a:bodyPr/>
+          <a:lstStyle/>
+          <a:p>
+            <a:r>
+              <a:rPr lang="en-US" dirty="0" smtClean="0"/>
+              <a:t>Recap: sensitivity </a:t>
+            </a:r>
+            <a:r>
+              <a:rPr lang="en-US" dirty="0" smtClean="0"/>
+              <a:t>of NDCG@5</a:t>
+            </a:r>
+            <a:endParaRPr lang="en-US" dirty="0"/>
+          </a:p>
+        </p:txBody>
+      </p:sp>
+      <p:pic>
+        <p:nvPicPr>
+          <p:cNvPr id="4" name="Picture 3"/>
+          <p:cNvPicPr>
+            <a:picLocks noChangeAspect="1"/>
+          </p:cNvPicPr>
+          <p:nvPr/>
+        </p:nvPicPr>
+        <p:blipFill>
+          <a:blip r:embed="rId2"/>
+          <a:stretch>
+            <a:fillRect/>
+          </a:stretch>
+        </p:blipFill>
+        <p:spPr>
+          <a:xfrm>
+            <a:off x="1110191" y="1635978"/>
+            <a:ext cx="6923617" cy="4099129"/>
+          </a:xfrm>
+          <a:prstGeom prst="rect">
+            <a:avLst/>
+          </a:prstGeom>
+        </p:spPr>
+      </p:pic>
+      <p:sp>
+        <p:nvSpPr>
+          <p:cNvPr id="5" name="TextBox 4"/>
+          <p:cNvSpPr txBox="1"/>
+          <p:nvPr/>
+        </p:nvSpPr>
+        <p:spPr>
+          <a:xfrm>
+            <a:off x="2252132" y="5953447"/>
+            <a:ext cx="4639733" cy="400110"/>
+          </a:xfrm>
+          <a:prstGeom prst="rect">
+            <a:avLst/>
+          </a:prstGeom>
+          <a:noFill/>
+        </p:spPr>
+        <p:txBody>
+          <a:bodyPr wrap="square" rtlCol="0">
+            <a:spAutoFit/>
+          </a:bodyPr>
+          <a:lstStyle/>
+          <a:p>
+            <a:pPr algn="ctr"/>
+            <a:r>
+              <a:rPr lang="en-US" sz="2000" b="1" dirty="0" smtClean="0">
+                <a:solidFill>
+                  <a:srgbClr val="FF0000"/>
+                </a:solidFill>
+              </a:rPr>
+              <a:t>System effectiveness: A&gt;B&gt;C</a:t>
+            </a:r>
+            <a:endParaRPr lang="en-US" sz="2000" b="1" dirty="0">
+              <a:solidFill>
+                <a:srgbClr val="FF0000"/>
+              </a:solidFill>
+            </a:endParaRPr>
+          </a:p>
+        </p:txBody>
+      </p:sp>
+      <p:cxnSp>
+        <p:nvCxnSpPr>
+          <p:cNvPr id="7" name="Straight Connector 6"/>
+          <p:cNvCxnSpPr/>
+          <p:nvPr/>
+        </p:nvCxnSpPr>
+        <p:spPr>
+          <a:xfrm>
+            <a:off x="626533" y="3014133"/>
+            <a:ext cx="8170333" cy="0"/>
+          </a:xfrm>
+          <a:prstGeom prst="line">
+            <a:avLst/>
+          </a:prstGeom>
+          <a:ln w="19050"/>
+        </p:spPr>
+        <p:style>
+          <a:lnRef idx="1">
+            <a:schemeClr val="accent1"/>
+          </a:lnRef>
+          <a:fillRef idx="0">
+            <a:schemeClr val="accent1"/>
+          </a:fillRef>
+          <a:effectRef idx="0">
+            <a:schemeClr val="accent1"/>
+          </a:effectRef>
+          <a:fontRef idx="minor">
+            <a:schemeClr val="tx1"/>
+          </a:fontRef>
+        </p:style>
+      </p:cxnSp>
+      <p:cxnSp>
+        <p:nvCxnSpPr>
+          <p:cNvPr id="10" name="Straight Connector 9"/>
+          <p:cNvCxnSpPr/>
+          <p:nvPr/>
+        </p:nvCxnSpPr>
+        <p:spPr>
+          <a:xfrm>
+            <a:off x="4438650" y="1490133"/>
+            <a:ext cx="0" cy="4326467"/>
+          </a:xfrm>
+          <a:prstGeom prst="line">
+            <a:avLst/>
+          </a:prstGeom>
+          <a:ln w="19050"/>
+        </p:spPr>
+        <p:style>
+          <a:lnRef idx="1">
+            <a:schemeClr val="accent1"/>
+          </a:lnRef>
+          <a:fillRef idx="0">
+            <a:schemeClr val="accent1"/>
+          </a:fillRef>
+          <a:effectRef idx="0">
+            <a:schemeClr val="accent1"/>
+          </a:effectRef>
+          <a:fontRef idx="minor">
+            <a:schemeClr val="tx1"/>
+          </a:fontRef>
+        </p:style>
+      </p:cxnSp>
+      <p:cxnSp>
+        <p:nvCxnSpPr>
+          <p:cNvPr id="11" name="Straight Connector 10"/>
+          <p:cNvCxnSpPr/>
+          <p:nvPr/>
+        </p:nvCxnSpPr>
+        <p:spPr>
+          <a:xfrm>
+            <a:off x="4876800" y="1522308"/>
+            <a:ext cx="0" cy="4326467"/>
+          </a:xfrm>
+          <a:prstGeom prst="line">
+            <a:avLst/>
+          </a:prstGeom>
+          <a:ln w="19050"/>
+        </p:spPr>
+        <p:style>
+          <a:lnRef idx="1">
+            <a:schemeClr val="accent1"/>
+          </a:lnRef>
+          <a:fillRef idx="0">
+            <a:schemeClr val="accent1"/>
+          </a:fillRef>
+          <a:effectRef idx="0">
+            <a:schemeClr val="accent1"/>
+          </a:effectRef>
+          <a:fontRef idx="minor">
+            <a:schemeClr val="tx1"/>
+          </a:fontRef>
+        </p:style>
+      </p:cxnSp>
+      <p:cxnSp>
+        <p:nvCxnSpPr>
+          <p:cNvPr id="12" name="Straight Connector 11"/>
+          <p:cNvCxnSpPr/>
+          <p:nvPr/>
+        </p:nvCxnSpPr>
+        <p:spPr>
+          <a:xfrm>
+            <a:off x="5448300" y="1522308"/>
+            <a:ext cx="0" cy="4326467"/>
+          </a:xfrm>
+          <a:prstGeom prst="line">
+            <a:avLst/>
+          </a:prstGeom>
+          <a:ln w="19050"/>
+        </p:spPr>
+        <p:style>
+          <a:lnRef idx="1">
+            <a:schemeClr val="accent1"/>
+          </a:lnRef>
+          <a:fillRef idx="0">
+            <a:schemeClr val="accent1"/>
+          </a:fillRef>
+          <a:effectRef idx="0">
+            <a:schemeClr val="accent1"/>
+          </a:effectRef>
+          <a:fontRef idx="minor">
+            <a:schemeClr val="tx1"/>
+          </a:fontRef>
+        </p:style>
+      </p:cxnSp>
+      <p:sp>
+        <p:nvSpPr>
+          <p:cNvPr id="6" name="Footer Placeholder 5"/>
+          <p:cNvSpPr>
+            <a:spLocks noGrp="1"/>
+          </p:cNvSpPr>
+          <p:nvPr>
+            <p:ph type="ftr" sz="quarter" idx="11"/>
+          </p:nvPr>
+        </p:nvSpPr>
+        <p:spPr/>
+        <p:txBody>
+          <a:bodyPr/>
+          <a:lstStyle/>
+          <a:p>
+            <a:r>
+              <a:rPr lang="en-US" smtClean="0"/>
+              <a:t>CS 4501: Information Retrieval</a:t>
+            </a:r>
+            <a:endParaRPr lang="en-US"/>
+          </a:p>
+        </p:txBody>
+      </p:sp>
+      <p:sp>
+        <p:nvSpPr>
+          <p:cNvPr id="9" name="Date Placeholder 8"/>
+          <p:cNvSpPr>
+            <a:spLocks noGrp="1"/>
+          </p:cNvSpPr>
+          <p:nvPr>
+            <p:ph type="dt" sz="half" idx="10"/>
+          </p:nvPr>
+        </p:nvSpPr>
+        <p:spPr/>
+        <p:txBody>
+          <a:bodyPr/>
+          <a:lstStyle/>
+          <a:p>
+            <a:r>
+              <a:rPr lang="en-US" smtClean="0"/>
+              <a:t>CS@UVa</a:t>
+            </a:r>
+            <a:endParaRPr lang="en-US"/>
+          </a:p>
+        </p:txBody>
+      </p:sp>
+      <p:sp>
+        <p:nvSpPr>
+          <p:cNvPr id="13" name="Slide Number Placeholder 12"/>
+          <p:cNvSpPr>
+            <a:spLocks noGrp="1"/>
+          </p:cNvSpPr>
+          <p:nvPr>
+            <p:ph type="sldNum" sz="quarter" idx="12"/>
+          </p:nvPr>
+        </p:nvSpPr>
+        <p:spPr/>
+        <p:txBody>
+          <a:bodyPr/>
+          <a:lstStyle/>
+          <a:p>
+            <a:fld id="{B55C347D-741C-420F-98A9-980B958D5E13}" type="slidenum">
+              <a:rPr lang="en-US" smtClean="0"/>
+              <a:t>41</a:t>
+            </a:fld>
+            <a:endParaRPr lang="en-US"/>
+          </a:p>
+        </p:txBody>
+      </p:sp>
+    </p:spTree>
+    <p:extLst>
+      <p:ext uri="{BB962C8B-B14F-4D97-AF65-F5344CB8AC3E}">
+        <p14:creationId xmlns:p14="http://schemas.microsoft.com/office/powerpoint/2010/main" val="4027285891"/>
+      </p:ext>
+    </p:extLst>
+  </p:cSld>
+  <p:clrMapOvr>
+    <a:masterClrMapping/>
+  </p:clrMapOvr>
+  <p:timing>
+    <p:tnLst>
+      <p:par>
+        <p:cTn id="1" dur="indefinite" restart="never" nodeType="tmRoot">
+          <p:childTnLst>
+            <p:seq concurrent="1" nextAc="seek">
+              <p:cTn id="2" dur="indefinite" nodeType="mainSeq">
+                <p:childTnLst>
+                  <p:par>
+                    <p:cTn id="3" fill="hold">
+                      <p:stCondLst>
+                        <p:cond delay="indefinite"/>
+                      </p:stCondLst>
+                      <p:childTnLst>
+                        <p:par>
+                          <p:cTn id="4" fill="hold">
+                            <p:stCondLst>
+                              <p:cond delay="0"/>
+                            </p:stCondLst>
+                            <p:childTnLst>
+                              <p:par>
+                                <p:cTn id="5" presetID="1" presetClass="entr" presetSubtype="0" fill="hold" nodeType="clickEffect">
+                                  <p:stCondLst>
+                                    <p:cond delay="0"/>
+                                  </p:stCondLst>
+                                  <p:childTnLst>
+                                    <p:set>
+                                      <p:cBhvr>
+                                        <p:cTn id="6" dur="1" fill="hold">
+                                          <p:stCondLst>
+                                            <p:cond delay="0"/>
+                                          </p:stCondLst>
+                                        </p:cTn>
+                                        <p:tgtEl>
+                                          <p:spTgt spid="11"/>
+                                        </p:tgtEl>
+                                        <p:attrNameLst>
+                                          <p:attrName>style.visibility</p:attrName>
+                                        </p:attrNameLst>
+                                      </p:cBhvr>
+                                      <p:to>
+                                        <p:strVal val="visible"/>
+                                      </p:to>
+                                    </p:set>
+                                  </p:childTnLst>
+                                </p:cTn>
+                              </p:par>
+                            </p:childTnLst>
+                          </p:cTn>
+                        </p:par>
+                      </p:childTnLst>
+                    </p:cTn>
+                  </p:par>
+                  <p:par>
+                    <p:cTn id="7" fill="hold">
+                      <p:stCondLst>
+                        <p:cond delay="indefinite"/>
+                      </p:stCondLst>
+                      <p:childTnLst>
+                        <p:par>
+                          <p:cTn id="8" fill="hold">
+                            <p:stCondLst>
+                              <p:cond delay="0"/>
+                            </p:stCondLst>
+                            <p:childTnLst>
+                              <p:par>
+                                <p:cTn id="9" presetID="1" presetClass="entr" presetSubtype="0" fill="hold" nodeType="clickEffect">
+                                  <p:stCondLst>
+                                    <p:cond delay="0"/>
+                                  </p:stCondLst>
+                                  <p:childTnLst>
+                                    <p:set>
+                                      <p:cBhvr>
+                                        <p:cTn id="10" dur="1" fill="hold">
+                                          <p:stCondLst>
+                                            <p:cond delay="0"/>
+                                          </p:stCondLst>
+                                        </p:cTn>
+                                        <p:tgtEl>
+                                          <p:spTgt spid="7"/>
+                                        </p:tgtEl>
+                                        <p:attrNameLst>
+                                          <p:attrName>style.visibility</p:attrName>
+                                        </p:attrNameLst>
+                                      </p:cBhvr>
+                                      <p:to>
+                                        <p:strVal val="visible"/>
+                                      </p:to>
+                                    </p:set>
+                                  </p:childTnLst>
+                                </p:cTn>
+                              </p:par>
+                            </p:childTnLst>
+                          </p:cTn>
+                        </p:par>
+                      </p:childTnLst>
+                    </p:cTn>
+                  </p:par>
+                  <p:par>
+                    <p:cTn id="11" fill="hold">
+                      <p:stCondLst>
+                        <p:cond delay="indefinite"/>
+                      </p:stCondLst>
+                      <p:childTnLst>
+                        <p:par>
+                          <p:cTn id="12" fill="hold">
+                            <p:stCondLst>
+                              <p:cond delay="0"/>
+                            </p:stCondLst>
+                            <p:childTnLst>
+                              <p:par>
+                                <p:cTn id="13" presetID="1" presetClass="entr" presetSubtype="0" fill="hold" nodeType="clickEffect">
+                                  <p:stCondLst>
+                                    <p:cond delay="0"/>
+                                  </p:stCondLst>
+                                  <p:childTnLst>
+                                    <p:set>
+                                      <p:cBhvr>
+                                        <p:cTn id="14" dur="1" fill="hold">
+                                          <p:stCondLst>
+                                            <p:cond delay="0"/>
+                                          </p:stCondLst>
+                                        </p:cTn>
+                                        <p:tgtEl>
+                                          <p:spTgt spid="10"/>
+                                        </p:tgtEl>
+                                        <p:attrNameLst>
+                                          <p:attrName>style.visibility</p:attrName>
+                                        </p:attrNameLst>
+                                      </p:cBhvr>
+                                      <p:to>
+                                        <p:strVal val="visible"/>
+                                      </p:to>
+                                    </p:set>
+                                  </p:childTnLst>
+                                </p:cTn>
+                              </p:par>
+                              <p:par>
+                                <p:cTn id="15" presetID="1" presetClass="entr" presetSubtype="0" fill="hold" nodeType="withEffect">
+                                  <p:stCondLst>
+                                    <p:cond delay="0"/>
+                                  </p:stCondLst>
+                                  <p:childTnLst>
+                                    <p:set>
+                                      <p:cBhvr>
+                                        <p:cTn id="16" dur="1" fill="hold">
+                                          <p:stCondLst>
+                                            <p:cond delay="0"/>
+                                          </p:stCondLst>
+                                        </p:cTn>
+                                        <p:tgtEl>
+                                          <p:spTgt spid="12"/>
+                                        </p:tgtEl>
+                                        <p:attrNameLst>
+                                          <p:attrName>style.visibility</p:attrName>
+                                        </p:attrNameLst>
+                                      </p:cBhvr>
+                                      <p:to>
+                                        <p:strVal val="visible"/>
+                                      </p:to>
+                                    </p:set>
+                                  </p:childTnLst>
+                                </p:cTn>
+                              </p:par>
+                            </p:childTnLst>
+                          </p:cTn>
+                        </p:par>
+                      </p:childTnLst>
+                    </p:cTn>
+                  </p:par>
+                </p:childTnLst>
+              </p:cTn>
+              <p:prevCondLst>
+                <p:cond evt="onPrev" delay="0">
+                  <p:tgtEl>
+                    <p:sldTgt/>
+                  </p:tgtEl>
+                </p:cond>
+              </p:prevCondLst>
+              <p:nextCondLst>
+                <p:cond evt="onNext" delay="0">
+                  <p:tgtEl>
+                    <p:sldTgt/>
+                  </p:tgtEl>
+                </p:cond>
+              </p:nextCondLst>
+            </p:seq>
+          </p:childTnLst>
+        </p:cTn>
+      </p:par>
+    </p:tnLst>
+  </p:timing>
+</p:sld>
+</file>
+
+<file path=ppt/slides/slide42.xml><?xml version="1.0" encoding="utf-8"?>
+<p:sld xmlns:a="http://schemas.openxmlformats.org/drawingml/2006/main" xmlns:r="http://schemas.openxmlformats.org/officeDocument/2006/relationships" xmlns:p="http://schemas.openxmlformats.org/presentationml/2006/main">
+  <p:cSld>
+    <p:spTree>
+      <p:nvGrpSpPr>
+        <p:cNvPr id="1" name=""/>
+        <p:cNvGrpSpPr/>
+        <p:nvPr/>
+      </p:nvGrpSpPr>
+      <p:grpSpPr>
+        <a:xfrm>
+          <a:off x="0" y="0"/>
+          <a:ext cx="0" cy="0"/>
+          <a:chOff x="0" y="0"/>
+          <a:chExt cx="0" cy="0"/>
+        </a:xfrm>
+      </p:grpSpPr>
+      <p:sp>
+        <p:nvSpPr>
+          <p:cNvPr id="2" name="Title 1"/>
+          <p:cNvSpPr>
+            <a:spLocks noGrp="1"/>
+          </p:cNvSpPr>
+          <p:nvPr>
+            <p:ph type="title"/>
+          </p:nvPr>
+        </p:nvSpPr>
+        <p:spPr/>
+        <p:txBody>
+          <a:bodyPr>
+            <a:normAutofit fontScale="90000"/>
+          </a:bodyPr>
+          <a:lstStyle/>
+          <a:p>
+            <a:r>
+              <a:rPr lang="en-US" dirty="0" smtClean="0"/>
+              <a:t>Recap: correlation </a:t>
+            </a:r>
+            <a:r>
+              <a:rPr lang="en-US" dirty="0" smtClean="0"/>
+              <a:t>between IR metrics and interleaving</a:t>
+            </a:r>
+            <a:endParaRPr lang="en-US" dirty="0"/>
+          </a:p>
+        </p:txBody>
+      </p:sp>
+      <p:sp>
+        <p:nvSpPr>
+          <p:cNvPr id="4" name="Footer Placeholder 3"/>
+          <p:cNvSpPr>
+            <a:spLocks noGrp="1"/>
+          </p:cNvSpPr>
+          <p:nvPr>
+            <p:ph type="ftr" sz="quarter" idx="11"/>
+          </p:nvPr>
+        </p:nvSpPr>
+        <p:spPr/>
+        <p:txBody>
+          <a:bodyPr/>
+          <a:lstStyle/>
+          <a:p>
+            <a:r>
+              <a:rPr lang="en-US" smtClean="0"/>
+              <a:t>CS 4501: Information Retrieval</a:t>
+            </a:r>
+            <a:endParaRPr lang="en-US"/>
+          </a:p>
+        </p:txBody>
+      </p:sp>
+      <p:pic>
+        <p:nvPicPr>
+          <p:cNvPr id="6" name="Picture 5"/>
+          <p:cNvPicPr>
+            <a:picLocks noChangeAspect="1"/>
+          </p:cNvPicPr>
+          <p:nvPr/>
+        </p:nvPicPr>
+        <p:blipFill>
+          <a:blip r:embed="rId2"/>
+          <a:stretch>
+            <a:fillRect/>
+          </a:stretch>
+        </p:blipFill>
+        <p:spPr>
+          <a:xfrm>
+            <a:off x="979714" y="2507046"/>
+            <a:ext cx="7364186" cy="2548008"/>
+          </a:xfrm>
+          <a:prstGeom prst="rect">
+            <a:avLst/>
+          </a:prstGeom>
+        </p:spPr>
+      </p:pic>
+      <p:sp>
+        <p:nvSpPr>
+          <p:cNvPr id="7" name="Date Placeholder 6"/>
+          <p:cNvSpPr>
+            <a:spLocks noGrp="1"/>
+          </p:cNvSpPr>
+          <p:nvPr>
+            <p:ph type="dt" sz="half" idx="10"/>
+          </p:nvPr>
+        </p:nvSpPr>
+        <p:spPr/>
+        <p:txBody>
+          <a:bodyPr/>
+          <a:lstStyle/>
+          <a:p>
+            <a:r>
+              <a:rPr lang="en-US" smtClean="0"/>
+              <a:t>CS@UVa</a:t>
+            </a:r>
+            <a:endParaRPr lang="en-US"/>
+          </a:p>
+        </p:txBody>
+      </p:sp>
+      <p:sp>
+        <p:nvSpPr>
+          <p:cNvPr id="8" name="Slide Number Placeholder 7"/>
+          <p:cNvSpPr>
+            <a:spLocks noGrp="1"/>
+          </p:cNvSpPr>
+          <p:nvPr>
+            <p:ph type="sldNum" sz="quarter" idx="12"/>
+          </p:nvPr>
+        </p:nvSpPr>
+        <p:spPr/>
+        <p:txBody>
+          <a:bodyPr/>
+          <a:lstStyle/>
+          <a:p>
+            <a:fld id="{B55C347D-741C-420F-98A9-980B958D5E13}" type="slidenum">
+              <a:rPr lang="en-US" smtClean="0"/>
+              <a:t>42</a:t>
+            </a:fld>
+            <a:endParaRPr lang="en-US"/>
+          </a:p>
+        </p:txBody>
+      </p:sp>
+    </p:spTree>
+    <p:extLst>
+      <p:ext uri="{BB962C8B-B14F-4D97-AF65-F5344CB8AC3E}">
+        <p14:creationId xmlns:p14="http://schemas.microsoft.com/office/powerpoint/2010/main" val="3773500081"/>
+      </p:ext>
+    </p:extLst>
+  </p:cSld>
+  <p:clrMapOvr>
+    <a:masterClrMapping/>
+  </p:clrMapOvr>
+  <p:timing>
+    <p:tnLst>
+      <p:par>
+        <p:cTn id="1" dur="indefinite" restart="never" nodeType="tmRoot"/>
+      </p:par>
+    </p:tnLst>
+  </p:timing>
+</p:sld>
+</file>
+
+<file path=ppt/slides/slide43.xml><?xml version="1.0" encoding="utf-8"?>
 <p:sld xmlns:a="http://schemas.openxmlformats.org/drawingml/2006/main" xmlns:r="http://schemas.openxmlformats.org/officeDocument/2006/relationships" xmlns:p="http://schemas.openxmlformats.org/presentationml/2006/main">
   <p:cSld>
     <p:spTree>
@@ -18363,7 +21517,7 @@
           <a:p>
             <a:fld id="{B55C347D-741C-420F-98A9-980B958D5E13}" type="slidenum">
               <a:rPr lang="en-US" smtClean="0"/>
-              <a:t>33</a:t>
+              <a:t>43</a:t>
             </a:fld>
             <a:endParaRPr lang="en-US"/>
           </a:p>
@@ -19536,7 +22690,7 @@
 </p:sld>
 </file>
 
-<file path=ppt/slides/slide34.xml><?xml version="1.0" encoding="utf-8"?>
+<file path=ppt/slides/slide44.xml><?xml version="1.0" encoding="utf-8"?>
 <p:sld xmlns:a="http://schemas.openxmlformats.org/drawingml/2006/main" xmlns:r="http://schemas.openxmlformats.org/officeDocument/2006/relationships" xmlns:p="http://schemas.openxmlformats.org/presentationml/2006/main">
   <p:cSld>
     <p:spTree>
@@ -20550,7 +23704,7 @@
           <a:p>
             <a:fld id="{B55C347D-741C-420F-98A9-980B958D5E13}" type="slidenum">
               <a:rPr lang="en-US" smtClean="0"/>
-              <a:t>34</a:t>
+              <a:t>44</a:t>
             </a:fld>
             <a:endParaRPr lang="en-US"/>
           </a:p>
@@ -20734,7 +23888,7 @@
 </p:sld>
 </file>
 
-<file path=ppt/slides/slide35.xml><?xml version="1.0" encoding="utf-8"?>
+<file path=ppt/slides/slide45.xml><?xml version="1.0" encoding="utf-8"?>
 <p:sld xmlns:a="http://schemas.openxmlformats.org/drawingml/2006/main" xmlns:r="http://schemas.openxmlformats.org/officeDocument/2006/relationships" xmlns:p="http://schemas.openxmlformats.org/presentationml/2006/main">
   <p:cSld>
     <p:spTree>
@@ -21029,7 +24183,7 @@
           <a:p>
             <a:fld id="{B55C347D-741C-420F-98A9-980B958D5E13}" type="slidenum">
               <a:rPr lang="en-US" smtClean="0"/>
-              <a:t>35</a:t>
+              <a:t>45</a:t>
             </a:fld>
             <a:endParaRPr lang="en-US"/>
           </a:p>
@@ -21055,7 +24209,7 @@
 </p:sld>
 </file>
 
-<file path=ppt/slides/slide36.xml><?xml version="1.0" encoding="utf-8"?>
+<file path=ppt/slides/slide46.xml><?xml version="1.0" encoding="utf-8"?>
 <p:sld xmlns:a="http://schemas.openxmlformats.org/drawingml/2006/main" xmlns:r="http://schemas.openxmlformats.org/officeDocument/2006/relationships" xmlns:p="http://schemas.openxmlformats.org/presentationml/2006/main">
   <p:cSld>
     <p:spTree>
@@ -21200,6 +24354,14 @@
                               <a:rPr lang="en-US" sz="2400" b="0" i="1" smtClean="0">
                                 <a:latin typeface="Cambria Math" panose="02040503050406030204" pitchFamily="18" charset="0"/>
                               </a:rPr>
+                              <m:t>𝐵</m:t>
+                            </m:r>
+                          </m:e>
+                          <m:e>
+                            <m:r>
+                              <a:rPr lang="en-US" sz="2400" b="0" i="1" smtClean="0">
+                                <a:latin typeface="Cambria Math" panose="02040503050406030204" pitchFamily="18" charset="0"/>
+                              </a:rPr>
                               <m:t>𝑆</m:t>
                             </m:r>
                             <m:r>
@@ -21207,14 +24369,6 @@
                                 <a:latin typeface="Cambria Math" panose="02040503050406030204" pitchFamily="18" charset="0"/>
                               </a:rPr>
                               <m:t>=1</m:t>
-                            </m:r>
-                          </m:e>
-                          <m:e>
-                            <m:r>
-                              <a:rPr lang="en-US" sz="2400" b="0" i="1" smtClean="0">
-                                <a:latin typeface="Cambria Math" panose="02040503050406030204" pitchFamily="18" charset="0"/>
-                              </a:rPr>
-                              <m:t>𝐵</m:t>
                             </m:r>
                           </m:e>
                         </m:d>
@@ -21265,24 +24419,24 @@
                           </m:dPr>
                           <m:e>
                             <m:r>
-                              <a:rPr lang="en-US" sz="2400" i="1">
+                              <a:rPr lang="en-US" sz="2400" b="0" i="1" smtClean="0">
+                                <a:latin typeface="Cambria Math" panose="02040503050406030204" pitchFamily="18" charset="0"/>
+                              </a:rPr>
+                              <m:t>𝐵</m:t>
+                            </m:r>
+                          </m:e>
+                          <m:e>
+                            <m:r>
+                              <a:rPr lang="en-US" sz="2400" b="0" i="1" smtClean="0">
                                 <a:latin typeface="Cambria Math" panose="02040503050406030204" pitchFamily="18" charset="0"/>
                               </a:rPr>
                               <m:t>𝑆</m:t>
                             </m:r>
                             <m:r>
-                              <a:rPr lang="en-US" sz="2400" i="1">
+                              <a:rPr lang="en-US" sz="2400" b="0" i="1" smtClean="0">
                                 <a:latin typeface="Cambria Math" panose="02040503050406030204" pitchFamily="18" charset="0"/>
                               </a:rPr>
                               <m:t>=1</m:t>
-                            </m:r>
-                          </m:e>
-                          <m:e>
-                            <m:r>
-                              <a:rPr lang="en-US" sz="2400" i="1">
-                                <a:latin typeface="Cambria Math" panose="02040503050406030204" pitchFamily="18" charset="0"/>
-                              </a:rPr>
-                              <m:t>𝐵</m:t>
                             </m:r>
                           </m:e>
                         </m:d>
@@ -21337,24 +24491,24 @@
                           </m:dPr>
                           <m:e>
                             <m:r>
-                              <a:rPr lang="en-US" sz="2400" i="1">
+                              <a:rPr lang="en-US" sz="2400" b="0" i="1" smtClean="0">
+                                <a:latin typeface="Cambria Math" panose="02040503050406030204" pitchFamily="18" charset="0"/>
+                              </a:rPr>
+                              <m:t>𝐵</m:t>
+                            </m:r>
+                          </m:e>
+                          <m:e>
+                            <m:r>
+                              <a:rPr lang="en-US" sz="2400" b="0" i="1" smtClean="0">
                                 <a:latin typeface="Cambria Math" panose="02040503050406030204" pitchFamily="18" charset="0"/>
                               </a:rPr>
                               <m:t>𝑆</m:t>
                             </m:r>
                             <m:r>
-                              <a:rPr lang="en-US" sz="2400" i="1">
+                              <a:rPr lang="en-US" sz="2400" b="0" i="1" smtClean="0">
                                 <a:latin typeface="Cambria Math" panose="02040503050406030204" pitchFamily="18" charset="0"/>
                               </a:rPr>
                               <m:t>=0</m:t>
-                            </m:r>
-                          </m:e>
-                          <m:e>
-                            <m:r>
-                              <a:rPr lang="en-US" sz="2400" i="1">
-                                <a:latin typeface="Cambria Math" panose="02040503050406030204" pitchFamily="18" charset="0"/>
-                              </a:rPr>
-                              <m:t>𝐵</m:t>
                             </m:r>
                           </m:e>
                         </m:d>
@@ -21618,7 +24772,7 @@
         </p:nvGrpSpPr>
         <p:grpSpPr>
           <a:xfrm>
-            <a:off x="2201333" y="2839589"/>
+            <a:off x="2201333" y="2744123"/>
             <a:ext cx="4953000" cy="3634156"/>
             <a:chOff x="2133597" y="2761343"/>
             <a:chExt cx="4953000" cy="3634156"/>
@@ -21742,7 +24896,7 @@
           <a:p>
             <a:fld id="{B55C347D-741C-420F-98A9-980B958D5E13}" type="slidenum">
               <a:rPr lang="en-US" smtClean="0"/>
-              <a:t>36</a:t>
+              <a:t>46</a:t>
             </a:fld>
             <a:endParaRPr lang="en-US"/>
           </a:p>
@@ -21926,7 +25080,7 @@
 </p:sld>
 </file>
 
-<file path=ppt/slides/slide37.xml><?xml version="1.0" encoding="utf-8"?>
+<file path=ppt/slides/slide47.xml><?xml version="1.0" encoding="utf-8"?>
 <p:sld xmlns:a="http://schemas.openxmlformats.org/drawingml/2006/main" xmlns:r="http://schemas.openxmlformats.org/officeDocument/2006/relationships" xmlns:p="http://schemas.openxmlformats.org/presentationml/2006/main">
   <p:cSld>
     <p:spTree>
@@ -22078,7 +25232,7 @@
           <a:p>
             <a:fld id="{B55C347D-741C-420F-98A9-980B958D5E13}" type="slidenum">
               <a:rPr lang="en-US" smtClean="0"/>
-              <a:t>37</a:t>
+              <a:t>47</a:t>
             </a:fld>
             <a:endParaRPr lang="en-US"/>
           </a:p>
@@ -22088,237 +25242,6 @@
     <p:extLst>
       <p:ext uri="{BB962C8B-B14F-4D97-AF65-F5344CB8AC3E}">
         <p14:creationId xmlns:p14="http://schemas.microsoft.com/office/powerpoint/2010/main" val="1663741309"/>
-      </p:ext>
-    </p:extLst>
-  </p:cSld>
-  <p:clrMapOvr>
-    <a:masterClrMapping/>
-  </p:clrMapOvr>
-  <p:timing>
-    <p:tnLst>
-      <p:par>
-        <p:cTn id="1" dur="indefinite" restart="never" nodeType="tmRoot"/>
-      </p:par>
-    </p:tnLst>
-  </p:timing>
-</p:sld>
-</file>
-
-<file path=ppt/slides/slide4.xml><?xml version="1.0" encoding="utf-8"?>
-<p:sld xmlns:a="http://schemas.openxmlformats.org/drawingml/2006/main" xmlns:r="http://schemas.openxmlformats.org/officeDocument/2006/relationships" xmlns:p="http://schemas.openxmlformats.org/presentationml/2006/main">
-  <p:cSld>
-    <p:spTree>
-      <p:nvGrpSpPr>
-        <p:cNvPr id="1" name=""/>
-        <p:cNvGrpSpPr/>
-        <p:nvPr/>
-      </p:nvGrpSpPr>
-      <p:grpSpPr>
-        <a:xfrm>
-          <a:off x="0" y="0"/>
-          <a:ext cx="0" cy="0"/>
-          <a:chOff x="0" y="0"/>
-          <a:chExt cx="0" cy="0"/>
-        </a:xfrm>
-      </p:grpSpPr>
-      <p:sp>
-        <p:nvSpPr>
-          <p:cNvPr id="2" name="Title 1"/>
-          <p:cNvSpPr>
-            <a:spLocks noGrp="1"/>
-          </p:cNvSpPr>
-          <p:nvPr>
-            <p:ph type="title"/>
-          </p:nvPr>
-        </p:nvSpPr>
-        <p:spPr/>
-        <p:txBody>
-          <a:bodyPr>
-            <a:normAutofit fontScale="90000"/>
-          </a:bodyPr>
-          <a:lstStyle/>
-          <a:p>
-            <a:r>
-              <a:rPr lang="en-US" dirty="0" smtClean="0"/>
-              <a:t>Do user preferences and evaluation measures line up? </a:t>
-            </a:r>
-            <a:r>
-              <a:rPr lang="en-US" baseline="30000" dirty="0" smtClean="0"/>
-              <a:t>[Sanderson et al. SIGIR’10]</a:t>
-            </a:r>
-            <a:endParaRPr lang="en-US" baseline="30000" dirty="0"/>
-          </a:p>
-        </p:txBody>
-      </p:sp>
-      <p:sp>
-        <p:nvSpPr>
-          <p:cNvPr id="3" name="Content Placeholder 2"/>
-          <p:cNvSpPr>
-            <a:spLocks noGrp="1"/>
-          </p:cNvSpPr>
-          <p:nvPr>
-            <p:ph idx="1"/>
-          </p:nvPr>
-        </p:nvSpPr>
-        <p:spPr/>
-        <p:txBody>
-          <a:bodyPr>
-            <a:normAutofit fontScale="92500" lnSpcReduction="10000"/>
-          </a:bodyPr>
-          <a:lstStyle/>
-          <a:p>
-            <a:r>
-              <a:rPr lang="en-US" dirty="0" smtClean="0"/>
-              <a:t>Research question</a:t>
-            </a:r>
-          </a:p>
-          <a:p>
-            <a:pPr marL="971550" lvl="1" indent="-514350">
-              <a:buFont typeface="+mj-lt"/>
-              <a:buAutoNum type="arabicPeriod"/>
-            </a:pPr>
-            <a:r>
-              <a:rPr lang="en-US" dirty="0" smtClean="0"/>
-              <a:t>Does </a:t>
-            </a:r>
-            <a:r>
-              <a:rPr lang="en-US" dirty="0"/>
-              <a:t>effectiveness measured on a test collection predict user preferences for one IR system over another? </a:t>
-            </a:r>
-            <a:endParaRPr lang="en-US" dirty="0" smtClean="0"/>
-          </a:p>
-          <a:p>
-            <a:pPr marL="971550" lvl="1" indent="-514350">
-              <a:buFont typeface="+mj-lt"/>
-              <a:buAutoNum type="arabicPeriod"/>
-            </a:pPr>
-            <a:r>
-              <a:rPr lang="en-US" dirty="0" smtClean="0"/>
-              <a:t>If </a:t>
-            </a:r>
-            <a:r>
-              <a:rPr lang="en-US" dirty="0"/>
-              <a:t>such </a:t>
-            </a:r>
-            <a:r>
-              <a:rPr lang="en-US" dirty="0" smtClean="0"/>
-              <a:t>predictive </a:t>
-            </a:r>
-            <a:r>
-              <a:rPr lang="en-US" dirty="0"/>
-              <a:t>power exists, does the strength of prediction vary across different search tasks and topic types? </a:t>
-            </a:r>
-            <a:endParaRPr lang="en-US" dirty="0" smtClean="0"/>
-          </a:p>
-          <a:p>
-            <a:pPr marL="971550" lvl="1" indent="-514350">
-              <a:buFont typeface="+mj-lt"/>
-              <a:buAutoNum type="arabicPeriod"/>
-            </a:pPr>
-            <a:r>
-              <a:rPr lang="en-US" dirty="0" smtClean="0"/>
-              <a:t>If </a:t>
-            </a:r>
-            <a:r>
-              <a:rPr lang="en-US" dirty="0"/>
-              <a:t>present, does the predictive power vary when different effectiveness measures are employed? </a:t>
-            </a:r>
-            <a:endParaRPr lang="en-US" dirty="0" smtClean="0"/>
-          </a:p>
-          <a:p>
-            <a:pPr marL="971550" lvl="1" indent="-514350">
-              <a:buFont typeface="+mj-lt"/>
-              <a:buAutoNum type="arabicPeriod"/>
-            </a:pPr>
-            <a:r>
-              <a:rPr lang="en-US" dirty="0" smtClean="0"/>
-              <a:t>When </a:t>
-            </a:r>
-            <a:r>
-              <a:rPr lang="en-US" dirty="0"/>
-              <a:t>choosing one system over another, what are the reasons given by users for their choice? </a:t>
-            </a:r>
-            <a:endParaRPr lang="en-US" dirty="0" smtClean="0"/>
-          </a:p>
-          <a:p>
-            <a:pPr lvl="1"/>
-            <a:endParaRPr lang="en-US" dirty="0"/>
-          </a:p>
-        </p:txBody>
-      </p:sp>
-      <p:sp>
-        <p:nvSpPr>
-          <p:cNvPr id="5" name="Footer Placeholder 4"/>
-          <p:cNvSpPr>
-            <a:spLocks noGrp="1"/>
-          </p:cNvSpPr>
-          <p:nvPr>
-            <p:ph type="ftr" sz="quarter" idx="11"/>
-          </p:nvPr>
-        </p:nvSpPr>
-        <p:spPr/>
-        <p:txBody>
-          <a:bodyPr/>
-          <a:lstStyle/>
-          <a:p>
-            <a:r>
-              <a:rPr lang="en-US" smtClean="0"/>
-              <a:t>CS 4501: Information Retrieval</a:t>
-            </a:r>
-            <a:endParaRPr lang="en-US"/>
-          </a:p>
-        </p:txBody>
-      </p:sp>
-      <p:sp>
-        <p:nvSpPr>
-          <p:cNvPr id="7" name="Date Placeholder 6"/>
-          <p:cNvSpPr>
-            <a:spLocks noGrp="1"/>
-          </p:cNvSpPr>
-          <p:nvPr>
-            <p:ph type="dt" sz="half" idx="10"/>
-          </p:nvPr>
-        </p:nvSpPr>
-        <p:spPr/>
-        <p:txBody>
-          <a:bodyPr/>
-          <a:lstStyle/>
-          <a:p>
-            <a:r>
-              <a:rPr lang="en-US" smtClean="0"/>
-              <a:t>CS@UVa</a:t>
-            </a:r>
-            <a:endParaRPr lang="en-US"/>
-          </a:p>
-        </p:txBody>
-      </p:sp>
-      <p:sp>
-        <p:nvSpPr>
-          <p:cNvPr id="8" name="Slide Number Placeholder 7"/>
-          <p:cNvSpPr>
-            <a:spLocks noGrp="1"/>
-          </p:cNvSpPr>
-          <p:nvPr>
-            <p:ph type="sldNum" sz="quarter" idx="12"/>
-          </p:nvPr>
-        </p:nvSpPr>
-        <p:spPr/>
-        <p:txBody>
-          <a:bodyPr/>
-          <a:lstStyle/>
-          <a:p>
-            <a:fld id="{B55C347D-741C-420F-98A9-980B958D5E13}" type="slidenum">
-              <a:rPr lang="en-US" smtClean="0"/>
-              <a:t>4</a:t>
-            </a:fld>
-            <a:endParaRPr lang="en-US"/>
-          </a:p>
-        </p:txBody>
-      </p:sp>
-    </p:spTree>
-    <p:extLst>
-      <p:ext uri="{BB962C8B-B14F-4D97-AF65-F5344CB8AC3E}">
-        <p14:creationId xmlns:p14="http://schemas.microsoft.com/office/powerpoint/2010/main" val="1685902850"/>
       </p:ext>
     </p:extLst>
   </p:cSld>

--- a/docs/Modern Retrieval Evaluations.pptx
+++ b/docs/Modern Retrieval Evaluations.pptx
@@ -254,7 +254,7 @@
           <a:p>
             <a:fld id="{B4411AA0-CEDB-4C5B-840E-2322BB417AE9}" type="datetimeFigureOut">
               <a:rPr lang="en-US" smtClean="0"/>
-              <a:t>11/8/2015</a:t>
+              <a:t>11/9/2015</a:t>
             </a:fld>
             <a:endParaRPr lang="en-US"/>
           </a:p>
@@ -18857,11 +18857,7 @@
           <a:p>
             <a:r>
               <a:rPr lang="en-US" dirty="0" smtClean="0"/>
-              <a:t>Recap: A/B </a:t>
-            </a:r>
-            <a:r>
-              <a:rPr lang="en-US" dirty="0" smtClean="0"/>
-              <a:t>test</a:t>
+              <a:t>Recap: A/B test</a:t>
             </a:r>
             <a:endParaRPr lang="en-US" dirty="0"/>
           </a:p>
@@ -19280,11 +19276,7 @@
           <a:p>
             <a:r>
               <a:rPr lang="en-US" dirty="0" smtClean="0"/>
-              <a:t>Recap: result </a:t>
-            </a:r>
-            <a:r>
-              <a:rPr lang="en-US" dirty="0" smtClean="0"/>
-              <a:t>for A/B test</a:t>
+              <a:t>Recap: result for A/B test</a:t>
             </a:r>
             <a:endParaRPr lang="en-US" dirty="0"/>
           </a:p>
@@ -19464,11 +19456,7 @@
             </a:r>
             <a:r>
               <a:rPr lang="en-US" dirty="0" smtClean="0"/>
-              <a:t>interleave </a:t>
-            </a:r>
-            <a:r>
-              <a:rPr lang="en-US" dirty="0" smtClean="0"/>
-              <a:t>test</a:t>
+              <a:t>interleave test</a:t>
             </a:r>
             <a:endParaRPr lang="en-US" dirty="0"/>
           </a:p>
@@ -20080,11 +20068,7 @@
           <a:p>
             <a:r>
               <a:rPr lang="en-US" dirty="0" smtClean="0"/>
-              <a:t>Recap: result </a:t>
-            </a:r>
-            <a:r>
-              <a:rPr lang="en-US" dirty="0" smtClean="0"/>
-              <a:t>for interleaved test</a:t>
+              <a:t>Recap: result for interleaved test</a:t>
             </a:r>
             <a:endParaRPr lang="en-US" dirty="0"/>
           </a:p>
@@ -20272,11 +20256,7 @@
           <a:p>
             <a:r>
               <a:rPr lang="en-US" dirty="0" smtClean="0"/>
-              <a:t>Recap: sensitivity </a:t>
-            </a:r>
-            <a:r>
-              <a:rPr lang="en-US" dirty="0" smtClean="0"/>
-              <a:t>of NDCG@5</a:t>
+              <a:t>Recap: sensitivity of NDCG@5</a:t>
             </a:r>
             <a:endParaRPr lang="en-US" dirty="0"/>
           </a:p>
@@ -20779,13 +20759,32 @@
           <a:p>
             <a:r>
               <a:rPr lang="en-US" dirty="0" smtClean="0"/>
-              <a:t>Recap: correlation </a:t>
-            </a:r>
-            <a:r>
-              <a:rPr lang="en-US" dirty="0" smtClean="0"/>
-              <a:t>between IR metrics and interleaving</a:t>
+              <a:t>Recap: correlation between IR metrics and interleaving</a:t>
             </a:r>
             <a:endParaRPr lang="en-US" dirty="0"/>
+          </a:p>
+        </p:txBody>
+      </p:sp>
+      <p:sp>
+        <p:nvSpPr>
+          <p:cNvPr id="7" name="Date Placeholder 6"/>
+          <p:cNvSpPr>
+            <a:spLocks noGrp="1"/>
+          </p:cNvSpPr>
+          <p:nvPr>
+            <p:ph type="dt" sz="half" idx="10"/>
+          </p:nvPr>
+        </p:nvSpPr>
+        <p:spPr/>
+        <p:txBody>
+          <a:bodyPr/>
+          <a:lstStyle/>
+          <a:p>
+            <a:r>
+              <a:rPr lang="en-US" smtClean="0"/>
+              <a:t>CS@UVa</a:t>
+            </a:r>
+            <a:endParaRPr lang="en-US"/>
           </a:p>
         </p:txBody>
       </p:sp>
@@ -20808,6 +20807,29 @@
               <a:rPr lang="en-US" smtClean="0"/>
               <a:t>CS 4501: Information Retrieval</a:t>
             </a:r>
+            <a:endParaRPr lang="en-US"/>
+          </a:p>
+        </p:txBody>
+      </p:sp>
+      <p:sp>
+        <p:nvSpPr>
+          <p:cNvPr id="8" name="Slide Number Placeholder 7"/>
+          <p:cNvSpPr>
+            <a:spLocks noGrp="1"/>
+          </p:cNvSpPr>
+          <p:nvPr>
+            <p:ph type="sldNum" sz="quarter" idx="12"/>
+          </p:nvPr>
+        </p:nvSpPr>
+        <p:spPr/>
+        <p:txBody>
+          <a:bodyPr/>
+          <a:lstStyle/>
+          <a:p>
+            <a:fld id="{B55C347D-741C-420F-98A9-980B958D5E13}" type="slidenum">
+              <a:rPr lang="en-US" smtClean="0"/>
+              <a:t>42</a:t>
+            </a:fld>
             <a:endParaRPr lang="en-US"/>
           </a:p>
         </p:txBody>
@@ -20836,52 +20858,6 @@
           </a:prstGeom>
         </p:spPr>
       </p:pic>
-      <p:sp>
-        <p:nvSpPr>
-          <p:cNvPr id="7" name="Date Placeholder 6"/>
-          <p:cNvSpPr>
-            <a:spLocks noGrp="1"/>
-          </p:cNvSpPr>
-          <p:nvPr>
-            <p:ph type="dt" sz="half" idx="10"/>
-          </p:nvPr>
-        </p:nvSpPr>
-        <p:spPr/>
-        <p:txBody>
-          <a:bodyPr/>
-          <a:lstStyle/>
-          <a:p>
-            <a:r>
-              <a:rPr lang="en-US" smtClean="0"/>
-              <a:t>CS@UVa</a:t>
-            </a:r>
-            <a:endParaRPr lang="en-US"/>
-          </a:p>
-        </p:txBody>
-      </p:sp>
-      <p:sp>
-        <p:nvSpPr>
-          <p:cNvPr id="8" name="Slide Number Placeholder 7"/>
-          <p:cNvSpPr>
-            <a:spLocks noGrp="1"/>
-          </p:cNvSpPr>
-          <p:nvPr>
-            <p:ph type="sldNum" sz="quarter" idx="12"/>
-          </p:nvPr>
-        </p:nvSpPr>
-        <p:spPr/>
-        <p:txBody>
-          <a:bodyPr/>
-          <a:lstStyle/>
-          <a:p>
-            <a:fld id="{B55C347D-741C-420F-98A9-980B958D5E13}" type="slidenum">
-              <a:rPr lang="en-US" smtClean="0"/>
-              <a:t>42</a:t>
-            </a:fld>
-            <a:endParaRPr lang="en-US"/>
-          </a:p>
-        </p:txBody>
-      </p:sp>
     </p:spTree>
     <p:extLst>
       <p:ext uri="{BB962C8B-B14F-4D97-AF65-F5344CB8AC3E}">
